--- a/assets/img/notice_panel-1.pptx
+++ b/assets/img/notice_panel-1.pptx
@@ -260,7 +260,7 @@
           <a:p>
             <a:fld id="{91C883BF-99AE-42FD-96B8-D02942FEBE9A}" type="datetimeFigureOut">
               <a:rPr lang="ko-KR" altLang="en-US" smtClean="0"/>
-              <a:t>2022. 12. 20.</a:t>
+              <a:t>2023-04-07</a:t>
             </a:fld>
             <a:endParaRPr lang="ko-KR" altLang="en-US" dirty="0"/>
           </a:p>
@@ -458,7 +458,7 @@
           <a:p>
             <a:fld id="{91C883BF-99AE-42FD-96B8-D02942FEBE9A}" type="datetimeFigureOut">
               <a:rPr lang="ko-KR" altLang="en-US" smtClean="0"/>
-              <a:t>2022. 12. 20.</a:t>
+              <a:t>2023-04-07</a:t>
             </a:fld>
             <a:endParaRPr lang="ko-KR" altLang="en-US" dirty="0"/>
           </a:p>
@@ -666,7 +666,7 @@
           <a:p>
             <a:fld id="{91C883BF-99AE-42FD-96B8-D02942FEBE9A}" type="datetimeFigureOut">
               <a:rPr lang="ko-KR" altLang="en-US" smtClean="0"/>
-              <a:t>2022. 12. 20.</a:t>
+              <a:t>2023-04-07</a:t>
             </a:fld>
             <a:endParaRPr lang="ko-KR" altLang="en-US" dirty="0"/>
           </a:p>
@@ -864,7 +864,7 @@
           <a:p>
             <a:fld id="{91C883BF-99AE-42FD-96B8-D02942FEBE9A}" type="datetimeFigureOut">
               <a:rPr lang="ko-KR" altLang="en-US" smtClean="0"/>
-              <a:t>2022. 12. 20.</a:t>
+              <a:t>2023-04-07</a:t>
             </a:fld>
             <a:endParaRPr lang="ko-KR" altLang="en-US" dirty="0"/>
           </a:p>
@@ -1139,7 +1139,7 @@
           <a:p>
             <a:fld id="{91C883BF-99AE-42FD-96B8-D02942FEBE9A}" type="datetimeFigureOut">
               <a:rPr lang="ko-KR" altLang="en-US" smtClean="0"/>
-              <a:t>2022. 12. 20.</a:t>
+              <a:t>2023-04-07</a:t>
             </a:fld>
             <a:endParaRPr lang="ko-KR" altLang="en-US" dirty="0"/>
           </a:p>
@@ -1404,7 +1404,7 @@
           <a:p>
             <a:fld id="{91C883BF-99AE-42FD-96B8-D02942FEBE9A}" type="datetimeFigureOut">
               <a:rPr lang="ko-KR" altLang="en-US" smtClean="0"/>
-              <a:t>2022. 12. 20.</a:t>
+              <a:t>2023-04-07</a:t>
             </a:fld>
             <a:endParaRPr lang="ko-KR" altLang="en-US" dirty="0"/>
           </a:p>
@@ -1816,7 +1816,7 @@
           <a:p>
             <a:fld id="{91C883BF-99AE-42FD-96B8-D02942FEBE9A}" type="datetimeFigureOut">
               <a:rPr lang="ko-KR" altLang="en-US" smtClean="0"/>
-              <a:t>2022. 12. 20.</a:t>
+              <a:t>2023-04-07</a:t>
             </a:fld>
             <a:endParaRPr lang="ko-KR" altLang="en-US" dirty="0"/>
           </a:p>
@@ -1957,7 +1957,7 @@
           <a:p>
             <a:fld id="{91C883BF-99AE-42FD-96B8-D02942FEBE9A}" type="datetimeFigureOut">
               <a:rPr lang="ko-KR" altLang="en-US" smtClean="0"/>
-              <a:t>2022. 12. 20.</a:t>
+              <a:t>2023-04-07</a:t>
             </a:fld>
             <a:endParaRPr lang="ko-KR" altLang="en-US" dirty="0"/>
           </a:p>
@@ -2070,7 +2070,7 @@
           <a:p>
             <a:fld id="{91C883BF-99AE-42FD-96B8-D02942FEBE9A}" type="datetimeFigureOut">
               <a:rPr lang="ko-KR" altLang="en-US" smtClean="0"/>
-              <a:t>2022. 12. 20.</a:t>
+              <a:t>2023-04-07</a:t>
             </a:fld>
             <a:endParaRPr lang="ko-KR" altLang="en-US" dirty="0"/>
           </a:p>
@@ -2381,7 +2381,7 @@
           <a:p>
             <a:fld id="{91C883BF-99AE-42FD-96B8-D02942FEBE9A}" type="datetimeFigureOut">
               <a:rPr lang="ko-KR" altLang="en-US" smtClean="0"/>
-              <a:t>2022. 12. 20.</a:t>
+              <a:t>2023-04-07</a:t>
             </a:fld>
             <a:endParaRPr lang="ko-KR" altLang="en-US" dirty="0"/>
           </a:p>
@@ -2669,7 +2669,7 @@
           <a:p>
             <a:fld id="{91C883BF-99AE-42FD-96B8-D02942FEBE9A}" type="datetimeFigureOut">
               <a:rPr lang="ko-KR" altLang="en-US" smtClean="0"/>
-              <a:t>2022. 12. 20.</a:t>
+              <a:t>2023-04-07</a:t>
             </a:fld>
             <a:endParaRPr lang="ko-KR" altLang="en-US" dirty="0"/>
           </a:p>
@@ -2910,7 +2910,7 @@
           <a:p>
             <a:fld id="{91C883BF-99AE-42FD-96B8-D02942FEBE9A}" type="datetimeFigureOut">
               <a:rPr lang="ko-KR" altLang="en-US" smtClean="0"/>
-              <a:t>2022. 12. 20.</a:t>
+              <a:t>2023-04-07</a:t>
             </a:fld>
             <a:endParaRPr lang="ko-KR" altLang="en-US" dirty="0"/>
           </a:p>
@@ -3490,7 +3490,7 @@
         </p:nvSpPr>
         <p:spPr>
           <a:xfrm>
-            <a:off x="449131" y="723510"/>
+            <a:off x="446750" y="723510"/>
             <a:ext cx="4511938" cy="2421095"/>
           </a:xfrm>
           <a:prstGeom prst="round2DiagRect">
@@ -3629,883 +3629,6 @@
           </a:fontRef>
         </p:style>
       </p:cxnSp>
-      <p:sp>
-        <p:nvSpPr>
-          <p:cNvPr id="28" name="직사각형 27">
-            <a:extLst>
-              <a:ext uri="{FF2B5EF4-FFF2-40B4-BE49-F238E27FC236}">
-                <a16:creationId xmlns:a16="http://schemas.microsoft.com/office/drawing/2014/main" id="{C05813A6-3E20-4D02-B69F-737EF2E4259F}"/>
-              </a:ext>
-            </a:extLst>
-          </p:cNvPr>
-          <p:cNvSpPr/>
-          <p:nvPr/>
-        </p:nvSpPr>
-        <p:spPr>
-          <a:xfrm>
-            <a:off x="1075737" y="2199168"/>
-            <a:ext cx="179532" cy="68247"/>
-          </a:xfrm>
-          <a:prstGeom prst="rect">
-            <a:avLst/>
-          </a:prstGeom>
-          <a:solidFill>
-            <a:schemeClr val="bg1"/>
-          </a:solidFill>
-          <a:ln>
-            <a:solidFill>
-              <a:schemeClr val="bg1"/>
-            </a:solidFill>
-          </a:ln>
-        </p:spPr>
-        <p:style>
-          <a:lnRef idx="2">
-            <a:schemeClr val="accent1">
-              <a:shade val="50000"/>
-            </a:schemeClr>
-          </a:lnRef>
-          <a:fillRef idx="1">
-            <a:schemeClr val="accent1"/>
-          </a:fillRef>
-          <a:effectRef idx="0">
-            <a:schemeClr val="accent1"/>
-          </a:effectRef>
-          <a:fontRef idx="minor">
-            <a:schemeClr val="lt1"/>
-          </a:fontRef>
-        </p:style>
-        <p:txBody>
-          <a:bodyPr rtlCol="0" anchor="ctr"/>
-          <a:lstStyle/>
-          <a:p>
-            <a:pPr algn="ctr"/>
-            <a:endParaRPr lang="ko-KR" altLang="en-US" sz="1600" dirty="0">
-              <a:latin typeface="JejuGothic" panose="02000300000000000000" pitchFamily="2" charset="-127"/>
-              <a:ea typeface="JejuGothic" panose="02000300000000000000" pitchFamily="2" charset="-127"/>
-            </a:endParaRPr>
-          </a:p>
-        </p:txBody>
-      </p:sp>
-      <p:sp>
-        <p:nvSpPr>
-          <p:cNvPr id="30" name="직사각형 29">
-            <a:extLst>
-              <a:ext uri="{FF2B5EF4-FFF2-40B4-BE49-F238E27FC236}">
-                <a16:creationId xmlns:a16="http://schemas.microsoft.com/office/drawing/2014/main" id="{77B6E88B-72A3-42DA-BF4B-84AD02D2D0CD}"/>
-              </a:ext>
-            </a:extLst>
-          </p:cNvPr>
-          <p:cNvSpPr/>
-          <p:nvPr/>
-        </p:nvSpPr>
-        <p:spPr>
-          <a:xfrm>
-            <a:off x="1075737" y="2458248"/>
-            <a:ext cx="179532" cy="68247"/>
-          </a:xfrm>
-          <a:prstGeom prst="rect">
-            <a:avLst/>
-          </a:prstGeom>
-          <a:solidFill>
-            <a:schemeClr val="bg1"/>
-          </a:solidFill>
-          <a:ln>
-            <a:solidFill>
-              <a:schemeClr val="bg1"/>
-            </a:solidFill>
-          </a:ln>
-        </p:spPr>
-        <p:style>
-          <a:lnRef idx="2">
-            <a:schemeClr val="accent1">
-              <a:shade val="50000"/>
-            </a:schemeClr>
-          </a:lnRef>
-          <a:fillRef idx="1">
-            <a:schemeClr val="accent1"/>
-          </a:fillRef>
-          <a:effectRef idx="0">
-            <a:schemeClr val="accent1"/>
-          </a:effectRef>
-          <a:fontRef idx="minor">
-            <a:schemeClr val="lt1"/>
-          </a:fontRef>
-        </p:style>
-        <p:txBody>
-          <a:bodyPr rtlCol="0" anchor="ctr"/>
-          <a:lstStyle/>
-          <a:p>
-            <a:pPr algn="ctr"/>
-            <a:endParaRPr lang="ko-KR" altLang="en-US" sz="1600" dirty="0">
-              <a:latin typeface="JejuGothic" panose="02000300000000000000" pitchFamily="2" charset="-127"/>
-              <a:ea typeface="JejuGothic" panose="02000300000000000000" pitchFamily="2" charset="-127"/>
-            </a:endParaRPr>
-          </a:p>
-        </p:txBody>
-      </p:sp>
-      <p:grpSp>
-        <p:nvGrpSpPr>
-          <p:cNvPr id="3" name="그룹 2">
-            <a:extLst>
-              <a:ext uri="{FF2B5EF4-FFF2-40B4-BE49-F238E27FC236}">
-                <a16:creationId xmlns:a16="http://schemas.microsoft.com/office/drawing/2014/main" id="{8B58B06C-A39F-452A-AFA8-3DDE894423A0}"/>
-              </a:ext>
-            </a:extLst>
-          </p:cNvPr>
-          <p:cNvGrpSpPr/>
-          <p:nvPr/>
-        </p:nvGrpSpPr>
-        <p:grpSpPr>
-          <a:xfrm>
-            <a:off x="552659" y="1317670"/>
-            <a:ext cx="1720610" cy="1568500"/>
-            <a:chOff x="561788" y="1157862"/>
-            <a:chExt cx="1720610" cy="1568500"/>
-          </a:xfrm>
-        </p:grpSpPr>
-        <p:sp>
-          <p:nvSpPr>
-            <p:cNvPr id="23" name="TextBox 22">
-              <a:extLst>
-                <a:ext uri="{FF2B5EF4-FFF2-40B4-BE49-F238E27FC236}">
-                  <a16:creationId xmlns:a16="http://schemas.microsoft.com/office/drawing/2014/main" id="{3A8363CD-D7B2-46A8-9498-2D9E57BA4EB1}"/>
-                </a:ext>
-              </a:extLst>
-            </p:cNvPr>
-            <p:cNvSpPr txBox="1"/>
-            <p:nvPr/>
-          </p:nvSpPr>
-          <p:spPr>
-            <a:xfrm>
-              <a:off x="1197085" y="1157862"/>
-              <a:ext cx="572578" cy="169277"/>
-            </a:xfrm>
-            <a:prstGeom prst="rect">
-              <a:avLst/>
-            </a:prstGeom>
-            <a:noFill/>
-          </p:spPr>
-          <p:txBody>
-            <a:bodyPr wrap="square" rtlCol="0">
-              <a:spAutoFit/>
-            </a:bodyPr>
-            <a:lstStyle/>
-            <a:p>
-              <a:r>
-                <a:rPr lang="en-US" altLang="ko-KR" sz="500" dirty="0">
-                  <a:latin typeface="JejuGothic" panose="02000300000000000000" pitchFamily="2" charset="-127"/>
-                  <a:ea typeface="JejuGothic" panose="02000300000000000000" pitchFamily="2" charset="-127"/>
-                </a:rPr>
-                <a:t>ETRI </a:t>
-              </a:r>
-              <a:r>
-                <a:rPr lang="ko-KR" altLang="en-US" sz="500" dirty="0">
-                  <a:latin typeface="JejuGothic" panose="02000300000000000000" pitchFamily="2" charset="-127"/>
-                  <a:ea typeface="JejuGothic" panose="02000300000000000000" pitchFamily="2" charset="-127"/>
-                </a:rPr>
-                <a:t>배경만</a:t>
-              </a:r>
-            </a:p>
-          </p:txBody>
-        </p:sp>
-        <p:pic>
-          <p:nvPicPr>
-            <p:cNvPr id="24" name="그림 23" descr="시계, 그리기, 표지판이(가) 표시된 사진&#10;&#10;자동 생성된 설명">
-              <a:extLst>
-                <a:ext uri="{FF2B5EF4-FFF2-40B4-BE49-F238E27FC236}">
-                  <a16:creationId xmlns:a16="http://schemas.microsoft.com/office/drawing/2014/main" id="{0121F76C-C7A7-4068-BE67-CBCD70D85B5F}"/>
-                </a:ext>
-              </a:extLst>
-            </p:cNvPr>
-            <p:cNvPicPr>
-              <a:picLocks noChangeAspect="1"/>
-            </p:cNvPicPr>
-            <p:nvPr/>
-          </p:nvPicPr>
-          <p:blipFill rotWithShape="1">
-            <a:blip r:embed="rId2">
-              <a:extLst>
-                <a:ext uri="{28A0092B-C50C-407E-A947-70E740481C1C}">
-                  <a14:useLocalDpi xmlns:a14="http://schemas.microsoft.com/office/drawing/2010/main" val="0"/>
-                </a:ext>
-              </a:extLst>
-            </a:blip>
-            <a:srcRect l="6888" t="19608" r="7210" b="11122"/>
-            <a:stretch/>
-          </p:blipFill>
-          <p:spPr>
-            <a:xfrm>
-              <a:off x="847642" y="1210836"/>
-              <a:ext cx="331082" cy="112681"/>
-            </a:xfrm>
-            <a:prstGeom prst="rect">
-              <a:avLst/>
-            </a:prstGeom>
-          </p:spPr>
-        </p:pic>
-        <p:sp>
-          <p:nvSpPr>
-            <p:cNvPr id="25" name="TextBox 24">
-              <a:extLst>
-                <a:ext uri="{FF2B5EF4-FFF2-40B4-BE49-F238E27FC236}">
-                  <a16:creationId xmlns:a16="http://schemas.microsoft.com/office/drawing/2014/main" id="{182E70E8-150E-422C-8063-F26993BC5183}"/>
-                </a:ext>
-              </a:extLst>
-            </p:cNvPr>
-            <p:cNvSpPr txBox="1"/>
-            <p:nvPr/>
-          </p:nvSpPr>
-          <p:spPr>
-            <a:xfrm>
-              <a:off x="1197086" y="1357751"/>
-              <a:ext cx="815146" cy="169277"/>
-            </a:xfrm>
-            <a:prstGeom prst="rect">
-              <a:avLst/>
-            </a:prstGeom>
-            <a:noFill/>
-          </p:spPr>
-          <p:txBody>
-            <a:bodyPr wrap="square" rtlCol="0">
-              <a:spAutoFit/>
-            </a:bodyPr>
-            <a:lstStyle/>
-            <a:p>
-              <a:r>
-                <a:rPr lang="en-US" altLang="ko-KR" sz="500" dirty="0">
-                  <a:latin typeface="JejuGothic" panose="02000300000000000000" pitchFamily="2" charset="-127"/>
-                  <a:ea typeface="JejuGothic" panose="02000300000000000000" pitchFamily="2" charset="-127"/>
-                </a:rPr>
-                <a:t>imcGAMES </a:t>
-              </a:r>
-              <a:r>
-                <a:rPr lang="ko-KR" altLang="en-US" sz="500" dirty="0">
-                  <a:latin typeface="JejuGothic" panose="02000300000000000000" pitchFamily="2" charset="-127"/>
-                  <a:ea typeface="JejuGothic" panose="02000300000000000000" pitchFamily="2" charset="-127"/>
-                </a:rPr>
-                <a:t>황재원</a:t>
-              </a:r>
-            </a:p>
-          </p:txBody>
-        </p:sp>
-        <p:sp>
-          <p:nvSpPr>
-            <p:cNvPr id="26" name="TextBox 25">
-              <a:extLst>
-                <a:ext uri="{FF2B5EF4-FFF2-40B4-BE49-F238E27FC236}">
-                  <a16:creationId xmlns:a16="http://schemas.microsoft.com/office/drawing/2014/main" id="{A2F2821E-7F8F-4B6B-ACC3-AFADF41C90BC}"/>
-                </a:ext>
-              </a:extLst>
-            </p:cNvPr>
-            <p:cNvSpPr txBox="1"/>
-            <p:nvPr/>
-          </p:nvSpPr>
-          <p:spPr>
-            <a:xfrm>
-              <a:off x="1197086" y="1557640"/>
-              <a:ext cx="1085312" cy="169277"/>
-            </a:xfrm>
-            <a:prstGeom prst="rect">
-              <a:avLst/>
-            </a:prstGeom>
-            <a:noFill/>
-          </p:spPr>
-          <p:txBody>
-            <a:bodyPr wrap="square" rtlCol="0">
-              <a:spAutoFit/>
-            </a:bodyPr>
-            <a:lstStyle/>
-            <a:p>
-              <a:r>
-                <a:rPr lang="ko-KR" altLang="en-US" sz="500" dirty="0">
-                  <a:latin typeface="JejuGothic" panose="02000300000000000000" pitchFamily="2" charset="-127"/>
-                  <a:ea typeface="JejuGothic" panose="02000300000000000000" pitchFamily="2" charset="-127"/>
-                </a:rPr>
-                <a:t>삼성</a:t>
-              </a:r>
-              <a:r>
-                <a:rPr lang="en-US" altLang="ko-KR" sz="500" dirty="0">
-                  <a:latin typeface="JejuGothic" panose="02000300000000000000" pitchFamily="2" charset="-127"/>
-                  <a:ea typeface="JejuGothic" panose="02000300000000000000" pitchFamily="2" charset="-127"/>
-                </a:rPr>
-                <a:t>SDS </a:t>
-              </a:r>
-              <a:r>
-                <a:rPr lang="ko-KR" altLang="en-US" sz="500" dirty="0">
-                  <a:latin typeface="JejuGothic" panose="02000300000000000000" pitchFamily="2" charset="-127"/>
-                  <a:ea typeface="JejuGothic" panose="02000300000000000000" pitchFamily="2" charset="-127"/>
-                </a:rPr>
-                <a:t>백종탁</a:t>
-              </a:r>
-            </a:p>
-          </p:txBody>
-        </p:sp>
-        <p:sp>
-          <p:nvSpPr>
-            <p:cNvPr id="27" name="TextBox 26">
-              <a:extLst>
-                <a:ext uri="{FF2B5EF4-FFF2-40B4-BE49-F238E27FC236}">
-                  <a16:creationId xmlns:a16="http://schemas.microsoft.com/office/drawing/2014/main" id="{F6D7739B-DC43-4498-A2ED-90F5E1DFBCC1}"/>
-                </a:ext>
-              </a:extLst>
-            </p:cNvPr>
-            <p:cNvSpPr txBox="1"/>
-            <p:nvPr/>
-          </p:nvSpPr>
-          <p:spPr>
-            <a:xfrm>
-              <a:off x="1197085" y="1757529"/>
-              <a:ext cx="651013" cy="169277"/>
-            </a:xfrm>
-            <a:prstGeom prst="rect">
-              <a:avLst/>
-            </a:prstGeom>
-            <a:noFill/>
-          </p:spPr>
-          <p:txBody>
-            <a:bodyPr wrap="square" rtlCol="0">
-              <a:spAutoFit/>
-            </a:bodyPr>
-            <a:lstStyle/>
-            <a:p>
-              <a:r>
-                <a:rPr lang="en-US" altLang="ko-KR" sz="500" dirty="0">
-                  <a:latin typeface="JejuGothic" panose="02000300000000000000" pitchFamily="2" charset="-127"/>
-                  <a:ea typeface="JejuGothic" panose="02000300000000000000" pitchFamily="2" charset="-127"/>
-                </a:rPr>
-                <a:t>LG</a:t>
-              </a:r>
-              <a:r>
-                <a:rPr lang="ko-KR" altLang="en-US" sz="500" dirty="0">
-                  <a:latin typeface="JejuGothic" panose="02000300000000000000" pitchFamily="2" charset="-127"/>
-                  <a:ea typeface="JejuGothic" panose="02000300000000000000" pitchFamily="2" charset="-127"/>
-                </a:rPr>
-                <a:t>전자</a:t>
-              </a:r>
-              <a:r>
-                <a:rPr lang="en-US" altLang="ko-KR" sz="500" dirty="0">
-                  <a:latin typeface="JejuGothic" panose="02000300000000000000" pitchFamily="2" charset="-127"/>
-                  <a:ea typeface="JejuGothic" panose="02000300000000000000" pitchFamily="2" charset="-127"/>
-                </a:rPr>
-                <a:t> </a:t>
-              </a:r>
-              <a:r>
-                <a:rPr lang="ko-KR" altLang="en-US" sz="500" dirty="0">
-                  <a:latin typeface="JejuGothic" panose="02000300000000000000" pitchFamily="2" charset="-127"/>
-                  <a:ea typeface="JejuGothic" panose="02000300000000000000" pitchFamily="2" charset="-127"/>
-                </a:rPr>
-                <a:t>최대성</a:t>
-              </a:r>
-            </a:p>
-          </p:txBody>
-        </p:sp>
-        <p:sp>
-          <p:nvSpPr>
-            <p:cNvPr id="29" name="TextBox 28">
-              <a:extLst>
-                <a:ext uri="{FF2B5EF4-FFF2-40B4-BE49-F238E27FC236}">
-                  <a16:creationId xmlns:a16="http://schemas.microsoft.com/office/drawing/2014/main" id="{416909EA-08E5-4DBC-BAD0-88139EF7C6B6}"/>
-                </a:ext>
-              </a:extLst>
-            </p:cNvPr>
-            <p:cNvSpPr txBox="1"/>
-            <p:nvPr/>
-          </p:nvSpPr>
-          <p:spPr>
-            <a:xfrm>
-              <a:off x="1197085" y="1957418"/>
-              <a:ext cx="651013" cy="169277"/>
-            </a:xfrm>
-            <a:prstGeom prst="rect">
-              <a:avLst/>
-            </a:prstGeom>
-            <a:noFill/>
-          </p:spPr>
-          <p:txBody>
-            <a:bodyPr wrap="square" rtlCol="0">
-              <a:spAutoFit/>
-            </a:bodyPr>
-            <a:lstStyle/>
-            <a:p>
-              <a:r>
-                <a:rPr lang="en-US" altLang="ko-KR" sz="500" dirty="0">
-                  <a:latin typeface="JejuGothic" panose="02000300000000000000" pitchFamily="2" charset="-127"/>
-                  <a:ea typeface="JejuGothic" panose="02000300000000000000" pitchFamily="2" charset="-127"/>
-                </a:rPr>
-                <a:t>LG</a:t>
-              </a:r>
-              <a:r>
-                <a:rPr lang="ko-KR" altLang="en-US" sz="500" dirty="0">
-                  <a:latin typeface="JejuGothic" panose="02000300000000000000" pitchFamily="2" charset="-127"/>
-                  <a:ea typeface="JejuGothic" panose="02000300000000000000" pitchFamily="2" charset="-127"/>
-                </a:rPr>
-                <a:t>전자</a:t>
-              </a:r>
-              <a:r>
-                <a:rPr lang="en-US" altLang="ko-KR" sz="500" dirty="0">
-                  <a:latin typeface="JejuGothic" panose="02000300000000000000" pitchFamily="2" charset="-127"/>
-                  <a:ea typeface="JejuGothic" panose="02000300000000000000" pitchFamily="2" charset="-127"/>
-                </a:rPr>
-                <a:t> </a:t>
-              </a:r>
-              <a:r>
-                <a:rPr lang="ko-KR" altLang="en-US" sz="500" dirty="0">
-                  <a:latin typeface="JejuGothic" panose="02000300000000000000" pitchFamily="2" charset="-127"/>
-                  <a:ea typeface="JejuGothic" panose="02000300000000000000" pitchFamily="2" charset="-127"/>
-                </a:rPr>
-                <a:t>배상준</a:t>
-              </a:r>
-            </a:p>
-          </p:txBody>
-        </p:sp>
-        <p:sp>
-          <p:nvSpPr>
-            <p:cNvPr id="31" name="TextBox 30">
-              <a:extLst>
-                <a:ext uri="{FF2B5EF4-FFF2-40B4-BE49-F238E27FC236}">
-                  <a16:creationId xmlns:a16="http://schemas.microsoft.com/office/drawing/2014/main" id="{844BDADD-9A4B-4400-A527-62C78B015603}"/>
-                </a:ext>
-              </a:extLst>
-            </p:cNvPr>
-            <p:cNvSpPr txBox="1"/>
-            <p:nvPr/>
-          </p:nvSpPr>
-          <p:spPr>
-            <a:xfrm>
-              <a:off x="1197085" y="2157307"/>
-              <a:ext cx="651013" cy="169277"/>
-            </a:xfrm>
-            <a:prstGeom prst="rect">
-              <a:avLst/>
-            </a:prstGeom>
-            <a:noFill/>
-          </p:spPr>
-          <p:txBody>
-            <a:bodyPr wrap="square" rtlCol="0">
-              <a:spAutoFit/>
-            </a:bodyPr>
-            <a:lstStyle/>
-            <a:p>
-              <a:r>
-                <a:rPr lang="en-US" altLang="ko-KR" sz="500" dirty="0">
-                  <a:latin typeface="JejuGothic" panose="02000300000000000000" pitchFamily="2" charset="-127"/>
-                  <a:ea typeface="JejuGothic" panose="02000300000000000000" pitchFamily="2" charset="-127"/>
-                </a:rPr>
-                <a:t>LG</a:t>
-              </a:r>
-              <a:r>
-                <a:rPr lang="ko-KR" altLang="en-US" sz="500" dirty="0">
-                  <a:latin typeface="JejuGothic" panose="02000300000000000000" pitchFamily="2" charset="-127"/>
-                  <a:ea typeface="JejuGothic" panose="02000300000000000000" pitchFamily="2" charset="-127"/>
-                </a:rPr>
-                <a:t>전자</a:t>
-              </a:r>
-              <a:r>
-                <a:rPr lang="en-US" altLang="ko-KR" sz="500" dirty="0">
-                  <a:latin typeface="JejuGothic" panose="02000300000000000000" pitchFamily="2" charset="-127"/>
-                  <a:ea typeface="JejuGothic" panose="02000300000000000000" pitchFamily="2" charset="-127"/>
-                </a:rPr>
-                <a:t> </a:t>
-              </a:r>
-              <a:r>
-                <a:rPr lang="ko-KR" altLang="en-US" sz="500" dirty="0">
-                  <a:latin typeface="JejuGothic" panose="02000300000000000000" pitchFamily="2" charset="-127"/>
-                  <a:ea typeface="JejuGothic" panose="02000300000000000000" pitchFamily="2" charset="-127"/>
-                </a:rPr>
-                <a:t>박용현</a:t>
-              </a:r>
-            </a:p>
-          </p:txBody>
-        </p:sp>
-        <p:sp>
-          <p:nvSpPr>
-            <p:cNvPr id="32" name="TextBox 31">
-              <a:extLst>
-                <a:ext uri="{FF2B5EF4-FFF2-40B4-BE49-F238E27FC236}">
-                  <a16:creationId xmlns:a16="http://schemas.microsoft.com/office/drawing/2014/main" id="{E97A66A2-EC3E-49C9-BE11-227A8E6AC36A}"/>
-                </a:ext>
-              </a:extLst>
-            </p:cNvPr>
-            <p:cNvSpPr txBox="1"/>
-            <p:nvPr/>
-          </p:nvSpPr>
-          <p:spPr>
-            <a:xfrm>
-              <a:off x="1197086" y="2357196"/>
-              <a:ext cx="694589" cy="169277"/>
-            </a:xfrm>
-            <a:prstGeom prst="rect">
-              <a:avLst/>
-            </a:prstGeom>
-            <a:noFill/>
-          </p:spPr>
-          <p:txBody>
-            <a:bodyPr wrap="square" rtlCol="0">
-              <a:spAutoFit/>
-            </a:bodyPr>
-            <a:lstStyle/>
-            <a:p>
-              <a:r>
-                <a:rPr lang="ko-KR" altLang="en-US" sz="500" dirty="0">
-                  <a:latin typeface="JejuGothic" panose="02000300000000000000" pitchFamily="2" charset="-127"/>
-                  <a:ea typeface="JejuGothic" panose="02000300000000000000" pitchFamily="2" charset="-127"/>
-                </a:rPr>
-                <a:t>삼성전자</a:t>
-              </a:r>
-              <a:r>
-                <a:rPr lang="en-US" altLang="ko-KR" sz="500" dirty="0">
-                  <a:latin typeface="JejuGothic" panose="02000300000000000000" pitchFamily="2" charset="-127"/>
-                  <a:ea typeface="JejuGothic" panose="02000300000000000000" pitchFamily="2" charset="-127"/>
-                </a:rPr>
-                <a:t> </a:t>
-              </a:r>
-              <a:r>
-                <a:rPr lang="ko-KR" altLang="en-US" sz="500" dirty="0">
-                  <a:latin typeface="JejuGothic" panose="02000300000000000000" pitchFamily="2" charset="-127"/>
-                  <a:ea typeface="JejuGothic" panose="02000300000000000000" pitchFamily="2" charset="-127"/>
-                </a:rPr>
-                <a:t>김성호</a:t>
-              </a:r>
-            </a:p>
-          </p:txBody>
-        </p:sp>
-        <p:sp>
-          <p:nvSpPr>
-            <p:cNvPr id="33" name="TextBox 32">
-              <a:extLst>
-                <a:ext uri="{FF2B5EF4-FFF2-40B4-BE49-F238E27FC236}">
-                  <a16:creationId xmlns:a16="http://schemas.microsoft.com/office/drawing/2014/main" id="{F97CF2F8-36CF-490F-A1C4-948E97EEE59A}"/>
-                </a:ext>
-              </a:extLst>
-            </p:cNvPr>
-            <p:cNvSpPr txBox="1"/>
-            <p:nvPr/>
-          </p:nvSpPr>
-          <p:spPr>
-            <a:xfrm>
-              <a:off x="1197086" y="2557085"/>
-              <a:ext cx="671348" cy="169277"/>
-            </a:xfrm>
-            <a:prstGeom prst="rect">
-              <a:avLst/>
-            </a:prstGeom>
-            <a:noFill/>
-          </p:spPr>
-          <p:txBody>
-            <a:bodyPr wrap="square" rtlCol="0">
-              <a:spAutoFit/>
-            </a:bodyPr>
-            <a:lstStyle/>
-            <a:p>
-              <a:r>
-                <a:rPr lang="en-US" altLang="ko-KR" sz="500" dirty="0">
-                  <a:latin typeface="JejuGothic" panose="02000300000000000000" pitchFamily="2" charset="-127"/>
-                  <a:ea typeface="JejuGothic" panose="02000300000000000000" pitchFamily="2" charset="-127"/>
-                </a:rPr>
-                <a:t>KAKAO </a:t>
-              </a:r>
-              <a:r>
-                <a:rPr lang="ko-KR" altLang="en-US" sz="500" dirty="0">
-                  <a:latin typeface="JejuGothic" panose="02000300000000000000" pitchFamily="2" charset="-127"/>
-                  <a:ea typeface="JejuGothic" panose="02000300000000000000" pitchFamily="2" charset="-127"/>
-                </a:rPr>
-                <a:t>김신일</a:t>
-              </a:r>
-            </a:p>
-          </p:txBody>
-        </p:sp>
-        <p:pic>
-          <p:nvPicPr>
-            <p:cNvPr id="34" name="Picture 4">
-              <a:extLst>
-                <a:ext uri="{FF2B5EF4-FFF2-40B4-BE49-F238E27FC236}">
-                  <a16:creationId xmlns:a16="http://schemas.microsoft.com/office/drawing/2014/main" id="{36498A1A-98AE-455F-B867-6A0214C57ACF}"/>
-                </a:ext>
-              </a:extLst>
-            </p:cNvPr>
-            <p:cNvPicPr>
-              <a:picLocks noChangeAspect="1" noChangeArrowheads="1"/>
-            </p:cNvPicPr>
-            <p:nvPr/>
-          </p:nvPicPr>
-          <p:blipFill>
-            <a:blip r:embed="rId3">
-              <a:extLst>
-                <a:ext uri="{28A0092B-C50C-407E-A947-70E740481C1C}">
-                  <a14:useLocalDpi xmlns:a14="http://schemas.microsoft.com/office/drawing/2010/main" val="0"/>
-                </a:ext>
-              </a:extLst>
-            </a:blip>
-            <a:srcRect/>
-            <a:stretch>
-              <a:fillRect/>
-            </a:stretch>
-          </p:blipFill>
-          <p:spPr bwMode="auto">
-            <a:xfrm>
-              <a:off x="561788" y="1392571"/>
-              <a:ext cx="584518" cy="118573"/>
-            </a:xfrm>
-            <a:prstGeom prst="rect">
-              <a:avLst/>
-            </a:prstGeom>
-            <a:noFill/>
-            <a:extLst>
-              <a:ext uri="{909E8E84-426E-40DD-AFC4-6F175D3DCCD1}">
-                <a14:hiddenFill xmlns:a14="http://schemas.microsoft.com/office/drawing/2010/main">
-                  <a:solidFill>
-                    <a:srgbClr val="FFFFFF"/>
-                  </a:solidFill>
-                </a14:hiddenFill>
-              </a:ext>
-            </a:extLst>
-          </p:spPr>
-        </p:pic>
-        <p:pic>
-          <p:nvPicPr>
-            <p:cNvPr id="35" name="Picture 10">
-              <a:extLst>
-                <a:ext uri="{FF2B5EF4-FFF2-40B4-BE49-F238E27FC236}">
-                  <a16:creationId xmlns:a16="http://schemas.microsoft.com/office/drawing/2014/main" id="{0C9D91D3-AAD4-4C46-99CC-AD463C8C5C04}"/>
-                </a:ext>
-              </a:extLst>
-            </p:cNvPr>
-            <p:cNvPicPr>
-              <a:picLocks noChangeAspect="1" noChangeArrowheads="1"/>
-            </p:cNvPicPr>
-            <p:nvPr/>
-          </p:nvPicPr>
-          <p:blipFill>
-            <a:blip r:embed="rId4">
-              <a:extLst>
-                <a:ext uri="{28A0092B-C50C-407E-A947-70E740481C1C}">
-                  <a14:useLocalDpi xmlns:a14="http://schemas.microsoft.com/office/drawing/2010/main" val="0"/>
-                </a:ext>
-              </a:extLst>
-            </a:blip>
-            <a:srcRect/>
-            <a:stretch>
-              <a:fillRect/>
-            </a:stretch>
-          </p:blipFill>
-          <p:spPr bwMode="auto">
-            <a:xfrm>
-              <a:off x="829949" y="1605549"/>
-              <a:ext cx="331082" cy="109929"/>
-            </a:xfrm>
-            <a:prstGeom prst="rect">
-              <a:avLst/>
-            </a:prstGeom>
-            <a:noFill/>
-            <a:extLst>
-              <a:ext uri="{909E8E84-426E-40DD-AFC4-6F175D3DCCD1}">
-                <a14:hiddenFill xmlns:a14="http://schemas.microsoft.com/office/drawing/2010/main">
-                  <a:solidFill>
-                    <a:srgbClr val="FFFFFF"/>
-                  </a:solidFill>
-                </a14:hiddenFill>
-              </a:ext>
-            </a:extLst>
-          </p:spPr>
-        </p:pic>
-        <p:pic>
-          <p:nvPicPr>
-            <p:cNvPr id="36" name="Picture 10">
-              <a:extLst>
-                <a:ext uri="{FF2B5EF4-FFF2-40B4-BE49-F238E27FC236}">
-                  <a16:creationId xmlns:a16="http://schemas.microsoft.com/office/drawing/2014/main" id="{1405680C-FA8E-4FD9-BCF6-D1AA401E3D54}"/>
-                </a:ext>
-              </a:extLst>
-            </p:cNvPr>
-            <p:cNvPicPr>
-              <a:picLocks noChangeAspect="1" noChangeArrowheads="1"/>
-            </p:cNvPicPr>
-            <p:nvPr/>
-          </p:nvPicPr>
-          <p:blipFill>
-            <a:blip r:embed="rId4">
-              <a:extLst>
-                <a:ext uri="{28A0092B-C50C-407E-A947-70E740481C1C}">
-                  <a14:useLocalDpi xmlns:a14="http://schemas.microsoft.com/office/drawing/2010/main" val="0"/>
-                </a:ext>
-              </a:extLst>
-            </a:blip>
-            <a:srcRect/>
-            <a:stretch>
-              <a:fillRect/>
-            </a:stretch>
-          </p:blipFill>
-          <p:spPr bwMode="auto">
-            <a:xfrm>
-              <a:off x="812072" y="2405768"/>
-              <a:ext cx="348959" cy="115865"/>
-            </a:xfrm>
-            <a:prstGeom prst="rect">
-              <a:avLst/>
-            </a:prstGeom>
-            <a:noFill/>
-            <a:extLst>
-              <a:ext uri="{909E8E84-426E-40DD-AFC4-6F175D3DCCD1}">
-                <a14:hiddenFill xmlns:a14="http://schemas.microsoft.com/office/drawing/2010/main">
-                  <a:solidFill>
-                    <a:srgbClr val="FFFFFF"/>
-                  </a:solidFill>
-                </a14:hiddenFill>
-              </a:ext>
-            </a:extLst>
-          </p:spPr>
-        </p:pic>
-        <p:pic>
-          <p:nvPicPr>
-            <p:cNvPr id="37" name="그림 36" descr="표지판, 그리기, 시계이(가) 표시된 사진&#10;&#10;자동 생성된 설명">
-              <a:extLst>
-                <a:ext uri="{FF2B5EF4-FFF2-40B4-BE49-F238E27FC236}">
-                  <a16:creationId xmlns:a16="http://schemas.microsoft.com/office/drawing/2014/main" id="{A72B159A-7AB0-434B-B575-1A9CC7CF421C}"/>
-                </a:ext>
-              </a:extLst>
-            </p:cNvPr>
-            <p:cNvPicPr>
-              <a:picLocks noChangeAspect="1"/>
-            </p:cNvPicPr>
-            <p:nvPr/>
-          </p:nvPicPr>
-          <p:blipFill rotWithShape="1">
-            <a:blip r:embed="rId5">
-              <a:extLst>
-                <a:ext uri="{28A0092B-C50C-407E-A947-70E740481C1C}">
-                  <a14:useLocalDpi xmlns:a14="http://schemas.microsoft.com/office/drawing/2010/main" val="0"/>
-                </a:ext>
-              </a:extLst>
-            </a:blip>
-            <a:srcRect r="71957"/>
-            <a:stretch/>
-          </p:blipFill>
-          <p:spPr>
-            <a:xfrm>
-              <a:off x="1024364" y="1783912"/>
-              <a:ext cx="138553" cy="142894"/>
-            </a:xfrm>
-            <a:prstGeom prst="rect">
-              <a:avLst/>
-            </a:prstGeom>
-          </p:spPr>
-        </p:pic>
-        <p:pic>
-          <p:nvPicPr>
-            <p:cNvPr id="38" name="그림 37" descr="표지판, 그리기, 시계이(가) 표시된 사진&#10;&#10;자동 생성된 설명">
-              <a:extLst>
-                <a:ext uri="{FF2B5EF4-FFF2-40B4-BE49-F238E27FC236}">
-                  <a16:creationId xmlns:a16="http://schemas.microsoft.com/office/drawing/2014/main" id="{9E31B6AC-8D1E-4B0E-A6F8-901DAAE8E650}"/>
-                </a:ext>
-              </a:extLst>
-            </p:cNvPr>
-            <p:cNvPicPr>
-              <a:picLocks noChangeAspect="1"/>
-            </p:cNvPicPr>
-            <p:nvPr/>
-          </p:nvPicPr>
-          <p:blipFill rotWithShape="1">
-            <a:blip r:embed="rId5">
-              <a:extLst>
-                <a:ext uri="{28A0092B-C50C-407E-A947-70E740481C1C}">
-                  <a14:useLocalDpi xmlns:a14="http://schemas.microsoft.com/office/drawing/2010/main" val="0"/>
-                </a:ext>
-              </a:extLst>
-            </a:blip>
-            <a:srcRect r="71957"/>
-            <a:stretch/>
-          </p:blipFill>
-          <p:spPr>
-            <a:xfrm>
-              <a:off x="1025306" y="1993523"/>
-              <a:ext cx="148175" cy="142894"/>
-            </a:xfrm>
-            <a:prstGeom prst="rect">
-              <a:avLst/>
-            </a:prstGeom>
-          </p:spPr>
-        </p:pic>
-        <p:pic>
-          <p:nvPicPr>
-            <p:cNvPr id="39" name="그림 38" descr="표지판, 그리기, 시계이(가) 표시된 사진&#10;&#10;자동 생성된 설명">
-              <a:extLst>
-                <a:ext uri="{FF2B5EF4-FFF2-40B4-BE49-F238E27FC236}">
-                  <a16:creationId xmlns:a16="http://schemas.microsoft.com/office/drawing/2014/main" id="{F4B01B3C-B808-4A8E-A46A-8C4160AD677A}"/>
-                </a:ext>
-              </a:extLst>
-            </p:cNvPr>
-            <p:cNvPicPr>
-              <a:picLocks noChangeAspect="1"/>
-            </p:cNvPicPr>
-            <p:nvPr/>
-          </p:nvPicPr>
-          <p:blipFill rotWithShape="1">
-            <a:blip r:embed="rId5">
-              <a:extLst>
-                <a:ext uri="{28A0092B-C50C-407E-A947-70E740481C1C}">
-                  <a14:useLocalDpi xmlns:a14="http://schemas.microsoft.com/office/drawing/2010/main" val="0"/>
-                </a:ext>
-              </a:extLst>
-            </a:blip>
-            <a:srcRect r="71957"/>
-            <a:stretch/>
-          </p:blipFill>
-          <p:spPr>
-            <a:xfrm>
-              <a:off x="1025306" y="2193916"/>
-              <a:ext cx="148175" cy="142894"/>
-            </a:xfrm>
-            <a:prstGeom prst="rect">
-              <a:avLst/>
-            </a:prstGeom>
-          </p:spPr>
-        </p:pic>
-        <p:pic>
-          <p:nvPicPr>
-            <p:cNvPr id="40" name="Picture 12" descr="kakao">
-              <a:extLst>
-                <a:ext uri="{FF2B5EF4-FFF2-40B4-BE49-F238E27FC236}">
-                  <a16:creationId xmlns:a16="http://schemas.microsoft.com/office/drawing/2014/main" id="{C7F40EFD-ACDC-48B6-BF4D-AFEC79F49385}"/>
-                </a:ext>
-              </a:extLst>
-            </p:cNvPr>
-            <p:cNvPicPr>
-              <a:picLocks noChangeAspect="1" noChangeArrowheads="1"/>
-            </p:cNvPicPr>
-            <p:nvPr/>
-          </p:nvPicPr>
-          <p:blipFill rotWithShape="1">
-            <a:blip r:embed="rId6">
-              <a:extLst>
-                <a:ext uri="{28A0092B-C50C-407E-A947-70E740481C1C}">
-                  <a14:useLocalDpi xmlns:a14="http://schemas.microsoft.com/office/drawing/2010/main" val="0"/>
-                </a:ext>
-              </a:extLst>
-            </a:blip>
-            <a:srcRect l="24965" t="43726" r="57597" b="43192"/>
-            <a:stretch/>
-          </p:blipFill>
-          <p:spPr bwMode="auto">
-            <a:xfrm>
-              <a:off x="847642" y="2609232"/>
-              <a:ext cx="312115" cy="99712"/>
-            </a:xfrm>
-            <a:prstGeom prst="rect">
-              <a:avLst/>
-            </a:prstGeom>
-            <a:noFill/>
-            <a:extLst>
-              <a:ext uri="{909E8E84-426E-40DD-AFC4-6F175D3DCCD1}">
-                <a14:hiddenFill xmlns:a14="http://schemas.microsoft.com/office/drawing/2010/main">
-                  <a:solidFill>
-                    <a:srgbClr val="FFFFFF"/>
-                  </a:solidFill>
-                </a14:hiddenFill>
-              </a:ext>
-            </a:extLst>
-          </p:spPr>
-        </p:pic>
-      </p:grpSp>
       <p:sp>
         <p:nvSpPr>
           <p:cNvPr id="66" name="직사각형 65">
@@ -5664,7 +4787,7 @@
           <p:nvPr/>
         </p:nvPicPr>
         <p:blipFill rotWithShape="1">
-          <a:blip r:embed="rId7">
+          <a:blip r:embed="rId2">
             <a:extLst>
               <a:ext uri="{28A0092B-C50C-407E-A947-70E740481C1C}">
                 <a14:useLocalDpi xmlns:a14="http://schemas.microsoft.com/office/drawing/2010/main" val="0"/>
@@ -5699,7 +4822,7 @@
           <p:nvPr/>
         </p:nvPicPr>
         <p:blipFill rotWithShape="1">
-          <a:blip r:embed="rId7">
+          <a:blip r:embed="rId2">
             <a:extLst>
               <a:ext uri="{28A0092B-C50C-407E-A947-70E740481C1C}">
                 <a14:useLocalDpi xmlns:a14="http://schemas.microsoft.com/office/drawing/2010/main" val="0"/>
@@ -5734,7 +4857,7 @@
           <p:nvPr/>
         </p:nvPicPr>
         <p:blipFill rotWithShape="1">
-          <a:blip r:embed="rId7">
+          <a:blip r:embed="rId2">
             <a:extLst>
               <a:ext uri="{28A0092B-C50C-407E-A947-70E740481C1C}">
                 <a14:useLocalDpi xmlns:a14="http://schemas.microsoft.com/office/drawing/2010/main" val="0"/>
@@ -6058,7 +5181,7 @@
           <p:nvPr/>
         </p:nvPicPr>
         <p:blipFill>
-          <a:blip r:embed="rId8">
+          <a:blip r:embed="rId3">
             <a:extLst>
               <a:ext uri="{28A0092B-C50C-407E-A947-70E740481C1C}">
                 <a14:useLocalDpi xmlns:a14="http://schemas.microsoft.com/office/drawing/2010/main" val="0"/>
@@ -6081,10 +5204,10 @@
       </p:pic>
       <p:grpSp>
         <p:nvGrpSpPr>
-          <p:cNvPr id="8" name="그룹 7">
-            <a:extLst>
-              <a:ext uri="{FF2B5EF4-FFF2-40B4-BE49-F238E27FC236}">
-                <a16:creationId xmlns:a16="http://schemas.microsoft.com/office/drawing/2014/main" id="{590F8485-E4F2-4ECF-9BC6-7615D19C2BD0}"/>
+          <p:cNvPr id="1107" name="그룹 1106">
+            <a:extLst>
+              <a:ext uri="{FF2B5EF4-FFF2-40B4-BE49-F238E27FC236}">
+                <a16:creationId xmlns:a16="http://schemas.microsoft.com/office/drawing/2014/main" id="{43C870B6-2EC2-EDDC-EE38-9829447B06A4}"/>
               </a:ext>
             </a:extLst>
           </p:cNvPr>
@@ -6093,18 +5216,75 @@
         </p:nvGrpSpPr>
         <p:grpSpPr>
           <a:xfrm>
-            <a:off x="2105068" y="1319050"/>
-            <a:ext cx="1456904" cy="1562094"/>
-            <a:chOff x="2152598" y="1160658"/>
-            <a:chExt cx="1456904" cy="1562094"/>
+            <a:off x="571707" y="1160572"/>
+            <a:ext cx="1434439" cy="1903875"/>
+            <a:chOff x="571707" y="1160572"/>
+            <a:chExt cx="1434439" cy="1903875"/>
           </a:xfrm>
         </p:grpSpPr>
         <p:sp>
           <p:nvSpPr>
-            <p:cNvPr id="44" name="TextBox 43">
+            <p:cNvPr id="30" name="직사각형 29">
               <a:extLst>
                 <a:ext uri="{FF2B5EF4-FFF2-40B4-BE49-F238E27FC236}">
-                  <a16:creationId xmlns:a16="http://schemas.microsoft.com/office/drawing/2014/main" id="{13DE46E6-A023-4490-A0F7-3338E3F0BA9D}"/>
+                  <a16:creationId xmlns:a16="http://schemas.microsoft.com/office/drawing/2014/main" id="{77B6E88B-72A3-42DA-BF4B-84AD02D2D0CD}"/>
+                </a:ext>
+              </a:extLst>
+            </p:cNvPr>
+            <p:cNvSpPr/>
+            <p:nvPr/>
+          </p:nvSpPr>
+          <p:spPr>
+            <a:xfrm>
+              <a:off x="1075737" y="2458248"/>
+              <a:ext cx="179532" cy="68247"/>
+            </a:xfrm>
+            <a:prstGeom prst="rect">
+              <a:avLst/>
+            </a:prstGeom>
+            <a:solidFill>
+              <a:schemeClr val="bg1"/>
+            </a:solidFill>
+            <a:ln>
+              <a:solidFill>
+                <a:schemeClr val="bg1"/>
+              </a:solidFill>
+            </a:ln>
+          </p:spPr>
+          <p:style>
+            <a:lnRef idx="2">
+              <a:schemeClr val="accent1">
+                <a:shade val="50000"/>
+              </a:schemeClr>
+            </a:lnRef>
+            <a:fillRef idx="1">
+              <a:schemeClr val="accent1"/>
+            </a:fillRef>
+            <a:effectRef idx="0">
+              <a:schemeClr val="accent1"/>
+            </a:effectRef>
+            <a:fontRef idx="minor">
+              <a:schemeClr val="lt1"/>
+            </a:fontRef>
+          </p:style>
+          <p:txBody>
+            <a:bodyPr rtlCol="0" anchor="ctr"/>
+            <a:lstStyle/>
+            <a:p>
+              <a:pPr algn="ctr"/>
+              <a:endParaRPr lang="ko-KR" altLang="en-US" sz="1600" dirty="0">
+                <a:latin typeface="JejuGothic" panose="02000300000000000000" pitchFamily="2" charset="-127"/>
+                <a:ea typeface="JejuGothic" panose="02000300000000000000" pitchFamily="2" charset="-127"/>
+              </a:endParaRPr>
+            </a:p>
+          </p:txBody>
+        </p:sp>
+        <p:sp>
+          <p:nvSpPr>
+            <p:cNvPr id="23" name="TextBox 22">
+              <a:extLst>
+                <a:ext uri="{FF2B5EF4-FFF2-40B4-BE49-F238E27FC236}">
+                  <a16:creationId xmlns:a16="http://schemas.microsoft.com/office/drawing/2014/main" id="{3A8363CD-D7B2-46A8-9498-2D9E57BA4EB1}"/>
                 </a:ext>
               </a:extLst>
             </p:cNvPr>
@@ -6113,8 +5293,8 @@
           </p:nvSpPr>
           <p:spPr>
             <a:xfrm>
-              <a:off x="2734803" y="1553289"/>
-              <a:ext cx="664086" cy="169277"/>
+              <a:off x="1187955" y="1160572"/>
+              <a:ext cx="815145" cy="169277"/>
             </a:xfrm>
             <a:prstGeom prst="rect">
               <a:avLst/>
@@ -6132,24 +5312,59 @@
                   <a:latin typeface="JejuGothic" panose="02000300000000000000" pitchFamily="2" charset="-127"/>
                   <a:ea typeface="JejuGothic" panose="02000300000000000000" pitchFamily="2" charset="-127"/>
                 </a:rPr>
-                <a:t>NAVER </a:t>
+                <a:t>ETRI </a:t>
               </a:r>
               <a:r>
                 <a:rPr lang="ko-KR" altLang="en-US" sz="500" dirty="0">
                   <a:latin typeface="JejuGothic" panose="02000300000000000000" pitchFamily="2" charset="-127"/>
                   <a:ea typeface="JejuGothic" panose="02000300000000000000" pitchFamily="2" charset="-127"/>
                 </a:rPr>
-                <a:t>이창수</a:t>
+                <a:t>배경만</a:t>
               </a:r>
             </a:p>
           </p:txBody>
         </p:sp>
+        <p:pic>
+          <p:nvPicPr>
+            <p:cNvPr id="24" name="그림 23" descr="시계, 그리기, 표지판이(가) 표시된 사진&#10;&#10;자동 생성된 설명">
+              <a:extLst>
+                <a:ext uri="{FF2B5EF4-FFF2-40B4-BE49-F238E27FC236}">
+                  <a16:creationId xmlns:a16="http://schemas.microsoft.com/office/drawing/2014/main" id="{0121F76C-C7A7-4068-BE67-CBCD70D85B5F}"/>
+                </a:ext>
+              </a:extLst>
+            </p:cNvPr>
+            <p:cNvPicPr>
+              <a:picLocks noChangeAspect="1"/>
+            </p:cNvPicPr>
+            <p:nvPr/>
+          </p:nvPicPr>
+          <p:blipFill rotWithShape="1">
+            <a:blip r:embed="rId4">
+              <a:extLst>
+                <a:ext uri="{28A0092B-C50C-407E-A947-70E740481C1C}">
+                  <a14:useLocalDpi xmlns:a14="http://schemas.microsoft.com/office/drawing/2010/main" val="0"/>
+                </a:ext>
+              </a:extLst>
+            </a:blip>
+            <a:srcRect l="6888" t="19608" r="7210" b="11122"/>
+            <a:stretch/>
+          </p:blipFill>
+          <p:spPr>
+            <a:xfrm>
+              <a:off x="826608" y="1196879"/>
+              <a:ext cx="331082" cy="112681"/>
+            </a:xfrm>
+            <a:prstGeom prst="rect">
+              <a:avLst/>
+            </a:prstGeom>
+          </p:spPr>
+        </p:pic>
         <p:sp>
           <p:nvSpPr>
-            <p:cNvPr id="45" name="TextBox 44">
+            <p:cNvPr id="25" name="TextBox 24">
               <a:extLst>
                 <a:ext uri="{FF2B5EF4-FFF2-40B4-BE49-F238E27FC236}">
-                  <a16:creationId xmlns:a16="http://schemas.microsoft.com/office/drawing/2014/main" id="{51FB26C7-B4E3-45B6-876F-25EEC1EF35C8}"/>
+                  <a16:creationId xmlns:a16="http://schemas.microsoft.com/office/drawing/2014/main" id="{182E70E8-150E-422C-8063-F26993BC5183}"/>
                 </a:ext>
               </a:extLst>
             </p:cNvPr>
@@ -6158,8 +5373,8 @@
           </p:nvSpPr>
           <p:spPr>
             <a:xfrm>
-              <a:off x="2734803" y="1752992"/>
-              <a:ext cx="664086" cy="169277"/>
+              <a:off x="1187957" y="1353318"/>
+              <a:ext cx="815146" cy="169277"/>
             </a:xfrm>
             <a:prstGeom prst="rect">
               <a:avLst/>
@@ -6177,24 +5392,24 @@
                   <a:latin typeface="JejuGothic" panose="02000300000000000000" pitchFamily="2" charset="-127"/>
                   <a:ea typeface="JejuGothic" panose="02000300000000000000" pitchFamily="2" charset="-127"/>
                 </a:rPr>
-                <a:t>NAVER </a:t>
+                <a:t>imcGAMES </a:t>
               </a:r>
               <a:r>
                 <a:rPr lang="ko-KR" altLang="en-US" sz="500" dirty="0">
                   <a:latin typeface="JejuGothic" panose="02000300000000000000" pitchFamily="2" charset="-127"/>
                   <a:ea typeface="JejuGothic" panose="02000300000000000000" pitchFamily="2" charset="-127"/>
                 </a:rPr>
-                <a:t>천주룡</a:t>
+                <a:t>황재원</a:t>
               </a:r>
             </a:p>
           </p:txBody>
         </p:sp>
         <p:sp>
           <p:nvSpPr>
-            <p:cNvPr id="46" name="TextBox 45">
+            <p:cNvPr id="26" name="TextBox 25">
               <a:extLst>
                 <a:ext uri="{FF2B5EF4-FFF2-40B4-BE49-F238E27FC236}">
-                  <a16:creationId xmlns:a16="http://schemas.microsoft.com/office/drawing/2014/main" id="{7FC919D9-C9E8-4E73-91AD-79354262F9EE}"/>
+                  <a16:creationId xmlns:a16="http://schemas.microsoft.com/office/drawing/2014/main" id="{A2F2821E-7F8F-4B6B-ACC3-AFADF41C90BC}"/>
                 </a:ext>
               </a:extLst>
             </p:cNvPr>
@@ -6203,8 +5418,60 @@
           </p:nvSpPr>
           <p:spPr>
             <a:xfrm>
-              <a:off x="2734803" y="1952695"/>
-              <a:ext cx="713471" cy="169277"/>
+              <a:off x="1187957" y="1546064"/>
+              <a:ext cx="815143" cy="169277"/>
+            </a:xfrm>
+            <a:prstGeom prst="rect">
+              <a:avLst/>
+            </a:prstGeom>
+            <a:noFill/>
+          </p:spPr>
+          <p:txBody>
+            <a:bodyPr wrap="square" rtlCol="0">
+              <a:spAutoFit/>
+            </a:bodyPr>
+            <a:lstStyle/>
+            <a:p>
+              <a:r>
+                <a:rPr lang="ko-KR" altLang="en-US" sz="500" dirty="0">
+                  <a:latin typeface="JejuGothic" panose="02000300000000000000" pitchFamily="2" charset="-127"/>
+                  <a:ea typeface="JejuGothic" panose="02000300000000000000" pitchFamily="2" charset="-127"/>
+                </a:rPr>
+                <a:t>삼성</a:t>
+              </a:r>
+              <a:r>
+                <a:rPr lang="en-US" altLang="ko-KR" sz="500" dirty="0">
+                  <a:latin typeface="JejuGothic" panose="02000300000000000000" pitchFamily="2" charset="-127"/>
+                  <a:ea typeface="JejuGothic" panose="02000300000000000000" pitchFamily="2" charset="-127"/>
+                </a:rPr>
+                <a:t>SDS </a:t>
+              </a:r>
+              <a:r>
+                <a:rPr lang="ko-KR" altLang="en-US" sz="500" dirty="0">
+                  <a:latin typeface="JejuGothic" panose="02000300000000000000" pitchFamily="2" charset="-127"/>
+                  <a:ea typeface="JejuGothic" panose="02000300000000000000" pitchFamily="2" charset="-127"/>
+                </a:rPr>
+                <a:t>백종탁</a:t>
+              </a:r>
+            </a:p>
+          </p:txBody>
+        </p:sp>
+        <p:sp>
+          <p:nvSpPr>
+            <p:cNvPr id="27" name="TextBox 26">
+              <a:extLst>
+                <a:ext uri="{FF2B5EF4-FFF2-40B4-BE49-F238E27FC236}">
+                  <a16:creationId xmlns:a16="http://schemas.microsoft.com/office/drawing/2014/main" id="{F6D7739B-DC43-4498-A2ED-90F5E1DFBCC1}"/>
+                </a:ext>
+              </a:extLst>
+            </p:cNvPr>
+            <p:cNvSpPr txBox="1"/>
+            <p:nvPr/>
+          </p:nvSpPr>
+          <p:spPr>
+            <a:xfrm>
+              <a:off x="1187956" y="1738810"/>
+              <a:ext cx="815143" cy="169277"/>
             </a:xfrm>
             <a:prstGeom prst="rect">
               <a:avLst/>
@@ -6222,24 +5489,38 @@
                   <a:latin typeface="JejuGothic" panose="02000300000000000000" pitchFamily="2" charset="-127"/>
                   <a:ea typeface="JejuGothic" panose="02000300000000000000" pitchFamily="2" charset="-127"/>
                 </a:rPr>
-                <a:t>Saramin </a:t>
+                <a:t>LG</a:t>
               </a:r>
               <a:r>
                 <a:rPr lang="ko-KR" altLang="en-US" sz="500" dirty="0">
                   <a:latin typeface="JejuGothic" panose="02000300000000000000" pitchFamily="2" charset="-127"/>
                   <a:ea typeface="JejuGothic" panose="02000300000000000000" pitchFamily="2" charset="-127"/>
                 </a:rPr>
-                <a:t>이호경</a:t>
+                <a:t>전자</a:t>
+              </a:r>
+              <a:r>
+                <a:rPr lang="en-US" altLang="ko-KR" sz="500" dirty="0">
+                  <a:latin typeface="JejuGothic" panose="02000300000000000000" pitchFamily="2" charset="-127"/>
+                  <a:ea typeface="JejuGothic" panose="02000300000000000000" pitchFamily="2" charset="-127"/>
+                </a:rPr>
+                <a:t> </a:t>
+              </a:r>
+              <a:r>
+                <a:rPr lang="ko-KR" altLang="en-US" sz="500" dirty="0">
+                  <a:latin typeface="JejuGothic" panose="02000300000000000000" pitchFamily="2" charset="-127"/>
+                  <a:ea typeface="JejuGothic" panose="02000300000000000000" pitchFamily="2" charset="-127"/>
+                </a:rPr>
+                <a:t>최대성</a:t>
               </a:r>
             </a:p>
           </p:txBody>
         </p:sp>
         <p:sp>
           <p:nvSpPr>
-            <p:cNvPr id="48" name="TextBox 47">
+            <p:cNvPr id="29" name="TextBox 28">
               <a:extLst>
                 <a:ext uri="{FF2B5EF4-FFF2-40B4-BE49-F238E27FC236}">
-                  <a16:creationId xmlns:a16="http://schemas.microsoft.com/office/drawing/2014/main" id="{AB68C52E-9D75-4D43-BA57-2DF75AEFBC46}"/>
+                  <a16:creationId xmlns:a16="http://schemas.microsoft.com/office/drawing/2014/main" id="{416909EA-08E5-4DBC-BAD0-88139EF7C6B6}"/>
                 </a:ext>
               </a:extLst>
             </p:cNvPr>
@@ -6248,8 +5529,8 @@
           </p:nvSpPr>
           <p:spPr>
             <a:xfrm>
-              <a:off x="2734802" y="2152398"/>
-              <a:ext cx="505763" cy="169277"/>
+              <a:off x="1187956" y="1931556"/>
+              <a:ext cx="815143" cy="169277"/>
             </a:xfrm>
             <a:prstGeom prst="rect">
               <a:avLst/>
@@ -6267,24 +5548,38 @@
                   <a:latin typeface="JejuGothic" panose="02000300000000000000" pitchFamily="2" charset="-127"/>
                   <a:ea typeface="JejuGothic" panose="02000300000000000000" pitchFamily="2" charset="-127"/>
                 </a:rPr>
-                <a:t>KT </a:t>
+                <a:t>LG</a:t>
               </a:r>
               <a:r>
                 <a:rPr lang="ko-KR" altLang="en-US" sz="500" dirty="0">
                   <a:latin typeface="JejuGothic" panose="02000300000000000000" pitchFamily="2" charset="-127"/>
                   <a:ea typeface="JejuGothic" panose="02000300000000000000" pitchFamily="2" charset="-127"/>
                 </a:rPr>
-                <a:t>안재현</a:t>
+                <a:t>전자</a:t>
+              </a:r>
+              <a:r>
+                <a:rPr lang="en-US" altLang="ko-KR" sz="500" dirty="0">
+                  <a:latin typeface="JejuGothic" panose="02000300000000000000" pitchFamily="2" charset="-127"/>
+                  <a:ea typeface="JejuGothic" panose="02000300000000000000" pitchFamily="2" charset="-127"/>
+                </a:rPr>
+                <a:t> </a:t>
+              </a:r>
+              <a:r>
+                <a:rPr lang="ko-KR" altLang="en-US" sz="500" dirty="0">
+                  <a:latin typeface="JejuGothic" panose="02000300000000000000" pitchFamily="2" charset="-127"/>
+                  <a:ea typeface="JejuGothic" panose="02000300000000000000" pitchFamily="2" charset="-127"/>
+                </a:rPr>
+                <a:t>배상준</a:t>
               </a:r>
             </a:p>
           </p:txBody>
         </p:sp>
         <p:sp>
           <p:nvSpPr>
-            <p:cNvPr id="49" name="TextBox 48">
+            <p:cNvPr id="31" name="TextBox 30">
               <a:extLst>
                 <a:ext uri="{FF2B5EF4-FFF2-40B4-BE49-F238E27FC236}">
-                  <a16:creationId xmlns:a16="http://schemas.microsoft.com/office/drawing/2014/main" id="{AE133171-CD92-43ED-8C36-17880108A562}"/>
+                  <a16:creationId xmlns:a16="http://schemas.microsoft.com/office/drawing/2014/main" id="{844BDADD-9A4B-4400-A527-62C78B015603}"/>
                 </a:ext>
               </a:extLst>
             </p:cNvPr>
@@ -6293,8 +5588,8 @@
           </p:nvSpPr>
           <p:spPr>
             <a:xfrm>
-              <a:off x="2734803" y="2353772"/>
-              <a:ext cx="664086" cy="169277"/>
+              <a:off x="1187956" y="2124302"/>
+              <a:ext cx="815143" cy="169277"/>
             </a:xfrm>
             <a:prstGeom prst="rect">
               <a:avLst/>
@@ -6312,24 +5607,38 @@
                   <a:latin typeface="JejuGothic" panose="02000300000000000000" pitchFamily="2" charset="-127"/>
                   <a:ea typeface="JejuGothic" panose="02000300000000000000" pitchFamily="2" charset="-127"/>
                 </a:rPr>
-                <a:t>NAVER </a:t>
+                <a:t>LG</a:t>
               </a:r>
               <a:r>
                 <a:rPr lang="ko-KR" altLang="en-US" sz="500" dirty="0">
                   <a:latin typeface="JejuGothic" panose="02000300000000000000" pitchFamily="2" charset="-127"/>
                   <a:ea typeface="JejuGothic" panose="02000300000000000000" pitchFamily="2" charset="-127"/>
                 </a:rPr>
-                <a:t>윤정민</a:t>
+                <a:t>전자</a:t>
+              </a:r>
+              <a:r>
+                <a:rPr lang="en-US" altLang="ko-KR" sz="500" dirty="0">
+                  <a:latin typeface="JejuGothic" panose="02000300000000000000" pitchFamily="2" charset="-127"/>
+                  <a:ea typeface="JejuGothic" panose="02000300000000000000" pitchFamily="2" charset="-127"/>
+                </a:rPr>
+                <a:t> </a:t>
+              </a:r>
+              <a:r>
+                <a:rPr lang="ko-KR" altLang="en-US" sz="500" dirty="0">
+                  <a:latin typeface="JejuGothic" panose="02000300000000000000" pitchFamily="2" charset="-127"/>
+                  <a:ea typeface="JejuGothic" panose="02000300000000000000" pitchFamily="2" charset="-127"/>
+                </a:rPr>
+                <a:t>박용현</a:t>
               </a:r>
             </a:p>
           </p:txBody>
         </p:sp>
         <p:sp>
           <p:nvSpPr>
-            <p:cNvPr id="50" name="TextBox 49">
+            <p:cNvPr id="32" name="TextBox 31">
               <a:extLst>
                 <a:ext uri="{FF2B5EF4-FFF2-40B4-BE49-F238E27FC236}">
-                  <a16:creationId xmlns:a16="http://schemas.microsoft.com/office/drawing/2014/main" id="{D3FC8B8F-7676-4F61-9C40-99239EEFFD1E}"/>
+                  <a16:creationId xmlns:a16="http://schemas.microsoft.com/office/drawing/2014/main" id="{E97A66A2-EC3E-49C9-BE11-227A8E6AC36A}"/>
                 </a:ext>
               </a:extLst>
             </p:cNvPr>
@@ -6338,8 +5647,60 @@
           </p:nvSpPr>
           <p:spPr>
             <a:xfrm>
-              <a:off x="2734803" y="2553475"/>
-              <a:ext cx="874699" cy="169277"/>
+              <a:off x="1187957" y="2317048"/>
+              <a:ext cx="815142" cy="169277"/>
+            </a:xfrm>
+            <a:prstGeom prst="rect">
+              <a:avLst/>
+            </a:prstGeom>
+            <a:noFill/>
+          </p:spPr>
+          <p:txBody>
+            <a:bodyPr wrap="square" rtlCol="0">
+              <a:spAutoFit/>
+            </a:bodyPr>
+            <a:lstStyle/>
+            <a:p>
+              <a:r>
+                <a:rPr lang="ko-KR" altLang="en-US" sz="500" dirty="0">
+                  <a:latin typeface="JejuGothic" panose="02000300000000000000" pitchFamily="2" charset="-127"/>
+                  <a:ea typeface="JejuGothic" panose="02000300000000000000" pitchFamily="2" charset="-127"/>
+                </a:rPr>
+                <a:t>삼성전자</a:t>
+              </a:r>
+              <a:r>
+                <a:rPr lang="en-US" altLang="ko-KR" sz="500" dirty="0">
+                  <a:latin typeface="JejuGothic" panose="02000300000000000000" pitchFamily="2" charset="-127"/>
+                  <a:ea typeface="JejuGothic" panose="02000300000000000000" pitchFamily="2" charset="-127"/>
+                </a:rPr>
+                <a:t> </a:t>
+              </a:r>
+              <a:r>
+                <a:rPr lang="ko-KR" altLang="en-US" sz="500" dirty="0">
+                  <a:latin typeface="JejuGothic" panose="02000300000000000000" pitchFamily="2" charset="-127"/>
+                  <a:ea typeface="JejuGothic" panose="02000300000000000000" pitchFamily="2" charset="-127"/>
+                </a:rPr>
+                <a:t>김성호</a:t>
+              </a:r>
+            </a:p>
+          </p:txBody>
+        </p:sp>
+        <p:sp>
+          <p:nvSpPr>
+            <p:cNvPr id="33" name="TextBox 32">
+              <a:extLst>
+                <a:ext uri="{FF2B5EF4-FFF2-40B4-BE49-F238E27FC236}">
+                  <a16:creationId xmlns:a16="http://schemas.microsoft.com/office/drawing/2014/main" id="{F97CF2F8-36CF-490F-A1C4-948E97EEE59A}"/>
+                </a:ext>
+              </a:extLst>
+            </p:cNvPr>
+            <p:cNvSpPr txBox="1"/>
+            <p:nvPr/>
+          </p:nvSpPr>
+          <p:spPr>
+            <a:xfrm>
+              <a:off x="1187957" y="2509794"/>
+              <a:ext cx="815142" cy="169277"/>
             </a:xfrm>
             <a:prstGeom prst="rect">
               <a:avLst/>
@@ -6357,38 +5718,165 @@
                   <a:latin typeface="JejuGothic" panose="02000300000000000000" pitchFamily="2" charset="-127"/>
                   <a:ea typeface="JejuGothic" panose="02000300000000000000" pitchFamily="2" charset="-127"/>
                 </a:rPr>
-                <a:t>NHN</a:t>
+                <a:t>KAKAO </a:t>
               </a:r>
               <a:r>
                 <a:rPr lang="ko-KR" altLang="en-US" sz="500" dirty="0">
                   <a:latin typeface="JejuGothic" panose="02000300000000000000" pitchFamily="2" charset="-127"/>
                   <a:ea typeface="JejuGothic" panose="02000300000000000000" pitchFamily="2" charset="-127"/>
                 </a:rPr>
-                <a:t> </a:t>
-              </a:r>
-              <a:r>
-                <a:rPr lang="en-US" altLang="ko-KR" sz="500" dirty="0">
-                  <a:latin typeface="JejuGothic" panose="02000300000000000000" pitchFamily="2" charset="-127"/>
-                  <a:ea typeface="JejuGothic" panose="02000300000000000000" pitchFamily="2" charset="-127"/>
-                </a:rPr>
-                <a:t>diquest </a:t>
-              </a:r>
-              <a:r>
-                <a:rPr lang="ko-KR" altLang="en-US" sz="500" dirty="0">
-                  <a:latin typeface="JejuGothic" panose="02000300000000000000" pitchFamily="2" charset="-127"/>
-                  <a:ea typeface="JejuGothic" panose="02000300000000000000" pitchFamily="2" charset="-127"/>
-                </a:rPr>
-                <a:t>박용신</a:t>
+                <a:t>김신일</a:t>
               </a:r>
             </a:p>
           </p:txBody>
         </p:sp>
         <p:pic>
           <p:nvPicPr>
-            <p:cNvPr id="52" name="그림 51" descr="그리기이(가) 표시된 사진&#10;&#10;자동 생성된 설명">
+            <p:cNvPr id="34" name="Picture 4">
               <a:extLst>
                 <a:ext uri="{FF2B5EF4-FFF2-40B4-BE49-F238E27FC236}">
-                  <a16:creationId xmlns:a16="http://schemas.microsoft.com/office/drawing/2014/main" id="{9D865A80-3967-49D3-9C60-E677A084F980}"/>
+                  <a16:creationId xmlns:a16="http://schemas.microsoft.com/office/drawing/2014/main" id="{36498A1A-98AE-455F-B867-6A0214C57ACF}"/>
+                </a:ext>
+              </a:extLst>
+            </p:cNvPr>
+            <p:cNvPicPr>
+              <a:picLocks noChangeAspect="1" noChangeArrowheads="1"/>
+            </p:cNvPicPr>
+            <p:nvPr/>
+          </p:nvPicPr>
+          <p:blipFill>
+            <a:blip r:embed="rId5">
+              <a:extLst>
+                <a:ext uri="{28A0092B-C50C-407E-A947-70E740481C1C}">
+                  <a14:useLocalDpi xmlns:a14="http://schemas.microsoft.com/office/drawing/2010/main" val="0"/>
+                </a:ext>
+              </a:extLst>
+            </a:blip>
+            <a:srcRect/>
+            <a:stretch>
+              <a:fillRect/>
+            </a:stretch>
+          </p:blipFill>
+          <p:spPr bwMode="auto">
+            <a:xfrm>
+              <a:off x="571707" y="1376233"/>
+              <a:ext cx="584518" cy="118573"/>
+            </a:xfrm>
+            <a:prstGeom prst="rect">
+              <a:avLst/>
+            </a:prstGeom>
+            <a:noFill/>
+            <a:extLst>
+              <a:ext uri="{909E8E84-426E-40DD-AFC4-6F175D3DCCD1}">
+                <a14:hiddenFill xmlns:a14="http://schemas.microsoft.com/office/drawing/2010/main">
+                  <a:solidFill>
+                    <a:srgbClr val="FFFFFF"/>
+                  </a:solidFill>
+                </a14:hiddenFill>
+              </a:ext>
+            </a:extLst>
+          </p:spPr>
+        </p:pic>
+        <p:pic>
+          <p:nvPicPr>
+            <p:cNvPr id="35" name="Picture 10">
+              <a:extLst>
+                <a:ext uri="{FF2B5EF4-FFF2-40B4-BE49-F238E27FC236}">
+                  <a16:creationId xmlns:a16="http://schemas.microsoft.com/office/drawing/2014/main" id="{0C9D91D3-AAD4-4C46-99CC-AD463C8C5C04}"/>
+                </a:ext>
+              </a:extLst>
+            </p:cNvPr>
+            <p:cNvPicPr>
+              <a:picLocks noChangeAspect="1" noChangeArrowheads="1"/>
+            </p:cNvPicPr>
+            <p:nvPr/>
+          </p:nvPicPr>
+          <p:blipFill>
+            <a:blip r:embed="rId6">
+              <a:extLst>
+                <a:ext uri="{28A0092B-C50C-407E-A947-70E740481C1C}">
+                  <a14:useLocalDpi xmlns:a14="http://schemas.microsoft.com/office/drawing/2010/main" val="0"/>
+                </a:ext>
+              </a:extLst>
+            </a:blip>
+            <a:srcRect/>
+            <a:stretch>
+              <a:fillRect/>
+            </a:stretch>
+          </p:blipFill>
+          <p:spPr bwMode="auto">
+            <a:xfrm>
+              <a:off x="820820" y="1582067"/>
+              <a:ext cx="331082" cy="109929"/>
+            </a:xfrm>
+            <a:prstGeom prst="rect">
+              <a:avLst/>
+            </a:prstGeom>
+            <a:noFill/>
+            <a:extLst>
+              <a:ext uri="{909E8E84-426E-40DD-AFC4-6F175D3DCCD1}">
+                <a14:hiddenFill xmlns:a14="http://schemas.microsoft.com/office/drawing/2010/main">
+                  <a:solidFill>
+                    <a:srgbClr val="FFFFFF"/>
+                  </a:solidFill>
+                </a14:hiddenFill>
+              </a:ext>
+            </a:extLst>
+          </p:spPr>
+        </p:pic>
+        <p:pic>
+          <p:nvPicPr>
+            <p:cNvPr id="36" name="Picture 10">
+              <a:extLst>
+                <a:ext uri="{FF2B5EF4-FFF2-40B4-BE49-F238E27FC236}">
+                  <a16:creationId xmlns:a16="http://schemas.microsoft.com/office/drawing/2014/main" id="{1405680C-FA8E-4FD9-BCF6-D1AA401E3D54}"/>
+                </a:ext>
+              </a:extLst>
+            </p:cNvPr>
+            <p:cNvPicPr>
+              <a:picLocks noChangeAspect="1" noChangeArrowheads="1"/>
+            </p:cNvPicPr>
+            <p:nvPr/>
+          </p:nvPicPr>
+          <p:blipFill>
+            <a:blip r:embed="rId6">
+              <a:extLst>
+                <a:ext uri="{28A0092B-C50C-407E-A947-70E740481C1C}">
+                  <a14:useLocalDpi xmlns:a14="http://schemas.microsoft.com/office/drawing/2010/main" val="0"/>
+                </a:ext>
+              </a:extLst>
+            </a:blip>
+            <a:srcRect/>
+            <a:stretch>
+              <a:fillRect/>
+            </a:stretch>
+          </p:blipFill>
+          <p:spPr bwMode="auto">
+            <a:xfrm>
+              <a:off x="802943" y="2344405"/>
+              <a:ext cx="348959" cy="115865"/>
+            </a:xfrm>
+            <a:prstGeom prst="rect">
+              <a:avLst/>
+            </a:prstGeom>
+            <a:noFill/>
+            <a:extLst>
+              <a:ext uri="{909E8E84-426E-40DD-AFC4-6F175D3DCCD1}">
+                <a14:hiddenFill xmlns:a14="http://schemas.microsoft.com/office/drawing/2010/main">
+                  <a:solidFill>
+                    <a:srgbClr val="FFFFFF"/>
+                  </a:solidFill>
+                </a14:hiddenFill>
+              </a:ext>
+            </a:extLst>
+          </p:spPr>
+        </p:pic>
+        <p:pic>
+          <p:nvPicPr>
+            <p:cNvPr id="37" name="그림 36" descr="표지판, 그리기, 시계이(가) 표시된 사진&#10;&#10;자동 생성된 설명">
+              <a:extLst>
+                <a:ext uri="{FF2B5EF4-FFF2-40B4-BE49-F238E27FC236}">
+                  <a16:creationId xmlns:a16="http://schemas.microsoft.com/office/drawing/2014/main" id="{A72B159A-7AB0-434B-B575-1A9CC7CF421C}"/>
                 </a:ext>
               </a:extLst>
             </p:cNvPr>
@@ -6398,20 +5886,20 @@
             <p:nvPr/>
           </p:nvPicPr>
           <p:blipFill rotWithShape="1">
-            <a:blip r:embed="rId9">
+            <a:blip r:embed="rId7">
               <a:extLst>
                 <a:ext uri="{28A0092B-C50C-407E-A947-70E740481C1C}">
                   <a14:useLocalDpi xmlns:a14="http://schemas.microsoft.com/office/drawing/2010/main" val="0"/>
                 </a:ext>
               </a:extLst>
             </a:blip>
-            <a:srcRect l="27716" t="34418" r="1459" b="21317"/>
+            <a:srcRect r="71957"/>
             <a:stretch/>
           </p:blipFill>
           <p:spPr>
             <a:xfrm>
-              <a:off x="2211350" y="1811578"/>
-              <a:ext cx="465975" cy="88986"/>
+              <a:off x="1015235" y="1755669"/>
+              <a:ext cx="138553" cy="142894"/>
             </a:xfrm>
             <a:prstGeom prst="rect">
               <a:avLst/>
@@ -6420,10 +5908,10 @@
         </p:pic>
         <p:pic>
           <p:nvPicPr>
-            <p:cNvPr id="53" name="그림 52" descr="그리기이(가) 표시된 사진&#10;&#10;자동 생성된 설명">
+            <p:cNvPr id="38" name="그림 37" descr="표지판, 그리기, 시계이(가) 표시된 사진&#10;&#10;자동 생성된 설명">
               <a:extLst>
                 <a:ext uri="{FF2B5EF4-FFF2-40B4-BE49-F238E27FC236}">
-                  <a16:creationId xmlns:a16="http://schemas.microsoft.com/office/drawing/2014/main" id="{5D98CA78-33FD-4B90-9C44-FDD5251B373E}"/>
+                  <a16:creationId xmlns:a16="http://schemas.microsoft.com/office/drawing/2014/main" id="{9E31B6AC-8D1E-4B0E-A6F8-901DAAE8E650}"/>
                 </a:ext>
               </a:extLst>
             </p:cNvPr>
@@ -6433,20 +5921,20 @@
             <p:nvPr/>
           </p:nvPicPr>
           <p:blipFill rotWithShape="1">
-            <a:blip r:embed="rId9">
+            <a:blip r:embed="rId7">
               <a:extLst>
                 <a:ext uri="{28A0092B-C50C-407E-A947-70E740481C1C}">
                   <a14:useLocalDpi xmlns:a14="http://schemas.microsoft.com/office/drawing/2010/main" val="0"/>
                 </a:ext>
               </a:extLst>
             </a:blip>
-            <a:srcRect l="27716" t="34418" r="1459" b="21317"/>
+            <a:srcRect r="71957"/>
             <a:stretch/>
           </p:blipFill>
           <p:spPr>
             <a:xfrm>
-              <a:off x="2211350" y="1613858"/>
-              <a:ext cx="465975" cy="88986"/>
+              <a:off x="1009034" y="1948613"/>
+              <a:ext cx="148175" cy="142894"/>
             </a:xfrm>
             <a:prstGeom prst="rect">
               <a:avLst/>
@@ -6455,10 +5943,10 @@
         </p:pic>
         <p:pic>
           <p:nvPicPr>
-            <p:cNvPr id="84" name="그림 83">
+            <p:cNvPr id="39" name="그림 38" descr="표지판, 그리기, 시계이(가) 표시된 사진&#10;&#10;자동 생성된 설명">
               <a:extLst>
                 <a:ext uri="{FF2B5EF4-FFF2-40B4-BE49-F238E27FC236}">
-                  <a16:creationId xmlns:a16="http://schemas.microsoft.com/office/drawing/2014/main" id="{15444870-8857-4C7C-B83D-45D83640DDEB}"/>
+                  <a16:creationId xmlns:a16="http://schemas.microsoft.com/office/drawing/2014/main" id="{F4B01B3C-B808-4A8E-A46A-8C4160AD677A}"/>
                 </a:ext>
               </a:extLst>
             </p:cNvPr>
@@ -6468,20 +5956,20 @@
             <p:nvPr/>
           </p:nvPicPr>
           <p:blipFill rotWithShape="1">
-            <a:blip r:embed="rId10">
+            <a:blip r:embed="rId7">
               <a:extLst>
                 <a:ext uri="{28A0092B-C50C-407E-A947-70E740481C1C}">
                   <a14:useLocalDpi xmlns:a14="http://schemas.microsoft.com/office/drawing/2010/main" val="0"/>
                 </a:ext>
               </a:extLst>
             </a:blip>
-            <a:srcRect l="13117" t="15493" r="12280" b="11649"/>
+            <a:srcRect r="71957"/>
             <a:stretch/>
           </p:blipFill>
           <p:spPr>
             <a:xfrm>
-              <a:off x="2592930" y="2198147"/>
-              <a:ext cx="126881" cy="114382"/>
+              <a:off x="1009034" y="2144244"/>
+              <a:ext cx="148175" cy="142894"/>
             </a:xfrm>
             <a:prstGeom prst="rect">
               <a:avLst/>
@@ -6490,109 +5978,47 @@
         </p:pic>
         <p:pic>
           <p:nvPicPr>
-            <p:cNvPr id="87" name="그림 86">
+            <p:cNvPr id="40" name="Picture 12" descr="kakao">
               <a:extLst>
                 <a:ext uri="{FF2B5EF4-FFF2-40B4-BE49-F238E27FC236}">
-                  <a16:creationId xmlns:a16="http://schemas.microsoft.com/office/drawing/2014/main" id="{B6B46AF4-0C94-419A-ADD2-90B29F74979A}"/>
+                  <a16:creationId xmlns:a16="http://schemas.microsoft.com/office/drawing/2014/main" id="{C7F40EFD-ACDC-48B6-BF4D-AFEC79F49385}"/>
                 </a:ext>
               </a:extLst>
             </p:cNvPr>
             <p:cNvPicPr>
-              <a:picLocks noChangeAspect="1"/>
+              <a:picLocks noChangeAspect="1" noChangeArrowheads="1"/>
             </p:cNvPicPr>
             <p:nvPr/>
           </p:nvPicPr>
-          <p:blipFill>
-            <a:blip r:embed="rId11">
+          <p:blipFill rotWithShape="1">
+            <a:blip r:embed="rId8">
               <a:extLst>
                 <a:ext uri="{28A0092B-C50C-407E-A947-70E740481C1C}">
                   <a14:useLocalDpi xmlns:a14="http://schemas.microsoft.com/office/drawing/2010/main" val="0"/>
                 </a:ext>
               </a:extLst>
             </a:blip>
-            <a:stretch>
-              <a:fillRect/>
-            </a:stretch>
+            <a:srcRect l="24965" t="43726" r="57597" b="43192"/>
+            <a:stretch/>
           </p:blipFill>
-          <p:spPr>
+          <p:spPr bwMode="auto">
             <a:xfrm>
-              <a:off x="2152598" y="2612442"/>
-              <a:ext cx="510034" cy="107016"/>
+              <a:off x="838513" y="2534743"/>
+              <a:ext cx="312115" cy="99712"/>
             </a:xfrm>
             <a:prstGeom prst="rect">
               <a:avLst/>
             </a:prstGeom>
-          </p:spPr>
-        </p:pic>
-        <p:pic>
-          <p:nvPicPr>
-            <p:cNvPr id="81" name="그림 80" descr="그리기이(가) 표시된 사진&#10;&#10;자동 생성된 설명">
-              <a:extLst>
-                <a:ext uri="{FF2B5EF4-FFF2-40B4-BE49-F238E27FC236}">
-                  <a16:creationId xmlns:a16="http://schemas.microsoft.com/office/drawing/2014/main" id="{49F56DA2-5A2A-4D93-A553-DCD5150E9726}"/>
-                </a:ext>
-              </a:extLst>
-            </p:cNvPr>
-            <p:cNvPicPr>
-              <a:picLocks noChangeAspect="1"/>
-            </p:cNvPicPr>
-            <p:nvPr/>
-          </p:nvPicPr>
-          <p:blipFill rotWithShape="1">
-            <a:blip r:embed="rId9">
-              <a:extLst>
-                <a:ext uri="{28A0092B-C50C-407E-A947-70E740481C1C}">
-                  <a14:useLocalDpi xmlns:a14="http://schemas.microsoft.com/office/drawing/2010/main" val="0"/>
-                </a:ext>
-              </a:extLst>
-            </a:blip>
-            <a:srcRect l="27716" t="34418" r="1459" b="21317"/>
-            <a:stretch/>
-          </p:blipFill>
-          <p:spPr>
-            <a:xfrm>
-              <a:off x="2200172" y="2416491"/>
-              <a:ext cx="477153" cy="91121"/>
-            </a:xfrm>
-            <a:prstGeom prst="rect">
-              <a:avLst/>
-            </a:prstGeom>
-          </p:spPr>
-        </p:pic>
-        <p:pic>
-          <p:nvPicPr>
-            <p:cNvPr id="7" name="그림 6">
-              <a:extLst>
-                <a:ext uri="{FF2B5EF4-FFF2-40B4-BE49-F238E27FC236}">
-                  <a16:creationId xmlns:a16="http://schemas.microsoft.com/office/drawing/2014/main" id="{30B6CE12-F8CB-405B-9F00-C8E68AAB650D}"/>
-                </a:ext>
-              </a:extLst>
-            </p:cNvPr>
-            <p:cNvPicPr>
-              <a:picLocks noChangeAspect="1"/>
-            </p:cNvPicPr>
-            <p:nvPr/>
-          </p:nvPicPr>
-          <p:blipFill>
-            <a:blip r:embed="rId12">
-              <a:extLst>
-                <a:ext uri="{28A0092B-C50C-407E-A947-70E740481C1C}">
-                  <a14:useLocalDpi xmlns:a14="http://schemas.microsoft.com/office/drawing/2010/main" val="0"/>
-                </a:ext>
-              </a:extLst>
-            </a:blip>
-            <a:stretch>
-              <a:fillRect/>
-            </a:stretch>
-          </p:blipFill>
-          <p:spPr>
-            <a:xfrm>
-              <a:off x="2211350" y="1995921"/>
-              <a:ext cx="477153" cy="105991"/>
-            </a:xfrm>
-            <a:prstGeom prst="rect">
-              <a:avLst/>
-            </a:prstGeom>
+            <a:noFill/>
+            <a:extLst>
+              <a:ext uri="{909E8E84-426E-40DD-AFC4-6F175D3DCCD1}">
+                <a14:hiddenFill xmlns:a14="http://schemas.microsoft.com/office/drawing/2010/main">
+                  <a:solidFill>
+                    <a:srgbClr val="FFFFFF"/>
+                  </a:solidFill>
+                </a14:hiddenFill>
+              </a:ext>
+            </a:extLst>
           </p:spPr>
         </p:pic>
         <p:pic>
@@ -6610,7 +6036,7 @@
             <p:nvPr/>
           </p:nvPicPr>
           <p:blipFill rotWithShape="1">
-            <a:blip r:embed="rId10">
+            <a:blip r:embed="rId9">
               <a:extLst>
                 <a:ext uri="{28A0092B-C50C-407E-A947-70E740481C1C}">
                   <a14:useLocalDpi xmlns:a14="http://schemas.microsoft.com/office/drawing/2010/main" val="0"/>
@@ -6622,7 +6048,7 @@
           </p:blipFill>
           <p:spPr>
             <a:xfrm>
-              <a:off x="2587943" y="1209347"/>
+              <a:off x="1023747" y="2729596"/>
               <a:ext cx="126881" cy="114382"/>
             </a:xfrm>
             <a:prstGeom prst="rect">
@@ -6644,8 +6070,8 @@
           </p:nvSpPr>
           <p:spPr>
             <a:xfrm>
-              <a:off x="2729815" y="1160658"/>
-              <a:ext cx="505763" cy="169277"/>
+              <a:off x="1188146" y="2702425"/>
+              <a:ext cx="818000" cy="169277"/>
             </a:xfrm>
             <a:prstGeom prst="rect">
               <a:avLst/>
@@ -6689,8 +6115,8 @@
           </p:nvSpPr>
           <p:spPr>
             <a:xfrm>
-              <a:off x="2738444" y="1360546"/>
-              <a:ext cx="671348" cy="169277"/>
+              <a:off x="1187249" y="2895170"/>
+              <a:ext cx="817200" cy="169277"/>
             </a:xfrm>
             <a:prstGeom prst="rect">
               <a:avLst/>
@@ -6722,10 +6148,10 @@
         </p:sp>
         <p:pic>
           <p:nvPicPr>
-            <p:cNvPr id="86" name="Picture 12" descr="kakao">
+            <p:cNvPr id="1055" name="Picture 12" descr="kakao">
               <a:extLst>
                 <a:ext uri="{FF2B5EF4-FFF2-40B4-BE49-F238E27FC236}">
-                  <a16:creationId xmlns:a16="http://schemas.microsoft.com/office/drawing/2014/main" id="{ACE8730D-660A-4F40-AAA5-706DEA1A4131}"/>
+                  <a16:creationId xmlns:a16="http://schemas.microsoft.com/office/drawing/2014/main" id="{8F552785-C6E2-9000-8316-E96EC7335D44}"/>
                 </a:ext>
               </a:extLst>
             </p:cNvPr>
@@ -6735,7 +6161,7 @@
             <p:nvPr/>
           </p:nvPicPr>
           <p:blipFill rotWithShape="1">
-            <a:blip r:embed="rId6">
+            <a:blip r:embed="rId8">
               <a:extLst>
                 <a:ext uri="{28A0092B-C50C-407E-A947-70E740481C1C}">
                   <a14:useLocalDpi xmlns:a14="http://schemas.microsoft.com/office/drawing/2010/main" val="0"/>
@@ -6747,8 +6173,8 @@
           </p:blipFill>
           <p:spPr bwMode="auto">
             <a:xfrm>
-              <a:off x="2368699" y="1411637"/>
-              <a:ext cx="325796" cy="104083"/>
+              <a:off x="838513" y="2920608"/>
+              <a:ext cx="312115" cy="99712"/>
             </a:xfrm>
             <a:prstGeom prst="rect">
               <a:avLst/>
@@ -6768,10 +6194,10 @@
       </p:grpSp>
       <p:grpSp>
         <p:nvGrpSpPr>
-          <p:cNvPr id="9" name="그룹 8">
-            <a:extLst>
-              <a:ext uri="{FF2B5EF4-FFF2-40B4-BE49-F238E27FC236}">
-                <a16:creationId xmlns:a16="http://schemas.microsoft.com/office/drawing/2014/main" id="{6FBA6AC8-4239-41E8-AF4A-2D8BFF6CCBB9}"/>
+          <p:cNvPr id="1106" name="그룹 1105">
+            <a:extLst>
+              <a:ext uri="{FF2B5EF4-FFF2-40B4-BE49-F238E27FC236}">
+                <a16:creationId xmlns:a16="http://schemas.microsoft.com/office/drawing/2014/main" id="{D08DB4EA-20F7-EC34-DC36-50F0B5F23F70}"/>
               </a:ext>
             </a:extLst>
           </p:cNvPr>
@@ -6780,77 +6206,53 @@
         </p:nvGrpSpPr>
         <p:grpSpPr>
           <a:xfrm>
-            <a:off x="3534031" y="1314079"/>
-            <a:ext cx="1601953" cy="1353587"/>
-            <a:chOff x="3527258" y="1154271"/>
-            <a:chExt cx="1601953" cy="1353587"/>
+            <a:off x="2112894" y="1160572"/>
+            <a:ext cx="1357376" cy="1903875"/>
+            <a:chOff x="2112894" y="1160572"/>
+            <a:chExt cx="1357376" cy="1903875"/>
           </a:xfrm>
         </p:grpSpPr>
-        <p:sp>
-          <p:nvSpPr>
-            <p:cNvPr id="98" name="TextBox 97">
+        <p:pic>
+          <p:nvPicPr>
+            <p:cNvPr id="53" name="그림 52" descr="그리기이(가) 표시된 사진&#10;&#10;자동 생성된 설명">
               <a:extLst>
                 <a:ext uri="{FF2B5EF4-FFF2-40B4-BE49-F238E27FC236}">
-                  <a16:creationId xmlns:a16="http://schemas.microsoft.com/office/drawing/2014/main" id="{2DFE6C00-EA27-4F62-8880-E2D79A6C20F4}"/>
+                  <a16:creationId xmlns:a16="http://schemas.microsoft.com/office/drawing/2014/main" id="{5D98CA78-33FD-4B90-9C44-FDD5251B373E}"/>
                 </a:ext>
               </a:extLst>
             </p:cNvPr>
-            <p:cNvSpPr txBox="1"/>
+            <p:cNvPicPr>
+              <a:picLocks noChangeAspect="1"/>
+            </p:cNvPicPr>
             <p:nvPr/>
-          </p:nvSpPr>
+          </p:nvPicPr>
+          <p:blipFill rotWithShape="1">
+            <a:blip r:embed="rId10">
+              <a:extLst>
+                <a:ext uri="{28A0092B-C50C-407E-A947-70E740481C1C}">
+                  <a14:useLocalDpi xmlns:a14="http://schemas.microsoft.com/office/drawing/2010/main" val="0"/>
+                </a:ext>
+              </a:extLst>
+            </a:blip>
+            <a:srcRect l="27716" t="34418" r="1459" b="21317"/>
+            <a:stretch/>
+          </p:blipFill>
           <p:spPr>
             <a:xfrm>
-              <a:off x="4123267" y="1154271"/>
-              <a:ext cx="874699" cy="169277"/>
+              <a:off x="2161764" y="1200621"/>
+              <a:ext cx="465975" cy="88986"/>
             </a:xfrm>
             <a:prstGeom prst="rect">
               <a:avLst/>
             </a:prstGeom>
-            <a:noFill/>
           </p:spPr>
-          <p:txBody>
-            <a:bodyPr wrap="square" rtlCol="0">
-              <a:spAutoFit/>
-            </a:bodyPr>
-            <a:lstStyle/>
-            <a:p>
-              <a:r>
-                <a:rPr lang="en-US" altLang="ko-KR" sz="500" dirty="0">
-                  <a:latin typeface="JejuGothic" panose="02000300000000000000" pitchFamily="2" charset="-127"/>
-                  <a:ea typeface="JejuGothic" panose="02000300000000000000" pitchFamily="2" charset="-127"/>
-                </a:rPr>
-                <a:t>NHN</a:t>
-              </a:r>
-              <a:r>
-                <a:rPr lang="ko-KR" altLang="en-US" sz="500" dirty="0">
-                  <a:latin typeface="JejuGothic" panose="02000300000000000000" pitchFamily="2" charset="-127"/>
-                  <a:ea typeface="JejuGothic" panose="02000300000000000000" pitchFamily="2" charset="-127"/>
-                </a:rPr>
-                <a:t> </a:t>
-              </a:r>
-              <a:r>
-                <a:rPr lang="en-US" altLang="ko-KR" sz="500" dirty="0">
-                  <a:latin typeface="JejuGothic" panose="02000300000000000000" pitchFamily="2" charset="-127"/>
-                  <a:ea typeface="JejuGothic" panose="02000300000000000000" pitchFamily="2" charset="-127"/>
-                </a:rPr>
-                <a:t>diquest </a:t>
-              </a:r>
-              <a:r>
-                <a:rPr lang="ko-KR" altLang="en-US" sz="500" dirty="0">
-                  <a:latin typeface="JejuGothic" panose="02000300000000000000" pitchFamily="2" charset="-127"/>
-                  <a:ea typeface="JejuGothic" panose="02000300000000000000" pitchFamily="2" charset="-127"/>
-                </a:rPr>
-                <a:t>김혜민</a:t>
-              </a:r>
-            </a:p>
-          </p:txBody>
-        </p:sp>
+        </p:pic>
         <p:pic>
           <p:nvPicPr>
-            <p:cNvPr id="99" name="그림 98" descr="그리기이(가) 표시된 사진&#10;&#10;자동 생성된 설명">
+            <p:cNvPr id="84" name="그림 83">
               <a:extLst>
                 <a:ext uri="{FF2B5EF4-FFF2-40B4-BE49-F238E27FC236}">
-                  <a16:creationId xmlns:a16="http://schemas.microsoft.com/office/drawing/2014/main" id="{E28F16FE-3253-46EF-B551-3540DD0A0901}"/>
+                  <a16:creationId xmlns:a16="http://schemas.microsoft.com/office/drawing/2014/main" id="{15444870-8857-4C7C-B83D-45D83640DDEB}"/>
                 </a:ext>
               </a:extLst>
             </p:cNvPr>
@@ -6867,13 +6269,13 @@
                 </a:ext>
               </a:extLst>
             </a:blip>
-            <a:srcRect l="27716" t="34418" r="1459" b="21317"/>
+            <a:srcRect l="13117" t="15493" r="12280" b="11649"/>
             <a:stretch/>
           </p:blipFill>
           <p:spPr>
             <a:xfrm>
-              <a:off x="3564924" y="1415495"/>
-              <a:ext cx="500865" cy="95649"/>
+              <a:off x="2497378" y="1762234"/>
+              <a:ext cx="126881" cy="114382"/>
             </a:xfrm>
             <a:prstGeom prst="rect">
               <a:avLst/>
@@ -6882,10 +6284,10 @@
         </p:pic>
         <p:pic>
           <p:nvPicPr>
-            <p:cNvPr id="100" name="그림 99">
+            <p:cNvPr id="87" name="그림 86">
               <a:extLst>
                 <a:ext uri="{FF2B5EF4-FFF2-40B4-BE49-F238E27FC236}">
-                  <a16:creationId xmlns:a16="http://schemas.microsoft.com/office/drawing/2014/main" id="{5A9044BB-9A84-4428-85DE-1F8DC700049C}"/>
+                  <a16:creationId xmlns:a16="http://schemas.microsoft.com/office/drawing/2014/main" id="{B6B46AF4-0C94-419A-ADD2-90B29F74979A}"/>
                 </a:ext>
               </a:extLst>
             </p:cNvPr>
@@ -6908,8 +6310,44 @@
           </p:blipFill>
           <p:spPr>
             <a:xfrm>
-              <a:off x="3527258" y="1205778"/>
-              <a:ext cx="523837" cy="109912"/>
+              <a:off x="2112894" y="2156970"/>
+              <a:ext cx="510034" cy="107016"/>
+            </a:xfrm>
+            <a:prstGeom prst="rect">
+              <a:avLst/>
+            </a:prstGeom>
+          </p:spPr>
+        </p:pic>
+        <p:pic>
+          <p:nvPicPr>
+            <p:cNvPr id="7" name="그림 6">
+              <a:extLst>
+                <a:ext uri="{FF2B5EF4-FFF2-40B4-BE49-F238E27FC236}">
+                  <a16:creationId xmlns:a16="http://schemas.microsoft.com/office/drawing/2014/main" id="{30B6CE12-F8CB-405B-9F00-C8E68AAB650D}"/>
+                </a:ext>
+              </a:extLst>
+            </p:cNvPr>
+            <p:cNvPicPr>
+              <a:picLocks noChangeAspect="1"/>
+            </p:cNvPicPr>
+            <p:nvPr/>
+          </p:nvPicPr>
+          <p:blipFill>
+            <a:blip r:embed="rId12">
+              <a:extLst>
+                <a:ext uri="{28A0092B-C50C-407E-A947-70E740481C1C}">
+                  <a14:useLocalDpi xmlns:a14="http://schemas.microsoft.com/office/drawing/2010/main" val="0"/>
+                </a:ext>
+              </a:extLst>
+            </a:blip>
+            <a:stretch>
+              <a:fillRect/>
+            </a:stretch>
+          </p:blipFill>
+          <p:spPr>
+            <a:xfrm>
+              <a:off x="2150381" y="1570563"/>
+              <a:ext cx="477153" cy="105991"/>
             </a:xfrm>
             <a:prstGeom prst="rect">
               <a:avLst/>
@@ -6944,7 +6382,7 @@
           </p:blipFill>
           <p:spPr>
             <a:xfrm>
-              <a:off x="3889320" y="1799632"/>
+              <a:off x="2425948" y="2926200"/>
               <a:ext cx="196980" cy="107216"/>
             </a:xfrm>
             <a:prstGeom prst="rect">
@@ -6954,10 +6392,10 @@
         </p:pic>
         <p:sp>
           <p:nvSpPr>
-            <p:cNvPr id="102" name="TextBox 101">
+            <p:cNvPr id="1079" name="TextBox 1078">
               <a:extLst>
                 <a:ext uri="{FF2B5EF4-FFF2-40B4-BE49-F238E27FC236}">
-                  <a16:creationId xmlns:a16="http://schemas.microsoft.com/office/drawing/2014/main" id="{59AB5D9B-057B-46E8-9DE5-51CDA237FD23}"/>
+                  <a16:creationId xmlns:a16="http://schemas.microsoft.com/office/drawing/2014/main" id="{C7CCF05B-429D-B7F4-F767-571E941D94AE}"/>
                 </a:ext>
               </a:extLst>
             </p:cNvPr>
@@ -6966,8 +6404,8 @@
           </p:nvSpPr>
           <p:spPr>
             <a:xfrm>
-              <a:off x="4123267" y="1353974"/>
-              <a:ext cx="664086" cy="169277"/>
+              <a:off x="2652079" y="1160572"/>
+              <a:ext cx="815145" cy="169277"/>
             </a:xfrm>
             <a:prstGeom prst="rect">
               <a:avLst/>
@@ -6981,28 +6419,32 @@
             <a:lstStyle/>
             <a:p>
               <a:r>
-                <a:rPr lang="en-US" altLang="ko-KR" sz="500" dirty="0">
+                <a:rPr lang="en-US" altLang="ko-KR" sz="500">
                   <a:latin typeface="JejuGothic" panose="02000300000000000000" pitchFamily="2" charset="-127"/>
                   <a:ea typeface="JejuGothic" panose="02000300000000000000" pitchFamily="2" charset="-127"/>
                 </a:rPr>
                 <a:t>NAVER </a:t>
               </a:r>
               <a:r>
-                <a:rPr lang="ko-KR" altLang="en-US" sz="500" dirty="0">
+                <a:rPr lang="ko-KR" altLang="en-US" sz="500">
                   <a:latin typeface="JejuGothic" panose="02000300000000000000" pitchFamily="2" charset="-127"/>
                   <a:ea typeface="JejuGothic" panose="02000300000000000000" pitchFamily="2" charset="-127"/>
                 </a:rPr>
-                <a:t>유홍연</a:t>
+                <a:t>이창수</a:t>
               </a:r>
+              <a:endParaRPr lang="ko-KR" altLang="en-US" sz="500" dirty="0">
+                <a:latin typeface="JejuGothic" panose="02000300000000000000" pitchFamily="2" charset="-127"/>
+                <a:ea typeface="JejuGothic" panose="02000300000000000000" pitchFamily="2" charset="-127"/>
+              </a:endParaRPr>
             </a:p>
           </p:txBody>
         </p:sp>
         <p:sp>
           <p:nvSpPr>
-            <p:cNvPr id="103" name="TextBox 102">
+            <p:cNvPr id="1080" name="TextBox 1079">
               <a:extLst>
                 <a:ext uri="{FF2B5EF4-FFF2-40B4-BE49-F238E27FC236}">
-                  <a16:creationId xmlns:a16="http://schemas.microsoft.com/office/drawing/2014/main" id="{3B8D06D8-8519-48EC-A8EE-041DB755AB99}"/>
+                  <a16:creationId xmlns:a16="http://schemas.microsoft.com/office/drawing/2014/main" id="{0C69EBBA-76A1-7948-AF21-4E6F0C738A2B}"/>
                 </a:ext>
               </a:extLst>
             </p:cNvPr>
@@ -7011,8 +6453,442 @@
           </p:nvSpPr>
           <p:spPr>
             <a:xfrm>
-              <a:off x="4123266" y="1753382"/>
-              <a:ext cx="719281" cy="169277"/>
+              <a:off x="2652081" y="1353318"/>
+              <a:ext cx="815146" cy="169277"/>
+            </a:xfrm>
+            <a:prstGeom prst="rect">
+              <a:avLst/>
+            </a:prstGeom>
+            <a:noFill/>
+          </p:spPr>
+          <p:txBody>
+            <a:bodyPr wrap="square" rtlCol="0">
+              <a:spAutoFit/>
+            </a:bodyPr>
+            <a:lstStyle/>
+            <a:p>
+              <a:r>
+                <a:rPr lang="en-US" altLang="ko-KR" sz="500">
+                  <a:latin typeface="JejuGothic" panose="02000300000000000000" pitchFamily="2" charset="-127"/>
+                  <a:ea typeface="JejuGothic" panose="02000300000000000000" pitchFamily="2" charset="-127"/>
+                </a:rPr>
+                <a:t>NAVER </a:t>
+              </a:r>
+              <a:r>
+                <a:rPr lang="ko-KR" altLang="en-US" sz="500">
+                  <a:latin typeface="JejuGothic" panose="02000300000000000000" pitchFamily="2" charset="-127"/>
+                  <a:ea typeface="JejuGothic" panose="02000300000000000000" pitchFamily="2" charset="-127"/>
+                </a:rPr>
+                <a:t>천주룡</a:t>
+              </a:r>
+              <a:endParaRPr lang="ko-KR" altLang="en-US" sz="500" dirty="0">
+                <a:latin typeface="JejuGothic" panose="02000300000000000000" pitchFamily="2" charset="-127"/>
+                <a:ea typeface="JejuGothic" panose="02000300000000000000" pitchFamily="2" charset="-127"/>
+              </a:endParaRPr>
+            </a:p>
+          </p:txBody>
+        </p:sp>
+        <p:sp>
+          <p:nvSpPr>
+            <p:cNvPr id="1081" name="TextBox 1080">
+              <a:extLst>
+                <a:ext uri="{FF2B5EF4-FFF2-40B4-BE49-F238E27FC236}">
+                  <a16:creationId xmlns:a16="http://schemas.microsoft.com/office/drawing/2014/main" id="{D175ADE5-7790-FAD7-FB30-097FDF7E9BB6}"/>
+                </a:ext>
+              </a:extLst>
+            </p:cNvPr>
+            <p:cNvSpPr txBox="1"/>
+            <p:nvPr/>
+          </p:nvSpPr>
+          <p:spPr>
+            <a:xfrm>
+              <a:off x="2652081" y="1546064"/>
+              <a:ext cx="815143" cy="169277"/>
+            </a:xfrm>
+            <a:prstGeom prst="rect">
+              <a:avLst/>
+            </a:prstGeom>
+            <a:noFill/>
+          </p:spPr>
+          <p:txBody>
+            <a:bodyPr wrap="square" rtlCol="0">
+              <a:spAutoFit/>
+            </a:bodyPr>
+            <a:lstStyle/>
+            <a:p>
+              <a:r>
+                <a:rPr lang="en-US" altLang="ko-KR" sz="500">
+                  <a:latin typeface="JejuGothic" panose="02000300000000000000" pitchFamily="2" charset="-127"/>
+                  <a:ea typeface="JejuGothic" panose="02000300000000000000" pitchFamily="2" charset="-127"/>
+                </a:rPr>
+                <a:t>Saramin </a:t>
+              </a:r>
+              <a:r>
+                <a:rPr lang="ko-KR" altLang="en-US" sz="500">
+                  <a:latin typeface="JejuGothic" panose="02000300000000000000" pitchFamily="2" charset="-127"/>
+                  <a:ea typeface="JejuGothic" panose="02000300000000000000" pitchFamily="2" charset="-127"/>
+                </a:rPr>
+                <a:t>이호경</a:t>
+              </a:r>
+              <a:endParaRPr lang="ko-KR" altLang="en-US" sz="500" dirty="0">
+                <a:latin typeface="JejuGothic" panose="02000300000000000000" pitchFamily="2" charset="-127"/>
+                <a:ea typeface="JejuGothic" panose="02000300000000000000" pitchFamily="2" charset="-127"/>
+              </a:endParaRPr>
+            </a:p>
+          </p:txBody>
+        </p:sp>
+        <p:sp>
+          <p:nvSpPr>
+            <p:cNvPr id="1082" name="TextBox 1081">
+              <a:extLst>
+                <a:ext uri="{FF2B5EF4-FFF2-40B4-BE49-F238E27FC236}">
+                  <a16:creationId xmlns:a16="http://schemas.microsoft.com/office/drawing/2014/main" id="{D4132016-DB21-2967-8AF2-291B1DC813C5}"/>
+                </a:ext>
+              </a:extLst>
+            </p:cNvPr>
+            <p:cNvSpPr txBox="1"/>
+            <p:nvPr/>
+          </p:nvSpPr>
+          <p:spPr>
+            <a:xfrm>
+              <a:off x="2652080" y="1738810"/>
+              <a:ext cx="815143" cy="169277"/>
+            </a:xfrm>
+            <a:prstGeom prst="rect">
+              <a:avLst/>
+            </a:prstGeom>
+            <a:noFill/>
+          </p:spPr>
+          <p:txBody>
+            <a:bodyPr wrap="square" rtlCol="0">
+              <a:spAutoFit/>
+            </a:bodyPr>
+            <a:lstStyle/>
+            <a:p>
+              <a:r>
+                <a:rPr lang="en-US" altLang="ko-KR" sz="500">
+                  <a:latin typeface="JejuGothic" panose="02000300000000000000" pitchFamily="2" charset="-127"/>
+                  <a:ea typeface="JejuGothic" panose="02000300000000000000" pitchFamily="2" charset="-127"/>
+                </a:rPr>
+                <a:t>KT </a:t>
+              </a:r>
+              <a:r>
+                <a:rPr lang="ko-KR" altLang="en-US" sz="500">
+                  <a:latin typeface="JejuGothic" panose="02000300000000000000" pitchFamily="2" charset="-127"/>
+                  <a:ea typeface="JejuGothic" panose="02000300000000000000" pitchFamily="2" charset="-127"/>
+                </a:rPr>
+                <a:t>안재현</a:t>
+              </a:r>
+              <a:endParaRPr lang="ko-KR" altLang="en-US" sz="500" dirty="0">
+                <a:latin typeface="JejuGothic" panose="02000300000000000000" pitchFamily="2" charset="-127"/>
+                <a:ea typeface="JejuGothic" panose="02000300000000000000" pitchFamily="2" charset="-127"/>
+              </a:endParaRPr>
+            </a:p>
+          </p:txBody>
+        </p:sp>
+        <p:sp>
+          <p:nvSpPr>
+            <p:cNvPr id="1083" name="TextBox 1082">
+              <a:extLst>
+                <a:ext uri="{FF2B5EF4-FFF2-40B4-BE49-F238E27FC236}">
+                  <a16:creationId xmlns:a16="http://schemas.microsoft.com/office/drawing/2014/main" id="{5F671D0D-E93F-9455-58F3-C9EE056C804F}"/>
+                </a:ext>
+              </a:extLst>
+            </p:cNvPr>
+            <p:cNvSpPr txBox="1"/>
+            <p:nvPr/>
+          </p:nvSpPr>
+          <p:spPr>
+            <a:xfrm>
+              <a:off x="2652080" y="1931556"/>
+              <a:ext cx="815143" cy="169277"/>
+            </a:xfrm>
+            <a:prstGeom prst="rect">
+              <a:avLst/>
+            </a:prstGeom>
+            <a:noFill/>
+          </p:spPr>
+          <p:txBody>
+            <a:bodyPr wrap="square" rtlCol="0">
+              <a:spAutoFit/>
+            </a:bodyPr>
+            <a:lstStyle/>
+            <a:p>
+              <a:r>
+                <a:rPr lang="en-US" altLang="ko-KR" sz="500">
+                  <a:latin typeface="JejuGothic" panose="02000300000000000000" pitchFamily="2" charset="-127"/>
+                  <a:ea typeface="JejuGothic" panose="02000300000000000000" pitchFamily="2" charset="-127"/>
+                </a:rPr>
+                <a:t>NAVER </a:t>
+              </a:r>
+              <a:r>
+                <a:rPr lang="ko-KR" altLang="en-US" sz="500">
+                  <a:latin typeface="JejuGothic" panose="02000300000000000000" pitchFamily="2" charset="-127"/>
+                  <a:ea typeface="JejuGothic" panose="02000300000000000000" pitchFamily="2" charset="-127"/>
+                </a:rPr>
+                <a:t>윤정민</a:t>
+              </a:r>
+              <a:endParaRPr lang="ko-KR" altLang="en-US" sz="500" dirty="0">
+                <a:latin typeface="JejuGothic" panose="02000300000000000000" pitchFamily="2" charset="-127"/>
+                <a:ea typeface="JejuGothic" panose="02000300000000000000" pitchFamily="2" charset="-127"/>
+              </a:endParaRPr>
+            </a:p>
+          </p:txBody>
+        </p:sp>
+        <p:sp>
+          <p:nvSpPr>
+            <p:cNvPr id="1084" name="TextBox 1083">
+              <a:extLst>
+                <a:ext uri="{FF2B5EF4-FFF2-40B4-BE49-F238E27FC236}">
+                  <a16:creationId xmlns:a16="http://schemas.microsoft.com/office/drawing/2014/main" id="{2F8FB2CE-4B27-2C2E-CC86-8C9E6151AF19}"/>
+                </a:ext>
+              </a:extLst>
+            </p:cNvPr>
+            <p:cNvSpPr txBox="1"/>
+            <p:nvPr/>
+          </p:nvSpPr>
+          <p:spPr>
+            <a:xfrm>
+              <a:off x="2652080" y="2124302"/>
+              <a:ext cx="815143" cy="169277"/>
+            </a:xfrm>
+            <a:prstGeom prst="rect">
+              <a:avLst/>
+            </a:prstGeom>
+            <a:noFill/>
+          </p:spPr>
+          <p:txBody>
+            <a:bodyPr wrap="square" rtlCol="0">
+              <a:spAutoFit/>
+            </a:bodyPr>
+            <a:lstStyle/>
+            <a:p>
+              <a:r>
+                <a:rPr lang="en-US" altLang="ko-KR" sz="500">
+                  <a:latin typeface="JejuGothic" panose="02000300000000000000" pitchFamily="2" charset="-127"/>
+                  <a:ea typeface="JejuGothic" panose="02000300000000000000" pitchFamily="2" charset="-127"/>
+                </a:rPr>
+                <a:t>NHN</a:t>
+              </a:r>
+              <a:r>
+                <a:rPr lang="ko-KR" altLang="en-US" sz="500">
+                  <a:latin typeface="JejuGothic" panose="02000300000000000000" pitchFamily="2" charset="-127"/>
+                  <a:ea typeface="JejuGothic" panose="02000300000000000000" pitchFamily="2" charset="-127"/>
+                </a:rPr>
+                <a:t> </a:t>
+              </a:r>
+              <a:r>
+                <a:rPr lang="en-US" altLang="ko-KR" sz="500">
+                  <a:latin typeface="JejuGothic" panose="02000300000000000000" pitchFamily="2" charset="-127"/>
+                  <a:ea typeface="JejuGothic" panose="02000300000000000000" pitchFamily="2" charset="-127"/>
+                </a:rPr>
+                <a:t>diquest </a:t>
+              </a:r>
+              <a:r>
+                <a:rPr lang="ko-KR" altLang="en-US" sz="500">
+                  <a:latin typeface="JejuGothic" panose="02000300000000000000" pitchFamily="2" charset="-127"/>
+                  <a:ea typeface="JejuGothic" panose="02000300000000000000" pitchFamily="2" charset="-127"/>
+                </a:rPr>
+                <a:t>박용신</a:t>
+              </a:r>
+              <a:endParaRPr lang="ko-KR" altLang="en-US" sz="500" dirty="0">
+                <a:latin typeface="JejuGothic" panose="02000300000000000000" pitchFamily="2" charset="-127"/>
+                <a:ea typeface="JejuGothic" panose="02000300000000000000" pitchFamily="2" charset="-127"/>
+              </a:endParaRPr>
+            </a:p>
+          </p:txBody>
+        </p:sp>
+        <p:sp>
+          <p:nvSpPr>
+            <p:cNvPr id="1085" name="TextBox 1084">
+              <a:extLst>
+                <a:ext uri="{FF2B5EF4-FFF2-40B4-BE49-F238E27FC236}">
+                  <a16:creationId xmlns:a16="http://schemas.microsoft.com/office/drawing/2014/main" id="{EC2A4798-F2B7-1B74-0A7D-F15FDD41E84E}"/>
+                </a:ext>
+              </a:extLst>
+            </p:cNvPr>
+            <p:cNvSpPr txBox="1"/>
+            <p:nvPr/>
+          </p:nvSpPr>
+          <p:spPr>
+            <a:xfrm>
+              <a:off x="2652081" y="2317048"/>
+              <a:ext cx="815142" cy="169277"/>
+            </a:xfrm>
+            <a:prstGeom prst="rect">
+              <a:avLst/>
+            </a:prstGeom>
+            <a:noFill/>
+          </p:spPr>
+          <p:txBody>
+            <a:bodyPr wrap="square" rtlCol="0">
+              <a:spAutoFit/>
+            </a:bodyPr>
+            <a:lstStyle/>
+            <a:p>
+              <a:r>
+                <a:rPr lang="en-US" altLang="ko-KR" sz="500">
+                  <a:latin typeface="JejuGothic" panose="02000300000000000000" pitchFamily="2" charset="-127"/>
+                  <a:ea typeface="JejuGothic" panose="02000300000000000000" pitchFamily="2" charset="-127"/>
+                </a:rPr>
+                <a:t>NHN</a:t>
+              </a:r>
+              <a:r>
+                <a:rPr lang="ko-KR" altLang="en-US" sz="500">
+                  <a:latin typeface="JejuGothic" panose="02000300000000000000" pitchFamily="2" charset="-127"/>
+                  <a:ea typeface="JejuGothic" panose="02000300000000000000" pitchFamily="2" charset="-127"/>
+                </a:rPr>
+                <a:t> </a:t>
+              </a:r>
+              <a:r>
+                <a:rPr lang="en-US" altLang="ko-KR" sz="500">
+                  <a:latin typeface="JejuGothic" panose="02000300000000000000" pitchFamily="2" charset="-127"/>
+                  <a:ea typeface="JejuGothic" panose="02000300000000000000" pitchFamily="2" charset="-127"/>
+                </a:rPr>
+                <a:t>diquest </a:t>
+              </a:r>
+              <a:r>
+                <a:rPr lang="ko-KR" altLang="en-US" sz="500">
+                  <a:latin typeface="JejuGothic" panose="02000300000000000000" pitchFamily="2" charset="-127"/>
+                  <a:ea typeface="JejuGothic" panose="02000300000000000000" pitchFamily="2" charset="-127"/>
+                </a:rPr>
+                <a:t>김혜민</a:t>
+              </a:r>
+              <a:endParaRPr lang="ko-KR" altLang="en-US" sz="500" dirty="0">
+                <a:latin typeface="JejuGothic" panose="02000300000000000000" pitchFamily="2" charset="-127"/>
+                <a:ea typeface="JejuGothic" panose="02000300000000000000" pitchFamily="2" charset="-127"/>
+              </a:endParaRPr>
+            </a:p>
+          </p:txBody>
+        </p:sp>
+        <p:sp>
+          <p:nvSpPr>
+            <p:cNvPr id="1086" name="TextBox 1085">
+              <a:extLst>
+                <a:ext uri="{FF2B5EF4-FFF2-40B4-BE49-F238E27FC236}">
+                  <a16:creationId xmlns:a16="http://schemas.microsoft.com/office/drawing/2014/main" id="{45388DF2-6EE0-7F27-D430-F4CAFA02494D}"/>
+                </a:ext>
+              </a:extLst>
+            </p:cNvPr>
+            <p:cNvSpPr txBox="1"/>
+            <p:nvPr/>
+          </p:nvSpPr>
+          <p:spPr>
+            <a:xfrm>
+              <a:off x="2652081" y="2509794"/>
+              <a:ext cx="815142" cy="169277"/>
+            </a:xfrm>
+            <a:prstGeom prst="rect">
+              <a:avLst/>
+            </a:prstGeom>
+            <a:noFill/>
+          </p:spPr>
+          <p:txBody>
+            <a:bodyPr wrap="square" rtlCol="0">
+              <a:spAutoFit/>
+            </a:bodyPr>
+            <a:lstStyle/>
+            <a:p>
+              <a:r>
+                <a:rPr lang="en-US" altLang="ko-KR" sz="500">
+                  <a:latin typeface="JejuGothic" panose="02000300000000000000" pitchFamily="2" charset="-127"/>
+                  <a:ea typeface="JejuGothic" panose="02000300000000000000" pitchFamily="2" charset="-127"/>
+                </a:rPr>
+                <a:t>NAVER </a:t>
+              </a:r>
+              <a:r>
+                <a:rPr lang="ko-KR" altLang="en-US" sz="500">
+                  <a:latin typeface="JejuGothic" panose="02000300000000000000" pitchFamily="2" charset="-127"/>
+                  <a:ea typeface="JejuGothic" panose="02000300000000000000" pitchFamily="2" charset="-127"/>
+                </a:rPr>
+                <a:t>유홍연</a:t>
+              </a:r>
+              <a:endParaRPr lang="ko-KR" altLang="en-US" sz="500" dirty="0">
+                <a:latin typeface="JejuGothic" panose="02000300000000000000" pitchFamily="2" charset="-127"/>
+                <a:ea typeface="JejuGothic" panose="02000300000000000000" pitchFamily="2" charset="-127"/>
+              </a:endParaRPr>
+            </a:p>
+          </p:txBody>
+        </p:sp>
+        <p:sp>
+          <p:nvSpPr>
+            <p:cNvPr id="1087" name="TextBox 1086">
+              <a:extLst>
+                <a:ext uri="{FF2B5EF4-FFF2-40B4-BE49-F238E27FC236}">
+                  <a16:creationId xmlns:a16="http://schemas.microsoft.com/office/drawing/2014/main" id="{15526943-0A2D-4407-359A-A539EACA4287}"/>
+                </a:ext>
+              </a:extLst>
+            </p:cNvPr>
+            <p:cNvSpPr txBox="1"/>
+            <p:nvPr/>
+          </p:nvSpPr>
+          <p:spPr>
+            <a:xfrm>
+              <a:off x="2652270" y="2702425"/>
+              <a:ext cx="818000" cy="169277"/>
+            </a:xfrm>
+            <a:prstGeom prst="rect">
+              <a:avLst/>
+            </a:prstGeom>
+            <a:noFill/>
+          </p:spPr>
+          <p:txBody>
+            <a:bodyPr wrap="square" rtlCol="0">
+              <a:spAutoFit/>
+            </a:bodyPr>
+            <a:lstStyle/>
+            <a:p>
+              <a:r>
+                <a:rPr lang="en-US" altLang="ko-KR" sz="500">
+                  <a:latin typeface="JejuGothic" panose="02000300000000000000" pitchFamily="2" charset="-127"/>
+                  <a:ea typeface="JejuGothic" panose="02000300000000000000" pitchFamily="2" charset="-127"/>
+                </a:rPr>
+                <a:t>NHN</a:t>
+              </a:r>
+              <a:r>
+                <a:rPr lang="ko-KR" altLang="en-US" sz="500">
+                  <a:latin typeface="JejuGothic" panose="02000300000000000000" pitchFamily="2" charset="-127"/>
+                  <a:ea typeface="JejuGothic" panose="02000300000000000000" pitchFamily="2" charset="-127"/>
+                </a:rPr>
+                <a:t> </a:t>
+              </a:r>
+              <a:r>
+                <a:rPr lang="en-US" altLang="ko-KR" sz="500">
+                  <a:latin typeface="JejuGothic" panose="02000300000000000000" pitchFamily="2" charset="-127"/>
+                  <a:ea typeface="JejuGothic" panose="02000300000000000000" pitchFamily="2" charset="-127"/>
+                </a:rPr>
+                <a:t>diquest </a:t>
+              </a:r>
+              <a:r>
+                <a:rPr lang="ko-KR" altLang="en-US" sz="500">
+                  <a:latin typeface="JejuGothic" panose="02000300000000000000" pitchFamily="2" charset="-127"/>
+                  <a:ea typeface="JejuGothic" panose="02000300000000000000" pitchFamily="2" charset="-127"/>
+                </a:rPr>
+                <a:t>이승욱</a:t>
+              </a:r>
+              <a:endParaRPr lang="ko-KR" altLang="en-US" sz="500" dirty="0">
+                <a:latin typeface="JejuGothic" panose="02000300000000000000" pitchFamily="2" charset="-127"/>
+                <a:ea typeface="JejuGothic" panose="02000300000000000000" pitchFamily="2" charset="-127"/>
+              </a:endParaRPr>
+            </a:p>
+          </p:txBody>
+        </p:sp>
+        <p:sp>
+          <p:nvSpPr>
+            <p:cNvPr id="1088" name="TextBox 1087">
+              <a:extLst>
+                <a:ext uri="{FF2B5EF4-FFF2-40B4-BE49-F238E27FC236}">
+                  <a16:creationId xmlns:a16="http://schemas.microsoft.com/office/drawing/2014/main" id="{9F9864EC-41CC-C789-73B8-127FE42BA861}"/>
+                </a:ext>
+              </a:extLst>
+            </p:cNvPr>
+            <p:cNvSpPr txBox="1"/>
+            <p:nvPr/>
+          </p:nvSpPr>
+          <p:spPr>
+            <a:xfrm>
+              <a:off x="2651373" y="2895170"/>
+              <a:ext cx="817200" cy="169277"/>
             </a:xfrm>
             <a:prstGeom prst="rect">
               <a:avLst/>
@@ -7046,71 +6922,117 @@
             </a:p>
           </p:txBody>
         </p:sp>
-        <p:sp>
-          <p:nvSpPr>
-            <p:cNvPr id="104" name="TextBox 103">
+        <p:pic>
+          <p:nvPicPr>
+            <p:cNvPr id="1091" name="그림 1090" descr="그리기이(가) 표시된 사진&#10;&#10;자동 생성된 설명">
               <a:extLst>
                 <a:ext uri="{FF2B5EF4-FFF2-40B4-BE49-F238E27FC236}">
-                  <a16:creationId xmlns:a16="http://schemas.microsoft.com/office/drawing/2014/main" id="{B836BEC2-4673-4BE0-8A76-E98B30AE6340}"/>
+                  <a16:creationId xmlns:a16="http://schemas.microsoft.com/office/drawing/2014/main" id="{8B495E15-C7BB-13DC-ADB6-F63841E8F7B3}"/>
                 </a:ext>
               </a:extLst>
             </p:cNvPr>
-            <p:cNvSpPr txBox="1"/>
+            <p:cNvPicPr>
+              <a:picLocks noChangeAspect="1"/>
+            </p:cNvPicPr>
             <p:nvPr/>
-          </p:nvSpPr>
+          </p:nvPicPr>
+          <p:blipFill rotWithShape="1">
+            <a:blip r:embed="rId10">
+              <a:extLst>
+                <a:ext uri="{28A0092B-C50C-407E-A947-70E740481C1C}">
+                  <a14:useLocalDpi xmlns:a14="http://schemas.microsoft.com/office/drawing/2010/main" val="0"/>
+                </a:ext>
+              </a:extLst>
+            </a:blip>
+            <a:srcRect l="27716" t="34418" r="1459" b="21317"/>
+            <a:stretch/>
+          </p:blipFill>
           <p:spPr>
             <a:xfrm>
-              <a:off x="4123267" y="1553677"/>
-              <a:ext cx="874699" cy="169277"/>
+              <a:off x="2161764" y="1392056"/>
+              <a:ext cx="465975" cy="88986"/>
             </a:xfrm>
             <a:prstGeom prst="rect">
               <a:avLst/>
             </a:prstGeom>
-            <a:noFill/>
           </p:spPr>
-          <p:txBody>
-            <a:bodyPr wrap="square" rtlCol="0">
-              <a:spAutoFit/>
-            </a:bodyPr>
-            <a:lstStyle/>
-            <a:p>
-              <a:r>
-                <a:rPr lang="en-US" altLang="ko-KR" sz="500" dirty="0">
-                  <a:latin typeface="JejuGothic" panose="02000300000000000000" pitchFamily="2" charset="-127"/>
-                  <a:ea typeface="JejuGothic" panose="02000300000000000000" pitchFamily="2" charset="-127"/>
-                </a:rPr>
-                <a:t>NHN</a:t>
-              </a:r>
-              <a:r>
-                <a:rPr lang="ko-KR" altLang="en-US" sz="500" dirty="0">
-                  <a:latin typeface="JejuGothic" panose="02000300000000000000" pitchFamily="2" charset="-127"/>
-                  <a:ea typeface="JejuGothic" panose="02000300000000000000" pitchFamily="2" charset="-127"/>
-                </a:rPr>
-                <a:t> </a:t>
-              </a:r>
-              <a:r>
-                <a:rPr lang="en-US" altLang="ko-KR" sz="500" dirty="0">
-                  <a:latin typeface="JejuGothic" panose="02000300000000000000" pitchFamily="2" charset="-127"/>
-                  <a:ea typeface="JejuGothic" panose="02000300000000000000" pitchFamily="2" charset="-127"/>
-                </a:rPr>
-                <a:t>diquest </a:t>
-              </a:r>
-              <a:r>
-                <a:rPr lang="ko-KR" altLang="en-US" sz="500" dirty="0">
-                  <a:latin typeface="JejuGothic" panose="02000300000000000000" pitchFamily="2" charset="-127"/>
-                  <a:ea typeface="JejuGothic" panose="02000300000000000000" pitchFamily="2" charset="-127"/>
-                </a:rPr>
-                <a:t>이승욱</a:t>
-              </a:r>
-            </a:p>
-          </p:txBody>
-        </p:sp>
+        </p:pic>
         <p:pic>
           <p:nvPicPr>
-            <p:cNvPr id="105" name="그림 104">
+            <p:cNvPr id="1092" name="그림 1091" descr="그리기이(가) 표시된 사진&#10;&#10;자동 생성된 설명">
               <a:extLst>
                 <a:ext uri="{FF2B5EF4-FFF2-40B4-BE49-F238E27FC236}">
-                  <a16:creationId xmlns:a16="http://schemas.microsoft.com/office/drawing/2014/main" id="{1C5F5334-C907-4471-8905-C3A4B3F57CD7}"/>
+                  <a16:creationId xmlns:a16="http://schemas.microsoft.com/office/drawing/2014/main" id="{B6C0685B-60C5-0B09-65C1-DF62AC473382}"/>
+                </a:ext>
+              </a:extLst>
+            </p:cNvPr>
+            <p:cNvPicPr>
+              <a:picLocks noChangeAspect="1"/>
+            </p:cNvPicPr>
+            <p:nvPr/>
+          </p:nvPicPr>
+          <p:blipFill rotWithShape="1">
+            <a:blip r:embed="rId10">
+              <a:extLst>
+                <a:ext uri="{28A0092B-C50C-407E-A947-70E740481C1C}">
+                  <a14:useLocalDpi xmlns:a14="http://schemas.microsoft.com/office/drawing/2010/main" val="0"/>
+                </a:ext>
+              </a:extLst>
+            </a:blip>
+            <a:srcRect l="27716" t="34418" r="1459" b="21317"/>
+            <a:stretch/>
+          </p:blipFill>
+          <p:spPr>
+            <a:xfrm>
+              <a:off x="2161764" y="1970536"/>
+              <a:ext cx="465975" cy="88986"/>
+            </a:xfrm>
+            <a:prstGeom prst="rect">
+              <a:avLst/>
+            </a:prstGeom>
+          </p:spPr>
+        </p:pic>
+        <p:pic>
+          <p:nvPicPr>
+            <p:cNvPr id="1093" name="그림 1092" descr="그리기이(가) 표시된 사진&#10;&#10;자동 생성된 설명">
+              <a:extLst>
+                <a:ext uri="{FF2B5EF4-FFF2-40B4-BE49-F238E27FC236}">
+                  <a16:creationId xmlns:a16="http://schemas.microsoft.com/office/drawing/2014/main" id="{0601E231-5B8E-24A1-9751-CD353EE601E1}"/>
+                </a:ext>
+              </a:extLst>
+            </p:cNvPr>
+            <p:cNvPicPr>
+              <a:picLocks noChangeAspect="1"/>
+            </p:cNvPicPr>
+            <p:nvPr/>
+          </p:nvPicPr>
+          <p:blipFill rotWithShape="1">
+            <a:blip r:embed="rId10">
+              <a:extLst>
+                <a:ext uri="{28A0092B-C50C-407E-A947-70E740481C1C}">
+                  <a14:useLocalDpi xmlns:a14="http://schemas.microsoft.com/office/drawing/2010/main" val="0"/>
+                </a:ext>
+              </a:extLst>
+            </a:blip>
+            <a:srcRect l="27716" t="34418" r="1459" b="21317"/>
+            <a:stretch/>
+          </p:blipFill>
+          <p:spPr>
+            <a:xfrm>
+              <a:off x="2161764" y="2548835"/>
+              <a:ext cx="465975" cy="88986"/>
+            </a:xfrm>
+            <a:prstGeom prst="rect">
+              <a:avLst/>
+            </a:prstGeom>
+          </p:spPr>
+        </p:pic>
+        <p:pic>
+          <p:nvPicPr>
+            <p:cNvPr id="1094" name="그림 1093">
+              <a:extLst>
+                <a:ext uri="{FF2B5EF4-FFF2-40B4-BE49-F238E27FC236}">
+                  <a16:creationId xmlns:a16="http://schemas.microsoft.com/office/drawing/2014/main" id="{936544E4-E004-58DC-B7E1-9267F5D3439B}"/>
                 </a:ext>
               </a:extLst>
             </p:cNvPr>
@@ -7133,14 +7055,71 @@
           </p:blipFill>
           <p:spPr>
             <a:xfrm>
-              <a:off x="3527258" y="1608910"/>
-              <a:ext cx="523838" cy="109912"/>
+              <a:off x="2112894" y="2347285"/>
+              <a:ext cx="510034" cy="107016"/>
             </a:xfrm>
             <a:prstGeom prst="rect">
               <a:avLst/>
             </a:prstGeom>
           </p:spPr>
         </p:pic>
+        <p:pic>
+          <p:nvPicPr>
+            <p:cNvPr id="1095" name="그림 1094">
+              <a:extLst>
+                <a:ext uri="{FF2B5EF4-FFF2-40B4-BE49-F238E27FC236}">
+                  <a16:creationId xmlns:a16="http://schemas.microsoft.com/office/drawing/2014/main" id="{3B6AA254-5E6B-27AA-4B55-8448F37AE9B8}"/>
+                </a:ext>
+              </a:extLst>
+            </p:cNvPr>
+            <p:cNvPicPr>
+              <a:picLocks noChangeAspect="1"/>
+            </p:cNvPicPr>
+            <p:nvPr/>
+          </p:nvPicPr>
+          <p:blipFill>
+            <a:blip r:embed="rId11">
+              <a:extLst>
+                <a:ext uri="{28A0092B-C50C-407E-A947-70E740481C1C}">
+                  <a14:useLocalDpi xmlns:a14="http://schemas.microsoft.com/office/drawing/2010/main" val="0"/>
+                </a:ext>
+              </a:extLst>
+            </a:blip>
+            <a:stretch>
+              <a:fillRect/>
+            </a:stretch>
+          </p:blipFill>
+          <p:spPr>
+            <a:xfrm>
+              <a:off x="2112894" y="2733599"/>
+              <a:ext cx="510034" cy="107016"/>
+            </a:xfrm>
+            <a:prstGeom prst="rect">
+              <a:avLst/>
+            </a:prstGeom>
+          </p:spPr>
+        </p:pic>
+      </p:grpSp>
+      <p:grpSp>
+        <p:nvGrpSpPr>
+          <p:cNvPr id="1105" name="그룹 1104">
+            <a:extLst>
+              <a:ext uri="{FF2B5EF4-FFF2-40B4-BE49-F238E27FC236}">
+                <a16:creationId xmlns:a16="http://schemas.microsoft.com/office/drawing/2014/main" id="{918D9697-0E15-DB98-0C32-8FFC37B34517}"/>
+              </a:ext>
+            </a:extLst>
+          </p:cNvPr>
+          <p:cNvGrpSpPr/>
+          <p:nvPr/>
+        </p:nvGrpSpPr>
+        <p:grpSpPr>
+          <a:xfrm>
+            <a:off x="3561894" y="1160572"/>
+            <a:ext cx="1249541" cy="1751323"/>
+            <a:chOff x="3561894" y="1160572"/>
+            <a:chExt cx="1249541" cy="1751323"/>
+          </a:xfrm>
+        </p:grpSpPr>
         <p:pic>
           <p:nvPicPr>
             <p:cNvPr id="106" name="그림 105">
@@ -7169,7 +7148,7 @@
           </p:blipFill>
           <p:spPr>
             <a:xfrm>
-              <a:off x="3898770" y="1998425"/>
+              <a:off x="3780255" y="1192855"/>
               <a:ext cx="187529" cy="102072"/>
             </a:xfrm>
             <a:prstGeom prst="rect">
@@ -7177,96 +7156,6 @@
             </a:prstGeom>
           </p:spPr>
         </p:pic>
-        <p:sp>
-          <p:nvSpPr>
-            <p:cNvPr id="107" name="TextBox 106">
-              <a:extLst>
-                <a:ext uri="{FF2B5EF4-FFF2-40B4-BE49-F238E27FC236}">
-                  <a16:creationId xmlns:a16="http://schemas.microsoft.com/office/drawing/2014/main" id="{A57EC549-BF78-43DB-8024-A26542D9CA6B}"/>
-                </a:ext>
-              </a:extLst>
-            </p:cNvPr>
-            <p:cNvSpPr txBox="1"/>
-            <p:nvPr/>
-          </p:nvSpPr>
-          <p:spPr>
-            <a:xfrm>
-              <a:off x="4123266" y="1952175"/>
-              <a:ext cx="719281" cy="169277"/>
-            </a:xfrm>
-            <a:prstGeom prst="rect">
-              <a:avLst/>
-            </a:prstGeom>
-            <a:noFill/>
-          </p:spPr>
-          <p:txBody>
-            <a:bodyPr wrap="square" rtlCol="0">
-              <a:spAutoFit/>
-            </a:bodyPr>
-            <a:lstStyle/>
-            <a:p>
-              <a:r>
-                <a:rPr lang="en-US" altLang="ko-KR" sz="500" dirty="0">
-                  <a:latin typeface="JejuGothic" panose="02000300000000000000" pitchFamily="2" charset="-127"/>
-                  <a:ea typeface="JejuGothic" panose="02000300000000000000" pitchFamily="2" charset="-127"/>
-                </a:rPr>
-                <a:t>NCSOFT </a:t>
-              </a:r>
-              <a:r>
-                <a:rPr lang="ko-KR" altLang="en-US" sz="500" dirty="0">
-                  <a:latin typeface="JejuGothic" panose="02000300000000000000" pitchFamily="2" charset="-127"/>
-                  <a:ea typeface="JejuGothic" panose="02000300000000000000" pitchFamily="2" charset="-127"/>
-                </a:rPr>
-                <a:t>손동철</a:t>
-              </a:r>
-            </a:p>
-          </p:txBody>
-        </p:sp>
-        <p:sp>
-          <p:nvSpPr>
-            <p:cNvPr id="108" name="TextBox 107">
-              <a:extLst>
-                <a:ext uri="{FF2B5EF4-FFF2-40B4-BE49-F238E27FC236}">
-                  <a16:creationId xmlns:a16="http://schemas.microsoft.com/office/drawing/2014/main" id="{9497F295-7539-43A4-800A-3E854318BEFB}"/>
-                </a:ext>
-              </a:extLst>
-            </p:cNvPr>
-            <p:cNvSpPr txBox="1"/>
-            <p:nvPr/>
-          </p:nvSpPr>
-          <p:spPr>
-            <a:xfrm>
-              <a:off x="4133769" y="2149438"/>
-              <a:ext cx="671348" cy="169277"/>
-            </a:xfrm>
-            <a:prstGeom prst="rect">
-              <a:avLst/>
-            </a:prstGeom>
-            <a:noFill/>
-          </p:spPr>
-          <p:txBody>
-            <a:bodyPr wrap="square" rtlCol="0">
-              <a:spAutoFit/>
-            </a:bodyPr>
-            <a:lstStyle/>
-            <a:p>
-              <a:r>
-                <a:rPr lang="en-US" altLang="ko-KR" sz="500" dirty="0">
-                  <a:latin typeface="JejuGothic" panose="02000300000000000000" pitchFamily="2" charset="-127"/>
-                  <a:ea typeface="JejuGothic" panose="02000300000000000000" pitchFamily="2" charset="-127"/>
-                </a:rPr>
-                <a:t>KAKAO </a:t>
-              </a:r>
-              <a:r>
-                <a:rPr lang="ko-KR" altLang="en-US" sz="500" dirty="0">
-                  <a:latin typeface="JejuGothic" panose="02000300000000000000" pitchFamily="2" charset="-127"/>
-                  <a:ea typeface="JejuGothic" panose="02000300000000000000" pitchFamily="2" charset="-127"/>
-                </a:rPr>
-                <a:t>김명준</a:t>
-              </a:r>
-            </a:p>
-          </p:txBody>
-        </p:sp>
         <p:pic>
           <p:nvPicPr>
             <p:cNvPr id="109" name="Picture 12" descr="kakao">
@@ -7282,7 +7171,7 @@
             <p:nvPr/>
           </p:nvPicPr>
           <p:blipFill rotWithShape="1">
-            <a:blip r:embed="rId6">
+            <a:blip r:embed="rId8">
               <a:extLst>
                 <a:ext uri="{28A0092B-C50C-407E-A947-70E740481C1C}">
                   <a14:useLocalDpi xmlns:a14="http://schemas.microsoft.com/office/drawing/2010/main" val="0"/>
@@ -7294,7 +7183,7 @@
           </p:blipFill>
           <p:spPr bwMode="auto">
             <a:xfrm>
-              <a:off x="3756273" y="2201584"/>
+              <a:off x="3627617" y="1372301"/>
               <a:ext cx="340167" cy="108674"/>
             </a:xfrm>
             <a:prstGeom prst="rect">
@@ -7312,65 +7201,6 @@
             </a:extLst>
           </p:spPr>
         </p:pic>
-        <p:sp>
-          <p:nvSpPr>
-            <p:cNvPr id="110" name="TextBox 109">
-              <a:extLst>
-                <a:ext uri="{FF2B5EF4-FFF2-40B4-BE49-F238E27FC236}">
-                  <a16:creationId xmlns:a16="http://schemas.microsoft.com/office/drawing/2014/main" id="{A2CA2EC6-24E2-4D68-9EBE-DCEB69A87E83}"/>
-                </a:ext>
-              </a:extLst>
-            </p:cNvPr>
-            <p:cNvSpPr txBox="1"/>
-            <p:nvPr/>
-          </p:nvSpPr>
-          <p:spPr>
-            <a:xfrm>
-              <a:off x="4133769" y="2338368"/>
-              <a:ext cx="995442" cy="169277"/>
-            </a:xfrm>
-            <a:prstGeom prst="rect">
-              <a:avLst/>
-            </a:prstGeom>
-            <a:noFill/>
-          </p:spPr>
-          <p:txBody>
-            <a:bodyPr wrap="square" rtlCol="0">
-              <a:spAutoFit/>
-            </a:bodyPr>
-            <a:lstStyle/>
-            <a:p>
-              <a:r>
-                <a:rPr lang="en-US" altLang="ko-KR" sz="500" dirty="0">
-                  <a:latin typeface="JejuGothic" panose="02000300000000000000" pitchFamily="2" charset="-127"/>
-                  <a:ea typeface="JejuGothic" panose="02000300000000000000" pitchFamily="2" charset="-127"/>
-                </a:rPr>
-                <a:t>LG AI </a:t>
-              </a:r>
-              <a:r>
-                <a:rPr lang="ko-KR" altLang="en-US" sz="500" dirty="0">
-                  <a:latin typeface="JejuGothic" panose="02000300000000000000" pitchFamily="2" charset="-127"/>
-                  <a:ea typeface="JejuGothic" panose="02000300000000000000" pitchFamily="2" charset="-127"/>
-                </a:rPr>
-                <a:t>연구원</a:t>
-              </a:r>
-              <a:r>
-                <a:rPr lang="en-US" altLang="ko-KR" sz="500" dirty="0">
-                  <a:latin typeface="JejuGothic" panose="02000300000000000000" pitchFamily="2" charset="-127"/>
-                  <a:ea typeface="JejuGothic" panose="02000300000000000000" pitchFamily="2" charset="-127"/>
-                </a:rPr>
-                <a:t> </a:t>
-              </a:r>
-              <a:r>
-                <a:rPr lang="ko-KR" altLang="en-US" sz="500" dirty="0">
-                  <a:latin typeface="JejuGothic" panose="02000300000000000000" pitchFamily="2" charset="-127"/>
-                  <a:ea typeface="JejuGothic" panose="02000300000000000000" pitchFamily="2" charset="-127"/>
-                </a:rPr>
-                <a:t>최혜원</a:t>
-              </a:r>
-            </a:p>
-          </p:txBody>
-        </p:sp>
         <p:pic>
           <p:nvPicPr>
             <p:cNvPr id="111" name="그림 110" descr="표지판, 그리기, 시계이(가) 표시된 사진&#10;&#10;자동 생성된 설명">
@@ -7386,7 +7216,7 @@
             <p:nvPr/>
           </p:nvPicPr>
           <p:blipFill rotWithShape="1">
-            <a:blip r:embed="rId5">
+            <a:blip r:embed="rId7">
               <a:extLst>
                 <a:ext uri="{28A0092B-C50C-407E-A947-70E740481C1C}">
                   <a14:useLocalDpi xmlns:a14="http://schemas.microsoft.com/office/drawing/2010/main" val="0"/>
@@ -7398,7 +7228,7 @@
           </p:blipFill>
           <p:spPr>
             <a:xfrm>
-              <a:off x="3972374" y="2374977"/>
+              <a:off x="3834041" y="1565456"/>
               <a:ext cx="137792" cy="132881"/>
             </a:xfrm>
             <a:prstGeom prst="rect">
@@ -7406,99 +7236,690 @@
             </a:prstGeom>
           </p:spPr>
         </p:pic>
-      </p:grpSp>
-      <p:pic>
-        <p:nvPicPr>
-          <p:cNvPr id="1026" name="Picture 2" descr="TmaxSoft">
-            <a:extLst>
-              <a:ext uri="{FF2B5EF4-FFF2-40B4-BE49-F238E27FC236}">
-                <a16:creationId xmlns:a16="http://schemas.microsoft.com/office/drawing/2014/main" id="{A2B85EFF-8FCE-E6DF-1E61-C077B138595D}"/>
-              </a:ext>
-            </a:extLst>
-          </p:cNvPr>
-          <p:cNvPicPr>
-            <a:picLocks noChangeAspect="1" noChangeArrowheads="1"/>
-          </p:cNvPicPr>
-          <p:nvPr/>
-        </p:nvPicPr>
-        <p:blipFill>
-          <a:blip r:embed="rId14">
-            <a:extLst>
-              <a:ext uri="{28A0092B-C50C-407E-A947-70E740481C1C}">
-                <a14:useLocalDpi xmlns:a14="http://schemas.microsoft.com/office/drawing/2010/main" val="0"/>
-              </a:ext>
-            </a:extLst>
-          </a:blip>
-          <a:srcRect/>
-          <a:stretch>
-            <a:fillRect/>
-          </a:stretch>
-        </p:blipFill>
-        <p:spPr bwMode="auto">
-          <a:xfrm>
-            <a:off x="3687947" y="2727489"/>
-            <a:ext cx="436722" cy="148084"/>
-          </a:xfrm>
-          <a:prstGeom prst="rect">
-            <a:avLst/>
-          </a:prstGeom>
-          <a:noFill/>
-          <a:extLst>
-            <a:ext uri="{909E8E84-426E-40DD-AFC4-6F175D3DCCD1}">
-              <a14:hiddenFill xmlns:a14="http://schemas.microsoft.com/office/drawing/2010/main">
-                <a:solidFill>
-                  <a:srgbClr val="FFFFFF"/>
-                </a:solidFill>
-              </a14:hiddenFill>
-            </a:ext>
-          </a:extLst>
-        </p:spPr>
-      </p:pic>
-      <p:sp>
-        <p:nvSpPr>
-          <p:cNvPr id="11" name="TextBox 10">
-            <a:extLst>
-              <a:ext uri="{FF2B5EF4-FFF2-40B4-BE49-F238E27FC236}">
-                <a16:creationId xmlns:a16="http://schemas.microsoft.com/office/drawing/2014/main" id="{F0212104-EA97-D7BE-5979-BFF1602ABFBF}"/>
-              </a:ext>
-            </a:extLst>
-          </p:cNvPr>
-          <p:cNvSpPr txBox="1"/>
-          <p:nvPr/>
-        </p:nvSpPr>
-        <p:spPr>
-          <a:xfrm>
-            <a:off x="4140542" y="2711764"/>
-            <a:ext cx="995442" cy="169277"/>
-          </a:xfrm>
-          <a:prstGeom prst="rect">
-            <a:avLst/>
-          </a:prstGeom>
-          <a:noFill/>
-        </p:spPr>
-        <p:txBody>
-          <a:bodyPr wrap="square" rtlCol="0">
-            <a:spAutoFit/>
-          </a:bodyPr>
-          <a:lstStyle/>
-          <a:p>
-            <a:r>
-              <a:rPr lang="en-US" altLang="ko-KR" sz="500" dirty="0">
+        <p:pic>
+          <p:nvPicPr>
+            <p:cNvPr id="1026" name="Picture 2" descr="TmaxSoft">
+              <a:extLst>
+                <a:ext uri="{FF2B5EF4-FFF2-40B4-BE49-F238E27FC236}">
+                  <a16:creationId xmlns:a16="http://schemas.microsoft.com/office/drawing/2014/main" id="{A2B85EFF-8FCE-E6DF-1E61-C077B138595D}"/>
+                </a:ext>
+              </a:extLst>
+            </p:cNvPr>
+            <p:cNvPicPr>
+              <a:picLocks noChangeAspect="1" noChangeArrowheads="1"/>
+            </p:cNvPicPr>
+            <p:nvPr/>
+          </p:nvPicPr>
+          <p:blipFill>
+            <a:blip r:embed="rId14">
+              <a:extLst>
+                <a:ext uri="{28A0092B-C50C-407E-A947-70E740481C1C}">
+                  <a14:useLocalDpi xmlns:a14="http://schemas.microsoft.com/office/drawing/2010/main" val="0"/>
+                </a:ext>
+              </a:extLst>
+            </a:blip>
+            <a:srcRect/>
+            <a:stretch>
+              <a:fillRect/>
+            </a:stretch>
+          </p:blipFill>
+          <p:spPr bwMode="auto">
+            <a:xfrm>
+              <a:off x="3561894" y="1744343"/>
+              <a:ext cx="436722" cy="148084"/>
+            </a:xfrm>
+            <a:prstGeom prst="rect">
+              <a:avLst/>
+            </a:prstGeom>
+            <a:noFill/>
+            <a:extLst>
+              <a:ext uri="{909E8E84-426E-40DD-AFC4-6F175D3DCCD1}">
+                <a14:hiddenFill xmlns:a14="http://schemas.microsoft.com/office/drawing/2010/main">
+                  <a:solidFill>
+                    <a:srgbClr val="FFFFFF"/>
+                  </a:solidFill>
+                </a14:hiddenFill>
+              </a:ext>
+            </a:extLst>
+          </p:spPr>
+        </p:pic>
+        <p:pic>
+          <p:nvPicPr>
+            <p:cNvPr id="1049" name="Picture 4" descr="카카오스탁MAP X 두나무투자일임 투자세미나 &lt;8인8색 주식 투자 이야기&gt; - 이벤터스">
+              <a:extLst>
+                <a:ext uri="{FF2B5EF4-FFF2-40B4-BE49-F238E27FC236}">
+                  <a16:creationId xmlns:a16="http://schemas.microsoft.com/office/drawing/2014/main" id="{B32035EB-E9DE-AB51-D757-2125309D00D1}"/>
+                </a:ext>
+              </a:extLst>
+            </p:cNvPr>
+            <p:cNvPicPr>
+              <a:picLocks noChangeAspect="1" noChangeArrowheads="1"/>
+            </p:cNvPicPr>
+            <p:nvPr/>
+          </p:nvPicPr>
+          <p:blipFill>
+            <a:blip r:embed="rId15">
+              <a:extLst>
+                <a:ext uri="{28A0092B-C50C-407E-A947-70E740481C1C}">
+                  <a14:useLocalDpi xmlns:a14="http://schemas.microsoft.com/office/drawing/2010/main" val="0"/>
+                </a:ext>
+              </a:extLst>
+            </a:blip>
+            <a:srcRect/>
+            <a:stretch>
+              <a:fillRect/>
+            </a:stretch>
+          </p:blipFill>
+          <p:spPr bwMode="auto">
+            <a:xfrm>
+              <a:off x="3599205" y="2688588"/>
+              <a:ext cx="396990" cy="223307"/>
+            </a:xfrm>
+            <a:prstGeom prst="rect">
+              <a:avLst/>
+            </a:prstGeom>
+            <a:noFill/>
+            <a:extLst>
+              <a:ext uri="{909E8E84-426E-40DD-AFC4-6F175D3DCCD1}">
+                <a14:hiddenFill xmlns:a14="http://schemas.microsoft.com/office/drawing/2010/main">
+                  <a:solidFill>
+                    <a:srgbClr val="FFFFFF"/>
+                  </a:solidFill>
+                </a14:hiddenFill>
+              </a:ext>
+            </a:extLst>
+          </p:spPr>
+        </p:pic>
+        <p:sp>
+          <p:nvSpPr>
+            <p:cNvPr id="1069" name="TextBox 1068">
+              <a:extLst>
+                <a:ext uri="{FF2B5EF4-FFF2-40B4-BE49-F238E27FC236}">
+                  <a16:creationId xmlns:a16="http://schemas.microsoft.com/office/drawing/2014/main" id="{99391BE8-CA0B-6E7C-D955-A9DE7CD11A1D}"/>
+                </a:ext>
+              </a:extLst>
+            </p:cNvPr>
+            <p:cNvSpPr txBox="1"/>
+            <p:nvPr/>
+          </p:nvSpPr>
+          <p:spPr>
+            <a:xfrm>
+              <a:off x="3993244" y="1160572"/>
+              <a:ext cx="815145" cy="169277"/>
+            </a:xfrm>
+            <a:prstGeom prst="rect">
+              <a:avLst/>
+            </a:prstGeom>
+            <a:noFill/>
+          </p:spPr>
+          <p:txBody>
+            <a:bodyPr wrap="square" rtlCol="0">
+              <a:spAutoFit/>
+            </a:bodyPr>
+            <a:lstStyle/>
+            <a:p>
+              <a:r>
+                <a:rPr lang="en-US" altLang="ko-KR" sz="500">
+                  <a:latin typeface="JejuGothic" panose="02000300000000000000" pitchFamily="2" charset="-127"/>
+                  <a:ea typeface="JejuGothic" panose="02000300000000000000" pitchFamily="2" charset="-127"/>
+                </a:rPr>
+                <a:t>NCSOFT </a:t>
+              </a:r>
+              <a:r>
+                <a:rPr lang="ko-KR" altLang="en-US" sz="500">
+                  <a:latin typeface="JejuGothic" panose="02000300000000000000" pitchFamily="2" charset="-127"/>
+                  <a:ea typeface="JejuGothic" panose="02000300000000000000" pitchFamily="2" charset="-127"/>
+                </a:rPr>
+                <a:t>손동철</a:t>
+              </a:r>
+              <a:endParaRPr lang="ko-KR" altLang="en-US" sz="500" dirty="0">
                 <a:latin typeface="JejuGothic" panose="02000300000000000000" pitchFamily="2" charset="-127"/>
                 <a:ea typeface="JejuGothic" panose="02000300000000000000" pitchFamily="2" charset="-127"/>
-              </a:rPr>
-              <a:t>TmaxSoft </a:t>
-            </a:r>
-            <a:r>
-              <a:rPr lang="ko-KR" altLang="en-US" sz="500" dirty="0">
+              </a:endParaRPr>
+            </a:p>
+          </p:txBody>
+        </p:sp>
+        <p:sp>
+          <p:nvSpPr>
+            <p:cNvPr id="1070" name="TextBox 1069">
+              <a:extLst>
+                <a:ext uri="{FF2B5EF4-FFF2-40B4-BE49-F238E27FC236}">
+                  <a16:creationId xmlns:a16="http://schemas.microsoft.com/office/drawing/2014/main" id="{982D1A1F-CEAC-7F1D-14E6-976EADE1D8C3}"/>
+                </a:ext>
+              </a:extLst>
+            </p:cNvPr>
+            <p:cNvSpPr txBox="1"/>
+            <p:nvPr/>
+          </p:nvSpPr>
+          <p:spPr>
+            <a:xfrm>
+              <a:off x="3993246" y="1353318"/>
+              <a:ext cx="815146" cy="169277"/>
+            </a:xfrm>
+            <a:prstGeom prst="rect">
+              <a:avLst/>
+            </a:prstGeom>
+            <a:noFill/>
+          </p:spPr>
+          <p:txBody>
+            <a:bodyPr wrap="square" rtlCol="0">
+              <a:spAutoFit/>
+            </a:bodyPr>
+            <a:lstStyle/>
+            <a:p>
+              <a:r>
+                <a:rPr lang="en-US" altLang="ko-KR" sz="500">
+                  <a:latin typeface="JejuGothic" panose="02000300000000000000" pitchFamily="2" charset="-127"/>
+                  <a:ea typeface="JejuGothic" panose="02000300000000000000" pitchFamily="2" charset="-127"/>
+                </a:rPr>
+                <a:t>KAKAO </a:t>
+              </a:r>
+              <a:r>
+                <a:rPr lang="ko-KR" altLang="en-US" sz="500">
+                  <a:latin typeface="JejuGothic" panose="02000300000000000000" pitchFamily="2" charset="-127"/>
+                  <a:ea typeface="JejuGothic" panose="02000300000000000000" pitchFamily="2" charset="-127"/>
+                </a:rPr>
+                <a:t>김명준</a:t>
+              </a:r>
+              <a:endParaRPr lang="ko-KR" altLang="en-US" sz="500" dirty="0">
                 <a:latin typeface="JejuGothic" panose="02000300000000000000" pitchFamily="2" charset="-127"/>
                 <a:ea typeface="JejuGothic" panose="02000300000000000000" pitchFamily="2" charset="-127"/>
-              </a:rPr>
-              <a:t>장대식</a:t>
-            </a:r>
-          </a:p>
-        </p:txBody>
-      </p:sp>
+              </a:endParaRPr>
+            </a:p>
+          </p:txBody>
+        </p:sp>
+        <p:sp>
+          <p:nvSpPr>
+            <p:cNvPr id="1071" name="TextBox 1070">
+              <a:extLst>
+                <a:ext uri="{FF2B5EF4-FFF2-40B4-BE49-F238E27FC236}">
+                  <a16:creationId xmlns:a16="http://schemas.microsoft.com/office/drawing/2014/main" id="{CD59160E-C27A-8C31-CC9E-CC9AC0F459A1}"/>
+                </a:ext>
+              </a:extLst>
+            </p:cNvPr>
+            <p:cNvSpPr txBox="1"/>
+            <p:nvPr/>
+          </p:nvSpPr>
+          <p:spPr>
+            <a:xfrm>
+              <a:off x="3993246" y="1546064"/>
+              <a:ext cx="815143" cy="169277"/>
+            </a:xfrm>
+            <a:prstGeom prst="rect">
+              <a:avLst/>
+            </a:prstGeom>
+            <a:noFill/>
+          </p:spPr>
+          <p:txBody>
+            <a:bodyPr wrap="square" rtlCol="0">
+              <a:spAutoFit/>
+            </a:bodyPr>
+            <a:lstStyle/>
+            <a:p>
+              <a:r>
+                <a:rPr lang="en-US" altLang="ko-KR" sz="500">
+                  <a:latin typeface="JejuGothic" panose="02000300000000000000" pitchFamily="2" charset="-127"/>
+                  <a:ea typeface="JejuGothic" panose="02000300000000000000" pitchFamily="2" charset="-127"/>
+                </a:rPr>
+                <a:t>LG AI </a:t>
+              </a:r>
+              <a:r>
+                <a:rPr lang="ko-KR" altLang="en-US" sz="500">
+                  <a:latin typeface="JejuGothic" panose="02000300000000000000" pitchFamily="2" charset="-127"/>
+                  <a:ea typeface="JejuGothic" panose="02000300000000000000" pitchFamily="2" charset="-127"/>
+                </a:rPr>
+                <a:t>연구원</a:t>
+              </a:r>
+              <a:r>
+                <a:rPr lang="en-US" altLang="ko-KR" sz="500">
+                  <a:latin typeface="JejuGothic" panose="02000300000000000000" pitchFamily="2" charset="-127"/>
+                  <a:ea typeface="JejuGothic" panose="02000300000000000000" pitchFamily="2" charset="-127"/>
+                </a:rPr>
+                <a:t> </a:t>
+              </a:r>
+              <a:r>
+                <a:rPr lang="ko-KR" altLang="en-US" sz="500">
+                  <a:latin typeface="JejuGothic" panose="02000300000000000000" pitchFamily="2" charset="-127"/>
+                  <a:ea typeface="JejuGothic" panose="02000300000000000000" pitchFamily="2" charset="-127"/>
+                </a:rPr>
+                <a:t>최혜원</a:t>
+              </a:r>
+              <a:endParaRPr lang="ko-KR" altLang="en-US" sz="500" dirty="0">
+                <a:latin typeface="JejuGothic" panose="02000300000000000000" pitchFamily="2" charset="-127"/>
+                <a:ea typeface="JejuGothic" panose="02000300000000000000" pitchFamily="2" charset="-127"/>
+              </a:endParaRPr>
+            </a:p>
+          </p:txBody>
+        </p:sp>
+        <p:sp>
+          <p:nvSpPr>
+            <p:cNvPr id="1072" name="TextBox 1071">
+              <a:extLst>
+                <a:ext uri="{FF2B5EF4-FFF2-40B4-BE49-F238E27FC236}">
+                  <a16:creationId xmlns:a16="http://schemas.microsoft.com/office/drawing/2014/main" id="{BA4042A6-6B9F-BB80-4A4D-FE3293890D3B}"/>
+                </a:ext>
+              </a:extLst>
+            </p:cNvPr>
+            <p:cNvSpPr txBox="1"/>
+            <p:nvPr/>
+          </p:nvSpPr>
+          <p:spPr>
+            <a:xfrm>
+              <a:off x="3993245" y="1738810"/>
+              <a:ext cx="815143" cy="169277"/>
+            </a:xfrm>
+            <a:prstGeom prst="rect">
+              <a:avLst/>
+            </a:prstGeom>
+            <a:noFill/>
+          </p:spPr>
+          <p:txBody>
+            <a:bodyPr wrap="square" rtlCol="0">
+              <a:spAutoFit/>
+            </a:bodyPr>
+            <a:lstStyle/>
+            <a:p>
+              <a:r>
+                <a:rPr lang="en-US" altLang="ko-KR" sz="500">
+                  <a:latin typeface="JejuGothic" panose="02000300000000000000" pitchFamily="2" charset="-127"/>
+                  <a:ea typeface="JejuGothic" panose="02000300000000000000" pitchFamily="2" charset="-127"/>
+                </a:rPr>
+                <a:t>TmaxSoft </a:t>
+              </a:r>
+              <a:r>
+                <a:rPr lang="ko-KR" altLang="en-US" sz="500">
+                  <a:latin typeface="JejuGothic" panose="02000300000000000000" pitchFamily="2" charset="-127"/>
+                  <a:ea typeface="JejuGothic" panose="02000300000000000000" pitchFamily="2" charset="-127"/>
+                </a:rPr>
+                <a:t>장대식</a:t>
+              </a:r>
+              <a:endParaRPr lang="ko-KR" altLang="en-US" sz="500" dirty="0">
+                <a:latin typeface="JejuGothic" panose="02000300000000000000" pitchFamily="2" charset="-127"/>
+                <a:ea typeface="JejuGothic" panose="02000300000000000000" pitchFamily="2" charset="-127"/>
+              </a:endParaRPr>
+            </a:p>
+          </p:txBody>
+        </p:sp>
+        <p:sp>
+          <p:nvSpPr>
+            <p:cNvPr id="1073" name="TextBox 1072">
+              <a:extLst>
+                <a:ext uri="{FF2B5EF4-FFF2-40B4-BE49-F238E27FC236}">
+                  <a16:creationId xmlns:a16="http://schemas.microsoft.com/office/drawing/2014/main" id="{F2F261E5-B51E-D8F6-87D0-D3EF8851A34C}"/>
+                </a:ext>
+              </a:extLst>
+            </p:cNvPr>
+            <p:cNvSpPr txBox="1"/>
+            <p:nvPr/>
+          </p:nvSpPr>
+          <p:spPr>
+            <a:xfrm>
+              <a:off x="3993245" y="1931556"/>
+              <a:ext cx="815143" cy="169277"/>
+            </a:xfrm>
+            <a:prstGeom prst="rect">
+              <a:avLst/>
+            </a:prstGeom>
+            <a:noFill/>
+          </p:spPr>
+          <p:txBody>
+            <a:bodyPr wrap="square" rtlCol="0">
+              <a:spAutoFit/>
+            </a:bodyPr>
+            <a:lstStyle/>
+            <a:p>
+              <a:r>
+                <a:rPr lang="en-US" altLang="ko-KR" sz="500">
+                  <a:latin typeface="JejuGothic" panose="02000300000000000000" pitchFamily="2" charset="-127"/>
+                  <a:ea typeface="JejuGothic" panose="02000300000000000000" pitchFamily="2" charset="-127"/>
+                </a:rPr>
+                <a:t>KT </a:t>
+              </a:r>
+              <a:r>
+                <a:rPr lang="ko-KR" altLang="en-US" sz="500">
+                  <a:latin typeface="JejuGothic" panose="02000300000000000000" pitchFamily="2" charset="-127"/>
+                  <a:ea typeface="JejuGothic" panose="02000300000000000000" pitchFamily="2" charset="-127"/>
+                </a:rPr>
+                <a:t>조준희</a:t>
+              </a:r>
+              <a:endParaRPr lang="ko-KR" altLang="en-US" sz="500" dirty="0">
+                <a:latin typeface="JejuGothic" panose="02000300000000000000" pitchFamily="2" charset="-127"/>
+                <a:ea typeface="JejuGothic" panose="02000300000000000000" pitchFamily="2" charset="-127"/>
+              </a:endParaRPr>
+            </a:p>
+          </p:txBody>
+        </p:sp>
+        <p:sp>
+          <p:nvSpPr>
+            <p:cNvPr id="1074" name="TextBox 1073">
+              <a:extLst>
+                <a:ext uri="{FF2B5EF4-FFF2-40B4-BE49-F238E27FC236}">
+                  <a16:creationId xmlns:a16="http://schemas.microsoft.com/office/drawing/2014/main" id="{976DC3C9-30B7-BD05-8C86-44973B6A7C50}"/>
+                </a:ext>
+              </a:extLst>
+            </p:cNvPr>
+            <p:cNvSpPr txBox="1"/>
+            <p:nvPr/>
+          </p:nvSpPr>
+          <p:spPr>
+            <a:xfrm>
+              <a:off x="3993245" y="2124302"/>
+              <a:ext cx="815143" cy="169277"/>
+            </a:xfrm>
+            <a:prstGeom prst="rect">
+              <a:avLst/>
+            </a:prstGeom>
+            <a:noFill/>
+          </p:spPr>
+          <p:txBody>
+            <a:bodyPr wrap="square" rtlCol="0">
+              <a:spAutoFit/>
+            </a:bodyPr>
+            <a:lstStyle/>
+            <a:p>
+              <a:r>
+                <a:rPr lang="en-US" altLang="ko-KR" sz="500">
+                  <a:latin typeface="JejuGothic" panose="02000300000000000000" pitchFamily="2" charset="-127"/>
+                  <a:ea typeface="JejuGothic" panose="02000300000000000000" pitchFamily="2" charset="-127"/>
+                </a:rPr>
+                <a:t>KT </a:t>
+              </a:r>
+              <a:r>
+                <a:rPr lang="ko-KR" altLang="en-US" sz="500">
+                  <a:latin typeface="JejuGothic" panose="02000300000000000000" pitchFamily="2" charset="-127"/>
+                  <a:ea typeface="JejuGothic" panose="02000300000000000000" pitchFamily="2" charset="-127"/>
+                </a:rPr>
+                <a:t>유하은</a:t>
+              </a:r>
+              <a:endParaRPr lang="ko-KR" altLang="en-US" sz="500" dirty="0">
+                <a:latin typeface="JejuGothic" panose="02000300000000000000" pitchFamily="2" charset="-127"/>
+                <a:ea typeface="JejuGothic" panose="02000300000000000000" pitchFamily="2" charset="-127"/>
+              </a:endParaRPr>
+            </a:p>
+          </p:txBody>
+        </p:sp>
+        <p:sp>
+          <p:nvSpPr>
+            <p:cNvPr id="1075" name="TextBox 1074">
+              <a:extLst>
+                <a:ext uri="{FF2B5EF4-FFF2-40B4-BE49-F238E27FC236}">
+                  <a16:creationId xmlns:a16="http://schemas.microsoft.com/office/drawing/2014/main" id="{87E5972C-56FD-C185-532D-F993FC8C83E2}"/>
+                </a:ext>
+              </a:extLst>
+            </p:cNvPr>
+            <p:cNvSpPr txBox="1"/>
+            <p:nvPr/>
+          </p:nvSpPr>
+          <p:spPr>
+            <a:xfrm>
+              <a:off x="3993246" y="2317048"/>
+              <a:ext cx="815142" cy="169277"/>
+            </a:xfrm>
+            <a:prstGeom prst="rect">
+              <a:avLst/>
+            </a:prstGeom>
+            <a:noFill/>
+          </p:spPr>
+          <p:txBody>
+            <a:bodyPr wrap="square" rtlCol="0">
+              <a:spAutoFit/>
+            </a:bodyPr>
+            <a:lstStyle/>
+            <a:p>
+              <a:r>
+                <a:rPr lang="en-US" altLang="ko-KR" sz="500">
+                  <a:latin typeface="JejuGothic" panose="02000300000000000000" pitchFamily="2" charset="-127"/>
+                  <a:ea typeface="JejuGothic" panose="02000300000000000000" pitchFamily="2" charset="-127"/>
+                </a:rPr>
+                <a:t>NCSOFT </a:t>
+              </a:r>
+              <a:r>
+                <a:rPr lang="ko-KR" altLang="en-US" sz="500">
+                  <a:latin typeface="JejuGothic" panose="02000300000000000000" pitchFamily="2" charset="-127"/>
+                  <a:ea typeface="JejuGothic" panose="02000300000000000000" pitchFamily="2" charset="-127"/>
+                </a:rPr>
+                <a:t>박선영</a:t>
+              </a:r>
+              <a:endParaRPr lang="ko-KR" altLang="en-US" sz="500" dirty="0">
+                <a:latin typeface="JejuGothic" panose="02000300000000000000" pitchFamily="2" charset="-127"/>
+                <a:ea typeface="JejuGothic" panose="02000300000000000000" pitchFamily="2" charset="-127"/>
+              </a:endParaRPr>
+            </a:p>
+          </p:txBody>
+        </p:sp>
+        <p:sp>
+          <p:nvSpPr>
+            <p:cNvPr id="1076" name="TextBox 1075">
+              <a:extLst>
+                <a:ext uri="{FF2B5EF4-FFF2-40B4-BE49-F238E27FC236}">
+                  <a16:creationId xmlns:a16="http://schemas.microsoft.com/office/drawing/2014/main" id="{02332B6F-6215-25DD-4BDB-1B3D83E685D4}"/>
+                </a:ext>
+              </a:extLst>
+            </p:cNvPr>
+            <p:cNvSpPr txBox="1"/>
+            <p:nvPr/>
+          </p:nvSpPr>
+          <p:spPr>
+            <a:xfrm>
+              <a:off x="3993246" y="2509794"/>
+              <a:ext cx="815142" cy="169277"/>
+            </a:xfrm>
+            <a:prstGeom prst="rect">
+              <a:avLst/>
+            </a:prstGeom>
+            <a:noFill/>
+          </p:spPr>
+          <p:txBody>
+            <a:bodyPr wrap="square" rtlCol="0">
+              <a:spAutoFit/>
+            </a:bodyPr>
+            <a:lstStyle/>
+            <a:p>
+              <a:r>
+                <a:rPr lang="en-US" altLang="ko-KR" sz="500">
+                  <a:latin typeface="JejuGothic" panose="02000300000000000000" pitchFamily="2" charset="-127"/>
+                  <a:ea typeface="JejuGothic" panose="02000300000000000000" pitchFamily="2" charset="-127"/>
+                </a:rPr>
+                <a:t>KT </a:t>
+              </a:r>
+              <a:r>
+                <a:rPr lang="ko-KR" altLang="en-US" sz="500">
+                  <a:latin typeface="JejuGothic" panose="02000300000000000000" pitchFamily="2" charset="-127"/>
+                  <a:ea typeface="JejuGothic" panose="02000300000000000000" pitchFamily="2" charset="-127"/>
+                </a:rPr>
+                <a:t>허태훈</a:t>
+              </a:r>
+              <a:endParaRPr lang="ko-KR" altLang="en-US" sz="500" dirty="0">
+                <a:latin typeface="JejuGothic" panose="02000300000000000000" pitchFamily="2" charset="-127"/>
+                <a:ea typeface="JejuGothic" panose="02000300000000000000" pitchFamily="2" charset="-127"/>
+              </a:endParaRPr>
+            </a:p>
+          </p:txBody>
+        </p:sp>
+        <p:sp>
+          <p:nvSpPr>
+            <p:cNvPr id="1077" name="TextBox 1076">
+              <a:extLst>
+                <a:ext uri="{FF2B5EF4-FFF2-40B4-BE49-F238E27FC236}">
+                  <a16:creationId xmlns:a16="http://schemas.microsoft.com/office/drawing/2014/main" id="{555E43E6-73E9-37D0-B2CC-42A1FB898E7D}"/>
+                </a:ext>
+              </a:extLst>
+            </p:cNvPr>
+            <p:cNvSpPr txBox="1"/>
+            <p:nvPr/>
+          </p:nvSpPr>
+          <p:spPr>
+            <a:xfrm>
+              <a:off x="3993435" y="2702425"/>
+              <a:ext cx="818000" cy="169277"/>
+            </a:xfrm>
+            <a:prstGeom prst="rect">
+              <a:avLst/>
+            </a:prstGeom>
+            <a:noFill/>
+          </p:spPr>
+          <p:txBody>
+            <a:bodyPr wrap="square" rtlCol="0">
+              <a:spAutoFit/>
+            </a:bodyPr>
+            <a:lstStyle/>
+            <a:p>
+              <a:r>
+                <a:rPr lang="ko-KR" altLang="en-US" sz="500">
+                  <a:latin typeface="JejuGothic" panose="02000300000000000000" pitchFamily="2" charset="-127"/>
+                  <a:ea typeface="JejuGothic" panose="02000300000000000000" pitchFamily="2" charset="-127"/>
+                </a:rPr>
+                <a:t>두나무 박충원</a:t>
+              </a:r>
+              <a:endParaRPr lang="ko-KR" altLang="en-US" sz="500" dirty="0">
+                <a:latin typeface="JejuGothic" panose="02000300000000000000" pitchFamily="2" charset="-127"/>
+                <a:ea typeface="JejuGothic" panose="02000300000000000000" pitchFamily="2" charset="-127"/>
+              </a:endParaRPr>
+            </a:p>
+          </p:txBody>
+        </p:sp>
+        <p:pic>
+          <p:nvPicPr>
+            <p:cNvPr id="1099" name="그림 1098">
+              <a:extLst>
+                <a:ext uri="{FF2B5EF4-FFF2-40B4-BE49-F238E27FC236}">
+                  <a16:creationId xmlns:a16="http://schemas.microsoft.com/office/drawing/2014/main" id="{8DF8CA21-C3E2-C282-7002-6AFE6F87411A}"/>
+                </a:ext>
+              </a:extLst>
+            </p:cNvPr>
+            <p:cNvPicPr>
+              <a:picLocks noChangeAspect="1"/>
+            </p:cNvPicPr>
+            <p:nvPr/>
+          </p:nvPicPr>
+          <p:blipFill rotWithShape="1">
+            <a:blip r:embed="rId9">
+              <a:extLst>
+                <a:ext uri="{28A0092B-C50C-407E-A947-70E740481C1C}">
+                  <a14:useLocalDpi xmlns:a14="http://schemas.microsoft.com/office/drawing/2010/main" val="0"/>
+                </a:ext>
+              </a:extLst>
+            </a:blip>
+            <a:srcRect l="13117" t="15493" r="12280" b="11649"/>
+            <a:stretch/>
+          </p:blipFill>
+          <p:spPr>
+            <a:xfrm>
+              <a:off x="3838543" y="1953484"/>
+              <a:ext cx="126881" cy="114382"/>
+            </a:xfrm>
+            <a:prstGeom prst="rect">
+              <a:avLst/>
+            </a:prstGeom>
+          </p:spPr>
+        </p:pic>
+        <p:pic>
+          <p:nvPicPr>
+            <p:cNvPr id="1102" name="그림 1101">
+              <a:extLst>
+                <a:ext uri="{FF2B5EF4-FFF2-40B4-BE49-F238E27FC236}">
+                  <a16:creationId xmlns:a16="http://schemas.microsoft.com/office/drawing/2014/main" id="{14236104-3C0A-B478-3614-604CC4FCC1FB}"/>
+                </a:ext>
+              </a:extLst>
+            </p:cNvPr>
+            <p:cNvPicPr>
+              <a:picLocks noChangeAspect="1"/>
+            </p:cNvPicPr>
+            <p:nvPr/>
+          </p:nvPicPr>
+          <p:blipFill rotWithShape="1">
+            <a:blip r:embed="rId9">
+              <a:extLst>
+                <a:ext uri="{28A0092B-C50C-407E-A947-70E740481C1C}">
+                  <a14:useLocalDpi xmlns:a14="http://schemas.microsoft.com/office/drawing/2010/main" val="0"/>
+                </a:ext>
+              </a:extLst>
+            </a:blip>
+            <a:srcRect l="13117" t="15493" r="12280" b="11649"/>
+            <a:stretch/>
+          </p:blipFill>
+          <p:spPr>
+            <a:xfrm>
+              <a:off x="3838543" y="2146625"/>
+              <a:ext cx="126881" cy="114382"/>
+            </a:xfrm>
+            <a:prstGeom prst="rect">
+              <a:avLst/>
+            </a:prstGeom>
+          </p:spPr>
+        </p:pic>
+        <p:pic>
+          <p:nvPicPr>
+            <p:cNvPr id="1103" name="그림 1102">
+              <a:extLst>
+                <a:ext uri="{FF2B5EF4-FFF2-40B4-BE49-F238E27FC236}">
+                  <a16:creationId xmlns:a16="http://schemas.microsoft.com/office/drawing/2014/main" id="{5A560C3A-1ECB-48B7-5028-B9EC31A2BA22}"/>
+                </a:ext>
+              </a:extLst>
+            </p:cNvPr>
+            <p:cNvPicPr>
+              <a:picLocks noChangeAspect="1"/>
+            </p:cNvPicPr>
+            <p:nvPr/>
+          </p:nvPicPr>
+          <p:blipFill rotWithShape="1">
+            <a:blip r:embed="rId9">
+              <a:extLst>
+                <a:ext uri="{28A0092B-C50C-407E-A947-70E740481C1C}">
+                  <a14:useLocalDpi xmlns:a14="http://schemas.microsoft.com/office/drawing/2010/main" val="0"/>
+                </a:ext>
+              </a:extLst>
+            </a:blip>
+            <a:srcRect l="13117" t="15493" r="12280" b="11649"/>
+            <a:stretch/>
+          </p:blipFill>
+          <p:spPr>
+            <a:xfrm>
+              <a:off x="3838543" y="2532428"/>
+              <a:ext cx="126881" cy="114382"/>
+            </a:xfrm>
+            <a:prstGeom prst="rect">
+              <a:avLst/>
+            </a:prstGeom>
+          </p:spPr>
+        </p:pic>
+        <p:pic>
+          <p:nvPicPr>
+            <p:cNvPr id="1104" name="그림 1103">
+              <a:extLst>
+                <a:ext uri="{FF2B5EF4-FFF2-40B4-BE49-F238E27FC236}">
+                  <a16:creationId xmlns:a16="http://schemas.microsoft.com/office/drawing/2014/main" id="{71F6150D-B999-863B-EC01-FD18659B4375}"/>
+                </a:ext>
+              </a:extLst>
+            </p:cNvPr>
+            <p:cNvPicPr>
+              <a:picLocks noChangeAspect="1"/>
+            </p:cNvPicPr>
+            <p:nvPr/>
+          </p:nvPicPr>
+          <p:blipFill>
+            <a:blip r:embed="rId13">
+              <a:extLst>
+                <a:ext uri="{28A0092B-C50C-407E-A947-70E740481C1C}">
+                  <a14:useLocalDpi xmlns:a14="http://schemas.microsoft.com/office/drawing/2010/main" val="0"/>
+                </a:ext>
+              </a:extLst>
+            </a:blip>
+            <a:stretch>
+              <a:fillRect/>
+            </a:stretch>
+          </p:blipFill>
+          <p:spPr>
+            <a:xfrm>
+              <a:off x="3780255" y="2351125"/>
+              <a:ext cx="187529" cy="102072"/>
+            </a:xfrm>
+            <a:prstGeom prst="rect">
+              <a:avLst/>
+            </a:prstGeom>
+          </p:spPr>
+        </p:pic>
+      </p:grpSp>
     </p:spTree>
     <p:extLst>
       <p:ext uri="{BB962C8B-B14F-4D97-AF65-F5344CB8AC3E}">
@@ -8001,7 +8422,7 @@
                 <a:latin typeface="JejuGothicOTF" panose="02000300000000000000" pitchFamily="2" charset="-127"/>
                 <a:ea typeface="JejuGothicOTF" panose="02000300000000000000" pitchFamily="2" charset="-127"/>
               </a:rPr>
-              <a:t>(SIGIR, WWW)</a:t>
+              <a:t>(SIGIR, WSDM)</a:t>
             </a:r>
             <a:r>
               <a:rPr lang="ko-KR" altLang="en-US" sz="1200" b="1" dirty="0">
@@ -9003,6 +9424,16 @@
               <a:buChar char="•"/>
             </a:pPr>
             <a:r>
+              <a:rPr lang="en-US" altLang="ko-KR" sz="800" b="1">
+                <a:solidFill>
+                  <a:srgbClr val="A52A2A"/>
+                </a:solidFill>
+                <a:latin typeface="제주고딕" panose="02000300000000000000" pitchFamily="2" charset="-127"/>
+                <a:ea typeface="제주고딕" panose="02000300000000000000" pitchFamily="2" charset="-127"/>
+              </a:rPr>
+              <a:t>WSDM </a:t>
+            </a:r>
+            <a:r>
               <a:rPr lang="en-US" altLang="ko-KR" sz="800" b="1" dirty="0">
                 <a:solidFill>
                   <a:srgbClr val="A52A2A"/>
@@ -9010,7 +9441,7 @@
                 <a:latin typeface="제주고딕" panose="02000300000000000000" pitchFamily="2" charset="-127"/>
                 <a:ea typeface="제주고딕" panose="02000300000000000000" pitchFamily="2" charset="-127"/>
               </a:rPr>
-              <a:t>WWW 2023</a:t>
+              <a:t>2023</a:t>
             </a:r>
             <a:r>
               <a:rPr lang="ko-KR" altLang="en-US" sz="800" dirty="0">

--- a/assets/img/notice_panel-1.pptx
+++ b/assets/img/notice_panel-1.pptx
@@ -260,7 +260,7 @@
           <a:p>
             <a:fld id="{91C883BF-99AE-42FD-96B8-D02942FEBE9A}" type="datetimeFigureOut">
               <a:rPr lang="ko-KR" altLang="en-US" smtClean="0"/>
-              <a:t>2023-04-07</a:t>
+              <a:t>2023-08-25</a:t>
             </a:fld>
             <a:endParaRPr lang="ko-KR" altLang="en-US" dirty="0"/>
           </a:p>
@@ -458,7 +458,7 @@
           <a:p>
             <a:fld id="{91C883BF-99AE-42FD-96B8-D02942FEBE9A}" type="datetimeFigureOut">
               <a:rPr lang="ko-KR" altLang="en-US" smtClean="0"/>
-              <a:t>2023-04-07</a:t>
+              <a:t>2023-08-25</a:t>
             </a:fld>
             <a:endParaRPr lang="ko-KR" altLang="en-US" dirty="0"/>
           </a:p>
@@ -666,7 +666,7 @@
           <a:p>
             <a:fld id="{91C883BF-99AE-42FD-96B8-D02942FEBE9A}" type="datetimeFigureOut">
               <a:rPr lang="ko-KR" altLang="en-US" smtClean="0"/>
-              <a:t>2023-04-07</a:t>
+              <a:t>2023-08-25</a:t>
             </a:fld>
             <a:endParaRPr lang="ko-KR" altLang="en-US" dirty="0"/>
           </a:p>
@@ -864,7 +864,7 @@
           <a:p>
             <a:fld id="{91C883BF-99AE-42FD-96B8-D02942FEBE9A}" type="datetimeFigureOut">
               <a:rPr lang="ko-KR" altLang="en-US" smtClean="0"/>
-              <a:t>2023-04-07</a:t>
+              <a:t>2023-08-25</a:t>
             </a:fld>
             <a:endParaRPr lang="ko-KR" altLang="en-US" dirty="0"/>
           </a:p>
@@ -1139,7 +1139,7 @@
           <a:p>
             <a:fld id="{91C883BF-99AE-42FD-96B8-D02942FEBE9A}" type="datetimeFigureOut">
               <a:rPr lang="ko-KR" altLang="en-US" smtClean="0"/>
-              <a:t>2023-04-07</a:t>
+              <a:t>2023-08-25</a:t>
             </a:fld>
             <a:endParaRPr lang="ko-KR" altLang="en-US" dirty="0"/>
           </a:p>
@@ -1404,7 +1404,7 @@
           <a:p>
             <a:fld id="{91C883BF-99AE-42FD-96B8-D02942FEBE9A}" type="datetimeFigureOut">
               <a:rPr lang="ko-KR" altLang="en-US" smtClean="0"/>
-              <a:t>2023-04-07</a:t>
+              <a:t>2023-08-25</a:t>
             </a:fld>
             <a:endParaRPr lang="ko-KR" altLang="en-US" dirty="0"/>
           </a:p>
@@ -1816,7 +1816,7 @@
           <a:p>
             <a:fld id="{91C883BF-99AE-42FD-96B8-D02942FEBE9A}" type="datetimeFigureOut">
               <a:rPr lang="ko-KR" altLang="en-US" smtClean="0"/>
-              <a:t>2023-04-07</a:t>
+              <a:t>2023-08-25</a:t>
             </a:fld>
             <a:endParaRPr lang="ko-KR" altLang="en-US" dirty="0"/>
           </a:p>
@@ -1957,7 +1957,7 @@
           <a:p>
             <a:fld id="{91C883BF-99AE-42FD-96B8-D02942FEBE9A}" type="datetimeFigureOut">
               <a:rPr lang="ko-KR" altLang="en-US" smtClean="0"/>
-              <a:t>2023-04-07</a:t>
+              <a:t>2023-08-25</a:t>
             </a:fld>
             <a:endParaRPr lang="ko-KR" altLang="en-US" dirty="0"/>
           </a:p>
@@ -2070,7 +2070,7 @@
           <a:p>
             <a:fld id="{91C883BF-99AE-42FD-96B8-D02942FEBE9A}" type="datetimeFigureOut">
               <a:rPr lang="ko-KR" altLang="en-US" smtClean="0"/>
-              <a:t>2023-04-07</a:t>
+              <a:t>2023-08-25</a:t>
             </a:fld>
             <a:endParaRPr lang="ko-KR" altLang="en-US" dirty="0"/>
           </a:p>
@@ -2381,7 +2381,7 @@
           <a:p>
             <a:fld id="{91C883BF-99AE-42FD-96B8-D02942FEBE9A}" type="datetimeFigureOut">
               <a:rPr lang="ko-KR" altLang="en-US" smtClean="0"/>
-              <a:t>2023-04-07</a:t>
+              <a:t>2023-08-25</a:t>
             </a:fld>
             <a:endParaRPr lang="ko-KR" altLang="en-US" dirty="0"/>
           </a:p>
@@ -2669,7 +2669,7 @@
           <a:p>
             <a:fld id="{91C883BF-99AE-42FD-96B8-D02942FEBE9A}" type="datetimeFigureOut">
               <a:rPr lang="ko-KR" altLang="en-US" smtClean="0"/>
-              <a:t>2023-04-07</a:t>
+              <a:t>2023-08-25</a:t>
             </a:fld>
             <a:endParaRPr lang="ko-KR" altLang="en-US" dirty="0"/>
           </a:p>
@@ -2910,7 +2910,7 @@
           <a:p>
             <a:fld id="{91C883BF-99AE-42FD-96B8-D02942FEBE9A}" type="datetimeFigureOut">
               <a:rPr lang="ko-KR" altLang="en-US" smtClean="0"/>
-              <a:t>2023-04-07</a:t>
+              <a:t>2023-08-25</a:t>
             </a:fld>
             <a:endParaRPr lang="ko-KR" altLang="en-US" dirty="0"/>
           </a:p>
@@ -4043,7 +4043,14 @@
                 <a:latin typeface="JejuGothicOTF" panose="02000300000000000000" pitchFamily="2" charset="-127"/>
                 <a:ea typeface="JejuGothicOTF" panose="02000300000000000000" pitchFamily="2" charset="-127"/>
               </a:rPr>
-              <a:t>E-mail : youngjaechang0@gmail.com</a:t>
+              <a:t>E-mail </a:t>
+            </a:r>
+            <a:r>
+              <a:rPr lang="en-US" altLang="ko-KR" sz="1050">
+                <a:latin typeface="JejuGothicOTF" panose="02000300000000000000" pitchFamily="2" charset="-127"/>
+                <a:ea typeface="JejuGothicOTF" panose="02000300000000000000" pitchFamily="2" charset="-127"/>
+              </a:rPr>
+              <a:t>: chahyunmook@gmail.com</a:t>
             </a:r>
             <a:endParaRPr lang="ko-KR" altLang="en-US" sz="1050" dirty="0">
               <a:latin typeface="JejuGothicOTF" panose="02000300000000000000" pitchFamily="2" charset="-127"/>

--- a/assets/img/notice_panel-1.pptx
+++ b/assets/img/notice_panel-1.pptx
@@ -260,7 +260,7 @@
           <a:p>
             <a:fld id="{91C883BF-99AE-42FD-96B8-D02942FEBE9A}" type="datetimeFigureOut">
               <a:rPr lang="ko-KR" altLang="en-US" smtClean="0"/>
-              <a:t>2023-08-25</a:t>
+              <a:t>2024-03-07</a:t>
             </a:fld>
             <a:endParaRPr lang="ko-KR" altLang="en-US" dirty="0"/>
           </a:p>
@@ -458,7 +458,7 @@
           <a:p>
             <a:fld id="{91C883BF-99AE-42FD-96B8-D02942FEBE9A}" type="datetimeFigureOut">
               <a:rPr lang="ko-KR" altLang="en-US" smtClean="0"/>
-              <a:t>2023-08-25</a:t>
+              <a:t>2024-03-07</a:t>
             </a:fld>
             <a:endParaRPr lang="ko-KR" altLang="en-US" dirty="0"/>
           </a:p>
@@ -666,7 +666,7 @@
           <a:p>
             <a:fld id="{91C883BF-99AE-42FD-96B8-D02942FEBE9A}" type="datetimeFigureOut">
               <a:rPr lang="ko-KR" altLang="en-US" smtClean="0"/>
-              <a:t>2023-08-25</a:t>
+              <a:t>2024-03-07</a:t>
             </a:fld>
             <a:endParaRPr lang="ko-KR" altLang="en-US" dirty="0"/>
           </a:p>
@@ -864,7 +864,7 @@
           <a:p>
             <a:fld id="{91C883BF-99AE-42FD-96B8-D02942FEBE9A}" type="datetimeFigureOut">
               <a:rPr lang="ko-KR" altLang="en-US" smtClean="0"/>
-              <a:t>2023-08-25</a:t>
+              <a:t>2024-03-07</a:t>
             </a:fld>
             <a:endParaRPr lang="ko-KR" altLang="en-US" dirty="0"/>
           </a:p>
@@ -1139,7 +1139,7 @@
           <a:p>
             <a:fld id="{91C883BF-99AE-42FD-96B8-D02942FEBE9A}" type="datetimeFigureOut">
               <a:rPr lang="ko-KR" altLang="en-US" smtClean="0"/>
-              <a:t>2023-08-25</a:t>
+              <a:t>2024-03-07</a:t>
             </a:fld>
             <a:endParaRPr lang="ko-KR" altLang="en-US" dirty="0"/>
           </a:p>
@@ -1404,7 +1404,7 @@
           <a:p>
             <a:fld id="{91C883BF-99AE-42FD-96B8-D02942FEBE9A}" type="datetimeFigureOut">
               <a:rPr lang="ko-KR" altLang="en-US" smtClean="0"/>
-              <a:t>2023-08-25</a:t>
+              <a:t>2024-03-07</a:t>
             </a:fld>
             <a:endParaRPr lang="ko-KR" altLang="en-US" dirty="0"/>
           </a:p>
@@ -1816,7 +1816,7 @@
           <a:p>
             <a:fld id="{91C883BF-99AE-42FD-96B8-D02942FEBE9A}" type="datetimeFigureOut">
               <a:rPr lang="ko-KR" altLang="en-US" smtClean="0"/>
-              <a:t>2023-08-25</a:t>
+              <a:t>2024-03-07</a:t>
             </a:fld>
             <a:endParaRPr lang="ko-KR" altLang="en-US" dirty="0"/>
           </a:p>
@@ -1957,7 +1957,7 @@
           <a:p>
             <a:fld id="{91C883BF-99AE-42FD-96B8-D02942FEBE9A}" type="datetimeFigureOut">
               <a:rPr lang="ko-KR" altLang="en-US" smtClean="0"/>
-              <a:t>2023-08-25</a:t>
+              <a:t>2024-03-07</a:t>
             </a:fld>
             <a:endParaRPr lang="ko-KR" altLang="en-US" dirty="0"/>
           </a:p>
@@ -2070,7 +2070,7 @@
           <a:p>
             <a:fld id="{91C883BF-99AE-42FD-96B8-D02942FEBE9A}" type="datetimeFigureOut">
               <a:rPr lang="ko-KR" altLang="en-US" smtClean="0"/>
-              <a:t>2023-08-25</a:t>
+              <a:t>2024-03-07</a:t>
             </a:fld>
             <a:endParaRPr lang="ko-KR" altLang="en-US" dirty="0"/>
           </a:p>
@@ -2381,7 +2381,7 @@
           <a:p>
             <a:fld id="{91C883BF-99AE-42FD-96B8-D02942FEBE9A}" type="datetimeFigureOut">
               <a:rPr lang="ko-KR" altLang="en-US" smtClean="0"/>
-              <a:t>2023-08-25</a:t>
+              <a:t>2024-03-07</a:t>
             </a:fld>
             <a:endParaRPr lang="ko-KR" altLang="en-US" dirty="0"/>
           </a:p>
@@ -2669,7 +2669,7 @@
           <a:p>
             <a:fld id="{91C883BF-99AE-42FD-96B8-D02942FEBE9A}" type="datetimeFigureOut">
               <a:rPr lang="ko-KR" altLang="en-US" smtClean="0"/>
-              <a:t>2023-08-25</a:t>
+              <a:t>2024-03-07</a:t>
             </a:fld>
             <a:endParaRPr lang="ko-KR" altLang="en-US" dirty="0"/>
           </a:p>
@@ -2910,7 +2910,7 @@
           <a:p>
             <a:fld id="{91C883BF-99AE-42FD-96B8-D02942FEBE9A}" type="datetimeFigureOut">
               <a:rPr lang="ko-KR" altLang="en-US" smtClean="0"/>
-              <a:t>2023-08-25</a:t>
+              <a:t>2024-03-07</a:t>
             </a:fld>
             <a:endParaRPr lang="ko-KR" altLang="en-US" dirty="0"/>
           </a:p>
@@ -3336,7 +3336,9 @@
               </a:ext>
             </a:extLst>
           </p:cNvPr>
-          <p:cNvSpPr/>
+          <p:cNvSpPr>
+            <a:spLocks noGrp="1" noRot="1" noMove="1" noResize="1" noEditPoints="1" noAdjustHandles="1" noChangeArrowheads="1" noChangeShapeType="1"/>
+          </p:cNvSpPr>
           <p:nvPr/>
         </p:nvSpPr>
         <p:spPr>
@@ -3485,7 +3487,9 @@
               </a:ext>
             </a:extLst>
           </p:cNvPr>
-          <p:cNvSpPr/>
+          <p:cNvSpPr>
+            <a:spLocks noGrp="1" noRot="1" noMove="1" noResize="1" noEditPoints="1" noAdjustHandles="1" noChangeArrowheads="1" noChangeShapeType="1"/>
+          </p:cNvSpPr>
           <p:nvPr/>
         </p:nvSpPr>
         <p:spPr>
@@ -3540,7 +3544,9 @@
               </a:ext>
             </a:extLst>
           </p:cNvPr>
-          <p:cNvSpPr txBox="1"/>
+          <p:cNvSpPr txBox="1">
+            <a:spLocks noGrp="1" noRot="1" noMove="1" noResize="1" noEditPoints="1" noAdjustHandles="1" noChangeArrowheads="1" noChangeShapeType="1"/>
+          </p:cNvSpPr>
           <p:nvPr/>
         </p:nvSpPr>
         <p:spPr>
@@ -3594,7 +3600,7 @@
             </a:extLst>
           </p:cNvPr>
           <p:cNvCxnSpPr>
-            <a:cxnSpLocks/>
+            <a:cxnSpLocks noGrp="1" noRot="1" noMove="1" noResize="1" noEditPoints="1" noAdjustHandles="1" noChangeArrowheads="1" noChangeShapeType="1"/>
           </p:cNvCxnSpPr>
           <p:nvPr/>
         </p:nvCxnSpPr>
@@ -4789,7 +4795,7 @@
             </a:extLst>
           </p:cNvPr>
           <p:cNvPicPr>
-            <a:picLocks noChangeAspect="1"/>
+            <a:picLocks noGrp="1" noRot="1" noChangeAspect="1" noMove="1" noResize="1" noEditPoints="1" noAdjustHandles="1" noChangeArrowheads="1" noChangeShapeType="1" noCrop="1"/>
           </p:cNvPicPr>
           <p:nvPr/>
         </p:nvPicPr>
@@ -5209,12 +5215,69 @@
           </a:prstGeom>
         </p:spPr>
       </p:pic>
+      <p:sp>
+        <p:nvSpPr>
+          <p:cNvPr id="30" name="직사각형 29">
+            <a:extLst>
+              <a:ext uri="{FF2B5EF4-FFF2-40B4-BE49-F238E27FC236}">
+                <a16:creationId xmlns:a16="http://schemas.microsoft.com/office/drawing/2014/main" id="{77B6E88B-72A3-42DA-BF4B-84AD02D2D0CD}"/>
+              </a:ext>
+            </a:extLst>
+          </p:cNvPr>
+          <p:cNvSpPr/>
+          <p:nvPr/>
+        </p:nvSpPr>
+        <p:spPr>
+          <a:xfrm>
+            <a:off x="1075737" y="2328187"/>
+            <a:ext cx="179532" cy="68247"/>
+          </a:xfrm>
+          <a:prstGeom prst="rect">
+            <a:avLst/>
+          </a:prstGeom>
+          <a:solidFill>
+            <a:schemeClr val="bg1"/>
+          </a:solidFill>
+          <a:ln>
+            <a:solidFill>
+              <a:schemeClr val="bg1"/>
+            </a:solidFill>
+          </a:ln>
+        </p:spPr>
+        <p:style>
+          <a:lnRef idx="2">
+            <a:schemeClr val="accent1">
+              <a:shade val="50000"/>
+            </a:schemeClr>
+          </a:lnRef>
+          <a:fillRef idx="1">
+            <a:schemeClr val="accent1"/>
+          </a:fillRef>
+          <a:effectRef idx="0">
+            <a:schemeClr val="accent1"/>
+          </a:effectRef>
+          <a:fontRef idx="minor">
+            <a:schemeClr val="lt1"/>
+          </a:fontRef>
+        </p:style>
+        <p:txBody>
+          <a:bodyPr rtlCol="0" anchor="ctr"/>
+          <a:lstStyle/>
+          <a:p>
+            <a:pPr algn="ctr"/>
+            <a:endParaRPr lang="ko-KR" altLang="en-US" sz="1600" dirty="0">
+              <a:latin typeface="JejuGothic" panose="02000300000000000000" pitchFamily="2" charset="-127"/>
+              <a:ea typeface="JejuGothic" panose="02000300000000000000" pitchFamily="2" charset="-127"/>
+            </a:endParaRPr>
+          </a:p>
+        </p:txBody>
+      </p:sp>
       <p:grpSp>
         <p:nvGrpSpPr>
-          <p:cNvPr id="1107" name="그룹 1106">
-            <a:extLst>
-              <a:ext uri="{FF2B5EF4-FFF2-40B4-BE49-F238E27FC236}">
-                <a16:creationId xmlns:a16="http://schemas.microsoft.com/office/drawing/2014/main" id="{43C870B6-2EC2-EDDC-EE38-9829447B06A4}"/>
+          <p:cNvPr id="3" name="그룹 2">
+            <a:extLst>
+              <a:ext uri="{FF2B5EF4-FFF2-40B4-BE49-F238E27FC236}">
+                <a16:creationId xmlns:a16="http://schemas.microsoft.com/office/drawing/2014/main" id="{01BC2C2E-2678-89F7-C94E-B049143D05F9}"/>
               </a:ext>
             </a:extLst>
           </p:cNvPr>
@@ -5223,69 +5286,12 @@
         </p:nvGrpSpPr>
         <p:grpSpPr>
           <a:xfrm>
-            <a:off x="571707" y="1160572"/>
-            <a:ext cx="1434439" cy="1903875"/>
-            <a:chOff x="571707" y="1160572"/>
-            <a:chExt cx="1434439" cy="1903875"/>
+            <a:off x="826608" y="1087850"/>
+            <a:ext cx="1176492" cy="169277"/>
+            <a:chOff x="826608" y="1160572"/>
+            <a:chExt cx="1176492" cy="169277"/>
           </a:xfrm>
         </p:grpSpPr>
-        <p:sp>
-          <p:nvSpPr>
-            <p:cNvPr id="30" name="직사각형 29">
-              <a:extLst>
-                <a:ext uri="{FF2B5EF4-FFF2-40B4-BE49-F238E27FC236}">
-                  <a16:creationId xmlns:a16="http://schemas.microsoft.com/office/drawing/2014/main" id="{77B6E88B-72A3-42DA-BF4B-84AD02D2D0CD}"/>
-                </a:ext>
-              </a:extLst>
-            </p:cNvPr>
-            <p:cNvSpPr/>
-            <p:nvPr/>
-          </p:nvSpPr>
-          <p:spPr>
-            <a:xfrm>
-              <a:off x="1075737" y="2458248"/>
-              <a:ext cx="179532" cy="68247"/>
-            </a:xfrm>
-            <a:prstGeom prst="rect">
-              <a:avLst/>
-            </a:prstGeom>
-            <a:solidFill>
-              <a:schemeClr val="bg1"/>
-            </a:solidFill>
-            <a:ln>
-              <a:solidFill>
-                <a:schemeClr val="bg1"/>
-              </a:solidFill>
-            </a:ln>
-          </p:spPr>
-          <p:style>
-            <a:lnRef idx="2">
-              <a:schemeClr val="accent1">
-                <a:shade val="50000"/>
-              </a:schemeClr>
-            </a:lnRef>
-            <a:fillRef idx="1">
-              <a:schemeClr val="accent1"/>
-            </a:fillRef>
-            <a:effectRef idx="0">
-              <a:schemeClr val="accent1"/>
-            </a:effectRef>
-            <a:fontRef idx="minor">
-              <a:schemeClr val="lt1"/>
-            </a:fontRef>
-          </p:style>
-          <p:txBody>
-            <a:bodyPr rtlCol="0" anchor="ctr"/>
-            <a:lstStyle/>
-            <a:p>
-              <a:pPr algn="ctr"/>
-              <a:endParaRPr lang="ko-KR" altLang="en-US" sz="1600" dirty="0">
-                <a:latin typeface="JejuGothic" panose="02000300000000000000" pitchFamily="2" charset="-127"/>
-                <a:ea typeface="JejuGothic" panose="02000300000000000000" pitchFamily="2" charset="-127"/>
-              </a:endParaRPr>
-            </a:p>
-          </p:txBody>
-        </p:sp>
         <p:sp>
           <p:nvSpPr>
             <p:cNvPr id="23" name="TextBox 22">
@@ -5366,6 +5372,27 @@
             </a:prstGeom>
           </p:spPr>
         </p:pic>
+      </p:grpSp>
+      <p:grpSp>
+        <p:nvGrpSpPr>
+          <p:cNvPr id="8" name="그룹 7">
+            <a:extLst>
+              <a:ext uri="{FF2B5EF4-FFF2-40B4-BE49-F238E27FC236}">
+                <a16:creationId xmlns:a16="http://schemas.microsoft.com/office/drawing/2014/main" id="{A9DBFF13-9966-121C-3039-B6A30F620D8E}"/>
+              </a:ext>
+            </a:extLst>
+          </p:cNvPr>
+          <p:cNvGrpSpPr/>
+          <p:nvPr/>
+        </p:nvGrpSpPr>
+        <p:grpSpPr>
+          <a:xfrm>
+            <a:off x="571707" y="1265041"/>
+            <a:ext cx="1431396" cy="169277"/>
+            <a:chOff x="571707" y="1353318"/>
+            <a:chExt cx="1431396" cy="169277"/>
+          </a:xfrm>
+        </p:grpSpPr>
         <p:sp>
           <p:nvSpPr>
             <p:cNvPr id="25" name="TextBox 24">
@@ -5411,6 +5438,74 @@
             </a:p>
           </p:txBody>
         </p:sp>
+        <p:pic>
+          <p:nvPicPr>
+            <p:cNvPr id="34" name="Picture 4">
+              <a:extLst>
+                <a:ext uri="{FF2B5EF4-FFF2-40B4-BE49-F238E27FC236}">
+                  <a16:creationId xmlns:a16="http://schemas.microsoft.com/office/drawing/2014/main" id="{36498A1A-98AE-455F-B867-6A0214C57ACF}"/>
+                </a:ext>
+              </a:extLst>
+            </p:cNvPr>
+            <p:cNvPicPr>
+              <a:picLocks noChangeAspect="1" noChangeArrowheads="1"/>
+            </p:cNvPicPr>
+            <p:nvPr/>
+          </p:nvPicPr>
+          <p:blipFill>
+            <a:blip r:embed="rId5">
+              <a:extLst>
+                <a:ext uri="{28A0092B-C50C-407E-A947-70E740481C1C}">
+                  <a14:useLocalDpi xmlns:a14="http://schemas.microsoft.com/office/drawing/2010/main" val="0"/>
+                </a:ext>
+              </a:extLst>
+            </a:blip>
+            <a:srcRect/>
+            <a:stretch>
+              <a:fillRect/>
+            </a:stretch>
+          </p:blipFill>
+          <p:spPr bwMode="auto">
+            <a:xfrm>
+              <a:off x="571707" y="1376233"/>
+              <a:ext cx="584518" cy="118573"/>
+            </a:xfrm>
+            <a:prstGeom prst="rect">
+              <a:avLst/>
+            </a:prstGeom>
+            <a:noFill/>
+            <a:extLst>
+              <a:ext uri="{909E8E84-426E-40DD-AFC4-6F175D3DCCD1}">
+                <a14:hiddenFill xmlns:a14="http://schemas.microsoft.com/office/drawing/2010/main">
+                  <a:solidFill>
+                    <a:srgbClr val="FFFFFF"/>
+                  </a:solidFill>
+                </a14:hiddenFill>
+              </a:ext>
+            </a:extLst>
+          </p:spPr>
+        </p:pic>
+      </p:grpSp>
+      <p:grpSp>
+        <p:nvGrpSpPr>
+          <p:cNvPr id="9" name="그룹 8">
+            <a:extLst>
+              <a:ext uri="{FF2B5EF4-FFF2-40B4-BE49-F238E27FC236}">
+                <a16:creationId xmlns:a16="http://schemas.microsoft.com/office/drawing/2014/main" id="{112DA3F9-EEBB-06D4-E3AD-3C78DFDF3AC8}"/>
+              </a:ext>
+            </a:extLst>
+          </p:cNvPr>
+          <p:cNvGrpSpPr/>
+          <p:nvPr/>
+        </p:nvGrpSpPr>
+        <p:grpSpPr>
+          <a:xfrm>
+            <a:off x="820820" y="1442232"/>
+            <a:ext cx="1182280" cy="169277"/>
+            <a:chOff x="820820" y="1546064"/>
+            <a:chExt cx="1182280" cy="169277"/>
+          </a:xfrm>
+        </p:grpSpPr>
         <p:sp>
           <p:nvSpPr>
             <p:cNvPr id="26" name="TextBox 25">
@@ -5463,6 +5558,194 @@
             </a:p>
           </p:txBody>
         </p:sp>
+        <p:pic>
+          <p:nvPicPr>
+            <p:cNvPr id="35" name="Picture 10">
+              <a:extLst>
+                <a:ext uri="{FF2B5EF4-FFF2-40B4-BE49-F238E27FC236}">
+                  <a16:creationId xmlns:a16="http://schemas.microsoft.com/office/drawing/2014/main" id="{0C9D91D3-AAD4-4C46-99CC-AD463C8C5C04}"/>
+                </a:ext>
+              </a:extLst>
+            </p:cNvPr>
+            <p:cNvPicPr>
+              <a:picLocks noChangeAspect="1" noChangeArrowheads="1"/>
+            </p:cNvPicPr>
+            <p:nvPr/>
+          </p:nvPicPr>
+          <p:blipFill>
+            <a:blip r:embed="rId6">
+              <a:extLst>
+                <a:ext uri="{28A0092B-C50C-407E-A947-70E740481C1C}">
+                  <a14:useLocalDpi xmlns:a14="http://schemas.microsoft.com/office/drawing/2010/main" val="0"/>
+                </a:ext>
+              </a:extLst>
+            </a:blip>
+            <a:srcRect/>
+            <a:stretch>
+              <a:fillRect/>
+            </a:stretch>
+          </p:blipFill>
+          <p:spPr bwMode="auto">
+            <a:xfrm>
+              <a:off x="820820" y="1582067"/>
+              <a:ext cx="331082" cy="109929"/>
+            </a:xfrm>
+            <a:prstGeom prst="rect">
+              <a:avLst/>
+            </a:prstGeom>
+            <a:noFill/>
+            <a:extLst>
+              <a:ext uri="{909E8E84-426E-40DD-AFC4-6F175D3DCCD1}">
+                <a14:hiddenFill xmlns:a14="http://schemas.microsoft.com/office/drawing/2010/main">
+                  <a:solidFill>
+                    <a:srgbClr val="FFFFFF"/>
+                  </a:solidFill>
+                </a14:hiddenFill>
+              </a:ext>
+            </a:extLst>
+          </p:spPr>
+        </p:pic>
+      </p:grpSp>
+      <p:grpSp>
+        <p:nvGrpSpPr>
+          <p:cNvPr id="14" name="그룹 13">
+            <a:extLst>
+              <a:ext uri="{FF2B5EF4-FFF2-40B4-BE49-F238E27FC236}">
+                <a16:creationId xmlns:a16="http://schemas.microsoft.com/office/drawing/2014/main" id="{FA3AB94A-65F6-F3FD-F861-EED24A7E6C85}"/>
+              </a:ext>
+            </a:extLst>
+          </p:cNvPr>
+          <p:cNvGrpSpPr/>
+          <p:nvPr/>
+        </p:nvGrpSpPr>
+        <p:grpSpPr>
+          <a:xfrm>
+            <a:off x="802943" y="2150996"/>
+            <a:ext cx="1200156" cy="169277"/>
+            <a:chOff x="802943" y="2317048"/>
+            <a:chExt cx="1200156" cy="169277"/>
+          </a:xfrm>
+        </p:grpSpPr>
+        <p:sp>
+          <p:nvSpPr>
+            <p:cNvPr id="32" name="TextBox 31">
+              <a:extLst>
+                <a:ext uri="{FF2B5EF4-FFF2-40B4-BE49-F238E27FC236}">
+                  <a16:creationId xmlns:a16="http://schemas.microsoft.com/office/drawing/2014/main" id="{E97A66A2-EC3E-49C9-BE11-227A8E6AC36A}"/>
+                </a:ext>
+              </a:extLst>
+            </p:cNvPr>
+            <p:cNvSpPr txBox="1"/>
+            <p:nvPr/>
+          </p:nvSpPr>
+          <p:spPr>
+            <a:xfrm>
+              <a:off x="1187957" y="2317048"/>
+              <a:ext cx="815142" cy="169277"/>
+            </a:xfrm>
+            <a:prstGeom prst="rect">
+              <a:avLst/>
+            </a:prstGeom>
+            <a:noFill/>
+          </p:spPr>
+          <p:txBody>
+            <a:bodyPr wrap="square" rtlCol="0">
+              <a:spAutoFit/>
+            </a:bodyPr>
+            <a:lstStyle/>
+            <a:p>
+              <a:r>
+                <a:rPr lang="ko-KR" altLang="en-US" sz="500" dirty="0">
+                  <a:latin typeface="JejuGothic" panose="02000300000000000000" pitchFamily="2" charset="-127"/>
+                  <a:ea typeface="JejuGothic" panose="02000300000000000000" pitchFamily="2" charset="-127"/>
+                </a:rPr>
+                <a:t>삼성전자</a:t>
+              </a:r>
+              <a:r>
+                <a:rPr lang="en-US" altLang="ko-KR" sz="500" dirty="0">
+                  <a:latin typeface="JejuGothic" panose="02000300000000000000" pitchFamily="2" charset="-127"/>
+                  <a:ea typeface="JejuGothic" panose="02000300000000000000" pitchFamily="2" charset="-127"/>
+                </a:rPr>
+                <a:t> </a:t>
+              </a:r>
+              <a:r>
+                <a:rPr lang="ko-KR" altLang="en-US" sz="500" dirty="0">
+                  <a:latin typeface="JejuGothic" panose="02000300000000000000" pitchFamily="2" charset="-127"/>
+                  <a:ea typeface="JejuGothic" panose="02000300000000000000" pitchFamily="2" charset="-127"/>
+                </a:rPr>
+                <a:t>김성호</a:t>
+              </a:r>
+            </a:p>
+          </p:txBody>
+        </p:sp>
+        <p:pic>
+          <p:nvPicPr>
+            <p:cNvPr id="36" name="Picture 10">
+              <a:extLst>
+                <a:ext uri="{FF2B5EF4-FFF2-40B4-BE49-F238E27FC236}">
+                  <a16:creationId xmlns:a16="http://schemas.microsoft.com/office/drawing/2014/main" id="{1405680C-FA8E-4FD9-BCF6-D1AA401E3D54}"/>
+                </a:ext>
+              </a:extLst>
+            </p:cNvPr>
+            <p:cNvPicPr>
+              <a:picLocks noChangeAspect="1" noChangeArrowheads="1"/>
+            </p:cNvPicPr>
+            <p:nvPr/>
+          </p:nvPicPr>
+          <p:blipFill>
+            <a:blip r:embed="rId6">
+              <a:extLst>
+                <a:ext uri="{28A0092B-C50C-407E-A947-70E740481C1C}">
+                  <a14:useLocalDpi xmlns:a14="http://schemas.microsoft.com/office/drawing/2010/main" val="0"/>
+                </a:ext>
+              </a:extLst>
+            </a:blip>
+            <a:srcRect/>
+            <a:stretch>
+              <a:fillRect/>
+            </a:stretch>
+          </p:blipFill>
+          <p:spPr bwMode="auto">
+            <a:xfrm>
+              <a:off x="802943" y="2344405"/>
+              <a:ext cx="348959" cy="115865"/>
+            </a:xfrm>
+            <a:prstGeom prst="rect">
+              <a:avLst/>
+            </a:prstGeom>
+            <a:noFill/>
+            <a:extLst>
+              <a:ext uri="{909E8E84-426E-40DD-AFC4-6F175D3DCCD1}">
+                <a14:hiddenFill xmlns:a14="http://schemas.microsoft.com/office/drawing/2010/main">
+                  <a:solidFill>
+                    <a:srgbClr val="FFFFFF"/>
+                  </a:solidFill>
+                </a14:hiddenFill>
+              </a:ext>
+            </a:extLst>
+          </p:spPr>
+        </p:pic>
+      </p:grpSp>
+      <p:grpSp>
+        <p:nvGrpSpPr>
+          <p:cNvPr id="11" name="그룹 10">
+            <a:extLst>
+              <a:ext uri="{FF2B5EF4-FFF2-40B4-BE49-F238E27FC236}">
+                <a16:creationId xmlns:a16="http://schemas.microsoft.com/office/drawing/2014/main" id="{9A22F020-55F5-3A6A-7FF2-0C95DB9EBBFC}"/>
+              </a:ext>
+            </a:extLst>
+          </p:cNvPr>
+          <p:cNvGrpSpPr/>
+          <p:nvPr/>
+        </p:nvGrpSpPr>
+        <p:grpSpPr>
+          <a:xfrm>
+            <a:off x="1015235" y="1619423"/>
+            <a:ext cx="987864" cy="169277"/>
+            <a:chOff x="1015235" y="1738810"/>
+            <a:chExt cx="987864" cy="169277"/>
+          </a:xfrm>
+        </p:grpSpPr>
         <p:sp>
           <p:nvSpPr>
             <p:cNvPr id="27" name="TextBox 26">
@@ -5522,6 +5805,62 @@
             </a:p>
           </p:txBody>
         </p:sp>
+        <p:pic>
+          <p:nvPicPr>
+            <p:cNvPr id="37" name="그림 36" descr="표지판, 그리기, 시계이(가) 표시된 사진&#10;&#10;자동 생성된 설명">
+              <a:extLst>
+                <a:ext uri="{FF2B5EF4-FFF2-40B4-BE49-F238E27FC236}">
+                  <a16:creationId xmlns:a16="http://schemas.microsoft.com/office/drawing/2014/main" id="{A72B159A-7AB0-434B-B575-1A9CC7CF421C}"/>
+                </a:ext>
+              </a:extLst>
+            </p:cNvPr>
+            <p:cNvPicPr>
+              <a:picLocks noChangeAspect="1"/>
+            </p:cNvPicPr>
+            <p:nvPr/>
+          </p:nvPicPr>
+          <p:blipFill rotWithShape="1">
+            <a:blip r:embed="rId7">
+              <a:extLst>
+                <a:ext uri="{28A0092B-C50C-407E-A947-70E740481C1C}">
+                  <a14:useLocalDpi xmlns:a14="http://schemas.microsoft.com/office/drawing/2010/main" val="0"/>
+                </a:ext>
+              </a:extLst>
+            </a:blip>
+            <a:srcRect r="71957"/>
+            <a:stretch/>
+          </p:blipFill>
+          <p:spPr>
+            <a:xfrm>
+              <a:off x="1015235" y="1755669"/>
+              <a:ext cx="138553" cy="142894"/>
+            </a:xfrm>
+            <a:prstGeom prst="rect">
+              <a:avLst/>
+            </a:prstGeom>
+          </p:spPr>
+        </p:pic>
+      </p:grpSp>
+      <p:grpSp>
+        <p:nvGrpSpPr>
+          <p:cNvPr id="12" name="그룹 11">
+            <a:extLst>
+              <a:ext uri="{FF2B5EF4-FFF2-40B4-BE49-F238E27FC236}">
+                <a16:creationId xmlns:a16="http://schemas.microsoft.com/office/drawing/2014/main" id="{3C71509D-437B-D65E-1A17-D8DFBF120A6C}"/>
+              </a:ext>
+            </a:extLst>
+          </p:cNvPr>
+          <p:cNvGrpSpPr/>
+          <p:nvPr/>
+        </p:nvGrpSpPr>
+        <p:grpSpPr>
+          <a:xfrm>
+            <a:off x="1009034" y="1796614"/>
+            <a:ext cx="994065" cy="169277"/>
+            <a:chOff x="1009034" y="1931556"/>
+            <a:chExt cx="994065" cy="169277"/>
+          </a:xfrm>
+        </p:grpSpPr>
         <p:sp>
           <p:nvSpPr>
             <p:cNvPr id="29" name="TextBox 28">
@@ -5581,6 +5920,62 @@
             </a:p>
           </p:txBody>
         </p:sp>
+        <p:pic>
+          <p:nvPicPr>
+            <p:cNvPr id="38" name="그림 37" descr="표지판, 그리기, 시계이(가) 표시된 사진&#10;&#10;자동 생성된 설명">
+              <a:extLst>
+                <a:ext uri="{FF2B5EF4-FFF2-40B4-BE49-F238E27FC236}">
+                  <a16:creationId xmlns:a16="http://schemas.microsoft.com/office/drawing/2014/main" id="{9E31B6AC-8D1E-4B0E-A6F8-901DAAE8E650}"/>
+                </a:ext>
+              </a:extLst>
+            </p:cNvPr>
+            <p:cNvPicPr>
+              <a:picLocks noChangeAspect="1"/>
+            </p:cNvPicPr>
+            <p:nvPr/>
+          </p:nvPicPr>
+          <p:blipFill rotWithShape="1">
+            <a:blip r:embed="rId7">
+              <a:extLst>
+                <a:ext uri="{28A0092B-C50C-407E-A947-70E740481C1C}">
+                  <a14:useLocalDpi xmlns:a14="http://schemas.microsoft.com/office/drawing/2010/main" val="0"/>
+                </a:ext>
+              </a:extLst>
+            </a:blip>
+            <a:srcRect r="71957"/>
+            <a:stretch/>
+          </p:blipFill>
+          <p:spPr>
+            <a:xfrm>
+              <a:off x="1009034" y="1948613"/>
+              <a:ext cx="148175" cy="142894"/>
+            </a:xfrm>
+            <a:prstGeom prst="rect">
+              <a:avLst/>
+            </a:prstGeom>
+          </p:spPr>
+        </p:pic>
+      </p:grpSp>
+      <p:grpSp>
+        <p:nvGrpSpPr>
+          <p:cNvPr id="13" name="그룹 12">
+            <a:extLst>
+              <a:ext uri="{FF2B5EF4-FFF2-40B4-BE49-F238E27FC236}">
+                <a16:creationId xmlns:a16="http://schemas.microsoft.com/office/drawing/2014/main" id="{626248A0-3139-C24D-E8CA-878EEFD3D571}"/>
+              </a:ext>
+            </a:extLst>
+          </p:cNvPr>
+          <p:cNvGrpSpPr/>
+          <p:nvPr/>
+        </p:nvGrpSpPr>
+        <p:grpSpPr>
+          <a:xfrm>
+            <a:off x="1009034" y="1973805"/>
+            <a:ext cx="994065" cy="169277"/>
+            <a:chOff x="1009034" y="2124302"/>
+            <a:chExt cx="994065" cy="169277"/>
+          </a:xfrm>
+        </p:grpSpPr>
         <p:sp>
           <p:nvSpPr>
             <p:cNvPr id="31" name="TextBox 30">
@@ -5640,58 +6035,62 @@
             </a:p>
           </p:txBody>
         </p:sp>
-        <p:sp>
-          <p:nvSpPr>
-            <p:cNvPr id="32" name="TextBox 31">
+        <p:pic>
+          <p:nvPicPr>
+            <p:cNvPr id="39" name="그림 38" descr="표지판, 그리기, 시계이(가) 표시된 사진&#10;&#10;자동 생성된 설명">
               <a:extLst>
                 <a:ext uri="{FF2B5EF4-FFF2-40B4-BE49-F238E27FC236}">
-                  <a16:creationId xmlns:a16="http://schemas.microsoft.com/office/drawing/2014/main" id="{E97A66A2-EC3E-49C9-BE11-227A8E6AC36A}"/>
+                  <a16:creationId xmlns:a16="http://schemas.microsoft.com/office/drawing/2014/main" id="{F4B01B3C-B808-4A8E-A46A-8C4160AD677A}"/>
                 </a:ext>
               </a:extLst>
             </p:cNvPr>
-            <p:cNvSpPr txBox="1"/>
+            <p:cNvPicPr>
+              <a:picLocks noChangeAspect="1"/>
+            </p:cNvPicPr>
             <p:nvPr/>
-          </p:nvSpPr>
+          </p:nvPicPr>
+          <p:blipFill rotWithShape="1">
+            <a:blip r:embed="rId7">
+              <a:extLst>
+                <a:ext uri="{28A0092B-C50C-407E-A947-70E740481C1C}">
+                  <a14:useLocalDpi xmlns:a14="http://schemas.microsoft.com/office/drawing/2010/main" val="0"/>
+                </a:ext>
+              </a:extLst>
+            </a:blip>
+            <a:srcRect r="71957"/>
+            <a:stretch/>
+          </p:blipFill>
           <p:spPr>
             <a:xfrm>
-              <a:off x="1187957" y="2317048"/>
-              <a:ext cx="815142" cy="169277"/>
+              <a:off x="1009034" y="2144244"/>
+              <a:ext cx="148175" cy="142894"/>
             </a:xfrm>
             <a:prstGeom prst="rect">
               <a:avLst/>
             </a:prstGeom>
-            <a:noFill/>
           </p:spPr>
-          <p:txBody>
-            <a:bodyPr wrap="square" rtlCol="0">
-              <a:spAutoFit/>
-            </a:bodyPr>
-            <a:lstStyle/>
-            <a:p>
-              <a:r>
-                <a:rPr lang="ko-KR" altLang="en-US" sz="500" dirty="0">
-                  <a:latin typeface="JejuGothic" panose="02000300000000000000" pitchFamily="2" charset="-127"/>
-                  <a:ea typeface="JejuGothic" panose="02000300000000000000" pitchFamily="2" charset="-127"/>
-                </a:rPr>
-                <a:t>삼성전자</a:t>
-              </a:r>
-              <a:r>
-                <a:rPr lang="en-US" altLang="ko-KR" sz="500" dirty="0">
-                  <a:latin typeface="JejuGothic" panose="02000300000000000000" pitchFamily="2" charset="-127"/>
-                  <a:ea typeface="JejuGothic" panose="02000300000000000000" pitchFamily="2" charset="-127"/>
-                </a:rPr>
-                <a:t> </a:t>
-              </a:r>
-              <a:r>
-                <a:rPr lang="ko-KR" altLang="en-US" sz="500" dirty="0">
-                  <a:latin typeface="JejuGothic" panose="02000300000000000000" pitchFamily="2" charset="-127"/>
-                  <a:ea typeface="JejuGothic" panose="02000300000000000000" pitchFamily="2" charset="-127"/>
-                </a:rPr>
-                <a:t>김성호</a:t>
-              </a:r>
-            </a:p>
-          </p:txBody>
-        </p:sp>
+        </p:pic>
+      </p:grpSp>
+      <p:grpSp>
+        <p:nvGrpSpPr>
+          <p:cNvPr id="16" name="그룹 15">
+            <a:extLst>
+              <a:ext uri="{FF2B5EF4-FFF2-40B4-BE49-F238E27FC236}">
+                <a16:creationId xmlns:a16="http://schemas.microsoft.com/office/drawing/2014/main" id="{434449A7-E031-9A95-E508-66EB3F80CD43}"/>
+              </a:ext>
+            </a:extLst>
+          </p:cNvPr>
+          <p:cNvGrpSpPr/>
+          <p:nvPr/>
+        </p:nvGrpSpPr>
+        <p:grpSpPr>
+          <a:xfrm>
+            <a:off x="838513" y="2404348"/>
+            <a:ext cx="1164586" cy="169277"/>
+            <a:chOff x="838513" y="2509794"/>
+            <a:chExt cx="1164586" cy="169277"/>
+          </a:xfrm>
+        </p:grpSpPr>
         <p:sp>
           <p:nvSpPr>
             <p:cNvPr id="33" name="TextBox 32">
@@ -5739,252 +6138,6 @@
         </p:sp>
         <p:pic>
           <p:nvPicPr>
-            <p:cNvPr id="34" name="Picture 4">
-              <a:extLst>
-                <a:ext uri="{FF2B5EF4-FFF2-40B4-BE49-F238E27FC236}">
-                  <a16:creationId xmlns:a16="http://schemas.microsoft.com/office/drawing/2014/main" id="{36498A1A-98AE-455F-B867-6A0214C57ACF}"/>
-                </a:ext>
-              </a:extLst>
-            </p:cNvPr>
-            <p:cNvPicPr>
-              <a:picLocks noChangeAspect="1" noChangeArrowheads="1"/>
-            </p:cNvPicPr>
-            <p:nvPr/>
-          </p:nvPicPr>
-          <p:blipFill>
-            <a:blip r:embed="rId5">
-              <a:extLst>
-                <a:ext uri="{28A0092B-C50C-407E-A947-70E740481C1C}">
-                  <a14:useLocalDpi xmlns:a14="http://schemas.microsoft.com/office/drawing/2010/main" val="0"/>
-                </a:ext>
-              </a:extLst>
-            </a:blip>
-            <a:srcRect/>
-            <a:stretch>
-              <a:fillRect/>
-            </a:stretch>
-          </p:blipFill>
-          <p:spPr bwMode="auto">
-            <a:xfrm>
-              <a:off x="571707" y="1376233"/>
-              <a:ext cx="584518" cy="118573"/>
-            </a:xfrm>
-            <a:prstGeom prst="rect">
-              <a:avLst/>
-            </a:prstGeom>
-            <a:noFill/>
-            <a:extLst>
-              <a:ext uri="{909E8E84-426E-40DD-AFC4-6F175D3DCCD1}">
-                <a14:hiddenFill xmlns:a14="http://schemas.microsoft.com/office/drawing/2010/main">
-                  <a:solidFill>
-                    <a:srgbClr val="FFFFFF"/>
-                  </a:solidFill>
-                </a14:hiddenFill>
-              </a:ext>
-            </a:extLst>
-          </p:spPr>
-        </p:pic>
-        <p:pic>
-          <p:nvPicPr>
-            <p:cNvPr id="35" name="Picture 10">
-              <a:extLst>
-                <a:ext uri="{FF2B5EF4-FFF2-40B4-BE49-F238E27FC236}">
-                  <a16:creationId xmlns:a16="http://schemas.microsoft.com/office/drawing/2014/main" id="{0C9D91D3-AAD4-4C46-99CC-AD463C8C5C04}"/>
-                </a:ext>
-              </a:extLst>
-            </p:cNvPr>
-            <p:cNvPicPr>
-              <a:picLocks noChangeAspect="1" noChangeArrowheads="1"/>
-            </p:cNvPicPr>
-            <p:nvPr/>
-          </p:nvPicPr>
-          <p:blipFill>
-            <a:blip r:embed="rId6">
-              <a:extLst>
-                <a:ext uri="{28A0092B-C50C-407E-A947-70E740481C1C}">
-                  <a14:useLocalDpi xmlns:a14="http://schemas.microsoft.com/office/drawing/2010/main" val="0"/>
-                </a:ext>
-              </a:extLst>
-            </a:blip>
-            <a:srcRect/>
-            <a:stretch>
-              <a:fillRect/>
-            </a:stretch>
-          </p:blipFill>
-          <p:spPr bwMode="auto">
-            <a:xfrm>
-              <a:off x="820820" y="1582067"/>
-              <a:ext cx="331082" cy="109929"/>
-            </a:xfrm>
-            <a:prstGeom prst="rect">
-              <a:avLst/>
-            </a:prstGeom>
-            <a:noFill/>
-            <a:extLst>
-              <a:ext uri="{909E8E84-426E-40DD-AFC4-6F175D3DCCD1}">
-                <a14:hiddenFill xmlns:a14="http://schemas.microsoft.com/office/drawing/2010/main">
-                  <a:solidFill>
-                    <a:srgbClr val="FFFFFF"/>
-                  </a:solidFill>
-                </a14:hiddenFill>
-              </a:ext>
-            </a:extLst>
-          </p:spPr>
-        </p:pic>
-        <p:pic>
-          <p:nvPicPr>
-            <p:cNvPr id="36" name="Picture 10">
-              <a:extLst>
-                <a:ext uri="{FF2B5EF4-FFF2-40B4-BE49-F238E27FC236}">
-                  <a16:creationId xmlns:a16="http://schemas.microsoft.com/office/drawing/2014/main" id="{1405680C-FA8E-4FD9-BCF6-D1AA401E3D54}"/>
-                </a:ext>
-              </a:extLst>
-            </p:cNvPr>
-            <p:cNvPicPr>
-              <a:picLocks noChangeAspect="1" noChangeArrowheads="1"/>
-            </p:cNvPicPr>
-            <p:nvPr/>
-          </p:nvPicPr>
-          <p:blipFill>
-            <a:blip r:embed="rId6">
-              <a:extLst>
-                <a:ext uri="{28A0092B-C50C-407E-A947-70E740481C1C}">
-                  <a14:useLocalDpi xmlns:a14="http://schemas.microsoft.com/office/drawing/2010/main" val="0"/>
-                </a:ext>
-              </a:extLst>
-            </a:blip>
-            <a:srcRect/>
-            <a:stretch>
-              <a:fillRect/>
-            </a:stretch>
-          </p:blipFill>
-          <p:spPr bwMode="auto">
-            <a:xfrm>
-              <a:off x="802943" y="2344405"/>
-              <a:ext cx="348959" cy="115865"/>
-            </a:xfrm>
-            <a:prstGeom prst="rect">
-              <a:avLst/>
-            </a:prstGeom>
-            <a:noFill/>
-            <a:extLst>
-              <a:ext uri="{909E8E84-426E-40DD-AFC4-6F175D3DCCD1}">
-                <a14:hiddenFill xmlns:a14="http://schemas.microsoft.com/office/drawing/2010/main">
-                  <a:solidFill>
-                    <a:srgbClr val="FFFFFF"/>
-                  </a:solidFill>
-                </a14:hiddenFill>
-              </a:ext>
-            </a:extLst>
-          </p:spPr>
-        </p:pic>
-        <p:pic>
-          <p:nvPicPr>
-            <p:cNvPr id="37" name="그림 36" descr="표지판, 그리기, 시계이(가) 표시된 사진&#10;&#10;자동 생성된 설명">
-              <a:extLst>
-                <a:ext uri="{FF2B5EF4-FFF2-40B4-BE49-F238E27FC236}">
-                  <a16:creationId xmlns:a16="http://schemas.microsoft.com/office/drawing/2014/main" id="{A72B159A-7AB0-434B-B575-1A9CC7CF421C}"/>
-                </a:ext>
-              </a:extLst>
-            </p:cNvPr>
-            <p:cNvPicPr>
-              <a:picLocks noChangeAspect="1"/>
-            </p:cNvPicPr>
-            <p:nvPr/>
-          </p:nvPicPr>
-          <p:blipFill rotWithShape="1">
-            <a:blip r:embed="rId7">
-              <a:extLst>
-                <a:ext uri="{28A0092B-C50C-407E-A947-70E740481C1C}">
-                  <a14:useLocalDpi xmlns:a14="http://schemas.microsoft.com/office/drawing/2010/main" val="0"/>
-                </a:ext>
-              </a:extLst>
-            </a:blip>
-            <a:srcRect r="71957"/>
-            <a:stretch/>
-          </p:blipFill>
-          <p:spPr>
-            <a:xfrm>
-              <a:off x="1015235" y="1755669"/>
-              <a:ext cx="138553" cy="142894"/>
-            </a:xfrm>
-            <a:prstGeom prst="rect">
-              <a:avLst/>
-            </a:prstGeom>
-          </p:spPr>
-        </p:pic>
-        <p:pic>
-          <p:nvPicPr>
-            <p:cNvPr id="38" name="그림 37" descr="표지판, 그리기, 시계이(가) 표시된 사진&#10;&#10;자동 생성된 설명">
-              <a:extLst>
-                <a:ext uri="{FF2B5EF4-FFF2-40B4-BE49-F238E27FC236}">
-                  <a16:creationId xmlns:a16="http://schemas.microsoft.com/office/drawing/2014/main" id="{9E31B6AC-8D1E-4B0E-A6F8-901DAAE8E650}"/>
-                </a:ext>
-              </a:extLst>
-            </p:cNvPr>
-            <p:cNvPicPr>
-              <a:picLocks noChangeAspect="1"/>
-            </p:cNvPicPr>
-            <p:nvPr/>
-          </p:nvPicPr>
-          <p:blipFill rotWithShape="1">
-            <a:blip r:embed="rId7">
-              <a:extLst>
-                <a:ext uri="{28A0092B-C50C-407E-A947-70E740481C1C}">
-                  <a14:useLocalDpi xmlns:a14="http://schemas.microsoft.com/office/drawing/2010/main" val="0"/>
-                </a:ext>
-              </a:extLst>
-            </a:blip>
-            <a:srcRect r="71957"/>
-            <a:stretch/>
-          </p:blipFill>
-          <p:spPr>
-            <a:xfrm>
-              <a:off x="1009034" y="1948613"/>
-              <a:ext cx="148175" cy="142894"/>
-            </a:xfrm>
-            <a:prstGeom prst="rect">
-              <a:avLst/>
-            </a:prstGeom>
-          </p:spPr>
-        </p:pic>
-        <p:pic>
-          <p:nvPicPr>
-            <p:cNvPr id="39" name="그림 38" descr="표지판, 그리기, 시계이(가) 표시된 사진&#10;&#10;자동 생성된 설명">
-              <a:extLst>
-                <a:ext uri="{FF2B5EF4-FFF2-40B4-BE49-F238E27FC236}">
-                  <a16:creationId xmlns:a16="http://schemas.microsoft.com/office/drawing/2014/main" id="{F4B01B3C-B808-4A8E-A46A-8C4160AD677A}"/>
-                </a:ext>
-              </a:extLst>
-            </p:cNvPr>
-            <p:cNvPicPr>
-              <a:picLocks noChangeAspect="1"/>
-            </p:cNvPicPr>
-            <p:nvPr/>
-          </p:nvPicPr>
-          <p:blipFill rotWithShape="1">
-            <a:blip r:embed="rId7">
-              <a:extLst>
-                <a:ext uri="{28A0092B-C50C-407E-A947-70E740481C1C}">
-                  <a14:useLocalDpi xmlns:a14="http://schemas.microsoft.com/office/drawing/2010/main" val="0"/>
-                </a:ext>
-              </a:extLst>
-            </a:blip>
-            <a:srcRect r="71957"/>
-            <a:stretch/>
-          </p:blipFill>
-          <p:spPr>
-            <a:xfrm>
-              <a:off x="1009034" y="2144244"/>
-              <a:ext cx="148175" cy="142894"/>
-            </a:xfrm>
-            <a:prstGeom prst="rect">
-              <a:avLst/>
-            </a:prstGeom>
-          </p:spPr>
-        </p:pic>
-        <p:pic>
-          <p:nvPicPr>
             <p:cNvPr id="40" name="Picture 12" descr="kakao">
               <a:extLst>
                 <a:ext uri="{FF2B5EF4-FFF2-40B4-BE49-F238E27FC236}">
@@ -6028,6 +6181,27 @@
             </a:extLst>
           </p:spPr>
         </p:pic>
+      </p:grpSp>
+      <p:grpSp>
+        <p:nvGrpSpPr>
+          <p:cNvPr id="17" name="그룹 16">
+            <a:extLst>
+              <a:ext uri="{FF2B5EF4-FFF2-40B4-BE49-F238E27FC236}">
+                <a16:creationId xmlns:a16="http://schemas.microsoft.com/office/drawing/2014/main" id="{E848A70B-E3E0-C65E-954D-A5E2FF38B4BE}"/>
+              </a:ext>
+            </a:extLst>
+          </p:cNvPr>
+          <p:cNvGrpSpPr/>
+          <p:nvPr/>
+        </p:nvGrpSpPr>
+        <p:grpSpPr>
+          <a:xfrm>
+            <a:off x="1023747" y="2581539"/>
+            <a:ext cx="982399" cy="169277"/>
+            <a:chOff x="1023747" y="2702425"/>
+            <a:chExt cx="982399" cy="169277"/>
+          </a:xfrm>
+        </p:grpSpPr>
         <p:pic>
           <p:nvPicPr>
             <p:cNvPr id="82" name="그림 81">
@@ -6108,6 +6282,27 @@
             </a:p>
           </p:txBody>
         </p:sp>
+      </p:grpSp>
+      <p:grpSp>
+        <p:nvGrpSpPr>
+          <p:cNvPr id="18" name="그룹 17">
+            <a:extLst>
+              <a:ext uri="{FF2B5EF4-FFF2-40B4-BE49-F238E27FC236}">
+                <a16:creationId xmlns:a16="http://schemas.microsoft.com/office/drawing/2014/main" id="{F54E9BEA-514B-3B2C-6C0E-9FDC96DE955D}"/>
+              </a:ext>
+            </a:extLst>
+          </p:cNvPr>
+          <p:cNvGrpSpPr/>
+          <p:nvPr/>
+        </p:nvGrpSpPr>
+        <p:grpSpPr>
+          <a:xfrm>
+            <a:off x="838513" y="2758730"/>
+            <a:ext cx="1165936" cy="169277"/>
+            <a:chOff x="838513" y="2813348"/>
+            <a:chExt cx="1165936" cy="169277"/>
+          </a:xfrm>
+        </p:grpSpPr>
         <p:sp>
           <p:nvSpPr>
             <p:cNvPr id="85" name="TextBox 84">
@@ -6122,7 +6317,7 @@
           </p:nvSpPr>
           <p:spPr>
             <a:xfrm>
-              <a:off x="1187249" y="2895170"/>
+              <a:off x="1187249" y="2813348"/>
               <a:ext cx="817200" cy="169277"/>
             </a:xfrm>
             <a:prstGeom prst="rect">
@@ -6180,7 +6375,7 @@
           </p:blipFill>
           <p:spPr bwMode="auto">
             <a:xfrm>
-              <a:off x="838513" y="2920608"/>
+              <a:off x="838513" y="2838786"/>
               <a:ext cx="312115" cy="99712"/>
             </a:xfrm>
             <a:prstGeom prst="rect">
@@ -6201,10 +6396,10 @@
       </p:grpSp>
       <p:grpSp>
         <p:nvGrpSpPr>
-          <p:cNvPr id="1106" name="그룹 1105">
-            <a:extLst>
-              <a:ext uri="{FF2B5EF4-FFF2-40B4-BE49-F238E27FC236}">
-                <a16:creationId xmlns:a16="http://schemas.microsoft.com/office/drawing/2014/main" id="{D08DB4EA-20F7-EC34-DC36-50F0B5F23F70}"/>
+          <p:cNvPr id="47" name="그룹 46">
+            <a:extLst>
+              <a:ext uri="{FF2B5EF4-FFF2-40B4-BE49-F238E27FC236}">
+                <a16:creationId xmlns:a16="http://schemas.microsoft.com/office/drawing/2014/main" id="{687D7E6B-B913-6226-5984-664C0018E43F}"/>
               </a:ext>
             </a:extLst>
           </p:cNvPr>
@@ -6213,10 +6408,10 @@
         </p:nvGrpSpPr>
         <p:grpSpPr>
           <a:xfrm>
-            <a:off x="2112894" y="1160572"/>
-            <a:ext cx="1357376" cy="1903875"/>
-            <a:chOff x="2112894" y="1160572"/>
-            <a:chExt cx="1357376" cy="1903875"/>
+            <a:off x="698989" y="2935926"/>
+            <a:ext cx="1305460" cy="169277"/>
+            <a:chOff x="2161764" y="1160572"/>
+            <a:chExt cx="1305460" cy="169277"/>
           </a:xfrm>
         </p:grpSpPr>
         <p:pic>
@@ -6248,149 +6443,6 @@
             <a:xfrm>
               <a:off x="2161764" y="1200621"/>
               <a:ext cx="465975" cy="88986"/>
-            </a:xfrm>
-            <a:prstGeom prst="rect">
-              <a:avLst/>
-            </a:prstGeom>
-          </p:spPr>
-        </p:pic>
-        <p:pic>
-          <p:nvPicPr>
-            <p:cNvPr id="84" name="그림 83">
-              <a:extLst>
-                <a:ext uri="{FF2B5EF4-FFF2-40B4-BE49-F238E27FC236}">
-                  <a16:creationId xmlns:a16="http://schemas.microsoft.com/office/drawing/2014/main" id="{15444870-8857-4C7C-B83D-45D83640DDEB}"/>
-                </a:ext>
-              </a:extLst>
-            </p:cNvPr>
-            <p:cNvPicPr>
-              <a:picLocks noChangeAspect="1"/>
-            </p:cNvPicPr>
-            <p:nvPr/>
-          </p:nvPicPr>
-          <p:blipFill rotWithShape="1">
-            <a:blip r:embed="rId9">
-              <a:extLst>
-                <a:ext uri="{28A0092B-C50C-407E-A947-70E740481C1C}">
-                  <a14:useLocalDpi xmlns:a14="http://schemas.microsoft.com/office/drawing/2010/main" val="0"/>
-                </a:ext>
-              </a:extLst>
-            </a:blip>
-            <a:srcRect l="13117" t="15493" r="12280" b="11649"/>
-            <a:stretch/>
-          </p:blipFill>
-          <p:spPr>
-            <a:xfrm>
-              <a:off x="2497378" y="1762234"/>
-              <a:ext cx="126881" cy="114382"/>
-            </a:xfrm>
-            <a:prstGeom prst="rect">
-              <a:avLst/>
-            </a:prstGeom>
-          </p:spPr>
-        </p:pic>
-        <p:pic>
-          <p:nvPicPr>
-            <p:cNvPr id="87" name="그림 86">
-              <a:extLst>
-                <a:ext uri="{FF2B5EF4-FFF2-40B4-BE49-F238E27FC236}">
-                  <a16:creationId xmlns:a16="http://schemas.microsoft.com/office/drawing/2014/main" id="{B6B46AF4-0C94-419A-ADD2-90B29F74979A}"/>
-                </a:ext>
-              </a:extLst>
-            </p:cNvPr>
-            <p:cNvPicPr>
-              <a:picLocks noChangeAspect="1"/>
-            </p:cNvPicPr>
-            <p:nvPr/>
-          </p:nvPicPr>
-          <p:blipFill>
-            <a:blip r:embed="rId11">
-              <a:extLst>
-                <a:ext uri="{28A0092B-C50C-407E-A947-70E740481C1C}">
-                  <a14:useLocalDpi xmlns:a14="http://schemas.microsoft.com/office/drawing/2010/main" val="0"/>
-                </a:ext>
-              </a:extLst>
-            </a:blip>
-            <a:stretch>
-              <a:fillRect/>
-            </a:stretch>
-          </p:blipFill>
-          <p:spPr>
-            <a:xfrm>
-              <a:off x="2112894" y="2156970"/>
-              <a:ext cx="510034" cy="107016"/>
-            </a:xfrm>
-            <a:prstGeom prst="rect">
-              <a:avLst/>
-            </a:prstGeom>
-          </p:spPr>
-        </p:pic>
-        <p:pic>
-          <p:nvPicPr>
-            <p:cNvPr id="7" name="그림 6">
-              <a:extLst>
-                <a:ext uri="{FF2B5EF4-FFF2-40B4-BE49-F238E27FC236}">
-                  <a16:creationId xmlns:a16="http://schemas.microsoft.com/office/drawing/2014/main" id="{30B6CE12-F8CB-405B-9F00-C8E68AAB650D}"/>
-                </a:ext>
-              </a:extLst>
-            </p:cNvPr>
-            <p:cNvPicPr>
-              <a:picLocks noChangeAspect="1"/>
-            </p:cNvPicPr>
-            <p:nvPr/>
-          </p:nvPicPr>
-          <p:blipFill>
-            <a:blip r:embed="rId12">
-              <a:extLst>
-                <a:ext uri="{28A0092B-C50C-407E-A947-70E740481C1C}">
-                  <a14:useLocalDpi xmlns:a14="http://schemas.microsoft.com/office/drawing/2010/main" val="0"/>
-                </a:ext>
-              </a:extLst>
-            </a:blip>
-            <a:stretch>
-              <a:fillRect/>
-            </a:stretch>
-          </p:blipFill>
-          <p:spPr>
-            <a:xfrm>
-              <a:off x="2150381" y="1570563"/>
-              <a:ext cx="477153" cy="105991"/>
-            </a:xfrm>
-            <a:prstGeom prst="rect">
-              <a:avLst/>
-            </a:prstGeom>
-          </p:spPr>
-        </p:pic>
-        <p:pic>
-          <p:nvPicPr>
-            <p:cNvPr id="101" name="그림 100">
-              <a:extLst>
-                <a:ext uri="{FF2B5EF4-FFF2-40B4-BE49-F238E27FC236}">
-                  <a16:creationId xmlns:a16="http://schemas.microsoft.com/office/drawing/2014/main" id="{EF57EFA2-6BB5-4B41-BCFC-32884E76BCEE}"/>
-                </a:ext>
-              </a:extLst>
-            </p:cNvPr>
-            <p:cNvPicPr>
-              <a:picLocks noChangeAspect="1"/>
-            </p:cNvPicPr>
-            <p:nvPr/>
-          </p:nvPicPr>
-          <p:blipFill>
-            <a:blip r:embed="rId13">
-              <a:extLst>
-                <a:ext uri="{28A0092B-C50C-407E-A947-70E740481C1C}">
-                  <a14:useLocalDpi xmlns:a14="http://schemas.microsoft.com/office/drawing/2010/main" val="0"/>
-                </a:ext>
-              </a:extLst>
-            </a:blip>
-            <a:stretch>
-              <a:fillRect/>
-            </a:stretch>
-          </p:blipFill>
-          <p:spPr>
-            <a:xfrm>
-              <a:off x="2425948" y="2926200"/>
-              <a:ext cx="196980" cy="107216"/>
             </a:xfrm>
             <a:prstGeom prst="rect">
               <a:avLst/>
@@ -6446,55 +6498,63 @@
             </a:p>
           </p:txBody>
         </p:sp>
-        <p:sp>
-          <p:nvSpPr>
-            <p:cNvPr id="1080" name="TextBox 1079">
+      </p:grpSp>
+      <p:grpSp>
+        <p:nvGrpSpPr>
+          <p:cNvPr id="49" name="그룹 48">
+            <a:extLst>
+              <a:ext uri="{FF2B5EF4-FFF2-40B4-BE49-F238E27FC236}">
+                <a16:creationId xmlns:a16="http://schemas.microsoft.com/office/drawing/2014/main" id="{AE9D53F7-CCC5-EC72-76AD-9897BBCCBE8C}"/>
+              </a:ext>
+            </a:extLst>
+          </p:cNvPr>
+          <p:cNvGrpSpPr/>
+          <p:nvPr/>
+        </p:nvGrpSpPr>
+        <p:grpSpPr>
+          <a:xfrm>
+            <a:off x="2150381" y="1272658"/>
+            <a:ext cx="1316843" cy="169277"/>
+            <a:chOff x="2150381" y="1546064"/>
+            <a:chExt cx="1316843" cy="169277"/>
+          </a:xfrm>
+        </p:grpSpPr>
+        <p:pic>
+          <p:nvPicPr>
+            <p:cNvPr id="7" name="그림 6">
               <a:extLst>
                 <a:ext uri="{FF2B5EF4-FFF2-40B4-BE49-F238E27FC236}">
-                  <a16:creationId xmlns:a16="http://schemas.microsoft.com/office/drawing/2014/main" id="{0C69EBBA-76A1-7948-AF21-4E6F0C738A2B}"/>
+                  <a16:creationId xmlns:a16="http://schemas.microsoft.com/office/drawing/2014/main" id="{30B6CE12-F8CB-405B-9F00-C8E68AAB650D}"/>
                 </a:ext>
               </a:extLst>
             </p:cNvPr>
-            <p:cNvSpPr txBox="1"/>
+            <p:cNvPicPr>
+              <a:picLocks noChangeAspect="1"/>
+            </p:cNvPicPr>
             <p:nvPr/>
-          </p:nvSpPr>
+          </p:nvPicPr>
+          <p:blipFill>
+            <a:blip r:embed="rId11">
+              <a:extLst>
+                <a:ext uri="{28A0092B-C50C-407E-A947-70E740481C1C}">
+                  <a14:useLocalDpi xmlns:a14="http://schemas.microsoft.com/office/drawing/2010/main" val="0"/>
+                </a:ext>
+              </a:extLst>
+            </a:blip>
+            <a:stretch>
+              <a:fillRect/>
+            </a:stretch>
+          </p:blipFill>
           <p:spPr>
             <a:xfrm>
-              <a:off x="2652081" y="1353318"/>
-              <a:ext cx="815146" cy="169277"/>
+              <a:off x="2150381" y="1570563"/>
+              <a:ext cx="477153" cy="105991"/>
             </a:xfrm>
             <a:prstGeom prst="rect">
               <a:avLst/>
             </a:prstGeom>
-            <a:noFill/>
           </p:spPr>
-          <p:txBody>
-            <a:bodyPr wrap="square" rtlCol="0">
-              <a:spAutoFit/>
-            </a:bodyPr>
-            <a:lstStyle/>
-            <a:p>
-              <a:r>
-                <a:rPr lang="en-US" altLang="ko-KR" sz="500">
-                  <a:latin typeface="JejuGothic" panose="02000300000000000000" pitchFamily="2" charset="-127"/>
-                  <a:ea typeface="JejuGothic" panose="02000300000000000000" pitchFamily="2" charset="-127"/>
-                </a:rPr>
-                <a:t>NAVER </a:t>
-              </a:r>
-              <a:r>
-                <a:rPr lang="ko-KR" altLang="en-US" sz="500">
-                  <a:latin typeface="JejuGothic" panose="02000300000000000000" pitchFamily="2" charset="-127"/>
-                  <a:ea typeface="JejuGothic" panose="02000300000000000000" pitchFamily="2" charset="-127"/>
-                </a:rPr>
-                <a:t>천주룡</a:t>
-              </a:r>
-              <a:endParaRPr lang="ko-KR" altLang="en-US" sz="500" dirty="0">
-                <a:latin typeface="JejuGothic" panose="02000300000000000000" pitchFamily="2" charset="-127"/>
-                <a:ea typeface="JejuGothic" panose="02000300000000000000" pitchFamily="2" charset="-127"/>
-              </a:endParaRPr>
-            </a:p>
-          </p:txBody>
-        </p:sp>
+        </p:pic>
         <p:sp>
           <p:nvSpPr>
             <p:cNvPr id="1081" name="TextBox 1080">
@@ -6544,6 +6604,62 @@
             </a:p>
           </p:txBody>
         </p:sp>
+      </p:grpSp>
+      <p:grpSp>
+        <p:nvGrpSpPr>
+          <p:cNvPr id="50" name="그룹 49">
+            <a:extLst>
+              <a:ext uri="{FF2B5EF4-FFF2-40B4-BE49-F238E27FC236}">
+                <a16:creationId xmlns:a16="http://schemas.microsoft.com/office/drawing/2014/main" id="{21202EDE-8342-8A60-CEBE-C87F7FFC24FE}"/>
+              </a:ext>
+            </a:extLst>
+          </p:cNvPr>
+          <p:cNvGrpSpPr/>
+          <p:nvPr/>
+        </p:nvGrpSpPr>
+        <p:grpSpPr>
+          <a:xfrm>
+            <a:off x="2497378" y="1457466"/>
+            <a:ext cx="969845" cy="169277"/>
+            <a:chOff x="2497378" y="1738810"/>
+            <a:chExt cx="969845" cy="169277"/>
+          </a:xfrm>
+        </p:grpSpPr>
+        <p:pic>
+          <p:nvPicPr>
+            <p:cNvPr id="84" name="그림 83">
+              <a:extLst>
+                <a:ext uri="{FF2B5EF4-FFF2-40B4-BE49-F238E27FC236}">
+                  <a16:creationId xmlns:a16="http://schemas.microsoft.com/office/drawing/2014/main" id="{15444870-8857-4C7C-B83D-45D83640DDEB}"/>
+                </a:ext>
+              </a:extLst>
+            </p:cNvPr>
+            <p:cNvPicPr>
+              <a:picLocks noChangeAspect="1"/>
+            </p:cNvPicPr>
+            <p:nvPr/>
+          </p:nvPicPr>
+          <p:blipFill rotWithShape="1">
+            <a:blip r:embed="rId9">
+              <a:extLst>
+                <a:ext uri="{28A0092B-C50C-407E-A947-70E740481C1C}">
+                  <a14:useLocalDpi xmlns:a14="http://schemas.microsoft.com/office/drawing/2010/main" val="0"/>
+                </a:ext>
+              </a:extLst>
+            </a:blip>
+            <a:srcRect l="13117" t="15493" r="12280" b="11649"/>
+            <a:stretch/>
+          </p:blipFill>
+          <p:spPr>
+            <a:xfrm>
+              <a:off x="2497378" y="1762234"/>
+              <a:ext cx="126881" cy="114382"/>
+            </a:xfrm>
+            <a:prstGeom prst="rect">
+              <a:avLst/>
+            </a:prstGeom>
+          </p:spPr>
+        </p:pic>
         <p:sp>
           <p:nvSpPr>
             <p:cNvPr id="1082" name="TextBox 1081">
@@ -6593,55 +6709,63 @@
             </a:p>
           </p:txBody>
         </p:sp>
-        <p:sp>
-          <p:nvSpPr>
-            <p:cNvPr id="1083" name="TextBox 1082">
+      </p:grpSp>
+      <p:grpSp>
+        <p:nvGrpSpPr>
+          <p:cNvPr id="52" name="그룹 51">
+            <a:extLst>
+              <a:ext uri="{FF2B5EF4-FFF2-40B4-BE49-F238E27FC236}">
+                <a16:creationId xmlns:a16="http://schemas.microsoft.com/office/drawing/2014/main" id="{4DD3D564-8902-452F-0B04-C750A602AB4A}"/>
+              </a:ext>
+            </a:extLst>
+          </p:cNvPr>
+          <p:cNvGrpSpPr/>
+          <p:nvPr/>
+        </p:nvGrpSpPr>
+        <p:grpSpPr>
+          <a:xfrm>
+            <a:off x="2112894" y="1827082"/>
+            <a:ext cx="1354329" cy="169277"/>
+            <a:chOff x="2112894" y="2124302"/>
+            <a:chExt cx="1354329" cy="169277"/>
+          </a:xfrm>
+        </p:grpSpPr>
+        <p:pic>
+          <p:nvPicPr>
+            <p:cNvPr id="87" name="그림 86">
               <a:extLst>
                 <a:ext uri="{FF2B5EF4-FFF2-40B4-BE49-F238E27FC236}">
-                  <a16:creationId xmlns:a16="http://schemas.microsoft.com/office/drawing/2014/main" id="{5F671D0D-E93F-9455-58F3-C9EE056C804F}"/>
+                  <a16:creationId xmlns:a16="http://schemas.microsoft.com/office/drawing/2014/main" id="{B6B46AF4-0C94-419A-ADD2-90B29F74979A}"/>
                 </a:ext>
               </a:extLst>
             </p:cNvPr>
-            <p:cNvSpPr txBox="1"/>
+            <p:cNvPicPr>
+              <a:picLocks noChangeAspect="1"/>
+            </p:cNvPicPr>
             <p:nvPr/>
-          </p:nvSpPr>
+          </p:nvPicPr>
+          <p:blipFill>
+            <a:blip r:embed="rId12">
+              <a:extLst>
+                <a:ext uri="{28A0092B-C50C-407E-A947-70E740481C1C}">
+                  <a14:useLocalDpi xmlns:a14="http://schemas.microsoft.com/office/drawing/2010/main" val="0"/>
+                </a:ext>
+              </a:extLst>
+            </a:blip>
+            <a:stretch>
+              <a:fillRect/>
+            </a:stretch>
+          </p:blipFill>
           <p:spPr>
             <a:xfrm>
-              <a:off x="2652080" y="1931556"/>
-              <a:ext cx="815143" cy="169277"/>
+              <a:off x="2112894" y="2156970"/>
+              <a:ext cx="510034" cy="107016"/>
             </a:xfrm>
             <a:prstGeom prst="rect">
               <a:avLst/>
             </a:prstGeom>
-            <a:noFill/>
           </p:spPr>
-          <p:txBody>
-            <a:bodyPr wrap="square" rtlCol="0">
-              <a:spAutoFit/>
-            </a:bodyPr>
-            <a:lstStyle/>
-            <a:p>
-              <a:r>
-                <a:rPr lang="en-US" altLang="ko-KR" sz="500">
-                  <a:latin typeface="JejuGothic" panose="02000300000000000000" pitchFamily="2" charset="-127"/>
-                  <a:ea typeface="JejuGothic" panose="02000300000000000000" pitchFamily="2" charset="-127"/>
-                </a:rPr>
-                <a:t>NAVER </a:t>
-              </a:r>
-              <a:r>
-                <a:rPr lang="ko-KR" altLang="en-US" sz="500">
-                  <a:latin typeface="JejuGothic" panose="02000300000000000000" pitchFamily="2" charset="-127"/>
-                  <a:ea typeface="JejuGothic" panose="02000300000000000000" pitchFamily="2" charset="-127"/>
-                </a:rPr>
-                <a:t>윤정민</a:t>
-              </a:r>
-              <a:endParaRPr lang="ko-KR" altLang="en-US" sz="500" dirty="0">
-                <a:latin typeface="JejuGothic" panose="02000300000000000000" pitchFamily="2" charset="-127"/>
-                <a:ea typeface="JejuGothic" panose="02000300000000000000" pitchFamily="2" charset="-127"/>
-              </a:endParaRPr>
-            </a:p>
-          </p:txBody>
-        </p:sp>
+        </p:pic>
         <p:sp>
           <p:nvSpPr>
             <p:cNvPr id="1084" name="TextBox 1083">
@@ -6705,6 +6829,448 @@
             </a:p>
           </p:txBody>
         </p:sp>
+      </p:grpSp>
+      <p:grpSp>
+        <p:nvGrpSpPr>
+          <p:cNvPr id="57" name="그룹 56">
+            <a:extLst>
+              <a:ext uri="{FF2B5EF4-FFF2-40B4-BE49-F238E27FC236}">
+                <a16:creationId xmlns:a16="http://schemas.microsoft.com/office/drawing/2014/main" id="{8902F8D6-55BE-9B2D-CBC4-D34B7778FC35}"/>
+              </a:ext>
+            </a:extLst>
+          </p:cNvPr>
+          <p:cNvGrpSpPr/>
+          <p:nvPr/>
+        </p:nvGrpSpPr>
+        <p:grpSpPr>
+          <a:xfrm>
+            <a:off x="2425948" y="2566314"/>
+            <a:ext cx="1042625" cy="169277"/>
+            <a:chOff x="2425948" y="2895170"/>
+            <a:chExt cx="1042625" cy="169277"/>
+          </a:xfrm>
+        </p:grpSpPr>
+        <p:pic>
+          <p:nvPicPr>
+            <p:cNvPr id="101" name="그림 100">
+              <a:extLst>
+                <a:ext uri="{FF2B5EF4-FFF2-40B4-BE49-F238E27FC236}">
+                  <a16:creationId xmlns:a16="http://schemas.microsoft.com/office/drawing/2014/main" id="{EF57EFA2-6BB5-4B41-BCFC-32884E76BCEE}"/>
+                </a:ext>
+              </a:extLst>
+            </p:cNvPr>
+            <p:cNvPicPr>
+              <a:picLocks noChangeAspect="1"/>
+            </p:cNvPicPr>
+            <p:nvPr/>
+          </p:nvPicPr>
+          <p:blipFill>
+            <a:blip r:embed="rId13">
+              <a:extLst>
+                <a:ext uri="{28A0092B-C50C-407E-A947-70E740481C1C}">
+                  <a14:useLocalDpi xmlns:a14="http://schemas.microsoft.com/office/drawing/2010/main" val="0"/>
+                </a:ext>
+              </a:extLst>
+            </a:blip>
+            <a:stretch>
+              <a:fillRect/>
+            </a:stretch>
+          </p:blipFill>
+          <p:spPr>
+            <a:xfrm>
+              <a:off x="2425948" y="2926200"/>
+              <a:ext cx="196980" cy="107216"/>
+            </a:xfrm>
+            <a:prstGeom prst="rect">
+              <a:avLst/>
+            </a:prstGeom>
+          </p:spPr>
+        </p:pic>
+        <p:sp>
+          <p:nvSpPr>
+            <p:cNvPr id="1088" name="TextBox 1087">
+              <a:extLst>
+                <a:ext uri="{FF2B5EF4-FFF2-40B4-BE49-F238E27FC236}">
+                  <a16:creationId xmlns:a16="http://schemas.microsoft.com/office/drawing/2014/main" id="{9F9864EC-41CC-C789-73B8-127FE42BA861}"/>
+                </a:ext>
+              </a:extLst>
+            </p:cNvPr>
+            <p:cNvSpPr txBox="1"/>
+            <p:nvPr/>
+          </p:nvSpPr>
+          <p:spPr>
+            <a:xfrm>
+              <a:off x="2651373" y="2895170"/>
+              <a:ext cx="817200" cy="169277"/>
+            </a:xfrm>
+            <a:prstGeom prst="rect">
+              <a:avLst/>
+            </a:prstGeom>
+            <a:noFill/>
+          </p:spPr>
+          <p:txBody>
+            <a:bodyPr wrap="square" rtlCol="0">
+              <a:spAutoFit/>
+            </a:bodyPr>
+            <a:lstStyle/>
+            <a:p>
+              <a:r>
+                <a:rPr lang="en-US" altLang="ko-KR" sz="500">
+                  <a:latin typeface="JejuGothic" panose="02000300000000000000" pitchFamily="2" charset="-127"/>
+                  <a:ea typeface="JejuGothic" panose="02000300000000000000" pitchFamily="2" charset="-127"/>
+                </a:rPr>
+                <a:t>NCSOFT </a:t>
+              </a:r>
+              <a:r>
+                <a:rPr lang="ko-KR" altLang="en-US" sz="500">
+                  <a:latin typeface="JejuGothic" panose="02000300000000000000" pitchFamily="2" charset="-127"/>
+                  <a:ea typeface="JejuGothic" panose="02000300000000000000" pitchFamily="2" charset="-127"/>
+                </a:rPr>
+                <a:t>김기환</a:t>
+              </a:r>
+              <a:endParaRPr lang="ko-KR" altLang="en-US" sz="500" dirty="0">
+                <a:latin typeface="JejuGothic" panose="02000300000000000000" pitchFamily="2" charset="-127"/>
+                <a:ea typeface="JejuGothic" panose="02000300000000000000" pitchFamily="2" charset="-127"/>
+              </a:endParaRPr>
+            </a:p>
+          </p:txBody>
+        </p:sp>
+      </p:grpSp>
+      <p:grpSp>
+        <p:nvGrpSpPr>
+          <p:cNvPr id="48" name="그룹 47">
+            <a:extLst>
+              <a:ext uri="{FF2B5EF4-FFF2-40B4-BE49-F238E27FC236}">
+                <a16:creationId xmlns:a16="http://schemas.microsoft.com/office/drawing/2014/main" id="{DBBF3370-196C-4FA8-CCC1-EB3DA9BC0994}"/>
+              </a:ext>
+            </a:extLst>
+          </p:cNvPr>
+          <p:cNvGrpSpPr/>
+          <p:nvPr/>
+        </p:nvGrpSpPr>
+        <p:grpSpPr>
+          <a:xfrm>
+            <a:off x="2161764" y="1087850"/>
+            <a:ext cx="1305463" cy="169277"/>
+            <a:chOff x="2161764" y="1353318"/>
+            <a:chExt cx="1305463" cy="169277"/>
+          </a:xfrm>
+        </p:grpSpPr>
+        <p:sp>
+          <p:nvSpPr>
+            <p:cNvPr id="1080" name="TextBox 1079">
+              <a:extLst>
+                <a:ext uri="{FF2B5EF4-FFF2-40B4-BE49-F238E27FC236}">
+                  <a16:creationId xmlns:a16="http://schemas.microsoft.com/office/drawing/2014/main" id="{0C69EBBA-76A1-7948-AF21-4E6F0C738A2B}"/>
+                </a:ext>
+              </a:extLst>
+            </p:cNvPr>
+            <p:cNvSpPr txBox="1"/>
+            <p:nvPr/>
+          </p:nvSpPr>
+          <p:spPr>
+            <a:xfrm>
+              <a:off x="2652081" y="1353318"/>
+              <a:ext cx="815146" cy="169277"/>
+            </a:xfrm>
+            <a:prstGeom prst="rect">
+              <a:avLst/>
+            </a:prstGeom>
+            <a:noFill/>
+          </p:spPr>
+          <p:txBody>
+            <a:bodyPr wrap="square" rtlCol="0">
+              <a:spAutoFit/>
+            </a:bodyPr>
+            <a:lstStyle/>
+            <a:p>
+              <a:r>
+                <a:rPr lang="en-US" altLang="ko-KR" sz="500">
+                  <a:latin typeface="JejuGothic" panose="02000300000000000000" pitchFamily="2" charset="-127"/>
+                  <a:ea typeface="JejuGothic" panose="02000300000000000000" pitchFamily="2" charset="-127"/>
+                </a:rPr>
+                <a:t>NAVER </a:t>
+              </a:r>
+              <a:r>
+                <a:rPr lang="ko-KR" altLang="en-US" sz="500">
+                  <a:latin typeface="JejuGothic" panose="02000300000000000000" pitchFamily="2" charset="-127"/>
+                  <a:ea typeface="JejuGothic" panose="02000300000000000000" pitchFamily="2" charset="-127"/>
+                </a:rPr>
+                <a:t>천주룡</a:t>
+              </a:r>
+              <a:endParaRPr lang="ko-KR" altLang="en-US" sz="500" dirty="0">
+                <a:latin typeface="JejuGothic" panose="02000300000000000000" pitchFamily="2" charset="-127"/>
+                <a:ea typeface="JejuGothic" panose="02000300000000000000" pitchFamily="2" charset="-127"/>
+              </a:endParaRPr>
+            </a:p>
+          </p:txBody>
+        </p:sp>
+        <p:pic>
+          <p:nvPicPr>
+            <p:cNvPr id="1091" name="그림 1090" descr="그리기이(가) 표시된 사진&#10;&#10;자동 생성된 설명">
+              <a:extLst>
+                <a:ext uri="{FF2B5EF4-FFF2-40B4-BE49-F238E27FC236}">
+                  <a16:creationId xmlns:a16="http://schemas.microsoft.com/office/drawing/2014/main" id="{8B495E15-C7BB-13DC-ADB6-F63841E8F7B3}"/>
+                </a:ext>
+              </a:extLst>
+            </p:cNvPr>
+            <p:cNvPicPr>
+              <a:picLocks noChangeAspect="1"/>
+            </p:cNvPicPr>
+            <p:nvPr/>
+          </p:nvPicPr>
+          <p:blipFill rotWithShape="1">
+            <a:blip r:embed="rId10">
+              <a:extLst>
+                <a:ext uri="{28A0092B-C50C-407E-A947-70E740481C1C}">
+                  <a14:useLocalDpi xmlns:a14="http://schemas.microsoft.com/office/drawing/2010/main" val="0"/>
+                </a:ext>
+              </a:extLst>
+            </a:blip>
+            <a:srcRect l="27716" t="34418" r="1459" b="21317"/>
+            <a:stretch/>
+          </p:blipFill>
+          <p:spPr>
+            <a:xfrm>
+              <a:off x="2161764" y="1392056"/>
+              <a:ext cx="465975" cy="88986"/>
+            </a:xfrm>
+            <a:prstGeom prst="rect">
+              <a:avLst/>
+            </a:prstGeom>
+          </p:spPr>
+        </p:pic>
+      </p:grpSp>
+      <p:grpSp>
+        <p:nvGrpSpPr>
+          <p:cNvPr id="51" name="그룹 50">
+            <a:extLst>
+              <a:ext uri="{FF2B5EF4-FFF2-40B4-BE49-F238E27FC236}">
+                <a16:creationId xmlns:a16="http://schemas.microsoft.com/office/drawing/2014/main" id="{7A85D756-B305-E5DF-D6F8-89004CDEC103}"/>
+              </a:ext>
+            </a:extLst>
+          </p:cNvPr>
+          <p:cNvGrpSpPr/>
+          <p:nvPr/>
+        </p:nvGrpSpPr>
+        <p:grpSpPr>
+          <a:xfrm>
+            <a:off x="2161764" y="1642274"/>
+            <a:ext cx="1305459" cy="169277"/>
+            <a:chOff x="2161764" y="1931556"/>
+            <a:chExt cx="1305459" cy="169277"/>
+          </a:xfrm>
+        </p:grpSpPr>
+        <p:sp>
+          <p:nvSpPr>
+            <p:cNvPr id="1083" name="TextBox 1082">
+              <a:extLst>
+                <a:ext uri="{FF2B5EF4-FFF2-40B4-BE49-F238E27FC236}">
+                  <a16:creationId xmlns:a16="http://schemas.microsoft.com/office/drawing/2014/main" id="{5F671D0D-E93F-9455-58F3-C9EE056C804F}"/>
+                </a:ext>
+              </a:extLst>
+            </p:cNvPr>
+            <p:cNvSpPr txBox="1"/>
+            <p:nvPr/>
+          </p:nvSpPr>
+          <p:spPr>
+            <a:xfrm>
+              <a:off x="2652080" y="1931556"/>
+              <a:ext cx="815143" cy="169277"/>
+            </a:xfrm>
+            <a:prstGeom prst="rect">
+              <a:avLst/>
+            </a:prstGeom>
+            <a:noFill/>
+          </p:spPr>
+          <p:txBody>
+            <a:bodyPr wrap="square" rtlCol="0">
+              <a:spAutoFit/>
+            </a:bodyPr>
+            <a:lstStyle/>
+            <a:p>
+              <a:r>
+                <a:rPr lang="en-US" altLang="ko-KR" sz="500">
+                  <a:latin typeface="JejuGothic" panose="02000300000000000000" pitchFamily="2" charset="-127"/>
+                  <a:ea typeface="JejuGothic" panose="02000300000000000000" pitchFamily="2" charset="-127"/>
+                </a:rPr>
+                <a:t>NAVER </a:t>
+              </a:r>
+              <a:r>
+                <a:rPr lang="ko-KR" altLang="en-US" sz="500">
+                  <a:latin typeface="JejuGothic" panose="02000300000000000000" pitchFamily="2" charset="-127"/>
+                  <a:ea typeface="JejuGothic" panose="02000300000000000000" pitchFamily="2" charset="-127"/>
+                </a:rPr>
+                <a:t>윤정민</a:t>
+              </a:r>
+              <a:endParaRPr lang="ko-KR" altLang="en-US" sz="500" dirty="0">
+                <a:latin typeface="JejuGothic" panose="02000300000000000000" pitchFamily="2" charset="-127"/>
+                <a:ea typeface="JejuGothic" panose="02000300000000000000" pitchFamily="2" charset="-127"/>
+              </a:endParaRPr>
+            </a:p>
+          </p:txBody>
+        </p:sp>
+        <p:pic>
+          <p:nvPicPr>
+            <p:cNvPr id="1092" name="그림 1091" descr="그리기이(가) 표시된 사진&#10;&#10;자동 생성된 설명">
+              <a:extLst>
+                <a:ext uri="{FF2B5EF4-FFF2-40B4-BE49-F238E27FC236}">
+                  <a16:creationId xmlns:a16="http://schemas.microsoft.com/office/drawing/2014/main" id="{B6C0685B-60C5-0B09-65C1-DF62AC473382}"/>
+                </a:ext>
+              </a:extLst>
+            </p:cNvPr>
+            <p:cNvPicPr>
+              <a:picLocks noChangeAspect="1"/>
+            </p:cNvPicPr>
+            <p:nvPr/>
+          </p:nvPicPr>
+          <p:blipFill rotWithShape="1">
+            <a:blip r:embed="rId10">
+              <a:extLst>
+                <a:ext uri="{28A0092B-C50C-407E-A947-70E740481C1C}">
+                  <a14:useLocalDpi xmlns:a14="http://schemas.microsoft.com/office/drawing/2010/main" val="0"/>
+                </a:ext>
+              </a:extLst>
+            </a:blip>
+            <a:srcRect l="27716" t="34418" r="1459" b="21317"/>
+            <a:stretch/>
+          </p:blipFill>
+          <p:spPr>
+            <a:xfrm>
+              <a:off x="2161764" y="1970536"/>
+              <a:ext cx="465975" cy="88986"/>
+            </a:xfrm>
+            <a:prstGeom prst="rect">
+              <a:avLst/>
+            </a:prstGeom>
+          </p:spPr>
+        </p:pic>
+      </p:grpSp>
+      <p:grpSp>
+        <p:nvGrpSpPr>
+          <p:cNvPr id="55" name="그룹 54">
+            <a:extLst>
+              <a:ext uri="{FF2B5EF4-FFF2-40B4-BE49-F238E27FC236}">
+                <a16:creationId xmlns:a16="http://schemas.microsoft.com/office/drawing/2014/main" id="{1E694935-67E0-147D-DAB1-5DDACF050536}"/>
+              </a:ext>
+            </a:extLst>
+          </p:cNvPr>
+          <p:cNvGrpSpPr/>
+          <p:nvPr/>
+        </p:nvGrpSpPr>
+        <p:grpSpPr>
+          <a:xfrm>
+            <a:off x="2161764" y="2196698"/>
+            <a:ext cx="1305459" cy="169277"/>
+            <a:chOff x="2161764" y="2509794"/>
+            <a:chExt cx="1305459" cy="169277"/>
+          </a:xfrm>
+        </p:grpSpPr>
+        <p:sp>
+          <p:nvSpPr>
+            <p:cNvPr id="1086" name="TextBox 1085">
+              <a:extLst>
+                <a:ext uri="{FF2B5EF4-FFF2-40B4-BE49-F238E27FC236}">
+                  <a16:creationId xmlns:a16="http://schemas.microsoft.com/office/drawing/2014/main" id="{45388DF2-6EE0-7F27-D430-F4CAFA02494D}"/>
+                </a:ext>
+              </a:extLst>
+            </p:cNvPr>
+            <p:cNvSpPr txBox="1"/>
+            <p:nvPr/>
+          </p:nvSpPr>
+          <p:spPr>
+            <a:xfrm>
+              <a:off x="2652081" y="2509794"/>
+              <a:ext cx="815142" cy="169277"/>
+            </a:xfrm>
+            <a:prstGeom prst="rect">
+              <a:avLst/>
+            </a:prstGeom>
+            <a:noFill/>
+          </p:spPr>
+          <p:txBody>
+            <a:bodyPr wrap="square" rtlCol="0">
+              <a:spAutoFit/>
+            </a:bodyPr>
+            <a:lstStyle/>
+            <a:p>
+              <a:r>
+                <a:rPr lang="en-US" altLang="ko-KR" sz="500">
+                  <a:latin typeface="JejuGothic" panose="02000300000000000000" pitchFamily="2" charset="-127"/>
+                  <a:ea typeface="JejuGothic" panose="02000300000000000000" pitchFamily="2" charset="-127"/>
+                </a:rPr>
+                <a:t>NAVER </a:t>
+              </a:r>
+              <a:r>
+                <a:rPr lang="ko-KR" altLang="en-US" sz="500">
+                  <a:latin typeface="JejuGothic" panose="02000300000000000000" pitchFamily="2" charset="-127"/>
+                  <a:ea typeface="JejuGothic" panose="02000300000000000000" pitchFamily="2" charset="-127"/>
+                </a:rPr>
+                <a:t>유홍연</a:t>
+              </a:r>
+              <a:endParaRPr lang="ko-KR" altLang="en-US" sz="500" dirty="0">
+                <a:latin typeface="JejuGothic" panose="02000300000000000000" pitchFamily="2" charset="-127"/>
+                <a:ea typeface="JejuGothic" panose="02000300000000000000" pitchFamily="2" charset="-127"/>
+              </a:endParaRPr>
+            </a:p>
+          </p:txBody>
+        </p:sp>
+        <p:pic>
+          <p:nvPicPr>
+            <p:cNvPr id="1093" name="그림 1092" descr="그리기이(가) 표시된 사진&#10;&#10;자동 생성된 설명">
+              <a:extLst>
+                <a:ext uri="{FF2B5EF4-FFF2-40B4-BE49-F238E27FC236}">
+                  <a16:creationId xmlns:a16="http://schemas.microsoft.com/office/drawing/2014/main" id="{0601E231-5B8E-24A1-9751-CD353EE601E1}"/>
+                </a:ext>
+              </a:extLst>
+            </p:cNvPr>
+            <p:cNvPicPr>
+              <a:picLocks noChangeAspect="1"/>
+            </p:cNvPicPr>
+            <p:nvPr/>
+          </p:nvPicPr>
+          <p:blipFill rotWithShape="1">
+            <a:blip r:embed="rId10">
+              <a:extLst>
+                <a:ext uri="{28A0092B-C50C-407E-A947-70E740481C1C}">
+                  <a14:useLocalDpi xmlns:a14="http://schemas.microsoft.com/office/drawing/2010/main" val="0"/>
+                </a:ext>
+              </a:extLst>
+            </a:blip>
+            <a:srcRect l="27716" t="34418" r="1459" b="21317"/>
+            <a:stretch/>
+          </p:blipFill>
+          <p:spPr>
+            <a:xfrm>
+              <a:off x="2161764" y="2548835"/>
+              <a:ext cx="465975" cy="88986"/>
+            </a:xfrm>
+            <a:prstGeom prst="rect">
+              <a:avLst/>
+            </a:prstGeom>
+          </p:spPr>
+        </p:pic>
+      </p:grpSp>
+      <p:grpSp>
+        <p:nvGrpSpPr>
+          <p:cNvPr id="54" name="그룹 53">
+            <a:extLst>
+              <a:ext uri="{FF2B5EF4-FFF2-40B4-BE49-F238E27FC236}">
+                <a16:creationId xmlns:a16="http://schemas.microsoft.com/office/drawing/2014/main" id="{37870A4C-1F73-9ACB-8E5B-6E33EE25A37B}"/>
+              </a:ext>
+            </a:extLst>
+          </p:cNvPr>
+          <p:cNvGrpSpPr/>
+          <p:nvPr/>
+        </p:nvGrpSpPr>
+        <p:grpSpPr>
+          <a:xfrm>
+            <a:off x="2112894" y="2011890"/>
+            <a:ext cx="1354329" cy="169277"/>
+            <a:chOff x="2112894" y="2317048"/>
+            <a:chExt cx="1354329" cy="169277"/>
+          </a:xfrm>
+        </p:grpSpPr>
         <p:sp>
           <p:nvSpPr>
             <p:cNvPr id="1085" name="TextBox 1084">
@@ -6768,55 +7334,63 @@
             </a:p>
           </p:txBody>
         </p:sp>
-        <p:sp>
-          <p:nvSpPr>
-            <p:cNvPr id="1086" name="TextBox 1085">
+        <p:pic>
+          <p:nvPicPr>
+            <p:cNvPr id="1094" name="그림 1093">
               <a:extLst>
                 <a:ext uri="{FF2B5EF4-FFF2-40B4-BE49-F238E27FC236}">
-                  <a16:creationId xmlns:a16="http://schemas.microsoft.com/office/drawing/2014/main" id="{45388DF2-6EE0-7F27-D430-F4CAFA02494D}"/>
+                  <a16:creationId xmlns:a16="http://schemas.microsoft.com/office/drawing/2014/main" id="{936544E4-E004-58DC-B7E1-9267F5D3439B}"/>
                 </a:ext>
               </a:extLst>
             </p:cNvPr>
-            <p:cNvSpPr txBox="1"/>
+            <p:cNvPicPr>
+              <a:picLocks noChangeAspect="1"/>
+            </p:cNvPicPr>
             <p:nvPr/>
-          </p:nvSpPr>
+          </p:nvPicPr>
+          <p:blipFill>
+            <a:blip r:embed="rId12">
+              <a:extLst>
+                <a:ext uri="{28A0092B-C50C-407E-A947-70E740481C1C}">
+                  <a14:useLocalDpi xmlns:a14="http://schemas.microsoft.com/office/drawing/2010/main" val="0"/>
+                </a:ext>
+              </a:extLst>
+            </a:blip>
+            <a:stretch>
+              <a:fillRect/>
+            </a:stretch>
+          </p:blipFill>
           <p:spPr>
             <a:xfrm>
-              <a:off x="2652081" y="2509794"/>
-              <a:ext cx="815142" cy="169277"/>
+              <a:off x="2112894" y="2347285"/>
+              <a:ext cx="510034" cy="107016"/>
             </a:xfrm>
             <a:prstGeom prst="rect">
               <a:avLst/>
             </a:prstGeom>
-            <a:noFill/>
           </p:spPr>
-          <p:txBody>
-            <a:bodyPr wrap="square" rtlCol="0">
-              <a:spAutoFit/>
-            </a:bodyPr>
-            <a:lstStyle/>
-            <a:p>
-              <a:r>
-                <a:rPr lang="en-US" altLang="ko-KR" sz="500">
-                  <a:latin typeface="JejuGothic" panose="02000300000000000000" pitchFamily="2" charset="-127"/>
-                  <a:ea typeface="JejuGothic" panose="02000300000000000000" pitchFamily="2" charset="-127"/>
-                </a:rPr>
-                <a:t>NAVER </a:t>
-              </a:r>
-              <a:r>
-                <a:rPr lang="ko-KR" altLang="en-US" sz="500">
-                  <a:latin typeface="JejuGothic" panose="02000300000000000000" pitchFamily="2" charset="-127"/>
-                  <a:ea typeface="JejuGothic" panose="02000300000000000000" pitchFamily="2" charset="-127"/>
-                </a:rPr>
-                <a:t>유홍연</a:t>
-              </a:r>
-              <a:endParaRPr lang="ko-KR" altLang="en-US" sz="500" dirty="0">
-                <a:latin typeface="JejuGothic" panose="02000300000000000000" pitchFamily="2" charset="-127"/>
-                <a:ea typeface="JejuGothic" panose="02000300000000000000" pitchFamily="2" charset="-127"/>
-              </a:endParaRPr>
-            </a:p>
-          </p:txBody>
-        </p:sp>
+        </p:pic>
+      </p:grpSp>
+      <p:grpSp>
+        <p:nvGrpSpPr>
+          <p:cNvPr id="56" name="그룹 55">
+            <a:extLst>
+              <a:ext uri="{FF2B5EF4-FFF2-40B4-BE49-F238E27FC236}">
+                <a16:creationId xmlns:a16="http://schemas.microsoft.com/office/drawing/2014/main" id="{678AF684-0379-0D6D-05F9-F7EDA6B3F74D}"/>
+              </a:ext>
+            </a:extLst>
+          </p:cNvPr>
+          <p:cNvGrpSpPr/>
+          <p:nvPr/>
+        </p:nvGrpSpPr>
+        <p:grpSpPr>
+          <a:xfrm>
+            <a:off x="2112894" y="2381506"/>
+            <a:ext cx="1357376" cy="169277"/>
+            <a:chOff x="2112894" y="2702425"/>
+            <a:chExt cx="1357376" cy="169277"/>
+          </a:xfrm>
+        </p:grpSpPr>
         <p:sp>
           <p:nvSpPr>
             <p:cNvPr id="1087" name="TextBox 1086">
@@ -6880,196 +7454,6 @@
             </a:p>
           </p:txBody>
         </p:sp>
-        <p:sp>
-          <p:nvSpPr>
-            <p:cNvPr id="1088" name="TextBox 1087">
-              <a:extLst>
-                <a:ext uri="{FF2B5EF4-FFF2-40B4-BE49-F238E27FC236}">
-                  <a16:creationId xmlns:a16="http://schemas.microsoft.com/office/drawing/2014/main" id="{9F9864EC-41CC-C789-73B8-127FE42BA861}"/>
-                </a:ext>
-              </a:extLst>
-            </p:cNvPr>
-            <p:cNvSpPr txBox="1"/>
-            <p:nvPr/>
-          </p:nvSpPr>
-          <p:spPr>
-            <a:xfrm>
-              <a:off x="2651373" y="2895170"/>
-              <a:ext cx="817200" cy="169277"/>
-            </a:xfrm>
-            <a:prstGeom prst="rect">
-              <a:avLst/>
-            </a:prstGeom>
-            <a:noFill/>
-          </p:spPr>
-          <p:txBody>
-            <a:bodyPr wrap="square" rtlCol="0">
-              <a:spAutoFit/>
-            </a:bodyPr>
-            <a:lstStyle/>
-            <a:p>
-              <a:r>
-                <a:rPr lang="en-US" altLang="ko-KR" sz="500">
-                  <a:latin typeface="JejuGothic" panose="02000300000000000000" pitchFamily="2" charset="-127"/>
-                  <a:ea typeface="JejuGothic" panose="02000300000000000000" pitchFamily="2" charset="-127"/>
-                </a:rPr>
-                <a:t>NCSOFT </a:t>
-              </a:r>
-              <a:r>
-                <a:rPr lang="ko-KR" altLang="en-US" sz="500">
-                  <a:latin typeface="JejuGothic" panose="02000300000000000000" pitchFamily="2" charset="-127"/>
-                  <a:ea typeface="JejuGothic" panose="02000300000000000000" pitchFamily="2" charset="-127"/>
-                </a:rPr>
-                <a:t>김기환</a:t>
-              </a:r>
-              <a:endParaRPr lang="ko-KR" altLang="en-US" sz="500" dirty="0">
-                <a:latin typeface="JejuGothic" panose="02000300000000000000" pitchFamily="2" charset="-127"/>
-                <a:ea typeface="JejuGothic" panose="02000300000000000000" pitchFamily="2" charset="-127"/>
-              </a:endParaRPr>
-            </a:p>
-          </p:txBody>
-        </p:sp>
-        <p:pic>
-          <p:nvPicPr>
-            <p:cNvPr id="1091" name="그림 1090" descr="그리기이(가) 표시된 사진&#10;&#10;자동 생성된 설명">
-              <a:extLst>
-                <a:ext uri="{FF2B5EF4-FFF2-40B4-BE49-F238E27FC236}">
-                  <a16:creationId xmlns:a16="http://schemas.microsoft.com/office/drawing/2014/main" id="{8B495E15-C7BB-13DC-ADB6-F63841E8F7B3}"/>
-                </a:ext>
-              </a:extLst>
-            </p:cNvPr>
-            <p:cNvPicPr>
-              <a:picLocks noChangeAspect="1"/>
-            </p:cNvPicPr>
-            <p:nvPr/>
-          </p:nvPicPr>
-          <p:blipFill rotWithShape="1">
-            <a:blip r:embed="rId10">
-              <a:extLst>
-                <a:ext uri="{28A0092B-C50C-407E-A947-70E740481C1C}">
-                  <a14:useLocalDpi xmlns:a14="http://schemas.microsoft.com/office/drawing/2010/main" val="0"/>
-                </a:ext>
-              </a:extLst>
-            </a:blip>
-            <a:srcRect l="27716" t="34418" r="1459" b="21317"/>
-            <a:stretch/>
-          </p:blipFill>
-          <p:spPr>
-            <a:xfrm>
-              <a:off x="2161764" y="1392056"/>
-              <a:ext cx="465975" cy="88986"/>
-            </a:xfrm>
-            <a:prstGeom prst="rect">
-              <a:avLst/>
-            </a:prstGeom>
-          </p:spPr>
-        </p:pic>
-        <p:pic>
-          <p:nvPicPr>
-            <p:cNvPr id="1092" name="그림 1091" descr="그리기이(가) 표시된 사진&#10;&#10;자동 생성된 설명">
-              <a:extLst>
-                <a:ext uri="{FF2B5EF4-FFF2-40B4-BE49-F238E27FC236}">
-                  <a16:creationId xmlns:a16="http://schemas.microsoft.com/office/drawing/2014/main" id="{B6C0685B-60C5-0B09-65C1-DF62AC473382}"/>
-                </a:ext>
-              </a:extLst>
-            </p:cNvPr>
-            <p:cNvPicPr>
-              <a:picLocks noChangeAspect="1"/>
-            </p:cNvPicPr>
-            <p:nvPr/>
-          </p:nvPicPr>
-          <p:blipFill rotWithShape="1">
-            <a:blip r:embed="rId10">
-              <a:extLst>
-                <a:ext uri="{28A0092B-C50C-407E-A947-70E740481C1C}">
-                  <a14:useLocalDpi xmlns:a14="http://schemas.microsoft.com/office/drawing/2010/main" val="0"/>
-                </a:ext>
-              </a:extLst>
-            </a:blip>
-            <a:srcRect l="27716" t="34418" r="1459" b="21317"/>
-            <a:stretch/>
-          </p:blipFill>
-          <p:spPr>
-            <a:xfrm>
-              <a:off x="2161764" y="1970536"/>
-              <a:ext cx="465975" cy="88986"/>
-            </a:xfrm>
-            <a:prstGeom prst="rect">
-              <a:avLst/>
-            </a:prstGeom>
-          </p:spPr>
-        </p:pic>
-        <p:pic>
-          <p:nvPicPr>
-            <p:cNvPr id="1093" name="그림 1092" descr="그리기이(가) 표시된 사진&#10;&#10;자동 생성된 설명">
-              <a:extLst>
-                <a:ext uri="{FF2B5EF4-FFF2-40B4-BE49-F238E27FC236}">
-                  <a16:creationId xmlns:a16="http://schemas.microsoft.com/office/drawing/2014/main" id="{0601E231-5B8E-24A1-9751-CD353EE601E1}"/>
-                </a:ext>
-              </a:extLst>
-            </p:cNvPr>
-            <p:cNvPicPr>
-              <a:picLocks noChangeAspect="1"/>
-            </p:cNvPicPr>
-            <p:nvPr/>
-          </p:nvPicPr>
-          <p:blipFill rotWithShape="1">
-            <a:blip r:embed="rId10">
-              <a:extLst>
-                <a:ext uri="{28A0092B-C50C-407E-A947-70E740481C1C}">
-                  <a14:useLocalDpi xmlns:a14="http://schemas.microsoft.com/office/drawing/2010/main" val="0"/>
-                </a:ext>
-              </a:extLst>
-            </a:blip>
-            <a:srcRect l="27716" t="34418" r="1459" b="21317"/>
-            <a:stretch/>
-          </p:blipFill>
-          <p:spPr>
-            <a:xfrm>
-              <a:off x="2161764" y="2548835"/>
-              <a:ext cx="465975" cy="88986"/>
-            </a:xfrm>
-            <a:prstGeom prst="rect">
-              <a:avLst/>
-            </a:prstGeom>
-          </p:spPr>
-        </p:pic>
-        <p:pic>
-          <p:nvPicPr>
-            <p:cNvPr id="1094" name="그림 1093">
-              <a:extLst>
-                <a:ext uri="{FF2B5EF4-FFF2-40B4-BE49-F238E27FC236}">
-                  <a16:creationId xmlns:a16="http://schemas.microsoft.com/office/drawing/2014/main" id="{936544E4-E004-58DC-B7E1-9267F5D3439B}"/>
-                </a:ext>
-              </a:extLst>
-            </p:cNvPr>
-            <p:cNvPicPr>
-              <a:picLocks noChangeAspect="1"/>
-            </p:cNvPicPr>
-            <p:nvPr/>
-          </p:nvPicPr>
-          <p:blipFill>
-            <a:blip r:embed="rId11">
-              <a:extLst>
-                <a:ext uri="{28A0092B-C50C-407E-A947-70E740481C1C}">
-                  <a14:useLocalDpi xmlns:a14="http://schemas.microsoft.com/office/drawing/2010/main" val="0"/>
-                </a:ext>
-              </a:extLst>
-            </a:blip>
-            <a:stretch>
-              <a:fillRect/>
-            </a:stretch>
-          </p:blipFill>
-          <p:spPr>
-            <a:xfrm>
-              <a:off x="2112894" y="2347285"/>
-              <a:ext cx="510034" cy="107016"/>
-            </a:xfrm>
-            <a:prstGeom prst="rect">
-              <a:avLst/>
-            </a:prstGeom>
-          </p:spPr>
-        </p:pic>
         <p:pic>
           <p:nvPicPr>
             <p:cNvPr id="1095" name="그림 1094">
@@ -7085,7 +7469,7 @@
             <p:nvPr/>
           </p:nvPicPr>
           <p:blipFill>
-            <a:blip r:embed="rId11">
+            <a:blip r:embed="rId12">
               <a:extLst>
                 <a:ext uri="{28A0092B-C50C-407E-A947-70E740481C1C}">
                   <a14:useLocalDpi xmlns:a14="http://schemas.microsoft.com/office/drawing/2010/main" val="0"/>
@@ -7109,10 +7493,10 @@
       </p:grpSp>
       <p:grpSp>
         <p:nvGrpSpPr>
-          <p:cNvPr id="1105" name="그룹 1104">
-            <a:extLst>
-              <a:ext uri="{FF2B5EF4-FFF2-40B4-BE49-F238E27FC236}">
-                <a16:creationId xmlns:a16="http://schemas.microsoft.com/office/drawing/2014/main" id="{918D9697-0E15-DB98-0C32-8FFC37B34517}"/>
+          <p:cNvPr id="19" name="그룹 18">
+            <a:extLst>
+              <a:ext uri="{FF2B5EF4-FFF2-40B4-BE49-F238E27FC236}">
+                <a16:creationId xmlns:a16="http://schemas.microsoft.com/office/drawing/2014/main" id="{54113D55-5F83-02F1-A1DD-5C51D14985C5}"/>
               </a:ext>
             </a:extLst>
           </p:cNvPr>
@@ -7121,10 +7505,10 @@
         </p:nvGrpSpPr>
         <p:grpSpPr>
           <a:xfrm>
-            <a:off x="3561894" y="1160572"/>
-            <a:ext cx="1249541" cy="1751323"/>
-            <a:chOff x="3561894" y="1160572"/>
-            <a:chExt cx="1249541" cy="1751323"/>
+            <a:off x="2440439" y="2751122"/>
+            <a:ext cx="1028134" cy="169277"/>
+            <a:chOff x="3780255" y="1160572"/>
+            <a:chExt cx="1028134" cy="169277"/>
           </a:xfrm>
         </p:grpSpPr>
         <p:pic>
@@ -7161,180 +7545,6 @@
             <a:prstGeom prst="rect">
               <a:avLst/>
             </a:prstGeom>
-          </p:spPr>
-        </p:pic>
-        <p:pic>
-          <p:nvPicPr>
-            <p:cNvPr id="109" name="Picture 12" descr="kakao">
-              <a:extLst>
-                <a:ext uri="{FF2B5EF4-FFF2-40B4-BE49-F238E27FC236}">
-                  <a16:creationId xmlns:a16="http://schemas.microsoft.com/office/drawing/2014/main" id="{9DBF7B2A-2065-4DCA-AC50-0278141C275B}"/>
-                </a:ext>
-              </a:extLst>
-            </p:cNvPr>
-            <p:cNvPicPr>
-              <a:picLocks noChangeAspect="1" noChangeArrowheads="1"/>
-            </p:cNvPicPr>
-            <p:nvPr/>
-          </p:nvPicPr>
-          <p:blipFill rotWithShape="1">
-            <a:blip r:embed="rId8">
-              <a:extLst>
-                <a:ext uri="{28A0092B-C50C-407E-A947-70E740481C1C}">
-                  <a14:useLocalDpi xmlns:a14="http://schemas.microsoft.com/office/drawing/2010/main" val="0"/>
-                </a:ext>
-              </a:extLst>
-            </a:blip>
-            <a:srcRect l="24965" t="43726" r="57597" b="43192"/>
-            <a:stretch/>
-          </p:blipFill>
-          <p:spPr bwMode="auto">
-            <a:xfrm>
-              <a:off x="3627617" y="1372301"/>
-              <a:ext cx="340167" cy="108674"/>
-            </a:xfrm>
-            <a:prstGeom prst="rect">
-              <a:avLst/>
-            </a:prstGeom>
-            <a:noFill/>
-            <a:extLst>
-              <a:ext uri="{909E8E84-426E-40DD-AFC4-6F175D3DCCD1}">
-                <a14:hiddenFill xmlns:a14="http://schemas.microsoft.com/office/drawing/2010/main">
-                  <a:solidFill>
-                    <a:srgbClr val="FFFFFF"/>
-                  </a:solidFill>
-                </a14:hiddenFill>
-              </a:ext>
-            </a:extLst>
-          </p:spPr>
-        </p:pic>
-        <p:pic>
-          <p:nvPicPr>
-            <p:cNvPr id="111" name="그림 110" descr="표지판, 그리기, 시계이(가) 표시된 사진&#10;&#10;자동 생성된 설명">
-              <a:extLst>
-                <a:ext uri="{FF2B5EF4-FFF2-40B4-BE49-F238E27FC236}">
-                  <a16:creationId xmlns:a16="http://schemas.microsoft.com/office/drawing/2014/main" id="{2062D24D-CD89-4BC5-8A64-946E837AA239}"/>
-                </a:ext>
-              </a:extLst>
-            </p:cNvPr>
-            <p:cNvPicPr>
-              <a:picLocks noChangeAspect="1"/>
-            </p:cNvPicPr>
-            <p:nvPr/>
-          </p:nvPicPr>
-          <p:blipFill rotWithShape="1">
-            <a:blip r:embed="rId7">
-              <a:extLst>
-                <a:ext uri="{28A0092B-C50C-407E-A947-70E740481C1C}">
-                  <a14:useLocalDpi xmlns:a14="http://schemas.microsoft.com/office/drawing/2010/main" val="0"/>
-                </a:ext>
-              </a:extLst>
-            </a:blip>
-            <a:srcRect r="71957"/>
-            <a:stretch/>
-          </p:blipFill>
-          <p:spPr>
-            <a:xfrm>
-              <a:off x="3834041" y="1565456"/>
-              <a:ext cx="137792" cy="132881"/>
-            </a:xfrm>
-            <a:prstGeom prst="rect">
-              <a:avLst/>
-            </a:prstGeom>
-          </p:spPr>
-        </p:pic>
-        <p:pic>
-          <p:nvPicPr>
-            <p:cNvPr id="1026" name="Picture 2" descr="TmaxSoft">
-              <a:extLst>
-                <a:ext uri="{FF2B5EF4-FFF2-40B4-BE49-F238E27FC236}">
-                  <a16:creationId xmlns:a16="http://schemas.microsoft.com/office/drawing/2014/main" id="{A2B85EFF-8FCE-E6DF-1E61-C077B138595D}"/>
-                </a:ext>
-              </a:extLst>
-            </p:cNvPr>
-            <p:cNvPicPr>
-              <a:picLocks noChangeAspect="1" noChangeArrowheads="1"/>
-            </p:cNvPicPr>
-            <p:nvPr/>
-          </p:nvPicPr>
-          <p:blipFill>
-            <a:blip r:embed="rId14">
-              <a:extLst>
-                <a:ext uri="{28A0092B-C50C-407E-A947-70E740481C1C}">
-                  <a14:useLocalDpi xmlns:a14="http://schemas.microsoft.com/office/drawing/2010/main" val="0"/>
-                </a:ext>
-              </a:extLst>
-            </a:blip>
-            <a:srcRect/>
-            <a:stretch>
-              <a:fillRect/>
-            </a:stretch>
-          </p:blipFill>
-          <p:spPr bwMode="auto">
-            <a:xfrm>
-              <a:off x="3561894" y="1744343"/>
-              <a:ext cx="436722" cy="148084"/>
-            </a:xfrm>
-            <a:prstGeom prst="rect">
-              <a:avLst/>
-            </a:prstGeom>
-            <a:noFill/>
-            <a:extLst>
-              <a:ext uri="{909E8E84-426E-40DD-AFC4-6F175D3DCCD1}">
-                <a14:hiddenFill xmlns:a14="http://schemas.microsoft.com/office/drawing/2010/main">
-                  <a:solidFill>
-                    <a:srgbClr val="FFFFFF"/>
-                  </a:solidFill>
-                </a14:hiddenFill>
-              </a:ext>
-            </a:extLst>
-          </p:spPr>
-        </p:pic>
-        <p:pic>
-          <p:nvPicPr>
-            <p:cNvPr id="1049" name="Picture 4" descr="카카오스탁MAP X 두나무투자일임 투자세미나 &lt;8인8색 주식 투자 이야기&gt; - 이벤터스">
-              <a:extLst>
-                <a:ext uri="{FF2B5EF4-FFF2-40B4-BE49-F238E27FC236}">
-                  <a16:creationId xmlns:a16="http://schemas.microsoft.com/office/drawing/2014/main" id="{B32035EB-E9DE-AB51-D757-2125309D00D1}"/>
-                </a:ext>
-              </a:extLst>
-            </p:cNvPr>
-            <p:cNvPicPr>
-              <a:picLocks noChangeAspect="1" noChangeArrowheads="1"/>
-            </p:cNvPicPr>
-            <p:nvPr/>
-          </p:nvPicPr>
-          <p:blipFill>
-            <a:blip r:embed="rId15">
-              <a:extLst>
-                <a:ext uri="{28A0092B-C50C-407E-A947-70E740481C1C}">
-                  <a14:useLocalDpi xmlns:a14="http://schemas.microsoft.com/office/drawing/2010/main" val="0"/>
-                </a:ext>
-              </a:extLst>
-            </a:blip>
-            <a:srcRect/>
-            <a:stretch>
-              <a:fillRect/>
-            </a:stretch>
-          </p:blipFill>
-          <p:spPr bwMode="auto">
-            <a:xfrm>
-              <a:off x="3599205" y="2688588"/>
-              <a:ext cx="396990" cy="223307"/>
-            </a:xfrm>
-            <a:prstGeom prst="rect">
-              <a:avLst/>
-            </a:prstGeom>
-            <a:noFill/>
-            <a:extLst>
-              <a:ext uri="{909E8E84-426E-40DD-AFC4-6F175D3DCCD1}">
-                <a14:hiddenFill xmlns:a14="http://schemas.microsoft.com/office/drawing/2010/main">
-                  <a:solidFill>
-                    <a:srgbClr val="FFFFFF"/>
-                  </a:solidFill>
-                </a14:hiddenFill>
-              </a:ext>
-            </a:extLst>
           </p:spPr>
         </p:pic>
         <p:sp>
@@ -7386,6 +7596,72 @@
             </a:p>
           </p:txBody>
         </p:sp>
+      </p:grpSp>
+      <p:grpSp>
+        <p:nvGrpSpPr>
+          <p:cNvPr id="20" name="그룹 19">
+            <a:extLst>
+              <a:ext uri="{FF2B5EF4-FFF2-40B4-BE49-F238E27FC236}">
+                <a16:creationId xmlns:a16="http://schemas.microsoft.com/office/drawing/2014/main" id="{33F665F6-959C-A86F-670A-69D77462ABDC}"/>
+              </a:ext>
+            </a:extLst>
+          </p:cNvPr>
+          <p:cNvGrpSpPr/>
+          <p:nvPr/>
+        </p:nvGrpSpPr>
+        <p:grpSpPr>
+          <a:xfrm>
+            <a:off x="2286448" y="2935926"/>
+            <a:ext cx="1180775" cy="169277"/>
+            <a:chOff x="3627617" y="1353318"/>
+            <a:chExt cx="1180775" cy="169277"/>
+          </a:xfrm>
+        </p:grpSpPr>
+        <p:pic>
+          <p:nvPicPr>
+            <p:cNvPr id="109" name="Picture 12" descr="kakao">
+              <a:extLst>
+                <a:ext uri="{FF2B5EF4-FFF2-40B4-BE49-F238E27FC236}">
+                  <a16:creationId xmlns:a16="http://schemas.microsoft.com/office/drawing/2014/main" id="{9DBF7B2A-2065-4DCA-AC50-0278141C275B}"/>
+                </a:ext>
+              </a:extLst>
+            </p:cNvPr>
+            <p:cNvPicPr>
+              <a:picLocks noChangeAspect="1" noChangeArrowheads="1"/>
+            </p:cNvPicPr>
+            <p:nvPr/>
+          </p:nvPicPr>
+          <p:blipFill rotWithShape="1">
+            <a:blip r:embed="rId8">
+              <a:extLst>
+                <a:ext uri="{28A0092B-C50C-407E-A947-70E740481C1C}">
+                  <a14:useLocalDpi xmlns:a14="http://schemas.microsoft.com/office/drawing/2010/main" val="0"/>
+                </a:ext>
+              </a:extLst>
+            </a:blip>
+            <a:srcRect l="24965" t="43726" r="57597" b="43192"/>
+            <a:stretch/>
+          </p:blipFill>
+          <p:spPr bwMode="auto">
+            <a:xfrm>
+              <a:off x="3627617" y="1372301"/>
+              <a:ext cx="340167" cy="108674"/>
+            </a:xfrm>
+            <a:prstGeom prst="rect">
+              <a:avLst/>
+            </a:prstGeom>
+            <a:noFill/>
+            <a:extLst>
+              <a:ext uri="{909E8E84-426E-40DD-AFC4-6F175D3DCCD1}">
+                <a14:hiddenFill xmlns:a14="http://schemas.microsoft.com/office/drawing/2010/main">
+                  <a:solidFill>
+                    <a:srgbClr val="FFFFFF"/>
+                  </a:solidFill>
+                </a14:hiddenFill>
+              </a:ext>
+            </a:extLst>
+          </p:spPr>
+        </p:pic>
         <p:sp>
           <p:nvSpPr>
             <p:cNvPr id="1070" name="TextBox 1069">
@@ -7435,6 +7711,62 @@
             </a:p>
           </p:txBody>
         </p:sp>
+      </p:grpSp>
+      <p:grpSp>
+        <p:nvGrpSpPr>
+          <p:cNvPr id="21" name="그룹 20">
+            <a:extLst>
+              <a:ext uri="{FF2B5EF4-FFF2-40B4-BE49-F238E27FC236}">
+                <a16:creationId xmlns:a16="http://schemas.microsoft.com/office/drawing/2014/main" id="{47DE1699-7C7D-23D9-BF9E-ECA0FFBD24AB}"/>
+              </a:ext>
+            </a:extLst>
+          </p:cNvPr>
+          <p:cNvGrpSpPr/>
+          <p:nvPr/>
+        </p:nvGrpSpPr>
+        <p:grpSpPr>
+          <a:xfrm>
+            <a:off x="3834041" y="1087850"/>
+            <a:ext cx="974348" cy="169277"/>
+            <a:chOff x="3834041" y="1546064"/>
+            <a:chExt cx="974348" cy="169277"/>
+          </a:xfrm>
+        </p:grpSpPr>
+        <p:pic>
+          <p:nvPicPr>
+            <p:cNvPr id="111" name="그림 110" descr="표지판, 그리기, 시계이(가) 표시된 사진&#10;&#10;자동 생성된 설명">
+              <a:extLst>
+                <a:ext uri="{FF2B5EF4-FFF2-40B4-BE49-F238E27FC236}">
+                  <a16:creationId xmlns:a16="http://schemas.microsoft.com/office/drawing/2014/main" id="{2062D24D-CD89-4BC5-8A64-946E837AA239}"/>
+                </a:ext>
+              </a:extLst>
+            </p:cNvPr>
+            <p:cNvPicPr>
+              <a:picLocks noChangeAspect="1"/>
+            </p:cNvPicPr>
+            <p:nvPr/>
+          </p:nvPicPr>
+          <p:blipFill rotWithShape="1">
+            <a:blip r:embed="rId7">
+              <a:extLst>
+                <a:ext uri="{28A0092B-C50C-407E-A947-70E740481C1C}">
+                  <a14:useLocalDpi xmlns:a14="http://schemas.microsoft.com/office/drawing/2010/main" val="0"/>
+                </a:ext>
+              </a:extLst>
+            </a:blip>
+            <a:srcRect r="71957"/>
+            <a:stretch/>
+          </p:blipFill>
+          <p:spPr>
+            <a:xfrm>
+              <a:off x="3834041" y="1565456"/>
+              <a:ext cx="137792" cy="132881"/>
+            </a:xfrm>
+            <a:prstGeom prst="rect">
+              <a:avLst/>
+            </a:prstGeom>
+          </p:spPr>
+        </p:pic>
         <p:sp>
           <p:nvSpPr>
             <p:cNvPr id="1071" name="TextBox 1070">
@@ -7498,6 +7830,74 @@
             </a:p>
           </p:txBody>
         </p:sp>
+      </p:grpSp>
+      <p:grpSp>
+        <p:nvGrpSpPr>
+          <p:cNvPr id="22" name="그룹 21">
+            <a:extLst>
+              <a:ext uri="{FF2B5EF4-FFF2-40B4-BE49-F238E27FC236}">
+                <a16:creationId xmlns:a16="http://schemas.microsoft.com/office/drawing/2014/main" id="{58214868-9C05-9C11-0C1C-5E9DEB3338EB}"/>
+              </a:ext>
+            </a:extLst>
+          </p:cNvPr>
+          <p:cNvGrpSpPr/>
+          <p:nvPr/>
+        </p:nvGrpSpPr>
+        <p:grpSpPr>
+          <a:xfrm>
+            <a:off x="3561894" y="1267255"/>
+            <a:ext cx="1246494" cy="169277"/>
+            <a:chOff x="3561894" y="1738810"/>
+            <a:chExt cx="1246494" cy="169277"/>
+          </a:xfrm>
+        </p:grpSpPr>
+        <p:pic>
+          <p:nvPicPr>
+            <p:cNvPr id="1026" name="Picture 2" descr="TmaxSoft">
+              <a:extLst>
+                <a:ext uri="{FF2B5EF4-FFF2-40B4-BE49-F238E27FC236}">
+                  <a16:creationId xmlns:a16="http://schemas.microsoft.com/office/drawing/2014/main" id="{A2B85EFF-8FCE-E6DF-1E61-C077B138595D}"/>
+                </a:ext>
+              </a:extLst>
+            </p:cNvPr>
+            <p:cNvPicPr>
+              <a:picLocks noChangeAspect="1" noChangeArrowheads="1"/>
+            </p:cNvPicPr>
+            <p:nvPr/>
+          </p:nvPicPr>
+          <p:blipFill>
+            <a:blip r:embed="rId14">
+              <a:extLst>
+                <a:ext uri="{28A0092B-C50C-407E-A947-70E740481C1C}">
+                  <a14:useLocalDpi xmlns:a14="http://schemas.microsoft.com/office/drawing/2010/main" val="0"/>
+                </a:ext>
+              </a:extLst>
+            </a:blip>
+            <a:srcRect/>
+            <a:stretch>
+              <a:fillRect/>
+            </a:stretch>
+          </p:blipFill>
+          <p:spPr bwMode="auto">
+            <a:xfrm>
+              <a:off x="3561894" y="1744343"/>
+              <a:ext cx="436722" cy="148084"/>
+            </a:xfrm>
+            <a:prstGeom prst="rect">
+              <a:avLst/>
+            </a:prstGeom>
+            <a:noFill/>
+            <a:extLst>
+              <a:ext uri="{909E8E84-426E-40DD-AFC4-6F175D3DCCD1}">
+                <a14:hiddenFill xmlns:a14="http://schemas.microsoft.com/office/drawing/2010/main">
+                  <a:solidFill>
+                    <a:srgbClr val="FFFFFF"/>
+                  </a:solidFill>
+                </a14:hiddenFill>
+              </a:ext>
+            </a:extLst>
+          </p:spPr>
+        </p:pic>
         <p:sp>
           <p:nvSpPr>
             <p:cNvPr id="1072" name="TextBox 1071">
@@ -7547,6 +7947,137 @@
             </a:p>
           </p:txBody>
         </p:sp>
+      </p:grpSp>
+      <p:grpSp>
+        <p:nvGrpSpPr>
+          <p:cNvPr id="46" name="그룹 45">
+            <a:extLst>
+              <a:ext uri="{FF2B5EF4-FFF2-40B4-BE49-F238E27FC236}">
+                <a16:creationId xmlns:a16="http://schemas.microsoft.com/office/drawing/2014/main" id="{5EC0EE86-062A-9081-8B53-1ECB90BDF85E}"/>
+              </a:ext>
+            </a:extLst>
+          </p:cNvPr>
+          <p:cNvGrpSpPr/>
+          <p:nvPr/>
+        </p:nvGrpSpPr>
+        <p:grpSpPr>
+          <a:xfrm>
+            <a:off x="3599205" y="2164280"/>
+            <a:ext cx="1212230" cy="223307"/>
+            <a:chOff x="3599205" y="2688588"/>
+            <a:chExt cx="1212230" cy="223307"/>
+          </a:xfrm>
+        </p:grpSpPr>
+        <p:pic>
+          <p:nvPicPr>
+            <p:cNvPr id="1049" name="Picture 4" descr="카카오스탁MAP X 두나무투자일임 투자세미나 &lt;8인8색 주식 투자 이야기&gt; - 이벤터스">
+              <a:extLst>
+                <a:ext uri="{FF2B5EF4-FFF2-40B4-BE49-F238E27FC236}">
+                  <a16:creationId xmlns:a16="http://schemas.microsoft.com/office/drawing/2014/main" id="{B32035EB-E9DE-AB51-D757-2125309D00D1}"/>
+                </a:ext>
+              </a:extLst>
+            </p:cNvPr>
+            <p:cNvPicPr>
+              <a:picLocks noChangeAspect="1" noChangeArrowheads="1"/>
+            </p:cNvPicPr>
+            <p:nvPr/>
+          </p:nvPicPr>
+          <p:blipFill>
+            <a:blip r:embed="rId15">
+              <a:extLst>
+                <a:ext uri="{28A0092B-C50C-407E-A947-70E740481C1C}">
+                  <a14:useLocalDpi xmlns:a14="http://schemas.microsoft.com/office/drawing/2010/main" val="0"/>
+                </a:ext>
+              </a:extLst>
+            </a:blip>
+            <a:srcRect/>
+            <a:stretch>
+              <a:fillRect/>
+            </a:stretch>
+          </p:blipFill>
+          <p:spPr bwMode="auto">
+            <a:xfrm>
+              <a:off x="3599205" y="2688588"/>
+              <a:ext cx="396990" cy="223307"/>
+            </a:xfrm>
+            <a:prstGeom prst="rect">
+              <a:avLst/>
+            </a:prstGeom>
+            <a:noFill/>
+            <a:extLst>
+              <a:ext uri="{909E8E84-426E-40DD-AFC4-6F175D3DCCD1}">
+                <a14:hiddenFill xmlns:a14="http://schemas.microsoft.com/office/drawing/2010/main">
+                  <a:solidFill>
+                    <a:srgbClr val="FFFFFF"/>
+                  </a:solidFill>
+                </a14:hiddenFill>
+              </a:ext>
+            </a:extLst>
+          </p:spPr>
+        </p:pic>
+        <p:sp>
+          <p:nvSpPr>
+            <p:cNvPr id="1077" name="TextBox 1076">
+              <a:extLst>
+                <a:ext uri="{FF2B5EF4-FFF2-40B4-BE49-F238E27FC236}">
+                  <a16:creationId xmlns:a16="http://schemas.microsoft.com/office/drawing/2014/main" id="{555E43E6-73E9-37D0-B2CC-42A1FB898E7D}"/>
+                </a:ext>
+              </a:extLst>
+            </p:cNvPr>
+            <p:cNvSpPr txBox="1"/>
+            <p:nvPr/>
+          </p:nvSpPr>
+          <p:spPr>
+            <a:xfrm>
+              <a:off x="3993435" y="2702425"/>
+              <a:ext cx="818000" cy="169277"/>
+            </a:xfrm>
+            <a:prstGeom prst="rect">
+              <a:avLst/>
+            </a:prstGeom>
+            <a:noFill/>
+          </p:spPr>
+          <p:txBody>
+            <a:bodyPr wrap="square" rtlCol="0">
+              <a:spAutoFit/>
+            </a:bodyPr>
+            <a:lstStyle/>
+            <a:p>
+              <a:r>
+                <a:rPr lang="ko-KR" altLang="en-US" sz="500">
+                  <a:latin typeface="JejuGothic" panose="02000300000000000000" pitchFamily="2" charset="-127"/>
+                  <a:ea typeface="JejuGothic" panose="02000300000000000000" pitchFamily="2" charset="-127"/>
+                </a:rPr>
+                <a:t>두나무 박충원</a:t>
+              </a:r>
+              <a:endParaRPr lang="ko-KR" altLang="en-US" sz="500" dirty="0">
+                <a:latin typeface="JejuGothic" panose="02000300000000000000" pitchFamily="2" charset="-127"/>
+                <a:ea typeface="JejuGothic" panose="02000300000000000000" pitchFamily="2" charset="-127"/>
+              </a:endParaRPr>
+            </a:p>
+          </p:txBody>
+        </p:sp>
+      </p:grpSp>
+      <p:grpSp>
+        <p:nvGrpSpPr>
+          <p:cNvPr id="28" name="그룹 27">
+            <a:extLst>
+              <a:ext uri="{FF2B5EF4-FFF2-40B4-BE49-F238E27FC236}">
+                <a16:creationId xmlns:a16="http://schemas.microsoft.com/office/drawing/2014/main" id="{0BC824F1-2B37-23A9-7CAA-C83C08A32D4C}"/>
+              </a:ext>
+            </a:extLst>
+          </p:cNvPr>
+          <p:cNvGrpSpPr/>
+          <p:nvPr/>
+        </p:nvGrpSpPr>
+        <p:grpSpPr>
+          <a:xfrm>
+            <a:off x="3838543" y="1446660"/>
+            <a:ext cx="969845" cy="169277"/>
+            <a:chOff x="3838543" y="1931556"/>
+            <a:chExt cx="969845" cy="169277"/>
+          </a:xfrm>
+        </p:grpSpPr>
         <p:sp>
           <p:nvSpPr>
             <p:cNvPr id="1073" name="TextBox 1072">
@@ -7596,6 +8127,62 @@
             </a:p>
           </p:txBody>
         </p:sp>
+        <p:pic>
+          <p:nvPicPr>
+            <p:cNvPr id="1099" name="그림 1098">
+              <a:extLst>
+                <a:ext uri="{FF2B5EF4-FFF2-40B4-BE49-F238E27FC236}">
+                  <a16:creationId xmlns:a16="http://schemas.microsoft.com/office/drawing/2014/main" id="{8DF8CA21-C3E2-C282-7002-6AFE6F87411A}"/>
+                </a:ext>
+              </a:extLst>
+            </p:cNvPr>
+            <p:cNvPicPr>
+              <a:picLocks noChangeAspect="1"/>
+            </p:cNvPicPr>
+            <p:nvPr/>
+          </p:nvPicPr>
+          <p:blipFill rotWithShape="1">
+            <a:blip r:embed="rId9">
+              <a:extLst>
+                <a:ext uri="{28A0092B-C50C-407E-A947-70E740481C1C}">
+                  <a14:useLocalDpi xmlns:a14="http://schemas.microsoft.com/office/drawing/2010/main" val="0"/>
+                </a:ext>
+              </a:extLst>
+            </a:blip>
+            <a:srcRect l="13117" t="15493" r="12280" b="11649"/>
+            <a:stretch/>
+          </p:blipFill>
+          <p:spPr>
+            <a:xfrm>
+              <a:off x="3838543" y="1953484"/>
+              <a:ext cx="126881" cy="114382"/>
+            </a:xfrm>
+            <a:prstGeom prst="rect">
+              <a:avLst/>
+            </a:prstGeom>
+          </p:spPr>
+        </p:pic>
+      </p:grpSp>
+      <p:grpSp>
+        <p:nvGrpSpPr>
+          <p:cNvPr id="41" name="그룹 40">
+            <a:extLst>
+              <a:ext uri="{FF2B5EF4-FFF2-40B4-BE49-F238E27FC236}">
+                <a16:creationId xmlns:a16="http://schemas.microsoft.com/office/drawing/2014/main" id="{A645A400-BF93-4B60-44D8-078E71405E10}"/>
+              </a:ext>
+            </a:extLst>
+          </p:cNvPr>
+          <p:cNvGrpSpPr/>
+          <p:nvPr/>
+        </p:nvGrpSpPr>
+        <p:grpSpPr>
+          <a:xfrm>
+            <a:off x="3838543" y="1626065"/>
+            <a:ext cx="969845" cy="169277"/>
+            <a:chOff x="3838543" y="2124302"/>
+            <a:chExt cx="969845" cy="169277"/>
+          </a:xfrm>
+        </p:grpSpPr>
         <p:sp>
           <p:nvSpPr>
             <p:cNvPr id="1074" name="TextBox 1073">
@@ -7645,6 +8232,167 @@
             </a:p>
           </p:txBody>
         </p:sp>
+        <p:pic>
+          <p:nvPicPr>
+            <p:cNvPr id="1102" name="그림 1101">
+              <a:extLst>
+                <a:ext uri="{FF2B5EF4-FFF2-40B4-BE49-F238E27FC236}">
+                  <a16:creationId xmlns:a16="http://schemas.microsoft.com/office/drawing/2014/main" id="{14236104-3C0A-B478-3614-604CC4FCC1FB}"/>
+                </a:ext>
+              </a:extLst>
+            </p:cNvPr>
+            <p:cNvPicPr>
+              <a:picLocks noChangeAspect="1"/>
+            </p:cNvPicPr>
+            <p:nvPr/>
+          </p:nvPicPr>
+          <p:blipFill rotWithShape="1">
+            <a:blip r:embed="rId9">
+              <a:extLst>
+                <a:ext uri="{28A0092B-C50C-407E-A947-70E740481C1C}">
+                  <a14:useLocalDpi xmlns:a14="http://schemas.microsoft.com/office/drawing/2010/main" val="0"/>
+                </a:ext>
+              </a:extLst>
+            </a:blip>
+            <a:srcRect l="13117" t="15493" r="12280" b="11649"/>
+            <a:stretch/>
+          </p:blipFill>
+          <p:spPr>
+            <a:xfrm>
+              <a:off x="3838543" y="2146625"/>
+              <a:ext cx="126881" cy="114382"/>
+            </a:xfrm>
+            <a:prstGeom prst="rect">
+              <a:avLst/>
+            </a:prstGeom>
+          </p:spPr>
+        </p:pic>
+      </p:grpSp>
+      <p:grpSp>
+        <p:nvGrpSpPr>
+          <p:cNvPr id="45" name="그룹 44">
+            <a:extLst>
+              <a:ext uri="{FF2B5EF4-FFF2-40B4-BE49-F238E27FC236}">
+                <a16:creationId xmlns:a16="http://schemas.microsoft.com/office/drawing/2014/main" id="{5F708A21-ADD1-8BB7-0B38-FE1F05BC4BDE}"/>
+              </a:ext>
+            </a:extLst>
+          </p:cNvPr>
+          <p:cNvGrpSpPr/>
+          <p:nvPr/>
+        </p:nvGrpSpPr>
+        <p:grpSpPr>
+          <a:xfrm>
+            <a:off x="3838543" y="1984875"/>
+            <a:ext cx="969845" cy="169277"/>
+            <a:chOff x="3838543" y="2509794"/>
+            <a:chExt cx="969845" cy="169277"/>
+          </a:xfrm>
+        </p:grpSpPr>
+        <p:sp>
+          <p:nvSpPr>
+            <p:cNvPr id="1076" name="TextBox 1075">
+              <a:extLst>
+                <a:ext uri="{FF2B5EF4-FFF2-40B4-BE49-F238E27FC236}">
+                  <a16:creationId xmlns:a16="http://schemas.microsoft.com/office/drawing/2014/main" id="{02332B6F-6215-25DD-4BDB-1B3D83E685D4}"/>
+                </a:ext>
+              </a:extLst>
+            </p:cNvPr>
+            <p:cNvSpPr txBox="1"/>
+            <p:nvPr/>
+          </p:nvSpPr>
+          <p:spPr>
+            <a:xfrm>
+              <a:off x="3993246" y="2509794"/>
+              <a:ext cx="815142" cy="169277"/>
+            </a:xfrm>
+            <a:prstGeom prst="rect">
+              <a:avLst/>
+            </a:prstGeom>
+            <a:noFill/>
+          </p:spPr>
+          <p:txBody>
+            <a:bodyPr wrap="square" rtlCol="0">
+              <a:spAutoFit/>
+            </a:bodyPr>
+            <a:lstStyle/>
+            <a:p>
+              <a:r>
+                <a:rPr lang="en-US" altLang="ko-KR" sz="500">
+                  <a:latin typeface="JejuGothic" panose="02000300000000000000" pitchFamily="2" charset="-127"/>
+                  <a:ea typeface="JejuGothic" panose="02000300000000000000" pitchFamily="2" charset="-127"/>
+                </a:rPr>
+                <a:t>KT </a:t>
+              </a:r>
+              <a:r>
+                <a:rPr lang="ko-KR" altLang="en-US" sz="500">
+                  <a:latin typeface="JejuGothic" panose="02000300000000000000" pitchFamily="2" charset="-127"/>
+                  <a:ea typeface="JejuGothic" panose="02000300000000000000" pitchFamily="2" charset="-127"/>
+                </a:rPr>
+                <a:t>허태훈</a:t>
+              </a:r>
+              <a:endParaRPr lang="ko-KR" altLang="en-US" sz="500" dirty="0">
+                <a:latin typeface="JejuGothic" panose="02000300000000000000" pitchFamily="2" charset="-127"/>
+                <a:ea typeface="JejuGothic" panose="02000300000000000000" pitchFamily="2" charset="-127"/>
+              </a:endParaRPr>
+            </a:p>
+          </p:txBody>
+        </p:sp>
+        <p:pic>
+          <p:nvPicPr>
+            <p:cNvPr id="1103" name="그림 1102">
+              <a:extLst>
+                <a:ext uri="{FF2B5EF4-FFF2-40B4-BE49-F238E27FC236}">
+                  <a16:creationId xmlns:a16="http://schemas.microsoft.com/office/drawing/2014/main" id="{5A560C3A-1ECB-48B7-5028-B9EC31A2BA22}"/>
+                </a:ext>
+              </a:extLst>
+            </p:cNvPr>
+            <p:cNvPicPr>
+              <a:picLocks noChangeAspect="1"/>
+            </p:cNvPicPr>
+            <p:nvPr/>
+          </p:nvPicPr>
+          <p:blipFill rotWithShape="1">
+            <a:blip r:embed="rId9">
+              <a:extLst>
+                <a:ext uri="{28A0092B-C50C-407E-A947-70E740481C1C}">
+                  <a14:useLocalDpi xmlns:a14="http://schemas.microsoft.com/office/drawing/2010/main" val="0"/>
+                </a:ext>
+              </a:extLst>
+            </a:blip>
+            <a:srcRect l="13117" t="15493" r="12280" b="11649"/>
+            <a:stretch/>
+          </p:blipFill>
+          <p:spPr>
+            <a:xfrm>
+              <a:off x="3838543" y="2532428"/>
+              <a:ext cx="126881" cy="114382"/>
+            </a:xfrm>
+            <a:prstGeom prst="rect">
+              <a:avLst/>
+            </a:prstGeom>
+          </p:spPr>
+        </p:pic>
+      </p:grpSp>
+      <p:grpSp>
+        <p:nvGrpSpPr>
+          <p:cNvPr id="42" name="그룹 41">
+            <a:extLst>
+              <a:ext uri="{FF2B5EF4-FFF2-40B4-BE49-F238E27FC236}">
+                <a16:creationId xmlns:a16="http://schemas.microsoft.com/office/drawing/2014/main" id="{ADF0B070-14A3-A5A6-3DCF-2A0C00D60F74}"/>
+              </a:ext>
+            </a:extLst>
+          </p:cNvPr>
+          <p:cNvGrpSpPr/>
+          <p:nvPr/>
+        </p:nvGrpSpPr>
+        <p:grpSpPr>
+          <a:xfrm>
+            <a:off x="3780255" y="1805470"/>
+            <a:ext cx="1028133" cy="169277"/>
+            <a:chOff x="3780255" y="2317048"/>
+            <a:chExt cx="1028133" cy="169277"/>
+          </a:xfrm>
+        </p:grpSpPr>
         <p:sp>
           <p:nvSpPr>
             <p:cNvPr id="1075" name="TextBox 1074">
@@ -7694,202 +8442,6 @@
             </a:p>
           </p:txBody>
         </p:sp>
-        <p:sp>
-          <p:nvSpPr>
-            <p:cNvPr id="1076" name="TextBox 1075">
-              <a:extLst>
-                <a:ext uri="{FF2B5EF4-FFF2-40B4-BE49-F238E27FC236}">
-                  <a16:creationId xmlns:a16="http://schemas.microsoft.com/office/drawing/2014/main" id="{02332B6F-6215-25DD-4BDB-1B3D83E685D4}"/>
-                </a:ext>
-              </a:extLst>
-            </p:cNvPr>
-            <p:cNvSpPr txBox="1"/>
-            <p:nvPr/>
-          </p:nvSpPr>
-          <p:spPr>
-            <a:xfrm>
-              <a:off x="3993246" y="2509794"/>
-              <a:ext cx="815142" cy="169277"/>
-            </a:xfrm>
-            <a:prstGeom prst="rect">
-              <a:avLst/>
-            </a:prstGeom>
-            <a:noFill/>
-          </p:spPr>
-          <p:txBody>
-            <a:bodyPr wrap="square" rtlCol="0">
-              <a:spAutoFit/>
-            </a:bodyPr>
-            <a:lstStyle/>
-            <a:p>
-              <a:r>
-                <a:rPr lang="en-US" altLang="ko-KR" sz="500">
-                  <a:latin typeface="JejuGothic" panose="02000300000000000000" pitchFamily="2" charset="-127"/>
-                  <a:ea typeface="JejuGothic" panose="02000300000000000000" pitchFamily="2" charset="-127"/>
-                </a:rPr>
-                <a:t>KT </a:t>
-              </a:r>
-              <a:r>
-                <a:rPr lang="ko-KR" altLang="en-US" sz="500">
-                  <a:latin typeface="JejuGothic" panose="02000300000000000000" pitchFamily="2" charset="-127"/>
-                  <a:ea typeface="JejuGothic" panose="02000300000000000000" pitchFamily="2" charset="-127"/>
-                </a:rPr>
-                <a:t>허태훈</a:t>
-              </a:r>
-              <a:endParaRPr lang="ko-KR" altLang="en-US" sz="500" dirty="0">
-                <a:latin typeface="JejuGothic" panose="02000300000000000000" pitchFamily="2" charset="-127"/>
-                <a:ea typeface="JejuGothic" panose="02000300000000000000" pitchFamily="2" charset="-127"/>
-              </a:endParaRPr>
-            </a:p>
-          </p:txBody>
-        </p:sp>
-        <p:sp>
-          <p:nvSpPr>
-            <p:cNvPr id="1077" name="TextBox 1076">
-              <a:extLst>
-                <a:ext uri="{FF2B5EF4-FFF2-40B4-BE49-F238E27FC236}">
-                  <a16:creationId xmlns:a16="http://schemas.microsoft.com/office/drawing/2014/main" id="{555E43E6-73E9-37D0-B2CC-42A1FB898E7D}"/>
-                </a:ext>
-              </a:extLst>
-            </p:cNvPr>
-            <p:cNvSpPr txBox="1"/>
-            <p:nvPr/>
-          </p:nvSpPr>
-          <p:spPr>
-            <a:xfrm>
-              <a:off x="3993435" y="2702425"/>
-              <a:ext cx="818000" cy="169277"/>
-            </a:xfrm>
-            <a:prstGeom prst="rect">
-              <a:avLst/>
-            </a:prstGeom>
-            <a:noFill/>
-          </p:spPr>
-          <p:txBody>
-            <a:bodyPr wrap="square" rtlCol="0">
-              <a:spAutoFit/>
-            </a:bodyPr>
-            <a:lstStyle/>
-            <a:p>
-              <a:r>
-                <a:rPr lang="ko-KR" altLang="en-US" sz="500">
-                  <a:latin typeface="JejuGothic" panose="02000300000000000000" pitchFamily="2" charset="-127"/>
-                  <a:ea typeface="JejuGothic" panose="02000300000000000000" pitchFamily="2" charset="-127"/>
-                </a:rPr>
-                <a:t>두나무 박충원</a:t>
-              </a:r>
-              <a:endParaRPr lang="ko-KR" altLang="en-US" sz="500" dirty="0">
-                <a:latin typeface="JejuGothic" panose="02000300000000000000" pitchFamily="2" charset="-127"/>
-                <a:ea typeface="JejuGothic" panose="02000300000000000000" pitchFamily="2" charset="-127"/>
-              </a:endParaRPr>
-            </a:p>
-          </p:txBody>
-        </p:sp>
-        <p:pic>
-          <p:nvPicPr>
-            <p:cNvPr id="1099" name="그림 1098">
-              <a:extLst>
-                <a:ext uri="{FF2B5EF4-FFF2-40B4-BE49-F238E27FC236}">
-                  <a16:creationId xmlns:a16="http://schemas.microsoft.com/office/drawing/2014/main" id="{8DF8CA21-C3E2-C282-7002-6AFE6F87411A}"/>
-                </a:ext>
-              </a:extLst>
-            </p:cNvPr>
-            <p:cNvPicPr>
-              <a:picLocks noChangeAspect="1"/>
-            </p:cNvPicPr>
-            <p:nvPr/>
-          </p:nvPicPr>
-          <p:blipFill rotWithShape="1">
-            <a:blip r:embed="rId9">
-              <a:extLst>
-                <a:ext uri="{28A0092B-C50C-407E-A947-70E740481C1C}">
-                  <a14:useLocalDpi xmlns:a14="http://schemas.microsoft.com/office/drawing/2010/main" val="0"/>
-                </a:ext>
-              </a:extLst>
-            </a:blip>
-            <a:srcRect l="13117" t="15493" r="12280" b="11649"/>
-            <a:stretch/>
-          </p:blipFill>
-          <p:spPr>
-            <a:xfrm>
-              <a:off x="3838543" y="1953484"/>
-              <a:ext cx="126881" cy="114382"/>
-            </a:xfrm>
-            <a:prstGeom prst="rect">
-              <a:avLst/>
-            </a:prstGeom>
-          </p:spPr>
-        </p:pic>
-        <p:pic>
-          <p:nvPicPr>
-            <p:cNvPr id="1102" name="그림 1101">
-              <a:extLst>
-                <a:ext uri="{FF2B5EF4-FFF2-40B4-BE49-F238E27FC236}">
-                  <a16:creationId xmlns:a16="http://schemas.microsoft.com/office/drawing/2014/main" id="{14236104-3C0A-B478-3614-604CC4FCC1FB}"/>
-                </a:ext>
-              </a:extLst>
-            </p:cNvPr>
-            <p:cNvPicPr>
-              <a:picLocks noChangeAspect="1"/>
-            </p:cNvPicPr>
-            <p:nvPr/>
-          </p:nvPicPr>
-          <p:blipFill rotWithShape="1">
-            <a:blip r:embed="rId9">
-              <a:extLst>
-                <a:ext uri="{28A0092B-C50C-407E-A947-70E740481C1C}">
-                  <a14:useLocalDpi xmlns:a14="http://schemas.microsoft.com/office/drawing/2010/main" val="0"/>
-                </a:ext>
-              </a:extLst>
-            </a:blip>
-            <a:srcRect l="13117" t="15493" r="12280" b="11649"/>
-            <a:stretch/>
-          </p:blipFill>
-          <p:spPr>
-            <a:xfrm>
-              <a:off x="3838543" y="2146625"/>
-              <a:ext cx="126881" cy="114382"/>
-            </a:xfrm>
-            <a:prstGeom prst="rect">
-              <a:avLst/>
-            </a:prstGeom>
-          </p:spPr>
-        </p:pic>
-        <p:pic>
-          <p:nvPicPr>
-            <p:cNvPr id="1103" name="그림 1102">
-              <a:extLst>
-                <a:ext uri="{FF2B5EF4-FFF2-40B4-BE49-F238E27FC236}">
-                  <a16:creationId xmlns:a16="http://schemas.microsoft.com/office/drawing/2014/main" id="{5A560C3A-1ECB-48B7-5028-B9EC31A2BA22}"/>
-                </a:ext>
-              </a:extLst>
-            </p:cNvPr>
-            <p:cNvPicPr>
-              <a:picLocks noChangeAspect="1"/>
-            </p:cNvPicPr>
-            <p:nvPr/>
-          </p:nvPicPr>
-          <p:blipFill rotWithShape="1">
-            <a:blip r:embed="rId9">
-              <a:extLst>
-                <a:ext uri="{28A0092B-C50C-407E-A947-70E740481C1C}">
-                  <a14:useLocalDpi xmlns:a14="http://schemas.microsoft.com/office/drawing/2010/main" val="0"/>
-                </a:ext>
-              </a:extLst>
-            </a:blip>
-            <a:srcRect l="13117" t="15493" r="12280" b="11649"/>
-            <a:stretch/>
-          </p:blipFill>
-          <p:spPr>
-            <a:xfrm>
-              <a:off x="3838543" y="2532428"/>
-              <a:ext cx="126881" cy="114382"/>
-            </a:xfrm>
-            <a:prstGeom prst="rect">
-              <a:avLst/>
-            </a:prstGeom>
-          </p:spPr>
-        </p:pic>
         <p:pic>
           <p:nvPicPr>
             <p:cNvPr id="1104" name="그림 1103">
@@ -7920,6 +8472,410 @@
             <a:xfrm>
               <a:off x="3780255" y="2351125"/>
               <a:ext cx="187529" cy="102072"/>
+            </a:xfrm>
+            <a:prstGeom prst="rect">
+              <a:avLst/>
+            </a:prstGeom>
+          </p:spPr>
+        </p:pic>
+      </p:grpSp>
+      <p:grpSp>
+        <p:nvGrpSpPr>
+          <p:cNvPr id="95" name="그룹 94">
+            <a:extLst>
+              <a:ext uri="{FF2B5EF4-FFF2-40B4-BE49-F238E27FC236}">
+                <a16:creationId xmlns:a16="http://schemas.microsoft.com/office/drawing/2014/main" id="{900677B6-2351-4406-6E8C-17AC3E684F31}"/>
+              </a:ext>
+            </a:extLst>
+          </p:cNvPr>
+          <p:cNvGrpSpPr/>
+          <p:nvPr/>
+        </p:nvGrpSpPr>
+        <p:grpSpPr>
+          <a:xfrm>
+            <a:off x="3838543" y="2935926"/>
+            <a:ext cx="969845" cy="169277"/>
+            <a:chOff x="3838543" y="2895242"/>
+            <a:chExt cx="969845" cy="169277"/>
+          </a:xfrm>
+        </p:grpSpPr>
+        <p:sp>
+          <p:nvSpPr>
+            <p:cNvPr id="43" name="TextBox 42">
+              <a:extLst>
+                <a:ext uri="{FF2B5EF4-FFF2-40B4-BE49-F238E27FC236}">
+                  <a16:creationId xmlns:a16="http://schemas.microsoft.com/office/drawing/2014/main" id="{CCD08C97-1EA2-3C10-A5B3-421440AC9789}"/>
+                </a:ext>
+              </a:extLst>
+            </p:cNvPr>
+            <p:cNvSpPr txBox="1"/>
+            <p:nvPr/>
+          </p:nvSpPr>
+          <p:spPr>
+            <a:xfrm>
+              <a:off x="3993246" y="2895242"/>
+              <a:ext cx="815142" cy="169277"/>
+            </a:xfrm>
+            <a:prstGeom prst="rect">
+              <a:avLst/>
+            </a:prstGeom>
+            <a:noFill/>
+          </p:spPr>
+          <p:txBody>
+            <a:bodyPr wrap="square" rtlCol="0">
+              <a:spAutoFit/>
+            </a:bodyPr>
+            <a:lstStyle/>
+            <a:p>
+              <a:r>
+                <a:rPr lang="en-US" altLang="ko-KR" sz="500">
+                  <a:latin typeface="JejuGothic" panose="02000300000000000000" pitchFamily="2" charset="-127"/>
+                  <a:ea typeface="JejuGothic" panose="02000300000000000000" pitchFamily="2" charset="-127"/>
+                </a:rPr>
+                <a:t>KT </a:t>
+              </a:r>
+              <a:r>
+                <a:rPr lang="ko-KR" altLang="en-US" sz="500">
+                  <a:latin typeface="JejuGothic" panose="02000300000000000000" pitchFamily="2" charset="-127"/>
+                  <a:ea typeface="JejuGothic" panose="02000300000000000000" pitchFamily="2" charset="-127"/>
+                </a:rPr>
+                <a:t>이홍희</a:t>
+              </a:r>
+              <a:endParaRPr lang="ko-KR" altLang="en-US" sz="500" dirty="0">
+                <a:latin typeface="JejuGothic" panose="02000300000000000000" pitchFamily="2" charset="-127"/>
+                <a:ea typeface="JejuGothic" panose="02000300000000000000" pitchFamily="2" charset="-127"/>
+              </a:endParaRPr>
+            </a:p>
+          </p:txBody>
+        </p:sp>
+        <p:pic>
+          <p:nvPicPr>
+            <p:cNvPr id="44" name="그림 43">
+              <a:extLst>
+                <a:ext uri="{FF2B5EF4-FFF2-40B4-BE49-F238E27FC236}">
+                  <a16:creationId xmlns:a16="http://schemas.microsoft.com/office/drawing/2014/main" id="{6FE624DC-C3E1-AC57-C166-07D498F1C78F}"/>
+                </a:ext>
+              </a:extLst>
+            </p:cNvPr>
+            <p:cNvPicPr>
+              <a:picLocks noChangeAspect="1"/>
+            </p:cNvPicPr>
+            <p:nvPr/>
+          </p:nvPicPr>
+          <p:blipFill rotWithShape="1">
+            <a:blip r:embed="rId9">
+              <a:extLst>
+                <a:ext uri="{28A0092B-C50C-407E-A947-70E740481C1C}">
+                  <a14:useLocalDpi xmlns:a14="http://schemas.microsoft.com/office/drawing/2010/main" val="0"/>
+                </a:ext>
+              </a:extLst>
+            </a:blip>
+            <a:srcRect l="13117" t="15493" r="12280" b="11649"/>
+            <a:stretch/>
+          </p:blipFill>
+          <p:spPr>
+            <a:xfrm>
+              <a:off x="3838543" y="2917876"/>
+              <a:ext cx="126881" cy="114382"/>
+            </a:xfrm>
+            <a:prstGeom prst="rect">
+              <a:avLst/>
+            </a:prstGeom>
+          </p:spPr>
+        </p:pic>
+      </p:grpSp>
+      <p:grpSp>
+        <p:nvGrpSpPr>
+          <p:cNvPr id="86" name="그룹 85">
+            <a:extLst>
+              <a:ext uri="{FF2B5EF4-FFF2-40B4-BE49-F238E27FC236}">
+                <a16:creationId xmlns:a16="http://schemas.microsoft.com/office/drawing/2014/main" id="{9316EAFE-686D-53C8-6256-039EDC44E157}"/>
+              </a:ext>
+            </a:extLst>
+          </p:cNvPr>
+          <p:cNvGrpSpPr/>
+          <p:nvPr/>
+        </p:nvGrpSpPr>
+        <p:grpSpPr>
+          <a:xfrm>
+            <a:off x="3621882" y="2397715"/>
+            <a:ext cx="1186506" cy="169277"/>
+            <a:chOff x="3621882" y="2350556"/>
+            <a:chExt cx="1186506" cy="169277"/>
+          </a:xfrm>
+        </p:grpSpPr>
+        <p:sp>
+          <p:nvSpPr>
+            <p:cNvPr id="62" name="TextBox 61">
+              <a:extLst>
+                <a:ext uri="{FF2B5EF4-FFF2-40B4-BE49-F238E27FC236}">
+                  <a16:creationId xmlns:a16="http://schemas.microsoft.com/office/drawing/2014/main" id="{EB410E61-62BE-B398-CBB8-DE65605353FE}"/>
+                </a:ext>
+              </a:extLst>
+            </p:cNvPr>
+            <p:cNvSpPr txBox="1"/>
+            <p:nvPr/>
+          </p:nvSpPr>
+          <p:spPr>
+            <a:xfrm>
+              <a:off x="3993246" y="2350556"/>
+              <a:ext cx="815142" cy="169277"/>
+            </a:xfrm>
+            <a:prstGeom prst="rect">
+              <a:avLst/>
+            </a:prstGeom>
+            <a:noFill/>
+          </p:spPr>
+          <p:txBody>
+            <a:bodyPr wrap="none" rtlCol="0">
+              <a:noAutofit/>
+            </a:bodyPr>
+            <a:lstStyle/>
+            <a:p>
+              <a:r>
+                <a:rPr lang="en-US" altLang="ko-KR" sz="500">
+                  <a:latin typeface="JejuGothic" panose="02000300000000000000" pitchFamily="2" charset="-127"/>
+                  <a:ea typeface="JejuGothic" panose="02000300000000000000" pitchFamily="2" charset="-127"/>
+                </a:rPr>
+                <a:t>POSCO Hodings </a:t>
+              </a:r>
+              <a:r>
+                <a:rPr lang="ko-KR" altLang="en-US" sz="500">
+                  <a:latin typeface="JejuGothic" panose="02000300000000000000" pitchFamily="2" charset="-127"/>
+                  <a:ea typeface="JejuGothic" panose="02000300000000000000" pitchFamily="2" charset="-127"/>
+                </a:rPr>
+                <a:t>최규리</a:t>
+              </a:r>
+              <a:endParaRPr lang="ko-KR" altLang="en-US" sz="500" dirty="0">
+                <a:latin typeface="JejuGothic" panose="02000300000000000000" pitchFamily="2" charset="-127"/>
+                <a:ea typeface="JejuGothic" panose="02000300000000000000" pitchFamily="2" charset="-127"/>
+              </a:endParaRPr>
+            </a:p>
+          </p:txBody>
+        </p:sp>
+        <p:pic>
+          <p:nvPicPr>
+            <p:cNvPr id="81" name="그림 80">
+              <a:extLst>
+                <a:ext uri="{FF2B5EF4-FFF2-40B4-BE49-F238E27FC236}">
+                  <a16:creationId xmlns:a16="http://schemas.microsoft.com/office/drawing/2014/main" id="{E29360ED-7EF6-212D-9A65-0466B6C42B59}"/>
+                </a:ext>
+              </a:extLst>
+            </p:cNvPr>
+            <p:cNvPicPr>
+              <a:picLocks noChangeAspect="1"/>
+            </p:cNvPicPr>
+            <p:nvPr/>
+          </p:nvPicPr>
+          <p:blipFill>
+            <a:blip r:embed="rId16"/>
+            <a:stretch>
+              <a:fillRect/>
+            </a:stretch>
+          </p:blipFill>
+          <p:spPr>
+            <a:xfrm>
+              <a:off x="3621882" y="2364934"/>
+              <a:ext cx="351300" cy="140520"/>
+            </a:xfrm>
+            <a:prstGeom prst="rect">
+              <a:avLst/>
+            </a:prstGeom>
+          </p:spPr>
+        </p:pic>
+      </p:grpSp>
+      <p:grpSp>
+        <p:nvGrpSpPr>
+          <p:cNvPr id="97" name="그룹 96">
+            <a:extLst>
+              <a:ext uri="{FF2B5EF4-FFF2-40B4-BE49-F238E27FC236}">
+                <a16:creationId xmlns:a16="http://schemas.microsoft.com/office/drawing/2014/main" id="{3F22EEC5-835C-AC52-6F5D-CEF77AE0D36F}"/>
+              </a:ext>
+            </a:extLst>
+          </p:cNvPr>
+          <p:cNvGrpSpPr/>
+          <p:nvPr/>
+        </p:nvGrpSpPr>
+        <p:grpSpPr>
+          <a:xfrm>
+            <a:off x="3594835" y="2577120"/>
+            <a:ext cx="1213553" cy="169277"/>
+            <a:chOff x="3594835" y="2537881"/>
+            <a:chExt cx="1213553" cy="169277"/>
+          </a:xfrm>
+        </p:grpSpPr>
+        <p:sp>
+          <p:nvSpPr>
+            <p:cNvPr id="63" name="TextBox 62">
+              <a:extLst>
+                <a:ext uri="{FF2B5EF4-FFF2-40B4-BE49-F238E27FC236}">
+                  <a16:creationId xmlns:a16="http://schemas.microsoft.com/office/drawing/2014/main" id="{C6A46877-843A-95C0-778C-8C625E340C50}"/>
+                </a:ext>
+              </a:extLst>
+            </p:cNvPr>
+            <p:cNvSpPr txBox="1"/>
+            <p:nvPr/>
+          </p:nvSpPr>
+          <p:spPr>
+            <a:xfrm>
+              <a:off x="3993246" y="2537881"/>
+              <a:ext cx="815142" cy="169277"/>
+            </a:xfrm>
+            <a:prstGeom prst="rect">
+              <a:avLst/>
+            </a:prstGeom>
+            <a:noFill/>
+          </p:spPr>
+          <p:txBody>
+            <a:bodyPr wrap="square" rtlCol="0">
+              <a:spAutoFit/>
+            </a:bodyPr>
+            <a:lstStyle/>
+            <a:p>
+              <a:r>
+                <a:rPr lang="en-US" altLang="ko-KR" sz="500">
+                  <a:latin typeface="JejuGothic" panose="02000300000000000000" pitchFamily="2" charset="-127"/>
+                  <a:ea typeface="JejuGothic" panose="02000300000000000000" pitchFamily="2" charset="-127"/>
+                </a:rPr>
+                <a:t>Nexon </a:t>
+              </a:r>
+              <a:r>
+                <a:rPr lang="ko-KR" altLang="en-US" sz="500">
+                  <a:latin typeface="JejuGothic" panose="02000300000000000000" pitchFamily="2" charset="-127"/>
+                  <a:ea typeface="JejuGothic" panose="02000300000000000000" pitchFamily="2" charset="-127"/>
+                </a:rPr>
+                <a:t>장영재</a:t>
+              </a:r>
+              <a:endParaRPr lang="ko-KR" altLang="en-US" sz="500" dirty="0">
+                <a:latin typeface="JejuGothic" panose="02000300000000000000" pitchFamily="2" charset="-127"/>
+                <a:ea typeface="JejuGothic" panose="02000300000000000000" pitchFamily="2" charset="-127"/>
+              </a:endParaRPr>
+            </a:p>
+          </p:txBody>
+        </p:sp>
+        <p:pic>
+          <p:nvPicPr>
+            <p:cNvPr id="91" name="그림 90">
+              <a:extLst>
+                <a:ext uri="{FF2B5EF4-FFF2-40B4-BE49-F238E27FC236}">
+                  <a16:creationId xmlns:a16="http://schemas.microsoft.com/office/drawing/2014/main" id="{1582651E-A550-2B6F-4938-AC49D02C6E36}"/>
+                </a:ext>
+              </a:extLst>
+            </p:cNvPr>
+            <p:cNvPicPr>
+              <a:picLocks noChangeAspect="1"/>
+            </p:cNvPicPr>
+            <p:nvPr/>
+          </p:nvPicPr>
+          <p:blipFill>
+            <a:blip r:embed="rId17"/>
+            <a:stretch>
+              <a:fillRect/>
+            </a:stretch>
+          </p:blipFill>
+          <p:spPr>
+            <a:xfrm>
+              <a:off x="3594835" y="2581118"/>
+              <a:ext cx="382040" cy="116140"/>
+            </a:xfrm>
+            <a:prstGeom prst="rect">
+              <a:avLst/>
+            </a:prstGeom>
+          </p:spPr>
+        </p:pic>
+      </p:grpSp>
+      <p:grpSp>
+        <p:nvGrpSpPr>
+          <p:cNvPr id="96" name="그룹 95">
+            <a:extLst>
+              <a:ext uri="{FF2B5EF4-FFF2-40B4-BE49-F238E27FC236}">
+                <a16:creationId xmlns:a16="http://schemas.microsoft.com/office/drawing/2014/main" id="{84105939-428D-2D03-4728-017C1D3739EA}"/>
+              </a:ext>
+            </a:extLst>
+          </p:cNvPr>
+          <p:cNvGrpSpPr/>
+          <p:nvPr/>
+        </p:nvGrpSpPr>
+        <p:grpSpPr>
+          <a:xfrm>
+            <a:off x="3602252" y="2756525"/>
+            <a:ext cx="1206136" cy="169277"/>
+            <a:chOff x="3602252" y="2714691"/>
+            <a:chExt cx="1206136" cy="169277"/>
+          </a:xfrm>
+        </p:grpSpPr>
+        <p:sp>
+          <p:nvSpPr>
+            <p:cNvPr id="78" name="TextBox 77">
+              <a:extLst>
+                <a:ext uri="{FF2B5EF4-FFF2-40B4-BE49-F238E27FC236}">
+                  <a16:creationId xmlns:a16="http://schemas.microsoft.com/office/drawing/2014/main" id="{8223737C-A497-5990-AF53-82FB00954F3E}"/>
+                </a:ext>
+              </a:extLst>
+            </p:cNvPr>
+            <p:cNvSpPr txBox="1"/>
+            <p:nvPr/>
+          </p:nvSpPr>
+          <p:spPr>
+            <a:xfrm>
+              <a:off x="3993246" y="2714691"/>
+              <a:ext cx="815142" cy="169277"/>
+            </a:xfrm>
+            <a:prstGeom prst="rect">
+              <a:avLst/>
+            </a:prstGeom>
+            <a:noFill/>
+          </p:spPr>
+          <p:txBody>
+            <a:bodyPr wrap="square" rtlCol="0">
+              <a:spAutoFit/>
+            </a:bodyPr>
+            <a:lstStyle/>
+            <a:p>
+              <a:r>
+                <a:rPr lang="en-US" altLang="ko-KR" sz="500">
+                  <a:latin typeface="JejuGothic" panose="02000300000000000000" pitchFamily="2" charset="-127"/>
+                  <a:ea typeface="JejuGothic" panose="02000300000000000000" pitchFamily="2" charset="-127"/>
+                </a:rPr>
+                <a:t>Saltlux </a:t>
+              </a:r>
+              <a:r>
+                <a:rPr lang="ko-KR" altLang="en-US" sz="500">
+                  <a:latin typeface="JejuGothic" panose="02000300000000000000" pitchFamily="2" charset="-127"/>
+                  <a:ea typeface="JejuGothic" panose="02000300000000000000" pitchFamily="2" charset="-127"/>
+                </a:rPr>
+                <a:t>유재아</a:t>
+              </a:r>
+              <a:endParaRPr lang="ko-KR" altLang="en-US" sz="500" dirty="0">
+                <a:latin typeface="JejuGothic" panose="02000300000000000000" pitchFamily="2" charset="-127"/>
+                <a:ea typeface="JejuGothic" panose="02000300000000000000" pitchFamily="2" charset="-127"/>
+              </a:endParaRPr>
+            </a:p>
+          </p:txBody>
+        </p:sp>
+        <p:pic>
+          <p:nvPicPr>
+            <p:cNvPr id="93" name="그림 92">
+              <a:extLst>
+                <a:ext uri="{FF2B5EF4-FFF2-40B4-BE49-F238E27FC236}">
+                  <a16:creationId xmlns:a16="http://schemas.microsoft.com/office/drawing/2014/main" id="{FA27A2E4-3622-762F-D71D-A5EB4A99D09B}"/>
+                </a:ext>
+              </a:extLst>
+            </p:cNvPr>
+            <p:cNvPicPr>
+              <a:picLocks noChangeAspect="1"/>
+            </p:cNvPicPr>
+            <p:nvPr/>
+          </p:nvPicPr>
+          <p:blipFill rotWithShape="1">
+            <a:blip r:embed="rId18"/>
+            <a:srcRect b="35490"/>
+            <a:stretch/>
+          </p:blipFill>
+          <p:spPr>
+            <a:xfrm>
+              <a:off x="3602252" y="2739699"/>
+              <a:ext cx="377704" cy="96706"/>
             </a:xfrm>
             <a:prstGeom prst="rect">
               <a:avLst/>
@@ -9306,6 +10262,16 @@
               <a:buChar char="•"/>
             </a:pPr>
             <a:r>
+              <a:rPr lang="en-US" altLang="ko-KR" sz="800" b="1">
+                <a:solidFill>
+                  <a:srgbClr val="A52A2A"/>
+                </a:solidFill>
+                <a:latin typeface="제주고딕" panose="02000300000000000000" pitchFamily="2" charset="-127"/>
+                <a:ea typeface="제주고딕" panose="02000300000000000000" pitchFamily="2" charset="-127"/>
+              </a:rPr>
+              <a:t>DSTC10 </a:t>
+            </a:r>
+            <a:r>
               <a:rPr lang="en-US" altLang="ko-KR" sz="800" b="1" dirty="0">
                 <a:solidFill>
                   <a:srgbClr val="A52A2A"/>
@@ -9313,10 +10279,20 @@
                 <a:latin typeface="제주고딕" panose="02000300000000000000" pitchFamily="2" charset="-127"/>
                 <a:ea typeface="제주고딕" panose="02000300000000000000" pitchFamily="2" charset="-127"/>
               </a:rPr>
-              <a:t>DSTC9 Workshop of AAAI 2021</a:t>
-            </a:r>
-            <a:r>
-              <a:rPr lang="ko-KR" altLang="en-US" sz="800" dirty="0">
+              <a:t>Workshop of </a:t>
+            </a:r>
+            <a:r>
+              <a:rPr lang="en-US" altLang="ko-KR" sz="800" b="1">
+                <a:solidFill>
+                  <a:srgbClr val="A52A2A"/>
+                </a:solidFill>
+                <a:latin typeface="제주고딕" panose="02000300000000000000" pitchFamily="2" charset="-127"/>
+                <a:ea typeface="제주고딕" panose="02000300000000000000" pitchFamily="2" charset="-127"/>
+              </a:rPr>
+              <a:t>AAAI 2022</a:t>
+            </a:r>
+            <a:r>
+              <a:rPr lang="ko-KR" altLang="en-US" sz="800">
                 <a:latin typeface="제주고딕" panose="02000300000000000000" pitchFamily="2" charset="-127"/>
                 <a:ea typeface="제주고딕" panose="02000300000000000000" pitchFamily="2" charset="-127"/>
               </a:rPr>
@@ -9327,14 +10303,21 @@
                 <a:latin typeface="제주고딕" panose="02000300000000000000" pitchFamily="2" charset="-127"/>
                 <a:ea typeface="제주고딕" panose="02000300000000000000" pitchFamily="2" charset="-127"/>
               </a:rPr>
-              <a:t>2</a:t>
+              <a:t>3</a:t>
+            </a:r>
+            <a:r>
+              <a:rPr lang="ko-KR" altLang="en-US" sz="800" b="1">
+                <a:latin typeface="제주고딕" panose="02000300000000000000" pitchFamily="2" charset="-127"/>
+                <a:ea typeface="제주고딕" panose="02000300000000000000" pitchFamily="2" charset="-127"/>
+              </a:rPr>
+              <a:t>편의 </a:t>
             </a:r>
             <a:r>
               <a:rPr lang="ko-KR" altLang="en-US" sz="800" b="1" dirty="0">
                 <a:latin typeface="제주고딕" panose="02000300000000000000" pitchFamily="2" charset="-127"/>
                 <a:ea typeface="제주고딕" panose="02000300000000000000" pitchFamily="2" charset="-127"/>
               </a:rPr>
-              <a:t>편의 논문</a:t>
+              <a:t>논문</a:t>
             </a:r>
             <a:r>
               <a:rPr lang="ko-KR" altLang="en-US" sz="800" dirty="0">

--- a/assets/img/notice_panel-1.pptx
+++ b/assets/img/notice_panel-1.pptx
@@ -5215,69 +5215,12 @@
           </a:prstGeom>
         </p:spPr>
       </p:pic>
-      <p:sp>
-        <p:nvSpPr>
-          <p:cNvPr id="30" name="직사각형 29">
-            <a:extLst>
-              <a:ext uri="{FF2B5EF4-FFF2-40B4-BE49-F238E27FC236}">
-                <a16:creationId xmlns:a16="http://schemas.microsoft.com/office/drawing/2014/main" id="{77B6E88B-72A3-42DA-BF4B-84AD02D2D0CD}"/>
-              </a:ext>
-            </a:extLst>
-          </p:cNvPr>
-          <p:cNvSpPr/>
-          <p:nvPr/>
-        </p:nvSpPr>
-        <p:spPr>
-          <a:xfrm>
-            <a:off x="1075737" y="2328187"/>
-            <a:ext cx="179532" cy="68247"/>
-          </a:xfrm>
-          <a:prstGeom prst="rect">
-            <a:avLst/>
-          </a:prstGeom>
-          <a:solidFill>
-            <a:schemeClr val="bg1"/>
-          </a:solidFill>
-          <a:ln>
-            <a:solidFill>
-              <a:schemeClr val="bg1"/>
-            </a:solidFill>
-          </a:ln>
-        </p:spPr>
-        <p:style>
-          <a:lnRef idx="2">
-            <a:schemeClr val="accent1">
-              <a:shade val="50000"/>
-            </a:schemeClr>
-          </a:lnRef>
-          <a:fillRef idx="1">
-            <a:schemeClr val="accent1"/>
-          </a:fillRef>
-          <a:effectRef idx="0">
-            <a:schemeClr val="accent1"/>
-          </a:effectRef>
-          <a:fontRef idx="minor">
-            <a:schemeClr val="lt1"/>
-          </a:fontRef>
-        </p:style>
-        <p:txBody>
-          <a:bodyPr rtlCol="0" anchor="ctr"/>
-          <a:lstStyle/>
-          <a:p>
-            <a:pPr algn="ctr"/>
-            <a:endParaRPr lang="ko-KR" altLang="en-US" sz="1600" dirty="0">
-              <a:latin typeface="JejuGothic" panose="02000300000000000000" pitchFamily="2" charset="-127"/>
-              <a:ea typeface="JejuGothic" panose="02000300000000000000" pitchFamily="2" charset="-127"/>
-            </a:endParaRPr>
-          </a:p>
-        </p:txBody>
-      </p:sp>
       <p:grpSp>
         <p:nvGrpSpPr>
-          <p:cNvPr id="3" name="그룹 2">
-            <a:extLst>
-              <a:ext uri="{FF2B5EF4-FFF2-40B4-BE49-F238E27FC236}">
-                <a16:creationId xmlns:a16="http://schemas.microsoft.com/office/drawing/2014/main" id="{01BC2C2E-2678-89F7-C94E-B049143D05F9}"/>
+          <p:cNvPr id="90" name="그룹 89">
+            <a:extLst>
+              <a:ext uri="{FF2B5EF4-FFF2-40B4-BE49-F238E27FC236}">
+                <a16:creationId xmlns:a16="http://schemas.microsoft.com/office/drawing/2014/main" id="{06563E1B-B811-3784-3352-D739FA9EF96F}"/>
               </a:ext>
             </a:extLst>
           </p:cNvPr>
@@ -5286,9 +5229,9 @@
         </p:nvGrpSpPr>
         <p:grpSpPr>
           <a:xfrm>
-            <a:off x="826608" y="1087850"/>
+            <a:off x="826608" y="1260568"/>
             <a:ext cx="1176492" cy="169277"/>
-            <a:chOff x="826608" y="1160572"/>
+            <a:chOff x="826608" y="1087850"/>
             <a:chExt cx="1176492" cy="169277"/>
           </a:xfrm>
         </p:grpSpPr>
@@ -5306,7 +5249,7 @@
           </p:nvSpPr>
           <p:spPr>
             <a:xfrm>
-              <a:off x="1187955" y="1160572"/>
+              <a:off x="1187955" y="1087850"/>
               <a:ext cx="815145" cy="169277"/>
             </a:xfrm>
             <a:prstGeom prst="rect">
@@ -5364,7 +5307,7 @@
           </p:blipFill>
           <p:spPr>
             <a:xfrm>
-              <a:off x="826608" y="1196879"/>
+              <a:off x="826608" y="1124157"/>
               <a:ext cx="331082" cy="112681"/>
             </a:xfrm>
             <a:prstGeom prst="rect">
@@ -5387,7 +5330,7 @@
         </p:nvGrpSpPr>
         <p:grpSpPr>
           <a:xfrm>
-            <a:off x="571707" y="1265041"/>
+            <a:off x="571707" y="1428104"/>
             <a:ext cx="1431396" cy="169277"/>
             <a:chOff x="571707" y="1353318"/>
             <a:chExt cx="1431396" cy="169277"/>
@@ -5500,7 +5443,7 @@
         </p:nvGrpSpPr>
         <p:grpSpPr>
           <a:xfrm>
-            <a:off x="820820" y="1442232"/>
+            <a:off x="820820" y="1595640"/>
             <a:ext cx="1182280" cy="169277"/>
             <a:chOff x="820820" y="1546064"/>
             <a:chExt cx="1182280" cy="169277"/>
@@ -5620,7 +5563,7 @@
         </p:nvGrpSpPr>
         <p:grpSpPr>
           <a:xfrm>
-            <a:off x="802943" y="2150996"/>
+            <a:off x="802943" y="2265784"/>
             <a:ext cx="1200156" cy="169277"/>
             <a:chOff x="802943" y="2317048"/>
             <a:chExt cx="1200156" cy="169277"/>
@@ -5740,7 +5683,7 @@
         </p:nvGrpSpPr>
         <p:grpSpPr>
           <a:xfrm>
-            <a:off x="1015235" y="1619423"/>
+            <a:off x="1015235" y="1763176"/>
             <a:ext cx="987864" cy="169277"/>
             <a:chOff x="1015235" y="1738810"/>
             <a:chExt cx="987864" cy="169277"/>
@@ -5855,7 +5798,7 @@
         </p:nvGrpSpPr>
         <p:grpSpPr>
           <a:xfrm>
-            <a:off x="1009034" y="1796614"/>
+            <a:off x="1009034" y="1930712"/>
             <a:ext cx="994065" cy="169277"/>
             <a:chOff x="1009034" y="1931556"/>
             <a:chExt cx="994065" cy="169277"/>
@@ -5970,7 +5913,7 @@
         </p:nvGrpSpPr>
         <p:grpSpPr>
           <a:xfrm>
-            <a:off x="1009034" y="1973805"/>
+            <a:off x="1009034" y="2098248"/>
             <a:ext cx="994065" cy="169277"/>
             <a:chOff x="1009034" y="2124302"/>
             <a:chExt cx="994065" cy="169277"/>
@@ -6085,7 +6028,7 @@
         </p:nvGrpSpPr>
         <p:grpSpPr>
           <a:xfrm>
-            <a:off x="838513" y="2404348"/>
+            <a:off x="838513" y="2433320"/>
             <a:ext cx="1164586" cy="169277"/>
             <a:chOff x="838513" y="2509794"/>
             <a:chExt cx="1164586" cy="169277"/>
@@ -6196,7 +6139,7 @@
         </p:nvGrpSpPr>
         <p:grpSpPr>
           <a:xfrm>
-            <a:off x="1023747" y="2581539"/>
+            <a:off x="1023747" y="2600856"/>
             <a:ext cx="982399" cy="169277"/>
             <a:chOff x="1023747" y="2702425"/>
             <a:chExt cx="982399" cy="169277"/>
@@ -6297,7 +6240,7 @@
         </p:nvGrpSpPr>
         <p:grpSpPr>
           <a:xfrm>
-            <a:off x="838513" y="2758730"/>
+            <a:off x="838513" y="2768392"/>
             <a:ext cx="1165936" cy="169277"/>
             <a:chOff x="838513" y="2813348"/>
             <a:chExt cx="1165936" cy="169277"/>
@@ -7845,7 +7788,7 @@
         </p:nvGrpSpPr>
         <p:grpSpPr>
           <a:xfrm>
-            <a:off x="3561894" y="1267255"/>
+            <a:off x="3561894" y="1272658"/>
             <a:ext cx="1246494" cy="169277"/>
             <a:chOff x="3561894" y="1738810"/>
             <a:chExt cx="1246494" cy="169277"/>
@@ -7950,10 +7893,10 @@
       </p:grpSp>
       <p:grpSp>
         <p:nvGrpSpPr>
-          <p:cNvPr id="46" name="그룹 45">
-            <a:extLst>
-              <a:ext uri="{FF2B5EF4-FFF2-40B4-BE49-F238E27FC236}">
-                <a16:creationId xmlns:a16="http://schemas.microsoft.com/office/drawing/2014/main" id="{5EC0EE86-062A-9081-8B53-1ECB90BDF85E}"/>
+          <p:cNvPr id="98" name="그룹 97">
+            <a:extLst>
+              <a:ext uri="{FF2B5EF4-FFF2-40B4-BE49-F238E27FC236}">
+                <a16:creationId xmlns:a16="http://schemas.microsoft.com/office/drawing/2014/main" id="{9AD6EEBA-1E5A-F73C-DB19-E57C5D117BF8}"/>
               </a:ext>
             </a:extLst>
           </p:cNvPr>
@@ -7962,10 +7905,10 @@
         </p:nvGrpSpPr>
         <p:grpSpPr>
           <a:xfrm>
-            <a:off x="3599205" y="2164280"/>
-            <a:ext cx="1212230" cy="223307"/>
-            <a:chOff x="3599205" y="2688588"/>
-            <a:chExt cx="1212230" cy="223307"/>
+            <a:off x="3599205" y="2196698"/>
+            <a:ext cx="1212230" cy="169277"/>
+            <a:chOff x="3599205" y="2178117"/>
+            <a:chExt cx="1212230" cy="169277"/>
           </a:xfrm>
         </p:grpSpPr>
         <p:pic>
@@ -7982,7 +7925,7 @@
             </p:cNvPicPr>
             <p:nvPr/>
           </p:nvPicPr>
-          <p:blipFill>
+          <p:blipFill rotWithShape="1">
             <a:blip r:embed="rId15">
               <a:extLst>
                 <a:ext uri="{28A0092B-C50C-407E-A947-70E740481C1C}">
@@ -7990,15 +7933,13 @@
                 </a:ext>
               </a:extLst>
             </a:blip>
-            <a:srcRect/>
-            <a:stretch>
-              <a:fillRect/>
-            </a:stretch>
+            <a:srcRect t="20151" b="21117"/>
+            <a:stretch/>
           </p:blipFill>
           <p:spPr bwMode="auto">
             <a:xfrm>
-              <a:off x="3599205" y="2688588"/>
-              <a:ext cx="396990" cy="223307"/>
+              <a:off x="3599205" y="2209279"/>
+              <a:ext cx="396990" cy="131152"/>
             </a:xfrm>
             <a:prstGeom prst="rect">
               <a:avLst/>
@@ -8029,7 +7970,7 @@
           </p:nvSpPr>
           <p:spPr>
             <a:xfrm>
-              <a:off x="3993435" y="2702425"/>
+              <a:off x="3993435" y="2178117"/>
               <a:ext cx="818000" cy="169277"/>
             </a:xfrm>
             <a:prstGeom prst="rect">
@@ -8072,7 +8013,7 @@
         </p:nvGrpSpPr>
         <p:grpSpPr>
           <a:xfrm>
-            <a:off x="3838543" y="1446660"/>
+            <a:off x="3838543" y="1457466"/>
             <a:ext cx="969845" cy="169277"/>
             <a:chOff x="3838543" y="1931556"/>
             <a:chExt cx="969845" cy="169277"/>
@@ -8177,7 +8118,7 @@
         </p:nvGrpSpPr>
         <p:grpSpPr>
           <a:xfrm>
-            <a:off x="3838543" y="1626065"/>
+            <a:off x="3838543" y="1642274"/>
             <a:ext cx="969845" cy="169277"/>
             <a:chOff x="3838543" y="2124302"/>
             <a:chExt cx="969845" cy="169277"/>
@@ -8282,7 +8223,7 @@
         </p:nvGrpSpPr>
         <p:grpSpPr>
           <a:xfrm>
-            <a:off x="3838543" y="1984875"/>
+            <a:off x="3838543" y="2011890"/>
             <a:ext cx="969845" cy="169277"/>
             <a:chOff x="3838543" y="2509794"/>
             <a:chExt cx="969845" cy="169277"/>
@@ -8387,7 +8328,7 @@
         </p:nvGrpSpPr>
         <p:grpSpPr>
           <a:xfrm>
-            <a:off x="3780255" y="1805470"/>
+            <a:off x="3780255" y="1827082"/>
             <a:ext cx="1028133" cy="169277"/>
             <a:chOff x="3780255" y="2317048"/>
             <a:chExt cx="1028133" cy="169277"/>
@@ -8598,7 +8539,7 @@
         </p:nvGrpSpPr>
         <p:grpSpPr>
           <a:xfrm>
-            <a:off x="3621882" y="2397715"/>
+            <a:off x="3621882" y="2381506"/>
             <a:ext cx="1186506" cy="169277"/>
             <a:chOff x="3621882" y="2350556"/>
             <a:chExt cx="1186506" cy="169277"/>
@@ -8698,7 +8639,7 @@
         </p:nvGrpSpPr>
         <p:grpSpPr>
           <a:xfrm>
-            <a:off x="3594835" y="2577120"/>
+            <a:off x="3594835" y="2566314"/>
             <a:ext cx="1213553" cy="169277"/>
             <a:chOff x="3594835" y="2537881"/>
             <a:chExt cx="1213553" cy="169277"/>
@@ -8798,7 +8739,7 @@
         </p:nvGrpSpPr>
         <p:grpSpPr>
           <a:xfrm>
-            <a:off x="3602252" y="2756525"/>
+            <a:off x="3602252" y="2751122"/>
             <a:ext cx="1206136" cy="169277"/>
             <a:chOff x="3602252" y="2714691"/>
             <a:chExt cx="1206136" cy="169277"/>
@@ -8876,6 +8817,113 @@
             <a:xfrm>
               <a:off x="3602252" y="2739699"/>
               <a:ext cx="377704" cy="96706"/>
+            </a:xfrm>
+            <a:prstGeom prst="rect">
+              <a:avLst/>
+            </a:prstGeom>
+          </p:spPr>
+        </p:pic>
+      </p:grpSp>
+      <p:grpSp>
+        <p:nvGrpSpPr>
+          <p:cNvPr id="94" name="그룹 93">
+            <a:extLst>
+              <a:ext uri="{FF2B5EF4-FFF2-40B4-BE49-F238E27FC236}">
+                <a16:creationId xmlns:a16="http://schemas.microsoft.com/office/drawing/2014/main" id="{90DF258C-2D04-0221-8E85-F22FFE85DF03}"/>
+              </a:ext>
+            </a:extLst>
+          </p:cNvPr>
+          <p:cNvGrpSpPr/>
+          <p:nvPr/>
+        </p:nvGrpSpPr>
+        <p:grpSpPr>
+          <a:xfrm>
+            <a:off x="693158" y="1087850"/>
+            <a:ext cx="1309942" cy="174459"/>
+            <a:chOff x="693158" y="1069121"/>
+            <a:chExt cx="1309942" cy="174459"/>
+          </a:xfrm>
+        </p:grpSpPr>
+        <p:sp>
+          <p:nvSpPr>
+            <p:cNvPr id="61" name="TextBox 60">
+              <a:extLst>
+                <a:ext uri="{FF2B5EF4-FFF2-40B4-BE49-F238E27FC236}">
+                  <a16:creationId xmlns:a16="http://schemas.microsoft.com/office/drawing/2014/main" id="{26BFCD1E-2AC6-7A8B-AF2F-CA9F1DC91ECB}"/>
+                </a:ext>
+              </a:extLst>
+            </p:cNvPr>
+            <p:cNvSpPr txBox="1"/>
+            <p:nvPr/>
+          </p:nvSpPr>
+          <p:spPr>
+            <a:xfrm>
+              <a:off x="1187955" y="1069430"/>
+              <a:ext cx="815145" cy="169277"/>
+            </a:xfrm>
+            <a:prstGeom prst="rect">
+              <a:avLst/>
+            </a:prstGeom>
+            <a:noFill/>
+          </p:spPr>
+          <p:txBody>
+            <a:bodyPr wrap="square" rtlCol="0">
+              <a:spAutoFit/>
+            </a:bodyPr>
+            <a:lstStyle/>
+            <a:p>
+              <a:r>
+                <a:rPr lang="ko-KR" altLang="en-US" sz="500">
+                  <a:latin typeface="JejuGothic" panose="02000300000000000000" pitchFamily="2" charset="-127"/>
+                  <a:ea typeface="JejuGothic" panose="02000300000000000000" pitchFamily="2" charset="-127"/>
+                </a:rPr>
+                <a:t>동아대학교 교수</a:t>
+              </a:r>
+              <a:r>
+                <a:rPr lang="en-US" altLang="ko-KR" sz="500">
+                  <a:latin typeface="JejuGothic" panose="02000300000000000000" pitchFamily="2" charset="-127"/>
+                  <a:ea typeface="JejuGothic" panose="02000300000000000000" pitchFamily="2" charset="-127"/>
+                </a:rPr>
+                <a:t> </a:t>
+              </a:r>
+              <a:r>
+                <a:rPr lang="ko-KR" altLang="en-US" sz="500">
+                  <a:latin typeface="JejuGothic" panose="02000300000000000000" pitchFamily="2" charset="-127"/>
+                  <a:ea typeface="JejuGothic" panose="02000300000000000000" pitchFamily="2" charset="-127"/>
+                </a:rPr>
+                <a:t>양선</a:t>
+              </a:r>
+              <a:endParaRPr lang="ko-KR" altLang="en-US" sz="500" dirty="0">
+                <a:latin typeface="JejuGothic" panose="02000300000000000000" pitchFamily="2" charset="-127"/>
+                <a:ea typeface="JejuGothic" panose="02000300000000000000" pitchFamily="2" charset="-127"/>
+              </a:endParaRPr>
+            </a:p>
+          </p:txBody>
+        </p:sp>
+        <p:pic>
+          <p:nvPicPr>
+            <p:cNvPr id="92" name="그림 91">
+              <a:extLst>
+                <a:ext uri="{FF2B5EF4-FFF2-40B4-BE49-F238E27FC236}">
+                  <a16:creationId xmlns:a16="http://schemas.microsoft.com/office/drawing/2014/main" id="{3F96C693-DEA5-D1C4-D1D5-9B393BD7E3DE}"/>
+                </a:ext>
+              </a:extLst>
+            </p:cNvPr>
+            <p:cNvPicPr>
+              <a:picLocks noChangeAspect="1"/>
+            </p:cNvPicPr>
+            <p:nvPr/>
+          </p:nvPicPr>
+          <p:blipFill>
+            <a:blip r:embed="rId19"/>
+            <a:stretch>
+              <a:fillRect/>
+            </a:stretch>
+          </p:blipFill>
+          <p:spPr>
+            <a:xfrm>
+              <a:off x="693158" y="1069121"/>
+              <a:ext cx="494091" cy="174459"/>
             </a:xfrm>
             <a:prstGeom prst="rect">
               <a:avLst/>

--- a/assets/img/notice_panel-1.pptx
+++ b/assets/img/notice_panel-1.pptx
@@ -260,7 +260,7 @@
           <a:p>
             <a:fld id="{91C883BF-99AE-42FD-96B8-D02942FEBE9A}" type="datetimeFigureOut">
               <a:rPr lang="ko-KR" altLang="en-US" smtClean="0"/>
-              <a:t>2024-03-07</a:t>
+              <a:t>2024-06-19</a:t>
             </a:fld>
             <a:endParaRPr lang="ko-KR" altLang="en-US" dirty="0"/>
           </a:p>
@@ -458,7 +458,7 @@
           <a:p>
             <a:fld id="{91C883BF-99AE-42FD-96B8-D02942FEBE9A}" type="datetimeFigureOut">
               <a:rPr lang="ko-KR" altLang="en-US" smtClean="0"/>
-              <a:t>2024-03-07</a:t>
+              <a:t>2024-06-19</a:t>
             </a:fld>
             <a:endParaRPr lang="ko-KR" altLang="en-US" dirty="0"/>
           </a:p>
@@ -666,7 +666,7 @@
           <a:p>
             <a:fld id="{91C883BF-99AE-42FD-96B8-D02942FEBE9A}" type="datetimeFigureOut">
               <a:rPr lang="ko-KR" altLang="en-US" smtClean="0"/>
-              <a:t>2024-03-07</a:t>
+              <a:t>2024-06-19</a:t>
             </a:fld>
             <a:endParaRPr lang="ko-KR" altLang="en-US" dirty="0"/>
           </a:p>
@@ -864,7 +864,7 @@
           <a:p>
             <a:fld id="{91C883BF-99AE-42FD-96B8-D02942FEBE9A}" type="datetimeFigureOut">
               <a:rPr lang="ko-KR" altLang="en-US" smtClean="0"/>
-              <a:t>2024-03-07</a:t>
+              <a:t>2024-06-19</a:t>
             </a:fld>
             <a:endParaRPr lang="ko-KR" altLang="en-US" dirty="0"/>
           </a:p>
@@ -1139,7 +1139,7 @@
           <a:p>
             <a:fld id="{91C883BF-99AE-42FD-96B8-D02942FEBE9A}" type="datetimeFigureOut">
               <a:rPr lang="ko-KR" altLang="en-US" smtClean="0"/>
-              <a:t>2024-03-07</a:t>
+              <a:t>2024-06-19</a:t>
             </a:fld>
             <a:endParaRPr lang="ko-KR" altLang="en-US" dirty="0"/>
           </a:p>
@@ -1404,7 +1404,7 @@
           <a:p>
             <a:fld id="{91C883BF-99AE-42FD-96B8-D02942FEBE9A}" type="datetimeFigureOut">
               <a:rPr lang="ko-KR" altLang="en-US" smtClean="0"/>
-              <a:t>2024-03-07</a:t>
+              <a:t>2024-06-19</a:t>
             </a:fld>
             <a:endParaRPr lang="ko-KR" altLang="en-US" dirty="0"/>
           </a:p>
@@ -1816,7 +1816,7 @@
           <a:p>
             <a:fld id="{91C883BF-99AE-42FD-96B8-D02942FEBE9A}" type="datetimeFigureOut">
               <a:rPr lang="ko-KR" altLang="en-US" smtClean="0"/>
-              <a:t>2024-03-07</a:t>
+              <a:t>2024-06-19</a:t>
             </a:fld>
             <a:endParaRPr lang="ko-KR" altLang="en-US" dirty="0"/>
           </a:p>
@@ -1957,7 +1957,7 @@
           <a:p>
             <a:fld id="{91C883BF-99AE-42FD-96B8-D02942FEBE9A}" type="datetimeFigureOut">
               <a:rPr lang="ko-KR" altLang="en-US" smtClean="0"/>
-              <a:t>2024-03-07</a:t>
+              <a:t>2024-06-19</a:t>
             </a:fld>
             <a:endParaRPr lang="ko-KR" altLang="en-US" dirty="0"/>
           </a:p>
@@ -2070,7 +2070,7 @@
           <a:p>
             <a:fld id="{91C883BF-99AE-42FD-96B8-D02942FEBE9A}" type="datetimeFigureOut">
               <a:rPr lang="ko-KR" altLang="en-US" smtClean="0"/>
-              <a:t>2024-03-07</a:t>
+              <a:t>2024-06-19</a:t>
             </a:fld>
             <a:endParaRPr lang="ko-KR" altLang="en-US" dirty="0"/>
           </a:p>
@@ -2381,7 +2381,7 @@
           <a:p>
             <a:fld id="{91C883BF-99AE-42FD-96B8-D02942FEBE9A}" type="datetimeFigureOut">
               <a:rPr lang="ko-KR" altLang="en-US" smtClean="0"/>
-              <a:t>2024-03-07</a:t>
+              <a:t>2024-06-19</a:t>
             </a:fld>
             <a:endParaRPr lang="ko-KR" altLang="en-US" dirty="0"/>
           </a:p>
@@ -2669,7 +2669,7 @@
           <a:p>
             <a:fld id="{91C883BF-99AE-42FD-96B8-D02942FEBE9A}" type="datetimeFigureOut">
               <a:rPr lang="ko-KR" altLang="en-US" smtClean="0"/>
-              <a:t>2024-03-07</a:t>
+              <a:t>2024-06-19</a:t>
             </a:fld>
             <a:endParaRPr lang="ko-KR" altLang="en-US" dirty="0"/>
           </a:p>
@@ -2910,7 +2910,7 @@
           <a:p>
             <a:fld id="{91C883BF-99AE-42FD-96B8-D02942FEBE9A}" type="datetimeFigureOut">
               <a:rPr lang="ko-KR" altLang="en-US" smtClean="0"/>
-              <a:t>2024-03-07</a:t>
+              <a:t>2024-06-19</a:t>
             </a:fld>
             <a:endParaRPr lang="ko-KR" altLang="en-US" dirty="0"/>
           </a:p>
@@ -3936,8 +3936,8 @@
         </p:nvSpPr>
         <p:spPr>
           <a:xfrm>
-            <a:off x="1330058" y="5312079"/>
-            <a:ext cx="2750082" cy="253916"/>
+            <a:off x="1315873" y="4898353"/>
+            <a:ext cx="2750082" cy="900246"/>
           </a:xfrm>
           <a:prstGeom prst="rect">
             <a:avLst/>
@@ -4044,19 +4044,59 @@
             </a:lvl9pPr>
           </a:lstStyle>
           <a:p>
-            <a:r>
-              <a:rPr lang="en-US" altLang="ko-KR" sz="1050" dirty="0">
+            <a:pPr algn="ctr">
+              <a:lnSpc>
+                <a:spcPct val="150000"/>
+              </a:lnSpc>
+            </a:pPr>
+            <a:r>
+              <a:rPr lang="ko-KR" altLang="en-US" sz="1050" b="1">
                 <a:latin typeface="JejuGothicOTF" panose="02000300000000000000" pitchFamily="2" charset="-127"/>
                 <a:ea typeface="JejuGothicOTF" panose="02000300000000000000" pitchFamily="2" charset="-127"/>
               </a:rPr>
-              <a:t>E-mail </a:t>
-            </a:r>
+              <a:t>자연어 처리에 관심 있는 학생은 </a:t>
+            </a:r>
+            <a:endParaRPr lang="en-US" altLang="ko-KR" sz="1050" b="1">
+              <a:latin typeface="JejuGothicOTF" panose="02000300000000000000" pitchFamily="2" charset="-127"/>
+              <a:ea typeface="JejuGothicOTF" panose="02000300000000000000" pitchFamily="2" charset="-127"/>
+            </a:endParaRPr>
+          </a:p>
+          <a:p>
+            <a:pPr algn="ctr">
+              <a:lnSpc>
+                <a:spcPct val="150000"/>
+              </a:lnSpc>
+            </a:pPr>
+            <a:r>
+              <a:rPr lang="ko-KR" altLang="en-US" sz="1050" b="1">
+                <a:latin typeface="JejuGothicOTF" panose="02000300000000000000" pitchFamily="2" charset="-127"/>
+                <a:ea typeface="JejuGothicOTF" panose="02000300000000000000" pitchFamily="2" charset="-127"/>
+              </a:rPr>
+              <a:t>아래의 연락처로 연락 바랍니다</a:t>
+            </a:r>
+            <a:r>
+              <a:rPr lang="en-US" altLang="ko-KR" sz="1050" b="1">
+                <a:latin typeface="JejuGothicOTF" panose="02000300000000000000" pitchFamily="2" charset="-127"/>
+                <a:ea typeface="JejuGothicOTF" panose="02000300000000000000" pitchFamily="2" charset="-127"/>
+              </a:rPr>
+              <a:t>.</a:t>
+            </a:r>
+          </a:p>
+          <a:p>
+            <a:pPr algn="ctr"/>
+            <a:endParaRPr lang="en-US" altLang="ko-KR" sz="1050">
+              <a:latin typeface="JejuGothicOTF" panose="02000300000000000000" pitchFamily="2" charset="-127"/>
+              <a:ea typeface="JejuGothicOTF" panose="02000300000000000000" pitchFamily="2" charset="-127"/>
+            </a:endParaRPr>
+          </a:p>
+          <a:p>
+            <a:pPr algn="ctr"/>
             <a:r>
               <a:rPr lang="en-US" altLang="ko-KR" sz="1050">
                 <a:latin typeface="JejuGothicOTF" panose="02000300000000000000" pitchFamily="2" charset="-127"/>
                 <a:ea typeface="JejuGothicOTF" panose="02000300000000000000" pitchFamily="2" charset="-127"/>
               </a:rPr>
-              <a:t>: chahyunmook@gmail.com</a:t>
+              <a:t>E-mail : chahyunmook@gmail.com</a:t>
             </a:r>
             <a:endParaRPr lang="ko-KR" altLang="en-US" sz="1050" dirty="0">
               <a:latin typeface="JejuGothicOTF" panose="02000300000000000000" pitchFamily="2" charset="-127"/>
@@ -4079,8 +4119,8 @@
         </p:nvSpPr>
         <p:spPr>
           <a:xfrm>
-            <a:off x="719819" y="4424472"/>
-            <a:ext cx="3970560" cy="800219"/>
+            <a:off x="719819" y="4293522"/>
+            <a:ext cx="3970560" cy="534762"/>
           </a:xfrm>
           <a:prstGeom prst="rect">
             <a:avLst/>
@@ -4193,41 +4233,19 @@
               </a:lnSpc>
             </a:pPr>
             <a:r>
-              <a:rPr lang="ko-KR" altLang="en-US" sz="1600" b="1" dirty="0">
+              <a:rPr lang="ko-KR" altLang="en-US" sz="1000" b="1">
                 <a:latin typeface="JejuGothicOTF" panose="02000300000000000000" pitchFamily="2" charset="-127"/>
                 <a:ea typeface="JejuGothicOTF" panose="02000300000000000000" pitchFamily="2" charset="-127"/>
               </a:rPr>
-              <a:t>자연어 처리에 관심 있는 학생은 </a:t>
-            </a:r>
-            <a:endParaRPr lang="en-US" altLang="ko-KR" sz="1600" b="1" dirty="0">
-              <a:latin typeface="JejuGothicOTF" panose="02000300000000000000" pitchFamily="2" charset="-127"/>
-              <a:ea typeface="JejuGothicOTF" panose="02000300000000000000" pitchFamily="2" charset="-127"/>
-            </a:endParaRPr>
-          </a:p>
-          <a:p>
-            <a:pPr algn="ctr">
-              <a:lnSpc>
-                <a:spcPct val="150000"/>
-              </a:lnSpc>
-            </a:pPr>
-            <a:r>
-              <a:rPr lang="ko-KR" altLang="en-US" sz="1600" b="1" dirty="0">
+              <a:t>석사과정은 학위만을 원하거나 취업을 준비하는 곳이 아니라는 것을 이해하고 있는 자연어처리에 진심인 학생을 찾습니다</a:t>
+            </a:r>
+            <a:r>
+              <a:rPr lang="en-US" altLang="ko-KR" sz="1000" b="1">
                 <a:latin typeface="JejuGothicOTF" panose="02000300000000000000" pitchFamily="2" charset="-127"/>
                 <a:ea typeface="JejuGothicOTF" panose="02000300000000000000" pitchFamily="2" charset="-127"/>
               </a:rPr>
-              <a:t>아래의 연락처로 연락 바랍니다</a:t>
-            </a:r>
-            <a:r>
-              <a:rPr lang="en-US" altLang="ko-KR" sz="1600" b="1" dirty="0">
-                <a:latin typeface="JejuGothicOTF" panose="02000300000000000000" pitchFamily="2" charset="-127"/>
-                <a:ea typeface="JejuGothicOTF" panose="02000300000000000000" pitchFamily="2" charset="-127"/>
-              </a:rPr>
               <a:t>.</a:t>
             </a:r>
-            <a:endParaRPr lang="ko-KR" altLang="en-US" sz="1600" b="1" dirty="0">
-              <a:latin typeface="JejuGothicOTF" panose="02000300000000000000" pitchFamily="2" charset="-127"/>
-              <a:ea typeface="JejuGothicOTF" panose="02000300000000000000" pitchFamily="2" charset="-127"/>
-            </a:endParaRPr>
           </a:p>
         </p:txBody>
       </p:sp>
@@ -9896,8 +9914,8 @@
         </p:nvSpPr>
         <p:spPr>
           <a:xfrm>
-            <a:off x="6322794" y="763919"/>
-            <a:ext cx="4307648" cy="1732782"/>
+            <a:off x="6322794" y="713119"/>
+            <a:ext cx="4307648" cy="1917448"/>
           </a:xfrm>
           <a:prstGeom prst="rect">
             <a:avLst/>
@@ -10518,10 +10536,89 @@
                 <a:latin typeface="제주고딕" panose="02000300000000000000" pitchFamily="2" charset="-127"/>
                 <a:ea typeface="제주고딕" panose="02000300000000000000" pitchFamily="2" charset="-127"/>
               </a:rPr>
+              <a:t>(BK Plus Computer Science IF=</a:t>
+            </a:r>
+            <a:r>
+              <a:rPr lang="en-US" altLang="ko-KR" sz="800" i="0">
+                <a:solidFill>
+                  <a:srgbClr val="A52A2A"/>
+                </a:solidFill>
+                <a:effectLst/>
+                <a:latin typeface="제주고딕" panose="02000300000000000000" pitchFamily="2" charset="-127"/>
+                <a:ea typeface="제주고딕" panose="02000300000000000000" pitchFamily="2" charset="-127"/>
+              </a:rPr>
+              <a:t>3)</a:t>
+            </a:r>
+            <a:r>
+              <a:rPr lang="en-US" altLang="ko-KR" sz="800">
+                <a:latin typeface="제주고딕" panose="02000300000000000000" pitchFamily="2" charset="-127"/>
+                <a:ea typeface="제주고딕" panose="02000300000000000000" pitchFamily="2" charset="-127"/>
+              </a:rPr>
+              <a:t>.</a:t>
+            </a:r>
+          </a:p>
+          <a:p>
+            <a:pPr marL="171450" indent="-171450">
+              <a:lnSpc>
+                <a:spcPct val="150000"/>
+              </a:lnSpc>
+              <a:buClr>
+                <a:schemeClr val="tx1"/>
+              </a:buClr>
+              <a:buFont typeface="Arial" panose="020B0604020202020204" pitchFamily="34" charset="0"/>
+              <a:buChar char="•"/>
+            </a:pPr>
+            <a:r>
+              <a:rPr lang="en-US" altLang="ko-KR" sz="800" b="1">
+                <a:solidFill>
+                  <a:srgbClr val="A52A2A"/>
+                </a:solidFill>
+                <a:latin typeface="제주고딕" panose="02000300000000000000" pitchFamily="2" charset="-127"/>
+                <a:ea typeface="제주고딕" panose="02000300000000000000" pitchFamily="2" charset="-127"/>
+              </a:rPr>
+              <a:t>EMNLP 2023</a:t>
+            </a:r>
+            <a:r>
+              <a:rPr lang="ko-KR" altLang="en-US" sz="800">
+                <a:latin typeface="제주고딕" panose="02000300000000000000" pitchFamily="2" charset="-127"/>
+                <a:ea typeface="제주고딕" panose="02000300000000000000" pitchFamily="2" charset="-127"/>
+              </a:rPr>
+              <a:t>에 </a:t>
+            </a:r>
+            <a:r>
+              <a:rPr lang="en-US" altLang="ko-KR" sz="800" b="1">
+                <a:latin typeface="제주고딕" panose="02000300000000000000" pitchFamily="2" charset="-127"/>
+                <a:ea typeface="제주고딕" panose="02000300000000000000" pitchFamily="2" charset="-127"/>
+              </a:rPr>
+              <a:t>1</a:t>
+            </a:r>
+            <a:r>
+              <a:rPr lang="ko-KR" altLang="en-US" sz="800" b="1">
+                <a:latin typeface="제주고딕" panose="02000300000000000000" pitchFamily="2" charset="-127"/>
+                <a:ea typeface="제주고딕" panose="02000300000000000000" pitchFamily="2" charset="-127"/>
+              </a:rPr>
+              <a:t>편의 논문</a:t>
+            </a:r>
+            <a:r>
+              <a:rPr lang="ko-KR" altLang="en-US" sz="800">
+                <a:latin typeface="제주고딕" panose="02000300000000000000" pitchFamily="2" charset="-127"/>
+                <a:ea typeface="제주고딕" panose="02000300000000000000" pitchFamily="2" charset="-127"/>
+              </a:rPr>
+              <a:t>이 게재 승인되었습니다 </a:t>
+            </a:r>
+            <a:r>
+              <a:rPr lang="en-US" altLang="ko-KR" sz="800" i="0">
+                <a:solidFill>
+                  <a:srgbClr val="A52A2A"/>
+                </a:solidFill>
+                <a:effectLst/>
+                <a:latin typeface="제주고딕" panose="02000300000000000000" pitchFamily="2" charset="-127"/>
+                <a:ea typeface="제주고딕" panose="02000300000000000000" pitchFamily="2" charset="-127"/>
+              </a:rPr>
               <a:t>(BK Plus Computer Science IF=3)</a:t>
             </a:r>
             <a:r>
-              <a:rPr lang="en-US" altLang="ko-KR" sz="800" dirty="0">
+              <a:rPr lang="en-US" altLang="ko-KR" sz="800">
                 <a:latin typeface="제주고딕" panose="02000300000000000000" pitchFamily="2" charset="-127"/>
                 <a:ea typeface="제주고딕" panose="02000300000000000000" pitchFamily="2" charset="-127"/>
               </a:rPr>

--- a/assets/img/notice_panel-1.pptx
+++ b/assets/img/notice_panel-1.pptx
@@ -4237,7 +4237,7 @@
                 <a:latin typeface="JejuGothicOTF" panose="02000300000000000000" pitchFamily="2" charset="-127"/>
                 <a:ea typeface="JejuGothicOTF" panose="02000300000000000000" pitchFamily="2" charset="-127"/>
               </a:rPr>
-              <a:t>석사과정은 학위만을 원하거나 취업을 준비하는 곳이 아니라는 것을 이해하고 있는 자연어처리에 진심인 학생을 찾습니다</a:t>
+              <a:t>대학원과정은 학위만을 원하거나 취업을 준비하는 곳이 아니라는 것을 이해하고 있는 자연어처리에 진심인 학생을 찾습니다</a:t>
             </a:r>
             <a:r>
               <a:rPr lang="en-US" altLang="ko-KR" sz="1000" b="1">

--- a/assets/img/notice_panel-1.pptx
+++ b/assets/img/notice_panel-1.pptx
@@ -3936,8 +3936,8 @@
         </p:nvSpPr>
         <p:spPr>
           <a:xfrm>
-            <a:off x="1315873" y="4898353"/>
-            <a:ext cx="2750082" cy="900246"/>
+            <a:off x="1164964" y="4898353"/>
+            <a:ext cx="3051900" cy="799258"/>
           </a:xfrm>
           <a:prstGeom prst="rect">
             <a:avLst/>
@@ -4054,7 +4054,7 @@
                 <a:latin typeface="JejuGothicOTF" panose="02000300000000000000" pitchFamily="2" charset="-127"/>
                 <a:ea typeface="JejuGothicOTF" panose="02000300000000000000" pitchFamily="2" charset="-127"/>
               </a:rPr>
-              <a:t>자연어 처리에 관심 있는 학생은 </a:t>
+              <a:t>여름방학 기간 중 인턴 근무에 관심 있는 학생은</a:t>
             </a:r>
             <a:endParaRPr lang="en-US" altLang="ko-KR" sz="1050" b="1">
               <a:latin typeface="JejuGothicOTF" panose="02000300000000000000" pitchFamily="2" charset="-127"/>
@@ -4072,7 +4072,7 @@
                 <a:latin typeface="JejuGothicOTF" panose="02000300000000000000" pitchFamily="2" charset="-127"/>
                 <a:ea typeface="JejuGothicOTF" panose="02000300000000000000" pitchFamily="2" charset="-127"/>
               </a:rPr>
-              <a:t>아래의 연락처로 연락 바랍니다</a:t>
+              <a:t>학과 공지사항을 확인 바랍니다</a:t>
             </a:r>
             <a:r>
               <a:rPr lang="en-US" altLang="ko-KR" sz="1050" b="1">
@@ -4083,20 +4083,31 @@
             </a:r>
           </a:p>
           <a:p>
-            <a:pPr algn="ctr"/>
-            <a:endParaRPr lang="en-US" altLang="ko-KR" sz="1050">
-              <a:latin typeface="JejuGothicOTF" panose="02000300000000000000" pitchFamily="2" charset="-127"/>
-              <a:ea typeface="JejuGothicOTF" panose="02000300000000000000" pitchFamily="2" charset="-127"/>
-            </a:endParaRPr>
-          </a:p>
-          <a:p>
-            <a:pPr algn="ctr"/>
+            <a:pPr algn="ctr">
+              <a:lnSpc>
+                <a:spcPct val="150000"/>
+              </a:lnSpc>
+            </a:pPr>
             <a:r>
               <a:rPr lang="en-US" altLang="ko-KR" sz="1050">
                 <a:latin typeface="JejuGothicOTF" panose="02000300000000000000" pitchFamily="2" charset="-127"/>
                 <a:ea typeface="JejuGothicOTF" panose="02000300000000000000" pitchFamily="2" charset="-127"/>
               </a:rPr>
-              <a:t>E-mail : chahyunmook@gmail.com</a:t>
+              <a:t>(</a:t>
+            </a:r>
+            <a:r>
+              <a:rPr lang="ko-KR" altLang="en-US" sz="1050">
+                <a:latin typeface="JejuGothicOTF" panose="02000300000000000000" pitchFamily="2" charset="-127"/>
+                <a:ea typeface="JejuGothicOTF" panose="02000300000000000000" pitchFamily="2" charset="-127"/>
+              </a:rPr>
+              <a:t>이미지를 클릭시하면 공지 링크로 넘어갑니다</a:t>
+            </a:r>
+            <a:r>
+              <a:rPr lang="en-US" altLang="ko-KR" sz="1050">
+                <a:latin typeface="JejuGothicOTF" panose="02000300000000000000" pitchFamily="2" charset="-127"/>
+                <a:ea typeface="JejuGothicOTF" panose="02000300000000000000" pitchFamily="2" charset="-127"/>
+              </a:rPr>
+              <a:t>.)</a:t>
             </a:r>
             <a:endParaRPr lang="ko-KR" altLang="en-US" sz="1050" dirty="0">
               <a:latin typeface="JejuGothicOTF" panose="02000300000000000000" pitchFamily="2" charset="-127"/>
@@ -6793,10 +6804,10 @@
       </p:grpSp>
       <p:grpSp>
         <p:nvGrpSpPr>
-          <p:cNvPr id="57" name="그룹 56">
-            <a:extLst>
-              <a:ext uri="{FF2B5EF4-FFF2-40B4-BE49-F238E27FC236}">
-                <a16:creationId xmlns:a16="http://schemas.microsoft.com/office/drawing/2014/main" id="{8902F8D6-55BE-9B2D-CBC4-D34B7778FC35}"/>
+          <p:cNvPr id="30" name="그룹 29">
+            <a:extLst>
+              <a:ext uri="{FF2B5EF4-FFF2-40B4-BE49-F238E27FC236}">
+                <a16:creationId xmlns:a16="http://schemas.microsoft.com/office/drawing/2014/main" id="{B4940007-8BF1-5DF0-D510-53D42237CA73}"/>
               </a:ext>
             </a:extLst>
           </p:cNvPr>
@@ -6805,10 +6816,10 @@
         </p:nvGrpSpPr>
         <p:grpSpPr>
           <a:xfrm>
-            <a:off x="2425948" y="2566314"/>
-            <a:ext cx="1042625" cy="169277"/>
-            <a:chOff x="2425948" y="2895170"/>
-            <a:chExt cx="1042625" cy="169277"/>
+            <a:off x="2440439" y="2566314"/>
+            <a:ext cx="1028134" cy="169277"/>
+            <a:chOff x="2440439" y="2566314"/>
+            <a:chExt cx="1028134" cy="169277"/>
           </a:xfrm>
         </p:grpSpPr>
         <p:pic>
@@ -6839,8 +6850,8 @@
           </p:blipFill>
           <p:spPr>
             <a:xfrm>
-              <a:off x="2425948" y="2926200"/>
-              <a:ext cx="196980" cy="107216"/>
+              <a:off x="2440439" y="2598224"/>
+              <a:ext cx="187529" cy="102072"/>
             </a:xfrm>
             <a:prstGeom prst="rect">
               <a:avLst/>
@@ -6861,7 +6872,7 @@
           </p:nvSpPr>
           <p:spPr>
             <a:xfrm>
-              <a:off x="2651373" y="2895170"/>
+              <a:off x="2651373" y="2566314"/>
               <a:ext cx="817200" cy="169277"/>
             </a:xfrm>
             <a:prstGeom prst="rect">
@@ -8949,6 +8960,189 @@
           </p:spPr>
         </p:pic>
       </p:grpSp>
+      <p:sp>
+        <p:nvSpPr>
+          <p:cNvPr id="3" name="TextBox 6">
+            <a:extLst>
+              <a:ext uri="{FF2B5EF4-FFF2-40B4-BE49-F238E27FC236}">
+                <a16:creationId xmlns:a16="http://schemas.microsoft.com/office/drawing/2014/main" id="{F356712F-7894-FDDA-4359-5DC89332AF84}"/>
+              </a:ext>
+            </a:extLst>
+          </p:cNvPr>
+          <p:cNvSpPr txBox="1"/>
+          <p:nvPr/>
+        </p:nvSpPr>
+        <p:spPr>
+          <a:xfrm>
+            <a:off x="1276332" y="6507395"/>
+            <a:ext cx="2750082" cy="900246"/>
+          </a:xfrm>
+          <a:prstGeom prst="rect">
+            <a:avLst/>
+          </a:prstGeom>
+          <a:noFill/>
+        </p:spPr>
+        <p:txBody>
+          <a:bodyPr wrap="square" rtlCol="0">
+            <a:spAutoFit/>
+          </a:bodyPr>
+          <a:lstStyle>
+            <a:defPPr>
+              <a:defRPr lang="ko-KR"/>
+            </a:defPPr>
+            <a:lvl1pPr marL="0" algn="l" defTabSz="914400" rtl="0" eaLnBrk="1" latinLnBrk="1" hangingPunct="1">
+              <a:defRPr sz="1800" kern="1200">
+                <a:solidFill>
+                  <a:schemeClr val="tx1"/>
+                </a:solidFill>
+                <a:latin typeface="+mn-lt"/>
+                <a:ea typeface="+mn-ea"/>
+                <a:cs typeface="+mn-cs"/>
+              </a:defRPr>
+            </a:lvl1pPr>
+            <a:lvl2pPr marL="457200" algn="l" defTabSz="914400" rtl="0" eaLnBrk="1" latinLnBrk="1" hangingPunct="1">
+              <a:defRPr sz="1800" kern="1200">
+                <a:solidFill>
+                  <a:schemeClr val="tx1"/>
+                </a:solidFill>
+                <a:latin typeface="+mn-lt"/>
+                <a:ea typeface="+mn-ea"/>
+                <a:cs typeface="+mn-cs"/>
+              </a:defRPr>
+            </a:lvl2pPr>
+            <a:lvl3pPr marL="914400" algn="l" defTabSz="914400" rtl="0" eaLnBrk="1" latinLnBrk="1" hangingPunct="1">
+              <a:defRPr sz="1800" kern="1200">
+                <a:solidFill>
+                  <a:schemeClr val="tx1"/>
+                </a:solidFill>
+                <a:latin typeface="+mn-lt"/>
+                <a:ea typeface="+mn-ea"/>
+                <a:cs typeface="+mn-cs"/>
+              </a:defRPr>
+            </a:lvl3pPr>
+            <a:lvl4pPr marL="1371600" algn="l" defTabSz="914400" rtl="0" eaLnBrk="1" latinLnBrk="1" hangingPunct="1">
+              <a:defRPr sz="1800" kern="1200">
+                <a:solidFill>
+                  <a:schemeClr val="tx1"/>
+                </a:solidFill>
+                <a:latin typeface="+mn-lt"/>
+                <a:ea typeface="+mn-ea"/>
+                <a:cs typeface="+mn-cs"/>
+              </a:defRPr>
+            </a:lvl4pPr>
+            <a:lvl5pPr marL="1828800" algn="l" defTabSz="914400" rtl="0" eaLnBrk="1" latinLnBrk="1" hangingPunct="1">
+              <a:defRPr sz="1800" kern="1200">
+                <a:solidFill>
+                  <a:schemeClr val="tx1"/>
+                </a:solidFill>
+                <a:latin typeface="+mn-lt"/>
+                <a:ea typeface="+mn-ea"/>
+                <a:cs typeface="+mn-cs"/>
+              </a:defRPr>
+            </a:lvl5pPr>
+            <a:lvl6pPr marL="2286000" algn="l" defTabSz="914400" rtl="0" eaLnBrk="1" latinLnBrk="1" hangingPunct="1">
+              <a:defRPr sz="1800" kern="1200">
+                <a:solidFill>
+                  <a:schemeClr val="tx1"/>
+                </a:solidFill>
+                <a:latin typeface="+mn-lt"/>
+                <a:ea typeface="+mn-ea"/>
+                <a:cs typeface="+mn-cs"/>
+              </a:defRPr>
+            </a:lvl6pPr>
+            <a:lvl7pPr marL="2743200" algn="l" defTabSz="914400" rtl="0" eaLnBrk="1" latinLnBrk="1" hangingPunct="1">
+              <a:defRPr sz="1800" kern="1200">
+                <a:solidFill>
+                  <a:schemeClr val="tx1"/>
+                </a:solidFill>
+                <a:latin typeface="+mn-lt"/>
+                <a:ea typeface="+mn-ea"/>
+                <a:cs typeface="+mn-cs"/>
+              </a:defRPr>
+            </a:lvl7pPr>
+            <a:lvl8pPr marL="3200400" algn="l" defTabSz="914400" rtl="0" eaLnBrk="1" latinLnBrk="1" hangingPunct="1">
+              <a:defRPr sz="1800" kern="1200">
+                <a:solidFill>
+                  <a:schemeClr val="tx1"/>
+                </a:solidFill>
+                <a:latin typeface="+mn-lt"/>
+                <a:ea typeface="+mn-ea"/>
+                <a:cs typeface="+mn-cs"/>
+              </a:defRPr>
+            </a:lvl8pPr>
+            <a:lvl9pPr marL="3657600" algn="l" defTabSz="914400" rtl="0" eaLnBrk="1" latinLnBrk="1" hangingPunct="1">
+              <a:defRPr sz="1800" kern="1200">
+                <a:solidFill>
+                  <a:schemeClr val="tx1"/>
+                </a:solidFill>
+                <a:latin typeface="+mn-lt"/>
+                <a:ea typeface="+mn-ea"/>
+                <a:cs typeface="+mn-cs"/>
+              </a:defRPr>
+            </a:lvl9pPr>
+          </a:lstStyle>
+          <a:p>
+            <a:pPr algn="ctr">
+              <a:lnSpc>
+                <a:spcPct val="150000"/>
+              </a:lnSpc>
+            </a:pPr>
+            <a:r>
+              <a:rPr lang="ko-KR" altLang="en-US" sz="1050" b="1">
+                <a:latin typeface="JejuGothicOTF" panose="02000300000000000000" pitchFamily="2" charset="-127"/>
+                <a:ea typeface="JejuGothicOTF" panose="02000300000000000000" pitchFamily="2" charset="-127"/>
+              </a:rPr>
+              <a:t>자연어 처리에 관심 있는 학생은 </a:t>
+            </a:r>
+            <a:endParaRPr lang="en-US" altLang="ko-KR" sz="1050" b="1">
+              <a:latin typeface="JejuGothicOTF" panose="02000300000000000000" pitchFamily="2" charset="-127"/>
+              <a:ea typeface="JejuGothicOTF" panose="02000300000000000000" pitchFamily="2" charset="-127"/>
+            </a:endParaRPr>
+          </a:p>
+          <a:p>
+            <a:pPr algn="ctr">
+              <a:lnSpc>
+                <a:spcPct val="150000"/>
+              </a:lnSpc>
+            </a:pPr>
+            <a:r>
+              <a:rPr lang="ko-KR" altLang="en-US" sz="1050" b="1">
+                <a:latin typeface="JejuGothicOTF" panose="02000300000000000000" pitchFamily="2" charset="-127"/>
+                <a:ea typeface="JejuGothicOTF" panose="02000300000000000000" pitchFamily="2" charset="-127"/>
+              </a:rPr>
+              <a:t>아래의 연락처로 연락 바랍니다</a:t>
+            </a:r>
+            <a:r>
+              <a:rPr lang="en-US" altLang="ko-KR" sz="1050" b="1">
+                <a:latin typeface="JejuGothicOTF" panose="02000300000000000000" pitchFamily="2" charset="-127"/>
+                <a:ea typeface="JejuGothicOTF" panose="02000300000000000000" pitchFamily="2" charset="-127"/>
+              </a:rPr>
+              <a:t>.</a:t>
+            </a:r>
+          </a:p>
+          <a:p>
+            <a:pPr algn="ctr"/>
+            <a:endParaRPr lang="en-US" altLang="ko-KR" sz="1050">
+              <a:latin typeface="JejuGothicOTF" panose="02000300000000000000" pitchFamily="2" charset="-127"/>
+              <a:ea typeface="JejuGothicOTF" panose="02000300000000000000" pitchFamily="2" charset="-127"/>
+            </a:endParaRPr>
+          </a:p>
+          <a:p>
+            <a:pPr algn="ctr"/>
+            <a:r>
+              <a:rPr lang="en-US" altLang="ko-KR" sz="1050">
+                <a:latin typeface="JejuGothicOTF" panose="02000300000000000000" pitchFamily="2" charset="-127"/>
+                <a:ea typeface="JejuGothicOTF" panose="02000300000000000000" pitchFamily="2" charset="-127"/>
+              </a:rPr>
+              <a:t>E-mail : chahyunmook@gmail.com</a:t>
+            </a:r>
+            <a:endParaRPr lang="ko-KR" altLang="en-US" sz="1050" dirty="0">
+              <a:latin typeface="JejuGothicOTF" panose="02000300000000000000" pitchFamily="2" charset="-127"/>
+              <a:ea typeface="JejuGothicOTF" panose="02000300000000000000" pitchFamily="2" charset="-127"/>
+            </a:endParaRPr>
+          </a:p>
+        </p:txBody>
+      </p:sp>
     </p:spTree>
     <p:extLst>
       <p:ext uri="{BB962C8B-B14F-4D97-AF65-F5344CB8AC3E}">

--- a/assets/img/notice_panel-1.pptx
+++ b/assets/img/notice_panel-1.pptx
@@ -3936,8 +3936,8 @@
         </p:nvSpPr>
         <p:spPr>
           <a:xfrm>
-            <a:off x="1164964" y="4898353"/>
-            <a:ext cx="3051900" cy="799258"/>
+            <a:off x="1164964" y="4824623"/>
+            <a:ext cx="3051900" cy="1088760"/>
           </a:xfrm>
           <a:prstGeom prst="rect">
             <a:avLst/>
@@ -4050,13 +4050,13 @@
               </a:lnSpc>
             </a:pPr>
             <a:r>
-              <a:rPr lang="ko-KR" altLang="en-US" sz="1050" b="1">
+              <a:rPr lang="ko-KR" altLang="en-US" sz="1000" b="1">
                 <a:latin typeface="JejuGothicOTF" panose="02000300000000000000" pitchFamily="2" charset="-127"/>
                 <a:ea typeface="JejuGothicOTF" panose="02000300000000000000" pitchFamily="2" charset="-127"/>
               </a:rPr>
               <a:t>여름방학 기간 중 인턴 근무에 관심 있는 학생은</a:t>
             </a:r>
-            <a:endParaRPr lang="en-US" altLang="ko-KR" sz="1050" b="1">
+            <a:endParaRPr lang="en-US" altLang="ko-KR" sz="1000" b="1">
               <a:latin typeface="JejuGothicOTF" panose="02000300000000000000" pitchFamily="2" charset="-127"/>
               <a:ea typeface="JejuGothicOTF" panose="02000300000000000000" pitchFamily="2" charset="-127"/>
             </a:endParaRPr>
@@ -4068,14 +4068,14 @@
               </a:lnSpc>
             </a:pPr>
             <a:r>
-              <a:rPr lang="ko-KR" altLang="en-US" sz="1050" b="1">
+              <a:rPr lang="ko-KR" altLang="en-US" sz="1000" b="1">
                 <a:latin typeface="JejuGothicOTF" panose="02000300000000000000" pitchFamily="2" charset="-127"/>
                 <a:ea typeface="JejuGothicOTF" panose="02000300000000000000" pitchFamily="2" charset="-127"/>
               </a:rPr>
               <a:t>학과 공지사항을 확인 바랍니다</a:t>
             </a:r>
             <a:r>
-              <a:rPr lang="en-US" altLang="ko-KR" sz="1050" b="1">
+              <a:rPr lang="en-US" altLang="ko-KR" sz="1000" b="1">
                 <a:latin typeface="JejuGothicOTF" panose="02000300000000000000" pitchFamily="2" charset="-127"/>
                 <a:ea typeface="JejuGothicOTF" panose="02000300000000000000" pitchFamily="2" charset="-127"/>
               </a:rPr>
@@ -4089,27 +4089,62 @@
               </a:lnSpc>
             </a:pPr>
             <a:r>
-              <a:rPr lang="en-US" altLang="ko-KR" sz="1050">
+              <a:rPr lang="en-US" altLang="ko-KR" sz="400" b="1">
                 <a:latin typeface="JejuGothicOTF" panose="02000300000000000000" pitchFamily="2" charset="-127"/>
                 <a:ea typeface="JejuGothicOTF" panose="02000300000000000000" pitchFamily="2" charset="-127"/>
               </a:rPr>
-              <a:t>(</a:t>
-            </a:r>
-            <a:r>
-              <a:rPr lang="ko-KR" altLang="en-US" sz="1050">
+              <a:t> </a:t>
+            </a:r>
+          </a:p>
+          <a:p>
+            <a:pPr algn="ctr">
+              <a:lnSpc>
+                <a:spcPct val="150000"/>
+              </a:lnSpc>
+            </a:pPr>
+            <a:r>
+              <a:rPr lang="ko-KR" altLang="en-US" sz="1000">
                 <a:latin typeface="JejuGothicOTF" panose="02000300000000000000" pitchFamily="2" charset="-127"/>
                 <a:ea typeface="JejuGothicOTF" panose="02000300000000000000" pitchFamily="2" charset="-127"/>
               </a:rPr>
               <a:t>이미지를 클릭시하면 공지 링크로 넘어갑니다</a:t>
             </a:r>
             <a:r>
-              <a:rPr lang="en-US" altLang="ko-KR" sz="1050">
+              <a:rPr lang="en-US" altLang="ko-KR" sz="1000">
                 <a:latin typeface="JejuGothicOTF" panose="02000300000000000000" pitchFamily="2" charset="-127"/>
                 <a:ea typeface="JejuGothicOTF" panose="02000300000000000000" pitchFamily="2" charset="-127"/>
               </a:rPr>
+              <a:t>.</a:t>
+            </a:r>
+          </a:p>
+          <a:p>
+            <a:pPr algn="ctr">
+              <a:lnSpc>
+                <a:spcPct val="150000"/>
+              </a:lnSpc>
+            </a:pPr>
+            <a:r>
+              <a:rPr lang="en-US" altLang="ko-KR" sz="1000">
+                <a:latin typeface="JejuGothicOTF" panose="02000300000000000000" pitchFamily="2" charset="-127"/>
+                <a:ea typeface="JejuGothicOTF" panose="02000300000000000000" pitchFamily="2" charset="-127"/>
+              </a:rPr>
+              <a:t>(</a:t>
+            </a:r>
+            <a:r>
+              <a:rPr lang="ko-KR" altLang="en-US" sz="1000">
+                <a:latin typeface="JejuGothicOTF" panose="02000300000000000000" pitchFamily="2" charset="-127"/>
+                <a:ea typeface="JejuGothicOTF" panose="02000300000000000000" pitchFamily="2" charset="-127"/>
+              </a:rPr>
+              <a:t>크롬의 경우 클릭 후 엔터를 눌러주시길 바랍니다</a:t>
+            </a:r>
+            <a:r>
+              <a:rPr lang="en-US" altLang="ko-KR" sz="1000">
+                <a:latin typeface="JejuGothicOTF" panose="02000300000000000000" pitchFamily="2" charset="-127"/>
+                <a:ea typeface="JejuGothicOTF" panose="02000300000000000000" pitchFamily="2" charset="-127"/>
+              </a:rPr>
               <a:t>.)</a:t>
             </a:r>
-            <a:endParaRPr lang="ko-KR" altLang="en-US" sz="1050" dirty="0">
+            <a:endParaRPr lang="ko-KR" altLang="en-US" sz="1000" dirty="0">
               <a:latin typeface="JejuGothicOTF" panose="02000300000000000000" pitchFamily="2" charset="-127"/>
               <a:ea typeface="JejuGothicOTF" panose="02000300000000000000" pitchFamily="2" charset="-127"/>
             </a:endParaRPr>
@@ -4130,7 +4165,7 @@
         </p:nvSpPr>
         <p:spPr>
           <a:xfrm>
-            <a:off x="719819" y="4293522"/>
+            <a:off x="719819" y="4259874"/>
             <a:ext cx="3970560" cy="534762"/>
           </a:xfrm>
           <a:prstGeom prst="rect">

--- a/assets/img/notice_panel-1.pptx
+++ b/assets/img/notice_panel-1.pptx
@@ -4107,7 +4107,7 @@
                 <a:latin typeface="JejuGothicOTF" panose="02000300000000000000" pitchFamily="2" charset="-127"/>
                 <a:ea typeface="JejuGothicOTF" panose="02000300000000000000" pitchFamily="2" charset="-127"/>
               </a:rPr>
-              <a:t>이미지를 클릭시하면 공지 링크로 넘어갑니다</a:t>
+              <a:t>이미지를 클릭하시면 공지 링크로 넘어갑니다</a:t>
             </a:r>
             <a:r>
               <a:rPr lang="en-US" altLang="ko-KR" sz="1000">

--- a/assets/img/notice_panel-1.pptx
+++ b/assets/img/notice_panel-1.pptx
@@ -260,7 +260,7 @@
           <a:p>
             <a:fld id="{91C883BF-99AE-42FD-96B8-D02942FEBE9A}" type="datetimeFigureOut">
               <a:rPr lang="ko-KR" altLang="en-US" smtClean="0"/>
-              <a:t>2024-06-19</a:t>
+              <a:t>2024-07-08</a:t>
             </a:fld>
             <a:endParaRPr lang="ko-KR" altLang="en-US" dirty="0"/>
           </a:p>
@@ -458,7 +458,7 @@
           <a:p>
             <a:fld id="{91C883BF-99AE-42FD-96B8-D02942FEBE9A}" type="datetimeFigureOut">
               <a:rPr lang="ko-KR" altLang="en-US" smtClean="0"/>
-              <a:t>2024-06-19</a:t>
+              <a:t>2024-07-08</a:t>
             </a:fld>
             <a:endParaRPr lang="ko-KR" altLang="en-US" dirty="0"/>
           </a:p>
@@ -666,7 +666,7 @@
           <a:p>
             <a:fld id="{91C883BF-99AE-42FD-96B8-D02942FEBE9A}" type="datetimeFigureOut">
               <a:rPr lang="ko-KR" altLang="en-US" smtClean="0"/>
-              <a:t>2024-06-19</a:t>
+              <a:t>2024-07-08</a:t>
             </a:fld>
             <a:endParaRPr lang="ko-KR" altLang="en-US" dirty="0"/>
           </a:p>
@@ -864,7 +864,7 @@
           <a:p>
             <a:fld id="{91C883BF-99AE-42FD-96B8-D02942FEBE9A}" type="datetimeFigureOut">
               <a:rPr lang="ko-KR" altLang="en-US" smtClean="0"/>
-              <a:t>2024-06-19</a:t>
+              <a:t>2024-07-08</a:t>
             </a:fld>
             <a:endParaRPr lang="ko-KR" altLang="en-US" dirty="0"/>
           </a:p>
@@ -1139,7 +1139,7 @@
           <a:p>
             <a:fld id="{91C883BF-99AE-42FD-96B8-D02942FEBE9A}" type="datetimeFigureOut">
               <a:rPr lang="ko-KR" altLang="en-US" smtClean="0"/>
-              <a:t>2024-06-19</a:t>
+              <a:t>2024-07-08</a:t>
             </a:fld>
             <a:endParaRPr lang="ko-KR" altLang="en-US" dirty="0"/>
           </a:p>
@@ -1404,7 +1404,7 @@
           <a:p>
             <a:fld id="{91C883BF-99AE-42FD-96B8-D02942FEBE9A}" type="datetimeFigureOut">
               <a:rPr lang="ko-KR" altLang="en-US" smtClean="0"/>
-              <a:t>2024-06-19</a:t>
+              <a:t>2024-07-08</a:t>
             </a:fld>
             <a:endParaRPr lang="ko-KR" altLang="en-US" dirty="0"/>
           </a:p>
@@ -1816,7 +1816,7 @@
           <a:p>
             <a:fld id="{91C883BF-99AE-42FD-96B8-D02942FEBE9A}" type="datetimeFigureOut">
               <a:rPr lang="ko-KR" altLang="en-US" smtClean="0"/>
-              <a:t>2024-06-19</a:t>
+              <a:t>2024-07-08</a:t>
             </a:fld>
             <a:endParaRPr lang="ko-KR" altLang="en-US" dirty="0"/>
           </a:p>
@@ -1957,7 +1957,7 @@
           <a:p>
             <a:fld id="{91C883BF-99AE-42FD-96B8-D02942FEBE9A}" type="datetimeFigureOut">
               <a:rPr lang="ko-KR" altLang="en-US" smtClean="0"/>
-              <a:t>2024-06-19</a:t>
+              <a:t>2024-07-08</a:t>
             </a:fld>
             <a:endParaRPr lang="ko-KR" altLang="en-US" dirty="0"/>
           </a:p>
@@ -2070,7 +2070,7 @@
           <a:p>
             <a:fld id="{91C883BF-99AE-42FD-96B8-D02942FEBE9A}" type="datetimeFigureOut">
               <a:rPr lang="ko-KR" altLang="en-US" smtClean="0"/>
-              <a:t>2024-06-19</a:t>
+              <a:t>2024-07-08</a:t>
             </a:fld>
             <a:endParaRPr lang="ko-KR" altLang="en-US" dirty="0"/>
           </a:p>
@@ -2381,7 +2381,7 @@
           <a:p>
             <a:fld id="{91C883BF-99AE-42FD-96B8-D02942FEBE9A}" type="datetimeFigureOut">
               <a:rPr lang="ko-KR" altLang="en-US" smtClean="0"/>
-              <a:t>2024-06-19</a:t>
+              <a:t>2024-07-08</a:t>
             </a:fld>
             <a:endParaRPr lang="ko-KR" altLang="en-US" dirty="0"/>
           </a:p>
@@ -2669,7 +2669,7 @@
           <a:p>
             <a:fld id="{91C883BF-99AE-42FD-96B8-D02942FEBE9A}" type="datetimeFigureOut">
               <a:rPr lang="ko-KR" altLang="en-US" smtClean="0"/>
-              <a:t>2024-06-19</a:t>
+              <a:t>2024-07-08</a:t>
             </a:fld>
             <a:endParaRPr lang="ko-KR" altLang="en-US" dirty="0"/>
           </a:p>
@@ -2910,7 +2910,7 @@
           <a:p>
             <a:fld id="{91C883BF-99AE-42FD-96B8-D02942FEBE9A}" type="datetimeFigureOut">
               <a:rPr lang="ko-KR" altLang="en-US" smtClean="0"/>
-              <a:t>2024-06-19</a:t>
+              <a:t>2024-07-08</a:t>
             </a:fld>
             <a:endParaRPr lang="ko-KR" altLang="en-US" dirty="0"/>
           </a:p>
@@ -3572,15 +3572,15 @@
                 <a:ea typeface="JejuGothic" panose="02000300000000000000" pitchFamily="2" charset="-127"/>
                 <a:cs typeface="Malgun Gothic Semilight" panose="020B0502040204020203" pitchFamily="50" charset="-127"/>
               </a:rPr>
-              <a:t>입사를 축하 드립니다</a:t>
-            </a:r>
-            <a:r>
-              <a:rPr lang="en-US" altLang="ko-KR" sz="1400" b="1" dirty="0">
+              <a:t>입사를 </a:t>
+            </a:r>
+            <a:r>
+              <a:rPr lang="ko-KR" altLang="en-US" sz="1400" b="1">
                 <a:latin typeface="JejuGothic" panose="02000300000000000000" pitchFamily="2" charset="-127"/>
                 <a:ea typeface="JejuGothic" panose="02000300000000000000" pitchFamily="2" charset="-127"/>
                 <a:cs typeface="Malgun Gothic Semilight" panose="020B0502040204020203" pitchFamily="50" charset="-127"/>
               </a:rPr>
-              <a:t>.</a:t>
+              <a:t>축하 드립니다</a:t>
             </a:r>
             <a:endParaRPr lang="ko-KR" altLang="en-US" sz="1400" b="1" dirty="0">
               <a:latin typeface="JejuGothic" panose="02000300000000000000" pitchFamily="2" charset="-127"/>
@@ -3936,7 +3936,7 @@
         </p:nvSpPr>
         <p:spPr>
           <a:xfrm>
-            <a:off x="1164964" y="4824623"/>
+            <a:off x="1164964" y="6327060"/>
             <a:ext cx="3051900" cy="1088760"/>
           </a:xfrm>
           <a:prstGeom prst="rect">
@@ -4054,12 +4054,15 @@
                 <a:latin typeface="JejuGothicOTF" panose="02000300000000000000" pitchFamily="2" charset="-127"/>
                 <a:ea typeface="JejuGothicOTF" panose="02000300000000000000" pitchFamily="2" charset="-127"/>
               </a:rPr>
-              <a:t>여름방학 기간 중 인턴 근무에 관심 있는 학생은</a:t>
-            </a:r>
-            <a:endParaRPr lang="en-US" altLang="ko-KR" sz="1000" b="1">
-              <a:latin typeface="JejuGothicOTF" panose="02000300000000000000" pitchFamily="2" charset="-127"/>
-              <a:ea typeface="JejuGothicOTF" panose="02000300000000000000" pitchFamily="2" charset="-127"/>
-            </a:endParaRPr>
+              <a:t>여름방학 기간 중 인턴 근무에 관심 있는 학생은학과 공지사항을 확인 바랍니다</a:t>
+            </a:r>
+            <a:r>
+              <a:rPr lang="en-US" altLang="ko-KR" sz="1000" b="1">
+                <a:latin typeface="JejuGothicOTF" panose="02000300000000000000" pitchFamily="2" charset="-127"/>
+                <a:ea typeface="JejuGothicOTF" panose="02000300000000000000" pitchFamily="2" charset="-127"/>
+              </a:rPr>
+              <a:t>.</a:t>
+            </a:r>
           </a:p>
           <a:p>
             <a:pPr algn="ctr">
@@ -4068,18 +4071,11 @@
               </a:lnSpc>
             </a:pPr>
             <a:r>
-              <a:rPr lang="ko-KR" altLang="en-US" sz="1000" b="1">
+              <a:rPr lang="en-US" altLang="ko-KR" sz="400" b="1">
                 <a:latin typeface="JejuGothicOTF" panose="02000300000000000000" pitchFamily="2" charset="-127"/>
                 <a:ea typeface="JejuGothicOTF" panose="02000300000000000000" pitchFamily="2" charset="-127"/>
               </a:rPr>
-              <a:t>학과 공지사항을 확인 바랍니다</a:t>
-            </a:r>
-            <a:r>
-              <a:rPr lang="en-US" altLang="ko-KR" sz="1000" b="1">
-                <a:latin typeface="JejuGothicOTF" panose="02000300000000000000" pitchFamily="2" charset="-127"/>
-                <a:ea typeface="JejuGothicOTF" panose="02000300000000000000" pitchFamily="2" charset="-127"/>
-              </a:rPr>
-              <a:t>.</a:t>
+              <a:t> </a:t>
             </a:r>
           </a:p>
           <a:p>
@@ -4089,11 +4085,18 @@
               </a:lnSpc>
             </a:pPr>
             <a:r>
-              <a:rPr lang="en-US" altLang="ko-KR" sz="400" b="1">
+              <a:rPr lang="ko-KR" altLang="en-US" sz="1000">
                 <a:latin typeface="JejuGothicOTF" panose="02000300000000000000" pitchFamily="2" charset="-127"/>
                 <a:ea typeface="JejuGothicOTF" panose="02000300000000000000" pitchFamily="2" charset="-127"/>
               </a:rPr>
-              <a:t> </a:t>
+              <a:t>이미지를 클릭하시면 공지 링크로 넘어갑니다</a:t>
+            </a:r>
+            <a:r>
+              <a:rPr lang="en-US" altLang="ko-KR" sz="1000">
+                <a:latin typeface="JejuGothicOTF" panose="02000300000000000000" pitchFamily="2" charset="-127"/>
+                <a:ea typeface="JejuGothicOTF" panose="02000300000000000000" pitchFamily="2" charset="-127"/>
+              </a:rPr>
+              <a:t>.</a:t>
             </a:r>
           </a:p>
           <a:p>
@@ -4103,27 +4106,6 @@
               </a:lnSpc>
             </a:pPr>
             <a:r>
-              <a:rPr lang="ko-KR" altLang="en-US" sz="1000">
-                <a:latin typeface="JejuGothicOTF" panose="02000300000000000000" pitchFamily="2" charset="-127"/>
-                <a:ea typeface="JejuGothicOTF" panose="02000300000000000000" pitchFamily="2" charset="-127"/>
-              </a:rPr>
-              <a:t>이미지를 클릭하시면 공지 링크로 넘어갑니다</a:t>
-            </a:r>
-            <a:r>
-              <a:rPr lang="en-US" altLang="ko-KR" sz="1000">
-                <a:latin typeface="JejuGothicOTF" panose="02000300000000000000" pitchFamily="2" charset="-127"/>
-                <a:ea typeface="JejuGothicOTF" panose="02000300000000000000" pitchFamily="2" charset="-127"/>
-              </a:rPr>
-              <a:t>.</a:t>
-            </a:r>
-          </a:p>
-          <a:p>
-            <a:pPr algn="ctr">
-              <a:lnSpc>
-                <a:spcPct val="150000"/>
-              </a:lnSpc>
-            </a:pPr>
-            <a:r>
               <a:rPr lang="en-US" altLang="ko-KR" sz="1000">
                 <a:latin typeface="JejuGothicOTF" panose="02000300000000000000" pitchFamily="2" charset="-127"/>
                 <a:ea typeface="JejuGothicOTF" panose="02000300000000000000" pitchFamily="2" charset="-127"/>
@@ -4148,150 +4130,6 @@
               <a:latin typeface="JejuGothicOTF" panose="02000300000000000000" pitchFamily="2" charset="-127"/>
               <a:ea typeface="JejuGothicOTF" panose="02000300000000000000" pitchFamily="2" charset="-127"/>
             </a:endParaRPr>
-          </a:p>
-        </p:txBody>
-      </p:sp>
-      <p:sp>
-        <p:nvSpPr>
-          <p:cNvPr id="72" name="TextBox 6">
-            <a:extLst>
-              <a:ext uri="{FF2B5EF4-FFF2-40B4-BE49-F238E27FC236}">
-                <a16:creationId xmlns:a16="http://schemas.microsoft.com/office/drawing/2014/main" id="{AA67AD85-B1C4-4FCE-84CF-7A1DA749CB05}"/>
-              </a:ext>
-            </a:extLst>
-          </p:cNvPr>
-          <p:cNvSpPr txBox="1"/>
-          <p:nvPr/>
-        </p:nvSpPr>
-        <p:spPr>
-          <a:xfrm>
-            <a:off x="719819" y="4259874"/>
-            <a:ext cx="3970560" cy="534762"/>
-          </a:xfrm>
-          <a:prstGeom prst="rect">
-            <a:avLst/>
-          </a:prstGeom>
-          <a:noFill/>
-        </p:spPr>
-        <p:txBody>
-          <a:bodyPr wrap="square" rtlCol="0">
-            <a:spAutoFit/>
-          </a:bodyPr>
-          <a:lstStyle>
-            <a:defPPr>
-              <a:defRPr lang="ko-KR"/>
-            </a:defPPr>
-            <a:lvl1pPr marL="0" algn="l" defTabSz="914400" rtl="0" eaLnBrk="1" latinLnBrk="1" hangingPunct="1">
-              <a:defRPr sz="1800" kern="1200">
-                <a:solidFill>
-                  <a:schemeClr val="tx1"/>
-                </a:solidFill>
-                <a:latin typeface="+mn-lt"/>
-                <a:ea typeface="+mn-ea"/>
-                <a:cs typeface="+mn-cs"/>
-              </a:defRPr>
-            </a:lvl1pPr>
-            <a:lvl2pPr marL="457200" algn="l" defTabSz="914400" rtl="0" eaLnBrk="1" latinLnBrk="1" hangingPunct="1">
-              <a:defRPr sz="1800" kern="1200">
-                <a:solidFill>
-                  <a:schemeClr val="tx1"/>
-                </a:solidFill>
-                <a:latin typeface="+mn-lt"/>
-                <a:ea typeface="+mn-ea"/>
-                <a:cs typeface="+mn-cs"/>
-              </a:defRPr>
-            </a:lvl2pPr>
-            <a:lvl3pPr marL="914400" algn="l" defTabSz="914400" rtl="0" eaLnBrk="1" latinLnBrk="1" hangingPunct="1">
-              <a:defRPr sz="1800" kern="1200">
-                <a:solidFill>
-                  <a:schemeClr val="tx1"/>
-                </a:solidFill>
-                <a:latin typeface="+mn-lt"/>
-                <a:ea typeface="+mn-ea"/>
-                <a:cs typeface="+mn-cs"/>
-              </a:defRPr>
-            </a:lvl3pPr>
-            <a:lvl4pPr marL="1371600" algn="l" defTabSz="914400" rtl="0" eaLnBrk="1" latinLnBrk="1" hangingPunct="1">
-              <a:defRPr sz="1800" kern="1200">
-                <a:solidFill>
-                  <a:schemeClr val="tx1"/>
-                </a:solidFill>
-                <a:latin typeface="+mn-lt"/>
-                <a:ea typeface="+mn-ea"/>
-                <a:cs typeface="+mn-cs"/>
-              </a:defRPr>
-            </a:lvl4pPr>
-            <a:lvl5pPr marL="1828800" algn="l" defTabSz="914400" rtl="0" eaLnBrk="1" latinLnBrk="1" hangingPunct="1">
-              <a:defRPr sz="1800" kern="1200">
-                <a:solidFill>
-                  <a:schemeClr val="tx1"/>
-                </a:solidFill>
-                <a:latin typeface="+mn-lt"/>
-                <a:ea typeface="+mn-ea"/>
-                <a:cs typeface="+mn-cs"/>
-              </a:defRPr>
-            </a:lvl5pPr>
-            <a:lvl6pPr marL="2286000" algn="l" defTabSz="914400" rtl="0" eaLnBrk="1" latinLnBrk="1" hangingPunct="1">
-              <a:defRPr sz="1800" kern="1200">
-                <a:solidFill>
-                  <a:schemeClr val="tx1"/>
-                </a:solidFill>
-                <a:latin typeface="+mn-lt"/>
-                <a:ea typeface="+mn-ea"/>
-                <a:cs typeface="+mn-cs"/>
-              </a:defRPr>
-            </a:lvl6pPr>
-            <a:lvl7pPr marL="2743200" algn="l" defTabSz="914400" rtl="0" eaLnBrk="1" latinLnBrk="1" hangingPunct="1">
-              <a:defRPr sz="1800" kern="1200">
-                <a:solidFill>
-                  <a:schemeClr val="tx1"/>
-                </a:solidFill>
-                <a:latin typeface="+mn-lt"/>
-                <a:ea typeface="+mn-ea"/>
-                <a:cs typeface="+mn-cs"/>
-              </a:defRPr>
-            </a:lvl7pPr>
-            <a:lvl8pPr marL="3200400" algn="l" defTabSz="914400" rtl="0" eaLnBrk="1" latinLnBrk="1" hangingPunct="1">
-              <a:defRPr sz="1800" kern="1200">
-                <a:solidFill>
-                  <a:schemeClr val="tx1"/>
-                </a:solidFill>
-                <a:latin typeface="+mn-lt"/>
-                <a:ea typeface="+mn-ea"/>
-                <a:cs typeface="+mn-cs"/>
-              </a:defRPr>
-            </a:lvl8pPr>
-            <a:lvl9pPr marL="3657600" algn="l" defTabSz="914400" rtl="0" eaLnBrk="1" latinLnBrk="1" hangingPunct="1">
-              <a:defRPr sz="1800" kern="1200">
-                <a:solidFill>
-                  <a:schemeClr val="tx1"/>
-                </a:solidFill>
-                <a:latin typeface="+mn-lt"/>
-                <a:ea typeface="+mn-ea"/>
-                <a:cs typeface="+mn-cs"/>
-              </a:defRPr>
-            </a:lvl9pPr>
-          </a:lstStyle>
-          <a:p>
-            <a:pPr algn="ctr">
-              <a:lnSpc>
-                <a:spcPct val="150000"/>
-              </a:lnSpc>
-            </a:pPr>
-            <a:r>
-              <a:rPr lang="ko-KR" altLang="en-US" sz="1000" b="1">
-                <a:latin typeface="JejuGothicOTF" panose="02000300000000000000" pitchFamily="2" charset="-127"/>
-                <a:ea typeface="JejuGothicOTF" panose="02000300000000000000" pitchFamily="2" charset="-127"/>
-              </a:rPr>
-              <a:t>대학원과정은 학위만을 원하거나 취업을 준비하는 곳이 아니라는 것을 이해하고 있는 자연어처리에 진심인 학생을 찾습니다</a:t>
-            </a:r>
-            <a:r>
-              <a:rPr lang="en-US" altLang="ko-KR" sz="1000" b="1">
-                <a:latin typeface="JejuGothicOTF" panose="02000300000000000000" pitchFamily="2" charset="-127"/>
-                <a:ea typeface="JejuGothicOTF" panose="02000300000000000000" pitchFamily="2" charset="-127"/>
-              </a:rPr>
-              <a:t>.</a:t>
-            </a:r>
           </a:p>
         </p:txBody>
       </p:sp>
@@ -8997,10 +8835,10 @@
       </p:grpSp>
       <p:sp>
         <p:nvSpPr>
-          <p:cNvPr id="3" name="TextBox 6">
-            <a:extLst>
-              <a:ext uri="{FF2B5EF4-FFF2-40B4-BE49-F238E27FC236}">
-                <a16:creationId xmlns:a16="http://schemas.microsoft.com/office/drawing/2014/main" id="{F356712F-7894-FDDA-4359-5DC89332AF84}"/>
+          <p:cNvPr id="58" name="TextBox 6">
+            <a:extLst>
+              <a:ext uri="{FF2B5EF4-FFF2-40B4-BE49-F238E27FC236}">
+                <a16:creationId xmlns:a16="http://schemas.microsoft.com/office/drawing/2014/main" id="{3AD29F08-C65C-9BCE-E548-B23684A6B23D}"/>
               </a:ext>
             </a:extLst>
           </p:cNvPr>
@@ -9009,7 +8847,151 @@
         </p:nvSpPr>
         <p:spPr>
           <a:xfrm>
-            <a:off x="1276332" y="6507395"/>
+            <a:off x="719819" y="4312407"/>
+            <a:ext cx="3970560" cy="534762"/>
+          </a:xfrm>
+          <a:prstGeom prst="rect">
+            <a:avLst/>
+          </a:prstGeom>
+          <a:noFill/>
+        </p:spPr>
+        <p:txBody>
+          <a:bodyPr wrap="square" rtlCol="0">
+            <a:spAutoFit/>
+          </a:bodyPr>
+          <a:lstStyle>
+            <a:defPPr>
+              <a:defRPr lang="ko-KR"/>
+            </a:defPPr>
+            <a:lvl1pPr marL="0" algn="l" defTabSz="914400" rtl="0" eaLnBrk="1" latinLnBrk="1" hangingPunct="1">
+              <a:defRPr sz="1800" kern="1200">
+                <a:solidFill>
+                  <a:schemeClr val="tx1"/>
+                </a:solidFill>
+                <a:latin typeface="+mn-lt"/>
+                <a:ea typeface="+mn-ea"/>
+                <a:cs typeface="+mn-cs"/>
+              </a:defRPr>
+            </a:lvl1pPr>
+            <a:lvl2pPr marL="457200" algn="l" defTabSz="914400" rtl="0" eaLnBrk="1" latinLnBrk="1" hangingPunct="1">
+              <a:defRPr sz="1800" kern="1200">
+                <a:solidFill>
+                  <a:schemeClr val="tx1"/>
+                </a:solidFill>
+                <a:latin typeface="+mn-lt"/>
+                <a:ea typeface="+mn-ea"/>
+                <a:cs typeface="+mn-cs"/>
+              </a:defRPr>
+            </a:lvl2pPr>
+            <a:lvl3pPr marL="914400" algn="l" defTabSz="914400" rtl="0" eaLnBrk="1" latinLnBrk="1" hangingPunct="1">
+              <a:defRPr sz="1800" kern="1200">
+                <a:solidFill>
+                  <a:schemeClr val="tx1"/>
+                </a:solidFill>
+                <a:latin typeface="+mn-lt"/>
+                <a:ea typeface="+mn-ea"/>
+                <a:cs typeface="+mn-cs"/>
+              </a:defRPr>
+            </a:lvl3pPr>
+            <a:lvl4pPr marL="1371600" algn="l" defTabSz="914400" rtl="0" eaLnBrk="1" latinLnBrk="1" hangingPunct="1">
+              <a:defRPr sz="1800" kern="1200">
+                <a:solidFill>
+                  <a:schemeClr val="tx1"/>
+                </a:solidFill>
+                <a:latin typeface="+mn-lt"/>
+                <a:ea typeface="+mn-ea"/>
+                <a:cs typeface="+mn-cs"/>
+              </a:defRPr>
+            </a:lvl4pPr>
+            <a:lvl5pPr marL="1828800" algn="l" defTabSz="914400" rtl="0" eaLnBrk="1" latinLnBrk="1" hangingPunct="1">
+              <a:defRPr sz="1800" kern="1200">
+                <a:solidFill>
+                  <a:schemeClr val="tx1"/>
+                </a:solidFill>
+                <a:latin typeface="+mn-lt"/>
+                <a:ea typeface="+mn-ea"/>
+                <a:cs typeface="+mn-cs"/>
+              </a:defRPr>
+            </a:lvl5pPr>
+            <a:lvl6pPr marL="2286000" algn="l" defTabSz="914400" rtl="0" eaLnBrk="1" latinLnBrk="1" hangingPunct="1">
+              <a:defRPr sz="1800" kern="1200">
+                <a:solidFill>
+                  <a:schemeClr val="tx1"/>
+                </a:solidFill>
+                <a:latin typeface="+mn-lt"/>
+                <a:ea typeface="+mn-ea"/>
+                <a:cs typeface="+mn-cs"/>
+              </a:defRPr>
+            </a:lvl6pPr>
+            <a:lvl7pPr marL="2743200" algn="l" defTabSz="914400" rtl="0" eaLnBrk="1" latinLnBrk="1" hangingPunct="1">
+              <a:defRPr sz="1800" kern="1200">
+                <a:solidFill>
+                  <a:schemeClr val="tx1"/>
+                </a:solidFill>
+                <a:latin typeface="+mn-lt"/>
+                <a:ea typeface="+mn-ea"/>
+                <a:cs typeface="+mn-cs"/>
+              </a:defRPr>
+            </a:lvl7pPr>
+            <a:lvl8pPr marL="3200400" algn="l" defTabSz="914400" rtl="0" eaLnBrk="1" latinLnBrk="1" hangingPunct="1">
+              <a:defRPr sz="1800" kern="1200">
+                <a:solidFill>
+                  <a:schemeClr val="tx1"/>
+                </a:solidFill>
+                <a:latin typeface="+mn-lt"/>
+                <a:ea typeface="+mn-ea"/>
+                <a:cs typeface="+mn-cs"/>
+              </a:defRPr>
+            </a:lvl8pPr>
+            <a:lvl9pPr marL="3657600" algn="l" defTabSz="914400" rtl="0" eaLnBrk="1" latinLnBrk="1" hangingPunct="1">
+              <a:defRPr sz="1800" kern="1200">
+                <a:solidFill>
+                  <a:schemeClr val="tx1"/>
+                </a:solidFill>
+                <a:latin typeface="+mn-lt"/>
+                <a:ea typeface="+mn-ea"/>
+                <a:cs typeface="+mn-cs"/>
+              </a:defRPr>
+            </a:lvl9pPr>
+          </a:lstStyle>
+          <a:p>
+            <a:pPr algn="ctr">
+              <a:lnSpc>
+                <a:spcPct val="150000"/>
+              </a:lnSpc>
+            </a:pPr>
+            <a:r>
+              <a:rPr lang="ko-KR" altLang="en-US" sz="1000" b="1">
+                <a:latin typeface="JejuGothicOTF" panose="02000300000000000000" pitchFamily="2" charset="-127"/>
+                <a:ea typeface="JejuGothicOTF" panose="02000300000000000000" pitchFamily="2" charset="-127"/>
+              </a:rPr>
+              <a:t>대학원과정은 학위만을 원하거나 취업을 준비하는 곳이 아니라는 것을 이해하고 있는 자연어처리에 진심인 학생을 찾습니다</a:t>
+            </a:r>
+            <a:r>
+              <a:rPr lang="en-US" altLang="ko-KR" sz="1000" b="1">
+                <a:latin typeface="JejuGothicOTF" panose="02000300000000000000" pitchFamily="2" charset="-127"/>
+                <a:ea typeface="JejuGothicOTF" panose="02000300000000000000" pitchFamily="2" charset="-127"/>
+              </a:rPr>
+              <a:t>.</a:t>
+            </a:r>
+          </a:p>
+        </p:txBody>
+      </p:sp>
+      <p:sp>
+        <p:nvSpPr>
+          <p:cNvPr id="59" name="TextBox 6">
+            <a:extLst>
+              <a:ext uri="{FF2B5EF4-FFF2-40B4-BE49-F238E27FC236}">
+                <a16:creationId xmlns:a16="http://schemas.microsoft.com/office/drawing/2014/main" id="{9104E1E4-FCA7-8EFF-04B9-19720B3DAECD}"/>
+              </a:ext>
+            </a:extLst>
+          </p:cNvPr>
+          <p:cNvSpPr txBox="1"/>
+          <p:nvPr/>
+        </p:nvSpPr>
+        <p:spPr>
+          <a:xfrm>
+            <a:off x="1276332" y="4879400"/>
             <a:ext cx="2750082" cy="900246"/>
           </a:xfrm>
           <a:prstGeom prst="rect">
@@ -9127,7 +9109,7 @@
                 <a:latin typeface="JejuGothicOTF" panose="02000300000000000000" pitchFamily="2" charset="-127"/>
                 <a:ea typeface="JejuGothicOTF" panose="02000300000000000000" pitchFamily="2" charset="-127"/>
               </a:rPr>
-              <a:t>자연어 처리에 관심 있는 학생은 </a:t>
+              <a:t>연구실에 관심 있는 학생은 </a:t>
             </a:r>
             <a:endParaRPr lang="en-US" altLang="ko-KR" sz="1050" b="1">
               <a:latin typeface="JejuGothicOTF" panose="02000300000000000000" pitchFamily="2" charset="-127"/>

--- a/assets/img/notice_panel-1.pptx
+++ b/assets/img/notice_panel-1.pptx
@@ -260,7 +260,7 @@
           <a:p>
             <a:fld id="{91C883BF-99AE-42FD-96B8-D02942FEBE9A}" type="datetimeFigureOut">
               <a:rPr lang="ko-KR" altLang="en-US" smtClean="0"/>
-              <a:t>2024-07-08</a:t>
+              <a:t>2024-07-17</a:t>
             </a:fld>
             <a:endParaRPr lang="ko-KR" altLang="en-US" dirty="0"/>
           </a:p>
@@ -458,7 +458,7 @@
           <a:p>
             <a:fld id="{91C883BF-99AE-42FD-96B8-D02942FEBE9A}" type="datetimeFigureOut">
               <a:rPr lang="ko-KR" altLang="en-US" smtClean="0"/>
-              <a:t>2024-07-08</a:t>
+              <a:t>2024-07-17</a:t>
             </a:fld>
             <a:endParaRPr lang="ko-KR" altLang="en-US" dirty="0"/>
           </a:p>
@@ -666,7 +666,7 @@
           <a:p>
             <a:fld id="{91C883BF-99AE-42FD-96B8-D02942FEBE9A}" type="datetimeFigureOut">
               <a:rPr lang="ko-KR" altLang="en-US" smtClean="0"/>
-              <a:t>2024-07-08</a:t>
+              <a:t>2024-07-17</a:t>
             </a:fld>
             <a:endParaRPr lang="ko-KR" altLang="en-US" dirty="0"/>
           </a:p>
@@ -864,7 +864,7 @@
           <a:p>
             <a:fld id="{91C883BF-99AE-42FD-96B8-D02942FEBE9A}" type="datetimeFigureOut">
               <a:rPr lang="ko-KR" altLang="en-US" smtClean="0"/>
-              <a:t>2024-07-08</a:t>
+              <a:t>2024-07-17</a:t>
             </a:fld>
             <a:endParaRPr lang="ko-KR" altLang="en-US" dirty="0"/>
           </a:p>
@@ -1139,7 +1139,7 @@
           <a:p>
             <a:fld id="{91C883BF-99AE-42FD-96B8-D02942FEBE9A}" type="datetimeFigureOut">
               <a:rPr lang="ko-KR" altLang="en-US" smtClean="0"/>
-              <a:t>2024-07-08</a:t>
+              <a:t>2024-07-17</a:t>
             </a:fld>
             <a:endParaRPr lang="ko-KR" altLang="en-US" dirty="0"/>
           </a:p>
@@ -1404,7 +1404,7 @@
           <a:p>
             <a:fld id="{91C883BF-99AE-42FD-96B8-D02942FEBE9A}" type="datetimeFigureOut">
               <a:rPr lang="ko-KR" altLang="en-US" smtClean="0"/>
-              <a:t>2024-07-08</a:t>
+              <a:t>2024-07-17</a:t>
             </a:fld>
             <a:endParaRPr lang="ko-KR" altLang="en-US" dirty="0"/>
           </a:p>
@@ -1816,7 +1816,7 @@
           <a:p>
             <a:fld id="{91C883BF-99AE-42FD-96B8-D02942FEBE9A}" type="datetimeFigureOut">
               <a:rPr lang="ko-KR" altLang="en-US" smtClean="0"/>
-              <a:t>2024-07-08</a:t>
+              <a:t>2024-07-17</a:t>
             </a:fld>
             <a:endParaRPr lang="ko-KR" altLang="en-US" dirty="0"/>
           </a:p>
@@ -1957,7 +1957,7 @@
           <a:p>
             <a:fld id="{91C883BF-99AE-42FD-96B8-D02942FEBE9A}" type="datetimeFigureOut">
               <a:rPr lang="ko-KR" altLang="en-US" smtClean="0"/>
-              <a:t>2024-07-08</a:t>
+              <a:t>2024-07-17</a:t>
             </a:fld>
             <a:endParaRPr lang="ko-KR" altLang="en-US" dirty="0"/>
           </a:p>
@@ -2070,7 +2070,7 @@
           <a:p>
             <a:fld id="{91C883BF-99AE-42FD-96B8-D02942FEBE9A}" type="datetimeFigureOut">
               <a:rPr lang="ko-KR" altLang="en-US" smtClean="0"/>
-              <a:t>2024-07-08</a:t>
+              <a:t>2024-07-17</a:t>
             </a:fld>
             <a:endParaRPr lang="ko-KR" altLang="en-US" dirty="0"/>
           </a:p>
@@ -2381,7 +2381,7 @@
           <a:p>
             <a:fld id="{91C883BF-99AE-42FD-96B8-D02942FEBE9A}" type="datetimeFigureOut">
               <a:rPr lang="ko-KR" altLang="en-US" smtClean="0"/>
-              <a:t>2024-07-08</a:t>
+              <a:t>2024-07-17</a:t>
             </a:fld>
             <a:endParaRPr lang="ko-KR" altLang="en-US" dirty="0"/>
           </a:p>
@@ -2669,7 +2669,7 @@
           <a:p>
             <a:fld id="{91C883BF-99AE-42FD-96B8-D02942FEBE9A}" type="datetimeFigureOut">
               <a:rPr lang="ko-KR" altLang="en-US" smtClean="0"/>
-              <a:t>2024-07-08</a:t>
+              <a:t>2024-07-17</a:t>
             </a:fld>
             <a:endParaRPr lang="ko-KR" altLang="en-US" dirty="0"/>
           </a:p>
@@ -2910,7 +2910,7 @@
           <a:p>
             <a:fld id="{91C883BF-99AE-42FD-96B8-D02942FEBE9A}" type="datetimeFigureOut">
               <a:rPr lang="ko-KR" altLang="en-US" smtClean="0"/>
-              <a:t>2024-07-08</a:t>
+              <a:t>2024-07-17</a:t>
             </a:fld>
             <a:endParaRPr lang="ko-KR" altLang="en-US" dirty="0"/>
           </a:p>
@@ -3924,217 +3924,6 @@
       </p:cxnSp>
       <p:sp>
         <p:nvSpPr>
-          <p:cNvPr id="71" name="TextBox 6">
-            <a:extLst>
-              <a:ext uri="{FF2B5EF4-FFF2-40B4-BE49-F238E27FC236}">
-                <a16:creationId xmlns:a16="http://schemas.microsoft.com/office/drawing/2014/main" id="{EFF9D69A-EDB1-4A30-B1EB-1973D0743096}"/>
-              </a:ext>
-            </a:extLst>
-          </p:cNvPr>
-          <p:cNvSpPr txBox="1"/>
-          <p:nvPr/>
-        </p:nvSpPr>
-        <p:spPr>
-          <a:xfrm>
-            <a:off x="1164964" y="6327060"/>
-            <a:ext cx="3051900" cy="1088760"/>
-          </a:xfrm>
-          <a:prstGeom prst="rect">
-            <a:avLst/>
-          </a:prstGeom>
-          <a:noFill/>
-        </p:spPr>
-        <p:txBody>
-          <a:bodyPr wrap="square" rtlCol="0">
-            <a:spAutoFit/>
-          </a:bodyPr>
-          <a:lstStyle>
-            <a:defPPr>
-              <a:defRPr lang="ko-KR"/>
-            </a:defPPr>
-            <a:lvl1pPr marL="0" algn="l" defTabSz="914400" rtl="0" eaLnBrk="1" latinLnBrk="1" hangingPunct="1">
-              <a:defRPr sz="1800" kern="1200">
-                <a:solidFill>
-                  <a:schemeClr val="tx1"/>
-                </a:solidFill>
-                <a:latin typeface="+mn-lt"/>
-                <a:ea typeface="+mn-ea"/>
-                <a:cs typeface="+mn-cs"/>
-              </a:defRPr>
-            </a:lvl1pPr>
-            <a:lvl2pPr marL="457200" algn="l" defTabSz="914400" rtl="0" eaLnBrk="1" latinLnBrk="1" hangingPunct="1">
-              <a:defRPr sz="1800" kern="1200">
-                <a:solidFill>
-                  <a:schemeClr val="tx1"/>
-                </a:solidFill>
-                <a:latin typeface="+mn-lt"/>
-                <a:ea typeface="+mn-ea"/>
-                <a:cs typeface="+mn-cs"/>
-              </a:defRPr>
-            </a:lvl2pPr>
-            <a:lvl3pPr marL="914400" algn="l" defTabSz="914400" rtl="0" eaLnBrk="1" latinLnBrk="1" hangingPunct="1">
-              <a:defRPr sz="1800" kern="1200">
-                <a:solidFill>
-                  <a:schemeClr val="tx1"/>
-                </a:solidFill>
-                <a:latin typeface="+mn-lt"/>
-                <a:ea typeface="+mn-ea"/>
-                <a:cs typeface="+mn-cs"/>
-              </a:defRPr>
-            </a:lvl3pPr>
-            <a:lvl4pPr marL="1371600" algn="l" defTabSz="914400" rtl="0" eaLnBrk="1" latinLnBrk="1" hangingPunct="1">
-              <a:defRPr sz="1800" kern="1200">
-                <a:solidFill>
-                  <a:schemeClr val="tx1"/>
-                </a:solidFill>
-                <a:latin typeface="+mn-lt"/>
-                <a:ea typeface="+mn-ea"/>
-                <a:cs typeface="+mn-cs"/>
-              </a:defRPr>
-            </a:lvl4pPr>
-            <a:lvl5pPr marL="1828800" algn="l" defTabSz="914400" rtl="0" eaLnBrk="1" latinLnBrk="1" hangingPunct="1">
-              <a:defRPr sz="1800" kern="1200">
-                <a:solidFill>
-                  <a:schemeClr val="tx1"/>
-                </a:solidFill>
-                <a:latin typeface="+mn-lt"/>
-                <a:ea typeface="+mn-ea"/>
-                <a:cs typeface="+mn-cs"/>
-              </a:defRPr>
-            </a:lvl5pPr>
-            <a:lvl6pPr marL="2286000" algn="l" defTabSz="914400" rtl="0" eaLnBrk="1" latinLnBrk="1" hangingPunct="1">
-              <a:defRPr sz="1800" kern="1200">
-                <a:solidFill>
-                  <a:schemeClr val="tx1"/>
-                </a:solidFill>
-                <a:latin typeface="+mn-lt"/>
-                <a:ea typeface="+mn-ea"/>
-                <a:cs typeface="+mn-cs"/>
-              </a:defRPr>
-            </a:lvl6pPr>
-            <a:lvl7pPr marL="2743200" algn="l" defTabSz="914400" rtl="0" eaLnBrk="1" latinLnBrk="1" hangingPunct="1">
-              <a:defRPr sz="1800" kern="1200">
-                <a:solidFill>
-                  <a:schemeClr val="tx1"/>
-                </a:solidFill>
-                <a:latin typeface="+mn-lt"/>
-                <a:ea typeface="+mn-ea"/>
-                <a:cs typeface="+mn-cs"/>
-              </a:defRPr>
-            </a:lvl7pPr>
-            <a:lvl8pPr marL="3200400" algn="l" defTabSz="914400" rtl="0" eaLnBrk="1" latinLnBrk="1" hangingPunct="1">
-              <a:defRPr sz="1800" kern="1200">
-                <a:solidFill>
-                  <a:schemeClr val="tx1"/>
-                </a:solidFill>
-                <a:latin typeface="+mn-lt"/>
-                <a:ea typeface="+mn-ea"/>
-                <a:cs typeface="+mn-cs"/>
-              </a:defRPr>
-            </a:lvl8pPr>
-            <a:lvl9pPr marL="3657600" algn="l" defTabSz="914400" rtl="0" eaLnBrk="1" latinLnBrk="1" hangingPunct="1">
-              <a:defRPr sz="1800" kern="1200">
-                <a:solidFill>
-                  <a:schemeClr val="tx1"/>
-                </a:solidFill>
-                <a:latin typeface="+mn-lt"/>
-                <a:ea typeface="+mn-ea"/>
-                <a:cs typeface="+mn-cs"/>
-              </a:defRPr>
-            </a:lvl9pPr>
-          </a:lstStyle>
-          <a:p>
-            <a:pPr algn="ctr">
-              <a:lnSpc>
-                <a:spcPct val="150000"/>
-              </a:lnSpc>
-            </a:pPr>
-            <a:r>
-              <a:rPr lang="ko-KR" altLang="en-US" sz="1000" b="1">
-                <a:latin typeface="JejuGothicOTF" panose="02000300000000000000" pitchFamily="2" charset="-127"/>
-                <a:ea typeface="JejuGothicOTF" panose="02000300000000000000" pitchFamily="2" charset="-127"/>
-              </a:rPr>
-              <a:t>여름방학 기간 중 인턴 근무에 관심 있는 학생은학과 공지사항을 확인 바랍니다</a:t>
-            </a:r>
-            <a:r>
-              <a:rPr lang="en-US" altLang="ko-KR" sz="1000" b="1">
-                <a:latin typeface="JejuGothicOTF" panose="02000300000000000000" pitchFamily="2" charset="-127"/>
-                <a:ea typeface="JejuGothicOTF" panose="02000300000000000000" pitchFamily="2" charset="-127"/>
-              </a:rPr>
-              <a:t>.</a:t>
-            </a:r>
-          </a:p>
-          <a:p>
-            <a:pPr algn="ctr">
-              <a:lnSpc>
-                <a:spcPct val="150000"/>
-              </a:lnSpc>
-            </a:pPr>
-            <a:r>
-              <a:rPr lang="en-US" altLang="ko-KR" sz="400" b="1">
-                <a:latin typeface="JejuGothicOTF" panose="02000300000000000000" pitchFamily="2" charset="-127"/>
-                <a:ea typeface="JejuGothicOTF" panose="02000300000000000000" pitchFamily="2" charset="-127"/>
-              </a:rPr>
-              <a:t> </a:t>
-            </a:r>
-          </a:p>
-          <a:p>
-            <a:pPr algn="ctr">
-              <a:lnSpc>
-                <a:spcPct val="150000"/>
-              </a:lnSpc>
-            </a:pPr>
-            <a:r>
-              <a:rPr lang="ko-KR" altLang="en-US" sz="1000">
-                <a:latin typeface="JejuGothicOTF" panose="02000300000000000000" pitchFamily="2" charset="-127"/>
-                <a:ea typeface="JejuGothicOTF" panose="02000300000000000000" pitchFamily="2" charset="-127"/>
-              </a:rPr>
-              <a:t>이미지를 클릭하시면 공지 링크로 넘어갑니다</a:t>
-            </a:r>
-            <a:r>
-              <a:rPr lang="en-US" altLang="ko-KR" sz="1000">
-                <a:latin typeface="JejuGothicOTF" panose="02000300000000000000" pitchFamily="2" charset="-127"/>
-                <a:ea typeface="JejuGothicOTF" panose="02000300000000000000" pitchFamily="2" charset="-127"/>
-              </a:rPr>
-              <a:t>.</a:t>
-            </a:r>
-          </a:p>
-          <a:p>
-            <a:pPr algn="ctr">
-              <a:lnSpc>
-                <a:spcPct val="150000"/>
-              </a:lnSpc>
-            </a:pPr>
-            <a:r>
-              <a:rPr lang="en-US" altLang="ko-KR" sz="1000">
-                <a:latin typeface="JejuGothicOTF" panose="02000300000000000000" pitchFamily="2" charset="-127"/>
-                <a:ea typeface="JejuGothicOTF" panose="02000300000000000000" pitchFamily="2" charset="-127"/>
-              </a:rPr>
-              <a:t>(</a:t>
-            </a:r>
-            <a:r>
-              <a:rPr lang="ko-KR" altLang="en-US" sz="1000">
-                <a:latin typeface="JejuGothicOTF" panose="02000300000000000000" pitchFamily="2" charset="-127"/>
-                <a:ea typeface="JejuGothicOTF" panose="02000300000000000000" pitchFamily="2" charset="-127"/>
-              </a:rPr>
-              <a:t>크롬의 경우 클릭 후 엔터를 눌러주시길 바랍니다</a:t>
-            </a:r>
-            <a:r>
-              <a:rPr lang="en-US" altLang="ko-KR" sz="1000">
-                <a:latin typeface="JejuGothicOTF" panose="02000300000000000000" pitchFamily="2" charset="-127"/>
-                <a:ea typeface="JejuGothicOTF" panose="02000300000000000000" pitchFamily="2" charset="-127"/>
-              </a:rPr>
-              <a:t>.)</a:t>
-            </a:r>
-            <a:endParaRPr lang="ko-KR" altLang="en-US" sz="1000" dirty="0">
-              <a:latin typeface="JejuGothicOTF" panose="02000300000000000000" pitchFamily="2" charset="-127"/>
-              <a:ea typeface="JejuGothicOTF" panose="02000300000000000000" pitchFamily="2" charset="-127"/>
-            </a:endParaRPr>
-          </a:p>
-        </p:txBody>
-      </p:sp>
-      <p:sp>
-        <p:nvSpPr>
           <p:cNvPr id="60" name="직사각형 59">
             <a:extLst>
               <a:ext uri="{FF2B5EF4-FFF2-40B4-BE49-F238E27FC236}">
@@ -9204,7 +8993,7 @@
         </p:nvSpPr>
         <p:spPr>
           <a:xfrm>
-            <a:off x="449131" y="3713395"/>
+            <a:off x="449131" y="3331834"/>
             <a:ext cx="4511938" cy="2421095"/>
           </a:xfrm>
           <a:prstGeom prst="round2DiagRect">
@@ -10832,6 +10621,701 @@
               <a:rPr lang="en-US" altLang="ko-KR" sz="800">
                 <a:latin typeface="제주고딕" panose="02000300000000000000" pitchFamily="2" charset="-127"/>
                 <a:ea typeface="제주고딕" panose="02000300000000000000" pitchFamily="2" charset="-127"/>
+              </a:rPr>
+              <a:t>.</a:t>
+            </a:r>
+          </a:p>
+        </p:txBody>
+      </p:sp>
+      <p:sp>
+        <p:nvSpPr>
+          <p:cNvPr id="2" name="직사각형 1">
+            <a:extLst>
+              <a:ext uri="{FF2B5EF4-FFF2-40B4-BE49-F238E27FC236}">
+                <a16:creationId xmlns:a16="http://schemas.microsoft.com/office/drawing/2014/main" id="{B2460425-06D2-53A7-B452-5A86B6428F5B}"/>
+              </a:ext>
+            </a:extLst>
+          </p:cNvPr>
+          <p:cNvSpPr/>
+          <p:nvPr/>
+        </p:nvSpPr>
+        <p:spPr>
+          <a:xfrm>
+            <a:off x="331694" y="3240257"/>
+            <a:ext cx="4746812" cy="2604247"/>
+          </a:xfrm>
+          <a:prstGeom prst="rect">
+            <a:avLst/>
+          </a:prstGeom>
+          <a:solidFill>
+            <a:srgbClr val="005000"/>
+          </a:solidFill>
+          <a:ln>
+            <a:noFill/>
+          </a:ln>
+        </p:spPr>
+        <p:style>
+          <a:lnRef idx="2">
+            <a:schemeClr val="accent1">
+              <a:shade val="50000"/>
+            </a:schemeClr>
+          </a:lnRef>
+          <a:fillRef idx="1">
+            <a:schemeClr val="accent1"/>
+          </a:fillRef>
+          <a:effectRef idx="0">
+            <a:schemeClr val="accent1"/>
+          </a:effectRef>
+          <a:fontRef idx="minor">
+            <a:schemeClr val="lt1"/>
+          </a:fontRef>
+        </p:style>
+        <p:txBody>
+          <a:bodyPr rtlCol="0" anchor="ctr"/>
+          <a:lstStyle>
+            <a:defPPr>
+              <a:defRPr lang="ko-KR"/>
+            </a:defPPr>
+            <a:lvl1pPr marL="0" algn="l" defTabSz="914400" rtl="0" eaLnBrk="1" latinLnBrk="1" hangingPunct="1">
+              <a:defRPr sz="1800" kern="1200">
+                <a:solidFill>
+                  <a:schemeClr val="lt1"/>
+                </a:solidFill>
+                <a:latin typeface="+mn-lt"/>
+                <a:ea typeface="+mn-ea"/>
+                <a:cs typeface="+mn-cs"/>
+              </a:defRPr>
+            </a:lvl1pPr>
+            <a:lvl2pPr marL="457200" algn="l" defTabSz="914400" rtl="0" eaLnBrk="1" latinLnBrk="1" hangingPunct="1">
+              <a:defRPr sz="1800" kern="1200">
+                <a:solidFill>
+                  <a:schemeClr val="lt1"/>
+                </a:solidFill>
+                <a:latin typeface="+mn-lt"/>
+                <a:ea typeface="+mn-ea"/>
+                <a:cs typeface="+mn-cs"/>
+              </a:defRPr>
+            </a:lvl2pPr>
+            <a:lvl3pPr marL="914400" algn="l" defTabSz="914400" rtl="0" eaLnBrk="1" latinLnBrk="1" hangingPunct="1">
+              <a:defRPr sz="1800" kern="1200">
+                <a:solidFill>
+                  <a:schemeClr val="lt1"/>
+                </a:solidFill>
+                <a:latin typeface="+mn-lt"/>
+                <a:ea typeface="+mn-ea"/>
+                <a:cs typeface="+mn-cs"/>
+              </a:defRPr>
+            </a:lvl3pPr>
+            <a:lvl4pPr marL="1371600" algn="l" defTabSz="914400" rtl="0" eaLnBrk="1" latinLnBrk="1" hangingPunct="1">
+              <a:defRPr sz="1800" kern="1200">
+                <a:solidFill>
+                  <a:schemeClr val="lt1"/>
+                </a:solidFill>
+                <a:latin typeface="+mn-lt"/>
+                <a:ea typeface="+mn-ea"/>
+                <a:cs typeface="+mn-cs"/>
+              </a:defRPr>
+            </a:lvl4pPr>
+            <a:lvl5pPr marL="1828800" algn="l" defTabSz="914400" rtl="0" eaLnBrk="1" latinLnBrk="1" hangingPunct="1">
+              <a:defRPr sz="1800" kern="1200">
+                <a:solidFill>
+                  <a:schemeClr val="lt1"/>
+                </a:solidFill>
+                <a:latin typeface="+mn-lt"/>
+                <a:ea typeface="+mn-ea"/>
+                <a:cs typeface="+mn-cs"/>
+              </a:defRPr>
+            </a:lvl5pPr>
+            <a:lvl6pPr marL="2286000" algn="l" defTabSz="914400" rtl="0" eaLnBrk="1" latinLnBrk="1" hangingPunct="1">
+              <a:defRPr sz="1800" kern="1200">
+                <a:solidFill>
+                  <a:schemeClr val="lt1"/>
+                </a:solidFill>
+                <a:latin typeface="+mn-lt"/>
+                <a:ea typeface="+mn-ea"/>
+                <a:cs typeface="+mn-cs"/>
+              </a:defRPr>
+            </a:lvl6pPr>
+            <a:lvl7pPr marL="2743200" algn="l" defTabSz="914400" rtl="0" eaLnBrk="1" latinLnBrk="1" hangingPunct="1">
+              <a:defRPr sz="1800" kern="1200">
+                <a:solidFill>
+                  <a:schemeClr val="lt1"/>
+                </a:solidFill>
+                <a:latin typeface="+mn-lt"/>
+                <a:ea typeface="+mn-ea"/>
+                <a:cs typeface="+mn-cs"/>
+              </a:defRPr>
+            </a:lvl7pPr>
+            <a:lvl8pPr marL="3200400" algn="l" defTabSz="914400" rtl="0" eaLnBrk="1" latinLnBrk="1" hangingPunct="1">
+              <a:defRPr sz="1800" kern="1200">
+                <a:solidFill>
+                  <a:schemeClr val="lt1"/>
+                </a:solidFill>
+                <a:latin typeface="+mn-lt"/>
+                <a:ea typeface="+mn-ea"/>
+                <a:cs typeface="+mn-cs"/>
+              </a:defRPr>
+            </a:lvl8pPr>
+            <a:lvl9pPr marL="3657600" algn="l" defTabSz="914400" rtl="0" eaLnBrk="1" latinLnBrk="1" hangingPunct="1">
+              <a:defRPr sz="1800" kern="1200">
+                <a:solidFill>
+                  <a:schemeClr val="lt1"/>
+                </a:solidFill>
+                <a:latin typeface="+mn-lt"/>
+                <a:ea typeface="+mn-ea"/>
+                <a:cs typeface="+mn-cs"/>
+              </a:defRPr>
+            </a:lvl9pPr>
+          </a:lstStyle>
+          <a:p>
+            <a:pPr algn="ctr"/>
+            <a:endParaRPr lang="ko-KR" altLang="en-US" dirty="0">
+              <a:latin typeface="JejuGothicOTF" panose="02000300000000000000" pitchFamily="2" charset="-127"/>
+              <a:ea typeface="JejuGothicOTF" panose="02000300000000000000" pitchFamily="2" charset="-127"/>
+            </a:endParaRPr>
+          </a:p>
+        </p:txBody>
+      </p:sp>
+      <p:sp>
+        <p:nvSpPr>
+          <p:cNvPr id="3" name="사각형: 둥근 대각선 방향 모서리 2">
+            <a:extLst>
+              <a:ext uri="{FF2B5EF4-FFF2-40B4-BE49-F238E27FC236}">
+                <a16:creationId xmlns:a16="http://schemas.microsoft.com/office/drawing/2014/main" id="{571102E9-C4BA-7904-0AFF-9E99089A1D1E}"/>
+              </a:ext>
+            </a:extLst>
+          </p:cNvPr>
+          <p:cNvSpPr/>
+          <p:nvPr/>
+        </p:nvSpPr>
+        <p:spPr>
+          <a:xfrm>
+            <a:off x="449131" y="3331834"/>
+            <a:ext cx="4511938" cy="2421095"/>
+          </a:xfrm>
+          <a:prstGeom prst="round2DiagRect">
+            <a:avLst/>
+          </a:prstGeom>
+          <a:solidFill>
+            <a:schemeClr val="bg1"/>
+          </a:solidFill>
+          <a:ln>
+            <a:noFill/>
+          </a:ln>
+        </p:spPr>
+        <p:style>
+          <a:lnRef idx="2">
+            <a:schemeClr val="accent1">
+              <a:shade val="50000"/>
+            </a:schemeClr>
+          </a:lnRef>
+          <a:fillRef idx="1">
+            <a:schemeClr val="accent1"/>
+          </a:fillRef>
+          <a:effectRef idx="0">
+            <a:schemeClr val="accent1"/>
+          </a:effectRef>
+          <a:fontRef idx="minor">
+            <a:schemeClr val="lt1"/>
+          </a:fontRef>
+        </p:style>
+        <p:txBody>
+          <a:bodyPr rtlCol="0" anchor="ctr"/>
+          <a:lstStyle/>
+          <a:p>
+            <a:pPr algn="ctr"/>
+            <a:endParaRPr lang="ko-KR" altLang="en-US">
+              <a:latin typeface="JejuGothicOTF" panose="02000300000000000000" pitchFamily="2" charset="-127"/>
+              <a:ea typeface="JejuGothicOTF" panose="02000300000000000000" pitchFamily="2" charset="-127"/>
+            </a:endParaRPr>
+          </a:p>
+        </p:txBody>
+      </p:sp>
+      <p:sp>
+        <p:nvSpPr>
+          <p:cNvPr id="4" name="TextBox 3">
+            <a:extLst>
+              <a:ext uri="{FF2B5EF4-FFF2-40B4-BE49-F238E27FC236}">
+                <a16:creationId xmlns:a16="http://schemas.microsoft.com/office/drawing/2014/main" id="{0FB9A66E-D649-28B8-EBB4-00628AEA4E6B}"/>
+              </a:ext>
+            </a:extLst>
+          </p:cNvPr>
+          <p:cNvSpPr txBox="1"/>
+          <p:nvPr/>
+        </p:nvSpPr>
+        <p:spPr>
+          <a:xfrm>
+            <a:off x="1872885" y="3408519"/>
+            <a:ext cx="1664430" cy="307777"/>
+          </a:xfrm>
+          <a:prstGeom prst="rect">
+            <a:avLst/>
+          </a:prstGeom>
+          <a:noFill/>
+        </p:spPr>
+        <p:txBody>
+          <a:bodyPr wrap="square" rtlCol="0">
+            <a:spAutoFit/>
+          </a:bodyPr>
+          <a:lstStyle/>
+          <a:p>
+            <a:pPr algn="ctr"/>
+            <a:r>
+              <a:rPr lang="ko-KR" altLang="en-US" sz="1400" b="1" dirty="0">
+                <a:latin typeface="JejuGothicOTF" panose="02000300000000000000" pitchFamily="2" charset="-127"/>
+                <a:ea typeface="JejuGothicOTF" panose="02000300000000000000" pitchFamily="2" charset="-127"/>
+                <a:cs typeface="Malgun Gothic Semilight" panose="020B0502040204020203" pitchFamily="50" charset="-127"/>
+              </a:rPr>
+              <a:t>연구실 문의</a:t>
+            </a:r>
+          </a:p>
+        </p:txBody>
+      </p:sp>
+      <p:cxnSp>
+        <p:nvCxnSpPr>
+          <p:cNvPr id="5" name="직선 연결선 4">
+            <a:extLst>
+              <a:ext uri="{FF2B5EF4-FFF2-40B4-BE49-F238E27FC236}">
+                <a16:creationId xmlns:a16="http://schemas.microsoft.com/office/drawing/2014/main" id="{C129C3C3-FB90-C889-EA3C-389BCBA12E75}"/>
+              </a:ext>
+            </a:extLst>
+          </p:cNvPr>
+          <p:cNvCxnSpPr/>
+          <p:nvPr/>
+        </p:nvCxnSpPr>
+        <p:spPr>
+          <a:xfrm>
+            <a:off x="1873961" y="3689849"/>
+            <a:ext cx="1664430" cy="0"/>
+          </a:xfrm>
+          <a:prstGeom prst="line">
+            <a:avLst/>
+          </a:prstGeom>
+          <a:ln w="19050">
+            <a:solidFill>
+              <a:schemeClr val="bg1">
+                <a:lumMod val="65000"/>
+              </a:schemeClr>
+            </a:solidFill>
+          </a:ln>
+        </p:spPr>
+        <p:style>
+          <a:lnRef idx="1">
+            <a:schemeClr val="accent1"/>
+          </a:lnRef>
+          <a:fillRef idx="0">
+            <a:schemeClr val="accent1"/>
+          </a:fillRef>
+          <a:effectRef idx="0">
+            <a:schemeClr val="accent1"/>
+          </a:effectRef>
+          <a:fontRef idx="minor">
+            <a:schemeClr val="tx1"/>
+          </a:fontRef>
+        </p:style>
+      </p:cxnSp>
+      <p:sp>
+        <p:nvSpPr>
+          <p:cNvPr id="6" name="TextBox 6">
+            <a:extLst>
+              <a:ext uri="{FF2B5EF4-FFF2-40B4-BE49-F238E27FC236}">
+                <a16:creationId xmlns:a16="http://schemas.microsoft.com/office/drawing/2014/main" id="{C54B0250-A043-0AC2-98C5-BD3F22B4341E}"/>
+              </a:ext>
+            </a:extLst>
+          </p:cNvPr>
+          <p:cNvSpPr txBox="1"/>
+          <p:nvPr/>
+        </p:nvSpPr>
+        <p:spPr>
+          <a:xfrm>
+            <a:off x="1164964" y="4411270"/>
+            <a:ext cx="3051900" cy="1088760"/>
+          </a:xfrm>
+          <a:prstGeom prst="rect">
+            <a:avLst/>
+          </a:prstGeom>
+          <a:noFill/>
+        </p:spPr>
+        <p:txBody>
+          <a:bodyPr wrap="square" rtlCol="0">
+            <a:spAutoFit/>
+          </a:bodyPr>
+          <a:lstStyle>
+            <a:defPPr>
+              <a:defRPr lang="ko-KR"/>
+            </a:defPPr>
+            <a:lvl1pPr marL="0" algn="l" defTabSz="914400" rtl="0" eaLnBrk="1" latinLnBrk="1" hangingPunct="1">
+              <a:defRPr sz="1800" kern="1200">
+                <a:solidFill>
+                  <a:schemeClr val="tx1"/>
+                </a:solidFill>
+                <a:latin typeface="+mn-lt"/>
+                <a:ea typeface="+mn-ea"/>
+                <a:cs typeface="+mn-cs"/>
+              </a:defRPr>
+            </a:lvl1pPr>
+            <a:lvl2pPr marL="457200" algn="l" defTabSz="914400" rtl="0" eaLnBrk="1" latinLnBrk="1" hangingPunct="1">
+              <a:defRPr sz="1800" kern="1200">
+                <a:solidFill>
+                  <a:schemeClr val="tx1"/>
+                </a:solidFill>
+                <a:latin typeface="+mn-lt"/>
+                <a:ea typeface="+mn-ea"/>
+                <a:cs typeface="+mn-cs"/>
+              </a:defRPr>
+            </a:lvl2pPr>
+            <a:lvl3pPr marL="914400" algn="l" defTabSz="914400" rtl="0" eaLnBrk="1" latinLnBrk="1" hangingPunct="1">
+              <a:defRPr sz="1800" kern="1200">
+                <a:solidFill>
+                  <a:schemeClr val="tx1"/>
+                </a:solidFill>
+                <a:latin typeface="+mn-lt"/>
+                <a:ea typeface="+mn-ea"/>
+                <a:cs typeface="+mn-cs"/>
+              </a:defRPr>
+            </a:lvl3pPr>
+            <a:lvl4pPr marL="1371600" algn="l" defTabSz="914400" rtl="0" eaLnBrk="1" latinLnBrk="1" hangingPunct="1">
+              <a:defRPr sz="1800" kern="1200">
+                <a:solidFill>
+                  <a:schemeClr val="tx1"/>
+                </a:solidFill>
+                <a:latin typeface="+mn-lt"/>
+                <a:ea typeface="+mn-ea"/>
+                <a:cs typeface="+mn-cs"/>
+              </a:defRPr>
+            </a:lvl4pPr>
+            <a:lvl5pPr marL="1828800" algn="l" defTabSz="914400" rtl="0" eaLnBrk="1" latinLnBrk="1" hangingPunct="1">
+              <a:defRPr sz="1800" kern="1200">
+                <a:solidFill>
+                  <a:schemeClr val="tx1"/>
+                </a:solidFill>
+                <a:latin typeface="+mn-lt"/>
+                <a:ea typeface="+mn-ea"/>
+                <a:cs typeface="+mn-cs"/>
+              </a:defRPr>
+            </a:lvl5pPr>
+            <a:lvl6pPr marL="2286000" algn="l" defTabSz="914400" rtl="0" eaLnBrk="1" latinLnBrk="1" hangingPunct="1">
+              <a:defRPr sz="1800" kern="1200">
+                <a:solidFill>
+                  <a:schemeClr val="tx1"/>
+                </a:solidFill>
+                <a:latin typeface="+mn-lt"/>
+                <a:ea typeface="+mn-ea"/>
+                <a:cs typeface="+mn-cs"/>
+              </a:defRPr>
+            </a:lvl6pPr>
+            <a:lvl7pPr marL="2743200" algn="l" defTabSz="914400" rtl="0" eaLnBrk="1" latinLnBrk="1" hangingPunct="1">
+              <a:defRPr sz="1800" kern="1200">
+                <a:solidFill>
+                  <a:schemeClr val="tx1"/>
+                </a:solidFill>
+                <a:latin typeface="+mn-lt"/>
+                <a:ea typeface="+mn-ea"/>
+                <a:cs typeface="+mn-cs"/>
+              </a:defRPr>
+            </a:lvl7pPr>
+            <a:lvl8pPr marL="3200400" algn="l" defTabSz="914400" rtl="0" eaLnBrk="1" latinLnBrk="1" hangingPunct="1">
+              <a:defRPr sz="1800" kern="1200">
+                <a:solidFill>
+                  <a:schemeClr val="tx1"/>
+                </a:solidFill>
+                <a:latin typeface="+mn-lt"/>
+                <a:ea typeface="+mn-ea"/>
+                <a:cs typeface="+mn-cs"/>
+              </a:defRPr>
+            </a:lvl8pPr>
+            <a:lvl9pPr marL="3657600" algn="l" defTabSz="914400" rtl="0" eaLnBrk="1" latinLnBrk="1" hangingPunct="1">
+              <a:defRPr sz="1800" kern="1200">
+                <a:solidFill>
+                  <a:schemeClr val="tx1"/>
+                </a:solidFill>
+                <a:latin typeface="+mn-lt"/>
+                <a:ea typeface="+mn-ea"/>
+                <a:cs typeface="+mn-cs"/>
+              </a:defRPr>
+            </a:lvl9pPr>
+          </a:lstStyle>
+          <a:p>
+            <a:pPr algn="ctr">
+              <a:lnSpc>
+                <a:spcPct val="150000"/>
+              </a:lnSpc>
+            </a:pPr>
+            <a:r>
+              <a:rPr lang="ko-KR" altLang="en-US" sz="1000" b="1">
+                <a:latin typeface="JejuGothicOTF" panose="02000300000000000000" pitchFamily="2" charset="-127"/>
+                <a:ea typeface="JejuGothicOTF" panose="02000300000000000000" pitchFamily="2" charset="-127"/>
+              </a:rPr>
+              <a:t>연구실에 관심 있는 학생은</a:t>
+            </a:r>
+            <a:endParaRPr lang="en-US" altLang="ko-KR" sz="1000" b="1">
+              <a:latin typeface="JejuGothicOTF" panose="02000300000000000000" pitchFamily="2" charset="-127"/>
+              <a:ea typeface="JejuGothicOTF" panose="02000300000000000000" pitchFamily="2" charset="-127"/>
+            </a:endParaRPr>
+          </a:p>
+          <a:p>
+            <a:pPr algn="ctr">
+              <a:lnSpc>
+                <a:spcPct val="150000"/>
+              </a:lnSpc>
+            </a:pPr>
+            <a:r>
+              <a:rPr lang="ko-KR" altLang="en-US" sz="1000" b="1">
+                <a:latin typeface="JejuGothicOTF" panose="02000300000000000000" pitchFamily="2" charset="-127"/>
+                <a:ea typeface="JejuGothicOTF" panose="02000300000000000000" pitchFamily="2" charset="-127"/>
+              </a:rPr>
+              <a:t>구글폼으로 지원서를 제출 바랍니다</a:t>
+            </a:r>
+            <a:r>
+              <a:rPr lang="en-US" altLang="ko-KR" sz="1000" b="1">
+                <a:latin typeface="JejuGothicOTF" panose="02000300000000000000" pitchFamily="2" charset="-127"/>
+                <a:ea typeface="JejuGothicOTF" panose="02000300000000000000" pitchFamily="2" charset="-127"/>
+              </a:rPr>
+              <a:t>.</a:t>
+            </a:r>
+          </a:p>
+          <a:p>
+            <a:pPr algn="ctr">
+              <a:lnSpc>
+                <a:spcPct val="150000"/>
+              </a:lnSpc>
+            </a:pPr>
+            <a:r>
+              <a:rPr lang="en-US" altLang="ko-KR" sz="400" b="1">
+                <a:latin typeface="JejuGothicOTF" panose="02000300000000000000" pitchFamily="2" charset="-127"/>
+                <a:ea typeface="JejuGothicOTF" panose="02000300000000000000" pitchFamily="2" charset="-127"/>
+              </a:rPr>
+              <a:t> </a:t>
+            </a:r>
+          </a:p>
+          <a:p>
+            <a:pPr algn="ctr">
+              <a:lnSpc>
+                <a:spcPct val="150000"/>
+              </a:lnSpc>
+            </a:pPr>
+            <a:r>
+              <a:rPr lang="ko-KR" altLang="en-US" sz="1000">
+                <a:latin typeface="JejuGothicOTF" panose="02000300000000000000" pitchFamily="2" charset="-127"/>
+                <a:ea typeface="JejuGothicOTF" panose="02000300000000000000" pitchFamily="2" charset="-127"/>
+              </a:rPr>
+              <a:t>이미지를 클릭하시면 공고 링크로 넘어갑니다</a:t>
+            </a:r>
+            <a:r>
+              <a:rPr lang="en-US" altLang="ko-KR" sz="1000">
+                <a:latin typeface="JejuGothicOTF" panose="02000300000000000000" pitchFamily="2" charset="-127"/>
+                <a:ea typeface="JejuGothicOTF" panose="02000300000000000000" pitchFamily="2" charset="-127"/>
+              </a:rPr>
+              <a:t>.</a:t>
+            </a:r>
+          </a:p>
+          <a:p>
+            <a:pPr algn="ctr">
+              <a:lnSpc>
+                <a:spcPct val="150000"/>
+              </a:lnSpc>
+            </a:pPr>
+            <a:r>
+              <a:rPr lang="en-US" altLang="ko-KR" sz="1000">
+                <a:latin typeface="JejuGothicOTF" panose="02000300000000000000" pitchFamily="2" charset="-127"/>
+                <a:ea typeface="JejuGothicOTF" panose="02000300000000000000" pitchFamily="2" charset="-127"/>
+              </a:rPr>
+              <a:t>(</a:t>
+            </a:r>
+            <a:r>
+              <a:rPr lang="ko-KR" altLang="en-US" sz="1000">
+                <a:latin typeface="JejuGothicOTF" panose="02000300000000000000" pitchFamily="2" charset="-127"/>
+                <a:ea typeface="JejuGothicOTF" panose="02000300000000000000" pitchFamily="2" charset="-127"/>
+              </a:rPr>
+              <a:t>크롬의 경우 클릭 후 엔터를 눌러주시길 바랍니다</a:t>
+            </a:r>
+            <a:r>
+              <a:rPr lang="en-US" altLang="ko-KR" sz="1000">
+                <a:latin typeface="JejuGothicOTF" panose="02000300000000000000" pitchFamily="2" charset="-127"/>
+                <a:ea typeface="JejuGothicOTF" panose="02000300000000000000" pitchFamily="2" charset="-127"/>
+              </a:rPr>
+              <a:t>.)</a:t>
+            </a:r>
+            <a:endParaRPr lang="ko-KR" altLang="en-US" sz="1000" dirty="0">
+              <a:latin typeface="JejuGothicOTF" panose="02000300000000000000" pitchFamily="2" charset="-127"/>
+              <a:ea typeface="JejuGothicOTF" panose="02000300000000000000" pitchFamily="2" charset="-127"/>
+            </a:endParaRPr>
+          </a:p>
+        </p:txBody>
+      </p:sp>
+      <p:pic>
+        <p:nvPicPr>
+          <p:cNvPr id="7" name="그림 6" descr="텍스트, 클립아트이(가) 표시된 사진&#10;&#10;자동 생성된 설명">
+            <a:extLst>
+              <a:ext uri="{FF2B5EF4-FFF2-40B4-BE49-F238E27FC236}">
+                <a16:creationId xmlns:a16="http://schemas.microsoft.com/office/drawing/2014/main" id="{337510D3-19D1-DAB7-5F4D-68A8A005141A}"/>
+              </a:ext>
+            </a:extLst>
+          </p:cNvPr>
+          <p:cNvPicPr>
+            <a:picLocks noChangeAspect="1"/>
+          </p:cNvPicPr>
+          <p:nvPr/>
+        </p:nvPicPr>
+        <p:blipFill rotWithShape="1">
+          <a:blip r:embed="rId2">
+            <a:extLst>
+              <a:ext uri="{28A0092B-C50C-407E-A947-70E740481C1C}">
+                <a14:useLocalDpi xmlns:a14="http://schemas.microsoft.com/office/drawing/2010/main" val="0"/>
+              </a:ext>
+            </a:extLst>
+          </a:blip>
+          <a:srcRect l="2243" t="5155" r="3961" b="2267"/>
+          <a:stretch/>
+        </p:blipFill>
+        <p:spPr>
+          <a:xfrm>
+            <a:off x="4573967" y="3358171"/>
+            <a:ext cx="336718" cy="281330"/>
+          </a:xfrm>
+          <a:prstGeom prst="rect">
+            <a:avLst/>
+          </a:prstGeom>
+        </p:spPr>
+      </p:pic>
+      <p:sp>
+        <p:nvSpPr>
+          <p:cNvPr id="8" name="TextBox 6">
+            <a:extLst>
+              <a:ext uri="{FF2B5EF4-FFF2-40B4-BE49-F238E27FC236}">
+                <a16:creationId xmlns:a16="http://schemas.microsoft.com/office/drawing/2014/main" id="{D5BF2541-B265-6FEC-9B1D-2D02A3004FAD}"/>
+              </a:ext>
+            </a:extLst>
+          </p:cNvPr>
+          <p:cNvSpPr txBox="1"/>
+          <p:nvPr/>
+        </p:nvSpPr>
+        <p:spPr>
+          <a:xfrm>
+            <a:off x="719819" y="3876508"/>
+            <a:ext cx="3970560" cy="534762"/>
+          </a:xfrm>
+          <a:prstGeom prst="rect">
+            <a:avLst/>
+          </a:prstGeom>
+          <a:noFill/>
+        </p:spPr>
+        <p:txBody>
+          <a:bodyPr wrap="square" rtlCol="0">
+            <a:spAutoFit/>
+          </a:bodyPr>
+          <a:lstStyle>
+            <a:defPPr>
+              <a:defRPr lang="ko-KR"/>
+            </a:defPPr>
+            <a:lvl1pPr marL="0" algn="l" defTabSz="914400" rtl="0" eaLnBrk="1" latinLnBrk="1" hangingPunct="1">
+              <a:defRPr sz="1800" kern="1200">
+                <a:solidFill>
+                  <a:schemeClr val="tx1"/>
+                </a:solidFill>
+                <a:latin typeface="+mn-lt"/>
+                <a:ea typeface="+mn-ea"/>
+                <a:cs typeface="+mn-cs"/>
+              </a:defRPr>
+            </a:lvl1pPr>
+            <a:lvl2pPr marL="457200" algn="l" defTabSz="914400" rtl="0" eaLnBrk="1" latinLnBrk="1" hangingPunct="1">
+              <a:defRPr sz="1800" kern="1200">
+                <a:solidFill>
+                  <a:schemeClr val="tx1"/>
+                </a:solidFill>
+                <a:latin typeface="+mn-lt"/>
+                <a:ea typeface="+mn-ea"/>
+                <a:cs typeface="+mn-cs"/>
+              </a:defRPr>
+            </a:lvl2pPr>
+            <a:lvl3pPr marL="914400" algn="l" defTabSz="914400" rtl="0" eaLnBrk="1" latinLnBrk="1" hangingPunct="1">
+              <a:defRPr sz="1800" kern="1200">
+                <a:solidFill>
+                  <a:schemeClr val="tx1"/>
+                </a:solidFill>
+                <a:latin typeface="+mn-lt"/>
+                <a:ea typeface="+mn-ea"/>
+                <a:cs typeface="+mn-cs"/>
+              </a:defRPr>
+            </a:lvl3pPr>
+            <a:lvl4pPr marL="1371600" algn="l" defTabSz="914400" rtl="0" eaLnBrk="1" latinLnBrk="1" hangingPunct="1">
+              <a:defRPr sz="1800" kern="1200">
+                <a:solidFill>
+                  <a:schemeClr val="tx1"/>
+                </a:solidFill>
+                <a:latin typeface="+mn-lt"/>
+                <a:ea typeface="+mn-ea"/>
+                <a:cs typeface="+mn-cs"/>
+              </a:defRPr>
+            </a:lvl4pPr>
+            <a:lvl5pPr marL="1828800" algn="l" defTabSz="914400" rtl="0" eaLnBrk="1" latinLnBrk="1" hangingPunct="1">
+              <a:defRPr sz="1800" kern="1200">
+                <a:solidFill>
+                  <a:schemeClr val="tx1"/>
+                </a:solidFill>
+                <a:latin typeface="+mn-lt"/>
+                <a:ea typeface="+mn-ea"/>
+                <a:cs typeface="+mn-cs"/>
+              </a:defRPr>
+            </a:lvl5pPr>
+            <a:lvl6pPr marL="2286000" algn="l" defTabSz="914400" rtl="0" eaLnBrk="1" latinLnBrk="1" hangingPunct="1">
+              <a:defRPr sz="1800" kern="1200">
+                <a:solidFill>
+                  <a:schemeClr val="tx1"/>
+                </a:solidFill>
+                <a:latin typeface="+mn-lt"/>
+                <a:ea typeface="+mn-ea"/>
+                <a:cs typeface="+mn-cs"/>
+              </a:defRPr>
+            </a:lvl6pPr>
+            <a:lvl7pPr marL="2743200" algn="l" defTabSz="914400" rtl="0" eaLnBrk="1" latinLnBrk="1" hangingPunct="1">
+              <a:defRPr sz="1800" kern="1200">
+                <a:solidFill>
+                  <a:schemeClr val="tx1"/>
+                </a:solidFill>
+                <a:latin typeface="+mn-lt"/>
+                <a:ea typeface="+mn-ea"/>
+                <a:cs typeface="+mn-cs"/>
+              </a:defRPr>
+            </a:lvl7pPr>
+            <a:lvl8pPr marL="3200400" algn="l" defTabSz="914400" rtl="0" eaLnBrk="1" latinLnBrk="1" hangingPunct="1">
+              <a:defRPr sz="1800" kern="1200">
+                <a:solidFill>
+                  <a:schemeClr val="tx1"/>
+                </a:solidFill>
+                <a:latin typeface="+mn-lt"/>
+                <a:ea typeface="+mn-ea"/>
+                <a:cs typeface="+mn-cs"/>
+              </a:defRPr>
+            </a:lvl8pPr>
+            <a:lvl9pPr marL="3657600" algn="l" defTabSz="914400" rtl="0" eaLnBrk="1" latinLnBrk="1" hangingPunct="1">
+              <a:defRPr sz="1800" kern="1200">
+                <a:solidFill>
+                  <a:schemeClr val="tx1"/>
+                </a:solidFill>
+                <a:latin typeface="+mn-lt"/>
+                <a:ea typeface="+mn-ea"/>
+                <a:cs typeface="+mn-cs"/>
+              </a:defRPr>
+            </a:lvl9pPr>
+          </a:lstStyle>
+          <a:p>
+            <a:pPr algn="ctr">
+              <a:lnSpc>
+                <a:spcPct val="150000"/>
+              </a:lnSpc>
+            </a:pPr>
+            <a:r>
+              <a:rPr lang="ko-KR" altLang="en-US" sz="1000" b="1">
+                <a:latin typeface="JejuGothicOTF" panose="02000300000000000000" pitchFamily="2" charset="-127"/>
+                <a:ea typeface="JejuGothicOTF" panose="02000300000000000000" pitchFamily="2" charset="-127"/>
+              </a:rPr>
+              <a:t>대학원과정은 학위만을 원하거나 취업을 준비하는 곳이 아니라는 것을 이해하고 있는 자연어처리에 진심인 학생을 찾습니다</a:t>
+            </a:r>
+            <a:r>
+              <a:rPr lang="en-US" altLang="ko-KR" sz="1000" b="1">
+                <a:latin typeface="JejuGothicOTF" panose="02000300000000000000" pitchFamily="2" charset="-127"/>
+                <a:ea typeface="JejuGothicOTF" panose="02000300000000000000" pitchFamily="2" charset="-127"/>
               </a:rPr>
               <a:t>.</a:t>
             </a:r>

--- a/assets/img/notice_panel-1.pptx
+++ b/assets/img/notice_panel-1.pptx
@@ -260,7 +260,7 @@
           <a:p>
             <a:fld id="{91C883BF-99AE-42FD-96B8-D02942FEBE9A}" type="datetimeFigureOut">
               <a:rPr lang="ko-KR" altLang="en-US" smtClean="0"/>
-              <a:t>2024-07-17</a:t>
+              <a:t>2024. 10. 6.</a:t>
             </a:fld>
             <a:endParaRPr lang="ko-KR" altLang="en-US" dirty="0"/>
           </a:p>
@@ -458,7 +458,7 @@
           <a:p>
             <a:fld id="{91C883BF-99AE-42FD-96B8-D02942FEBE9A}" type="datetimeFigureOut">
               <a:rPr lang="ko-KR" altLang="en-US" smtClean="0"/>
-              <a:t>2024-07-17</a:t>
+              <a:t>2024. 10. 6.</a:t>
             </a:fld>
             <a:endParaRPr lang="ko-KR" altLang="en-US" dirty="0"/>
           </a:p>
@@ -666,7 +666,7 @@
           <a:p>
             <a:fld id="{91C883BF-99AE-42FD-96B8-D02942FEBE9A}" type="datetimeFigureOut">
               <a:rPr lang="ko-KR" altLang="en-US" smtClean="0"/>
-              <a:t>2024-07-17</a:t>
+              <a:t>2024. 10. 6.</a:t>
             </a:fld>
             <a:endParaRPr lang="ko-KR" altLang="en-US" dirty="0"/>
           </a:p>
@@ -864,7 +864,7 @@
           <a:p>
             <a:fld id="{91C883BF-99AE-42FD-96B8-D02942FEBE9A}" type="datetimeFigureOut">
               <a:rPr lang="ko-KR" altLang="en-US" smtClean="0"/>
-              <a:t>2024-07-17</a:t>
+              <a:t>2024. 10. 6.</a:t>
             </a:fld>
             <a:endParaRPr lang="ko-KR" altLang="en-US" dirty="0"/>
           </a:p>
@@ -1139,7 +1139,7 @@
           <a:p>
             <a:fld id="{91C883BF-99AE-42FD-96B8-D02942FEBE9A}" type="datetimeFigureOut">
               <a:rPr lang="ko-KR" altLang="en-US" smtClean="0"/>
-              <a:t>2024-07-17</a:t>
+              <a:t>2024. 10. 6.</a:t>
             </a:fld>
             <a:endParaRPr lang="ko-KR" altLang="en-US" dirty="0"/>
           </a:p>
@@ -1404,7 +1404,7 @@
           <a:p>
             <a:fld id="{91C883BF-99AE-42FD-96B8-D02942FEBE9A}" type="datetimeFigureOut">
               <a:rPr lang="ko-KR" altLang="en-US" smtClean="0"/>
-              <a:t>2024-07-17</a:t>
+              <a:t>2024. 10. 6.</a:t>
             </a:fld>
             <a:endParaRPr lang="ko-KR" altLang="en-US" dirty="0"/>
           </a:p>
@@ -1816,7 +1816,7 @@
           <a:p>
             <a:fld id="{91C883BF-99AE-42FD-96B8-D02942FEBE9A}" type="datetimeFigureOut">
               <a:rPr lang="ko-KR" altLang="en-US" smtClean="0"/>
-              <a:t>2024-07-17</a:t>
+              <a:t>2024. 10. 6.</a:t>
             </a:fld>
             <a:endParaRPr lang="ko-KR" altLang="en-US" dirty="0"/>
           </a:p>
@@ -1957,7 +1957,7 @@
           <a:p>
             <a:fld id="{91C883BF-99AE-42FD-96B8-D02942FEBE9A}" type="datetimeFigureOut">
               <a:rPr lang="ko-KR" altLang="en-US" smtClean="0"/>
-              <a:t>2024-07-17</a:t>
+              <a:t>2024. 10. 6.</a:t>
             </a:fld>
             <a:endParaRPr lang="ko-KR" altLang="en-US" dirty="0"/>
           </a:p>
@@ -2070,7 +2070,7 @@
           <a:p>
             <a:fld id="{91C883BF-99AE-42FD-96B8-D02942FEBE9A}" type="datetimeFigureOut">
               <a:rPr lang="ko-KR" altLang="en-US" smtClean="0"/>
-              <a:t>2024-07-17</a:t>
+              <a:t>2024. 10. 6.</a:t>
             </a:fld>
             <a:endParaRPr lang="ko-KR" altLang="en-US" dirty="0"/>
           </a:p>
@@ -2381,7 +2381,7 @@
           <a:p>
             <a:fld id="{91C883BF-99AE-42FD-96B8-D02942FEBE9A}" type="datetimeFigureOut">
               <a:rPr lang="ko-KR" altLang="en-US" smtClean="0"/>
-              <a:t>2024-07-17</a:t>
+              <a:t>2024. 10. 6.</a:t>
             </a:fld>
             <a:endParaRPr lang="ko-KR" altLang="en-US" dirty="0"/>
           </a:p>
@@ -2669,7 +2669,7 @@
           <a:p>
             <a:fld id="{91C883BF-99AE-42FD-96B8-D02942FEBE9A}" type="datetimeFigureOut">
               <a:rPr lang="ko-KR" altLang="en-US" smtClean="0"/>
-              <a:t>2024-07-17</a:t>
+              <a:t>2024. 10. 6.</a:t>
             </a:fld>
             <a:endParaRPr lang="ko-KR" altLang="en-US" dirty="0"/>
           </a:p>
@@ -2910,7 +2910,7 @@
           <a:p>
             <a:fld id="{91C883BF-99AE-42FD-96B8-D02942FEBE9A}" type="datetimeFigureOut">
               <a:rPr lang="ko-KR" altLang="en-US" smtClean="0"/>
-              <a:t>2024-07-17</a:t>
+              <a:t>2024. 10. 6.</a:t>
             </a:fld>
             <a:endParaRPr lang="ko-KR" altLang="en-US" dirty="0"/>
           </a:p>
@@ -11322,6 +11322,980 @@
           </a:p>
         </p:txBody>
       </p:sp>
+      <p:sp>
+        <p:nvSpPr>
+          <p:cNvPr id="9" name="직사각형 94">
+            <a:extLst>
+              <a:ext uri="{FF2B5EF4-FFF2-40B4-BE49-F238E27FC236}">
+                <a16:creationId xmlns:a16="http://schemas.microsoft.com/office/drawing/2014/main" id="{AFCA4848-887E-6FAD-7602-843D87286C1A}"/>
+              </a:ext>
+            </a:extLst>
+          </p:cNvPr>
+          <p:cNvSpPr/>
+          <p:nvPr/>
+        </p:nvSpPr>
+        <p:spPr>
+          <a:xfrm>
+            <a:off x="6114133" y="3240257"/>
+            <a:ext cx="4746812" cy="2604247"/>
+          </a:xfrm>
+          <a:prstGeom prst="rect">
+            <a:avLst/>
+          </a:prstGeom>
+          <a:solidFill>
+            <a:srgbClr val="005000"/>
+          </a:solidFill>
+          <a:ln>
+            <a:noFill/>
+          </a:ln>
+        </p:spPr>
+        <p:style>
+          <a:lnRef idx="2">
+            <a:schemeClr val="accent1">
+              <a:shade val="50000"/>
+            </a:schemeClr>
+          </a:lnRef>
+          <a:fillRef idx="1">
+            <a:schemeClr val="accent1"/>
+          </a:fillRef>
+          <a:effectRef idx="0">
+            <a:schemeClr val="accent1"/>
+          </a:effectRef>
+          <a:fontRef idx="minor">
+            <a:schemeClr val="lt1"/>
+          </a:fontRef>
+        </p:style>
+        <p:txBody>
+          <a:bodyPr rtlCol="0" anchor="ctr"/>
+          <a:lstStyle>
+            <a:defPPr>
+              <a:defRPr lang="ko-KR"/>
+            </a:defPPr>
+            <a:lvl1pPr marL="0" algn="l" defTabSz="914400" rtl="0" eaLnBrk="1" latinLnBrk="1" hangingPunct="1">
+              <a:defRPr sz="1800" kern="1200">
+                <a:solidFill>
+                  <a:schemeClr val="lt1"/>
+                </a:solidFill>
+                <a:latin typeface="+mn-lt"/>
+                <a:ea typeface="+mn-ea"/>
+                <a:cs typeface="+mn-cs"/>
+              </a:defRPr>
+            </a:lvl1pPr>
+            <a:lvl2pPr marL="457200" algn="l" defTabSz="914400" rtl="0" eaLnBrk="1" latinLnBrk="1" hangingPunct="1">
+              <a:defRPr sz="1800" kern="1200">
+                <a:solidFill>
+                  <a:schemeClr val="lt1"/>
+                </a:solidFill>
+                <a:latin typeface="+mn-lt"/>
+                <a:ea typeface="+mn-ea"/>
+                <a:cs typeface="+mn-cs"/>
+              </a:defRPr>
+            </a:lvl2pPr>
+            <a:lvl3pPr marL="914400" algn="l" defTabSz="914400" rtl="0" eaLnBrk="1" latinLnBrk="1" hangingPunct="1">
+              <a:defRPr sz="1800" kern="1200">
+                <a:solidFill>
+                  <a:schemeClr val="lt1"/>
+                </a:solidFill>
+                <a:latin typeface="+mn-lt"/>
+                <a:ea typeface="+mn-ea"/>
+                <a:cs typeface="+mn-cs"/>
+              </a:defRPr>
+            </a:lvl3pPr>
+            <a:lvl4pPr marL="1371600" algn="l" defTabSz="914400" rtl="0" eaLnBrk="1" latinLnBrk="1" hangingPunct="1">
+              <a:defRPr sz="1800" kern="1200">
+                <a:solidFill>
+                  <a:schemeClr val="lt1"/>
+                </a:solidFill>
+                <a:latin typeface="+mn-lt"/>
+                <a:ea typeface="+mn-ea"/>
+                <a:cs typeface="+mn-cs"/>
+              </a:defRPr>
+            </a:lvl4pPr>
+            <a:lvl5pPr marL="1828800" algn="l" defTabSz="914400" rtl="0" eaLnBrk="1" latinLnBrk="1" hangingPunct="1">
+              <a:defRPr sz="1800" kern="1200">
+                <a:solidFill>
+                  <a:schemeClr val="lt1"/>
+                </a:solidFill>
+                <a:latin typeface="+mn-lt"/>
+                <a:ea typeface="+mn-ea"/>
+                <a:cs typeface="+mn-cs"/>
+              </a:defRPr>
+            </a:lvl5pPr>
+            <a:lvl6pPr marL="2286000" algn="l" defTabSz="914400" rtl="0" eaLnBrk="1" latinLnBrk="1" hangingPunct="1">
+              <a:defRPr sz="1800" kern="1200">
+                <a:solidFill>
+                  <a:schemeClr val="lt1"/>
+                </a:solidFill>
+                <a:latin typeface="+mn-lt"/>
+                <a:ea typeface="+mn-ea"/>
+                <a:cs typeface="+mn-cs"/>
+              </a:defRPr>
+            </a:lvl6pPr>
+            <a:lvl7pPr marL="2743200" algn="l" defTabSz="914400" rtl="0" eaLnBrk="1" latinLnBrk="1" hangingPunct="1">
+              <a:defRPr sz="1800" kern="1200">
+                <a:solidFill>
+                  <a:schemeClr val="lt1"/>
+                </a:solidFill>
+                <a:latin typeface="+mn-lt"/>
+                <a:ea typeface="+mn-ea"/>
+                <a:cs typeface="+mn-cs"/>
+              </a:defRPr>
+            </a:lvl7pPr>
+            <a:lvl8pPr marL="3200400" algn="l" defTabSz="914400" rtl="0" eaLnBrk="1" latinLnBrk="1" hangingPunct="1">
+              <a:defRPr sz="1800" kern="1200">
+                <a:solidFill>
+                  <a:schemeClr val="lt1"/>
+                </a:solidFill>
+                <a:latin typeface="+mn-lt"/>
+                <a:ea typeface="+mn-ea"/>
+                <a:cs typeface="+mn-cs"/>
+              </a:defRPr>
+            </a:lvl8pPr>
+            <a:lvl9pPr marL="3657600" algn="l" defTabSz="914400" rtl="0" eaLnBrk="1" latinLnBrk="1" hangingPunct="1">
+              <a:defRPr sz="1800" kern="1200">
+                <a:solidFill>
+                  <a:schemeClr val="lt1"/>
+                </a:solidFill>
+                <a:latin typeface="+mn-lt"/>
+                <a:ea typeface="+mn-ea"/>
+                <a:cs typeface="+mn-cs"/>
+              </a:defRPr>
+            </a:lvl9pPr>
+          </a:lstStyle>
+          <a:p>
+            <a:pPr algn="ctr"/>
+            <a:endParaRPr lang="ko-KR" altLang="en-US" dirty="0"/>
+          </a:p>
+        </p:txBody>
+      </p:sp>
+      <p:sp>
+        <p:nvSpPr>
+          <p:cNvPr id="10" name="사각형: 둥근 대각선 방향 모서리 95">
+            <a:extLst>
+              <a:ext uri="{FF2B5EF4-FFF2-40B4-BE49-F238E27FC236}">
+                <a16:creationId xmlns:a16="http://schemas.microsoft.com/office/drawing/2014/main" id="{1EC0AFFD-F0A4-F72A-2C49-A0E1E0A4CA70}"/>
+              </a:ext>
+            </a:extLst>
+          </p:cNvPr>
+          <p:cNvSpPr/>
+          <p:nvPr/>
+        </p:nvSpPr>
+        <p:spPr>
+          <a:xfrm>
+            <a:off x="6224358" y="3331833"/>
+            <a:ext cx="4511938" cy="2421095"/>
+          </a:xfrm>
+          <a:prstGeom prst="round2DiagRect">
+            <a:avLst/>
+          </a:prstGeom>
+          <a:solidFill>
+            <a:schemeClr val="bg1"/>
+          </a:solidFill>
+          <a:ln>
+            <a:noFill/>
+          </a:ln>
+        </p:spPr>
+        <p:style>
+          <a:lnRef idx="2">
+            <a:schemeClr val="accent1">
+              <a:shade val="50000"/>
+            </a:schemeClr>
+          </a:lnRef>
+          <a:fillRef idx="1">
+            <a:schemeClr val="accent1"/>
+          </a:fillRef>
+          <a:effectRef idx="0">
+            <a:schemeClr val="accent1"/>
+          </a:effectRef>
+          <a:fontRef idx="minor">
+            <a:schemeClr val="lt1"/>
+          </a:fontRef>
+        </p:style>
+        <p:txBody>
+          <a:bodyPr rtlCol="0" anchor="ctr"/>
+          <a:lstStyle/>
+          <a:p>
+            <a:pPr algn="ctr"/>
+            <a:endParaRPr lang="ko-KR" altLang="en-US"/>
+          </a:p>
+        </p:txBody>
+      </p:sp>
+      <p:sp>
+        <p:nvSpPr>
+          <p:cNvPr id="11" name="TextBox 10">
+            <a:extLst>
+              <a:ext uri="{FF2B5EF4-FFF2-40B4-BE49-F238E27FC236}">
+                <a16:creationId xmlns:a16="http://schemas.microsoft.com/office/drawing/2014/main" id="{3BF69A24-D799-1B03-0604-F6CDE92B4333}"/>
+              </a:ext>
+            </a:extLst>
+          </p:cNvPr>
+          <p:cNvSpPr txBox="1"/>
+          <p:nvPr/>
+        </p:nvSpPr>
+        <p:spPr>
+          <a:xfrm>
+            <a:off x="6600095" y="3373482"/>
+            <a:ext cx="3743174" cy="307777"/>
+          </a:xfrm>
+          <a:prstGeom prst="rect">
+            <a:avLst/>
+          </a:prstGeom>
+          <a:noFill/>
+        </p:spPr>
+        <p:txBody>
+          <a:bodyPr wrap="square" rtlCol="0">
+            <a:spAutoFit/>
+          </a:bodyPr>
+          <a:lstStyle/>
+          <a:p>
+            <a:pPr algn="ctr"/>
+            <a:r>
+              <a:rPr lang="en-US" altLang="ko-KR" sz="1400" b="1" dirty="0">
+                <a:latin typeface="제주고딕" panose="02000300000000000000" pitchFamily="2" charset="-127"/>
+                <a:ea typeface="제주고딕" panose="02000300000000000000" pitchFamily="2" charset="-127"/>
+                <a:cs typeface="Malgun Gothic Semilight" panose="020B0502040204020203" pitchFamily="50" charset="-127"/>
+              </a:rPr>
+              <a:t>News</a:t>
+            </a:r>
+            <a:endParaRPr lang="ko-KR" altLang="en-US" sz="1400" b="1" dirty="0">
+              <a:latin typeface="제주고딕" panose="02000300000000000000" pitchFamily="2" charset="-127"/>
+              <a:ea typeface="제주고딕" panose="02000300000000000000" pitchFamily="2" charset="-127"/>
+              <a:cs typeface="Malgun Gothic Semilight" panose="020B0502040204020203" pitchFamily="50" charset="-127"/>
+            </a:endParaRPr>
+          </a:p>
+        </p:txBody>
+      </p:sp>
+      <p:cxnSp>
+        <p:nvCxnSpPr>
+          <p:cNvPr id="12" name="직선 연결선 97">
+            <a:extLst>
+              <a:ext uri="{FF2B5EF4-FFF2-40B4-BE49-F238E27FC236}">
+                <a16:creationId xmlns:a16="http://schemas.microsoft.com/office/drawing/2014/main" id="{BB64EE40-1108-E425-5366-BDAC58F06D77}"/>
+              </a:ext>
+            </a:extLst>
+          </p:cNvPr>
+          <p:cNvCxnSpPr>
+            <a:cxnSpLocks/>
+          </p:cNvCxnSpPr>
+          <p:nvPr/>
+        </p:nvCxnSpPr>
+        <p:spPr>
+          <a:xfrm>
+            <a:off x="8147079" y="3666988"/>
+            <a:ext cx="637410" cy="0"/>
+          </a:xfrm>
+          <a:prstGeom prst="line">
+            <a:avLst/>
+          </a:prstGeom>
+          <a:ln w="19050">
+            <a:solidFill>
+              <a:schemeClr val="bg1">
+                <a:lumMod val="65000"/>
+              </a:schemeClr>
+            </a:solidFill>
+          </a:ln>
+        </p:spPr>
+        <p:style>
+          <a:lnRef idx="1">
+            <a:schemeClr val="accent1"/>
+          </a:lnRef>
+          <a:fillRef idx="0">
+            <a:schemeClr val="accent1"/>
+          </a:fillRef>
+          <a:effectRef idx="0">
+            <a:schemeClr val="accent1"/>
+          </a:effectRef>
+          <a:fontRef idx="minor">
+            <a:schemeClr val="tx1"/>
+          </a:fontRef>
+        </p:style>
+      </p:cxnSp>
+      <p:pic>
+        <p:nvPicPr>
+          <p:cNvPr id="13" name="그림 98" descr="텍스트, 클립아트이(가) 표시된 사진&#10;&#10;자동 생성된 설명">
+            <a:extLst>
+              <a:ext uri="{FF2B5EF4-FFF2-40B4-BE49-F238E27FC236}">
+                <a16:creationId xmlns:a16="http://schemas.microsoft.com/office/drawing/2014/main" id="{31BD9110-655D-4F51-00FC-7502BBAF5C9D}"/>
+              </a:ext>
+            </a:extLst>
+          </p:cNvPr>
+          <p:cNvPicPr>
+            <a:picLocks noChangeAspect="1"/>
+          </p:cNvPicPr>
+          <p:nvPr/>
+        </p:nvPicPr>
+        <p:blipFill rotWithShape="1">
+          <a:blip r:embed="rId2">
+            <a:extLst>
+              <a:ext uri="{28A0092B-C50C-407E-A947-70E740481C1C}">
+                <a14:useLocalDpi xmlns:a14="http://schemas.microsoft.com/office/drawing/2010/main" val="0"/>
+              </a:ext>
+            </a:extLst>
+          </a:blip>
+          <a:srcRect l="2243" t="5155" r="3961" b="2267"/>
+          <a:stretch/>
+        </p:blipFill>
+        <p:spPr>
+          <a:xfrm>
+            <a:off x="10371423" y="3353006"/>
+            <a:ext cx="336718" cy="281330"/>
+          </a:xfrm>
+          <a:prstGeom prst="rect">
+            <a:avLst/>
+          </a:prstGeom>
+        </p:spPr>
+      </p:pic>
+      <p:sp>
+        <p:nvSpPr>
+          <p:cNvPr id="14" name="TextBox 13">
+            <a:extLst>
+              <a:ext uri="{FF2B5EF4-FFF2-40B4-BE49-F238E27FC236}">
+                <a16:creationId xmlns:a16="http://schemas.microsoft.com/office/drawing/2014/main" id="{2025F552-1116-C1B1-6811-600725657FE9}"/>
+              </a:ext>
+            </a:extLst>
+          </p:cNvPr>
+          <p:cNvSpPr txBox="1"/>
+          <p:nvPr/>
+        </p:nvSpPr>
+        <p:spPr>
+          <a:xfrm>
+            <a:off x="6333715" y="3804901"/>
+            <a:ext cx="4307648" cy="1730538"/>
+          </a:xfrm>
+          <a:prstGeom prst="rect">
+            <a:avLst/>
+          </a:prstGeom>
+          <a:noFill/>
+        </p:spPr>
+        <p:txBody>
+          <a:bodyPr wrap="square" rtlCol="0">
+            <a:spAutoFit/>
+          </a:bodyPr>
+          <a:lstStyle/>
+          <a:p>
+            <a:pPr marL="171450" indent="-171450">
+              <a:lnSpc>
+                <a:spcPct val="150000"/>
+              </a:lnSpc>
+              <a:buClr>
+                <a:schemeClr val="tx1"/>
+              </a:buClr>
+              <a:buFont typeface="Arial" panose="020B0604020202020204" pitchFamily="34" charset="0"/>
+              <a:buChar char="•"/>
+            </a:pPr>
+            <a:r>
+              <a:rPr lang="en-US" altLang="ko-KR" sz="800" b="1" dirty="0">
+                <a:solidFill>
+                  <a:srgbClr val="A52A2A"/>
+                </a:solidFill>
+                <a:latin typeface="제주고딕" panose="02000300000000000000" pitchFamily="2" charset="-127"/>
+                <a:ea typeface="제주고딕" panose="02000300000000000000" pitchFamily="2" charset="-127"/>
+              </a:rPr>
+              <a:t>CIKM 2021</a:t>
+            </a:r>
+            <a:r>
+              <a:rPr lang="ko-KR" altLang="en-US" sz="800" dirty="0">
+                <a:latin typeface="제주고딕" panose="02000300000000000000" pitchFamily="2" charset="-127"/>
+                <a:ea typeface="제주고딕" panose="02000300000000000000" pitchFamily="2" charset="-127"/>
+              </a:rPr>
+              <a:t>에 </a:t>
+            </a:r>
+            <a:r>
+              <a:rPr lang="en-US" altLang="ko-KR" sz="800" b="1" dirty="0">
+                <a:latin typeface="제주고딕" panose="02000300000000000000" pitchFamily="2" charset="-127"/>
+                <a:ea typeface="제주고딕" panose="02000300000000000000" pitchFamily="2" charset="-127"/>
+              </a:rPr>
+              <a:t>4</a:t>
+            </a:r>
+            <a:r>
+              <a:rPr lang="ko-KR" altLang="en-US" sz="800" b="1" dirty="0">
+                <a:latin typeface="제주고딕" panose="02000300000000000000" pitchFamily="2" charset="-127"/>
+                <a:ea typeface="제주고딕" panose="02000300000000000000" pitchFamily="2" charset="-127"/>
+              </a:rPr>
+              <a:t>편의 논문</a:t>
+            </a:r>
+            <a:r>
+              <a:rPr lang="ko-KR" altLang="en-US" sz="800" dirty="0">
+                <a:latin typeface="제주고딕" panose="02000300000000000000" pitchFamily="2" charset="-127"/>
+                <a:ea typeface="제주고딕" panose="02000300000000000000" pitchFamily="2" charset="-127"/>
+              </a:rPr>
+              <a:t>이 게재 승인되었습니다 </a:t>
+            </a:r>
+            <a:r>
+              <a:rPr lang="en-US" altLang="ko-KR" sz="800" i="0" dirty="0">
+                <a:solidFill>
+                  <a:srgbClr val="A52A2A"/>
+                </a:solidFill>
+                <a:effectLst/>
+                <a:latin typeface="제주고딕" panose="02000300000000000000" pitchFamily="2" charset="-127"/>
+                <a:ea typeface="제주고딕" panose="02000300000000000000" pitchFamily="2" charset="-127"/>
+              </a:rPr>
+              <a:t>(BK Plus Computer Science IF=3)</a:t>
+            </a:r>
+            <a:r>
+              <a:rPr lang="en-US" altLang="ko-KR" sz="800" dirty="0">
+                <a:latin typeface="제주고딕" panose="02000300000000000000" pitchFamily="2" charset="-127"/>
+                <a:ea typeface="제주고딕" panose="02000300000000000000" pitchFamily="2" charset="-127"/>
+              </a:rPr>
+              <a:t>.</a:t>
+            </a:r>
+          </a:p>
+          <a:p>
+            <a:pPr marL="171450" indent="-171450">
+              <a:lnSpc>
+                <a:spcPct val="150000"/>
+              </a:lnSpc>
+              <a:buClr>
+                <a:schemeClr val="tx1"/>
+              </a:buClr>
+              <a:buFont typeface="Arial" panose="020B0604020202020204" pitchFamily="34" charset="0"/>
+              <a:buChar char="•"/>
+            </a:pPr>
+            <a:r>
+              <a:rPr lang="en-US" altLang="ko-KR" sz="800" b="1" dirty="0">
+                <a:solidFill>
+                  <a:srgbClr val="A52A2A"/>
+                </a:solidFill>
+                <a:latin typeface="제주고딕" panose="02000300000000000000" pitchFamily="2" charset="-127"/>
+                <a:ea typeface="제주고딕" panose="02000300000000000000" pitchFamily="2" charset="-127"/>
+              </a:rPr>
+              <a:t>NAACL 2021</a:t>
+            </a:r>
+            <a:r>
+              <a:rPr lang="ko-KR" altLang="en-US" sz="800" dirty="0">
+                <a:latin typeface="제주고딕" panose="02000300000000000000" pitchFamily="2" charset="-127"/>
+                <a:ea typeface="제주고딕" panose="02000300000000000000" pitchFamily="2" charset="-127"/>
+              </a:rPr>
+              <a:t>에 </a:t>
+            </a:r>
+            <a:r>
+              <a:rPr lang="en-US" altLang="ko-KR" sz="800" b="1" dirty="0">
+                <a:latin typeface="제주고딕" panose="02000300000000000000" pitchFamily="2" charset="-127"/>
+                <a:ea typeface="제주고딕" panose="02000300000000000000" pitchFamily="2" charset="-127"/>
+              </a:rPr>
+              <a:t>1</a:t>
+            </a:r>
+            <a:r>
+              <a:rPr lang="ko-KR" altLang="en-US" sz="800" b="1" dirty="0">
+                <a:latin typeface="제주고딕" panose="02000300000000000000" pitchFamily="2" charset="-127"/>
+                <a:ea typeface="제주고딕" panose="02000300000000000000" pitchFamily="2" charset="-127"/>
+              </a:rPr>
+              <a:t>편의 논문</a:t>
+            </a:r>
+            <a:r>
+              <a:rPr lang="ko-KR" altLang="en-US" sz="800" dirty="0">
+                <a:latin typeface="제주고딕" panose="02000300000000000000" pitchFamily="2" charset="-127"/>
+                <a:ea typeface="제주고딕" panose="02000300000000000000" pitchFamily="2" charset="-127"/>
+              </a:rPr>
+              <a:t>이 게재 승인되었습니다 </a:t>
+            </a:r>
+            <a:r>
+              <a:rPr lang="en-US" altLang="ko-KR" sz="800" i="0" dirty="0">
+                <a:solidFill>
+                  <a:srgbClr val="A52A2A"/>
+                </a:solidFill>
+                <a:effectLst/>
+                <a:latin typeface="제주고딕" panose="02000300000000000000" pitchFamily="2" charset="-127"/>
+                <a:ea typeface="제주고딕" panose="02000300000000000000" pitchFamily="2" charset="-127"/>
+              </a:rPr>
+              <a:t>(BK Plus Computer Science IF=2)</a:t>
+            </a:r>
+            <a:r>
+              <a:rPr lang="en-US" altLang="ko-KR" sz="800" dirty="0">
+                <a:latin typeface="제주고딕" panose="02000300000000000000" pitchFamily="2" charset="-127"/>
+                <a:ea typeface="제주고딕" panose="02000300000000000000" pitchFamily="2" charset="-127"/>
+              </a:rPr>
+              <a:t>.</a:t>
+            </a:r>
+          </a:p>
+          <a:p>
+            <a:pPr marL="171450" indent="-171450">
+              <a:lnSpc>
+                <a:spcPct val="150000"/>
+              </a:lnSpc>
+              <a:buClr>
+                <a:schemeClr val="tx1"/>
+              </a:buClr>
+              <a:buFont typeface="Arial" panose="020B0604020202020204" pitchFamily="34" charset="0"/>
+              <a:buChar char="•"/>
+            </a:pPr>
+            <a:r>
+              <a:rPr lang="en-US" altLang="ko-KR" sz="800" b="1" dirty="0">
+                <a:solidFill>
+                  <a:srgbClr val="A52A2A"/>
+                </a:solidFill>
+                <a:latin typeface="제주고딕" panose="02000300000000000000" pitchFamily="2" charset="-127"/>
+                <a:ea typeface="제주고딕" panose="02000300000000000000" pitchFamily="2" charset="-127"/>
+              </a:rPr>
+              <a:t>EACL 2021</a:t>
+            </a:r>
+            <a:r>
+              <a:rPr lang="ko-KR" altLang="en-US" sz="800" dirty="0">
+                <a:latin typeface="제주고딕" panose="02000300000000000000" pitchFamily="2" charset="-127"/>
+                <a:ea typeface="제주고딕" panose="02000300000000000000" pitchFamily="2" charset="-127"/>
+              </a:rPr>
+              <a:t>에 </a:t>
+            </a:r>
+            <a:r>
+              <a:rPr lang="en-US" altLang="ko-KR" sz="800" b="1" dirty="0">
+                <a:latin typeface="제주고딕" panose="02000300000000000000" pitchFamily="2" charset="-127"/>
+                <a:ea typeface="제주고딕" panose="02000300000000000000" pitchFamily="2" charset="-127"/>
+              </a:rPr>
+              <a:t>1</a:t>
+            </a:r>
+            <a:r>
+              <a:rPr lang="ko-KR" altLang="en-US" sz="800" b="1" dirty="0">
+                <a:latin typeface="제주고딕" panose="02000300000000000000" pitchFamily="2" charset="-127"/>
+                <a:ea typeface="제주고딕" panose="02000300000000000000" pitchFamily="2" charset="-127"/>
+              </a:rPr>
+              <a:t>편의 논문</a:t>
+            </a:r>
+            <a:r>
+              <a:rPr lang="ko-KR" altLang="en-US" sz="800" dirty="0">
+                <a:latin typeface="제주고딕" panose="02000300000000000000" pitchFamily="2" charset="-127"/>
+                <a:ea typeface="제주고딕" panose="02000300000000000000" pitchFamily="2" charset="-127"/>
+              </a:rPr>
+              <a:t>이 게재 승인되었습니다 </a:t>
+            </a:r>
+            <a:r>
+              <a:rPr lang="en-US" altLang="ko-KR" sz="800" i="0" dirty="0">
+                <a:solidFill>
+                  <a:srgbClr val="A52A2A"/>
+                </a:solidFill>
+                <a:effectLst/>
+                <a:latin typeface="제주고딕" panose="02000300000000000000" pitchFamily="2" charset="-127"/>
+                <a:ea typeface="제주고딕" panose="02000300000000000000" pitchFamily="2" charset="-127"/>
+              </a:rPr>
+              <a:t>(BK Plus Computer Science IF=2)</a:t>
+            </a:r>
+            <a:r>
+              <a:rPr lang="en-US" altLang="ko-KR" sz="800" dirty="0">
+                <a:latin typeface="제주고딕" panose="02000300000000000000" pitchFamily="2" charset="-127"/>
+                <a:ea typeface="제주고딕" panose="02000300000000000000" pitchFamily="2" charset="-127"/>
+              </a:rPr>
+              <a:t>.</a:t>
+            </a:r>
+          </a:p>
+          <a:p>
+            <a:pPr marL="171450" indent="-171450">
+              <a:lnSpc>
+                <a:spcPct val="150000"/>
+              </a:lnSpc>
+              <a:buClr>
+                <a:schemeClr val="tx1"/>
+              </a:buClr>
+              <a:buFont typeface="Arial" panose="020B0604020202020204" pitchFamily="34" charset="0"/>
+              <a:buChar char="•"/>
+            </a:pPr>
+            <a:r>
+              <a:rPr lang="en-US" altLang="ko-KR" sz="800" b="1" dirty="0">
+                <a:solidFill>
+                  <a:srgbClr val="A52A2A"/>
+                </a:solidFill>
+                <a:latin typeface="제주고딕" panose="02000300000000000000" pitchFamily="2" charset="-127"/>
+                <a:ea typeface="제주고딕" panose="02000300000000000000" pitchFamily="2" charset="-127"/>
+              </a:rPr>
+              <a:t>AAAI 2021</a:t>
+            </a:r>
+            <a:r>
+              <a:rPr lang="ko-KR" altLang="en-US" sz="800" dirty="0">
+                <a:latin typeface="제주고딕" panose="02000300000000000000" pitchFamily="2" charset="-127"/>
+                <a:ea typeface="제주고딕" panose="02000300000000000000" pitchFamily="2" charset="-127"/>
+              </a:rPr>
+              <a:t>에 </a:t>
+            </a:r>
+            <a:r>
+              <a:rPr lang="en-US" altLang="ko-KR" sz="800" b="1" dirty="0">
+                <a:latin typeface="제주고딕" panose="02000300000000000000" pitchFamily="2" charset="-127"/>
+                <a:ea typeface="제주고딕" panose="02000300000000000000" pitchFamily="2" charset="-127"/>
+              </a:rPr>
+              <a:t>1</a:t>
+            </a:r>
+            <a:r>
+              <a:rPr lang="ko-KR" altLang="en-US" sz="800" b="1" dirty="0">
+                <a:latin typeface="제주고딕" panose="02000300000000000000" pitchFamily="2" charset="-127"/>
+                <a:ea typeface="제주고딕" panose="02000300000000000000" pitchFamily="2" charset="-127"/>
+              </a:rPr>
+              <a:t>편의 논문</a:t>
+            </a:r>
+            <a:r>
+              <a:rPr lang="ko-KR" altLang="en-US" sz="800" dirty="0">
+                <a:latin typeface="제주고딕" panose="02000300000000000000" pitchFamily="2" charset="-127"/>
+                <a:ea typeface="제주고딕" panose="02000300000000000000" pitchFamily="2" charset="-127"/>
+              </a:rPr>
+              <a:t>이 게재 승인되었습니다 </a:t>
+            </a:r>
+            <a:r>
+              <a:rPr lang="en-US" altLang="ko-KR" sz="800" i="0" dirty="0">
+                <a:solidFill>
+                  <a:srgbClr val="A52A2A"/>
+                </a:solidFill>
+                <a:effectLst/>
+                <a:latin typeface="제주고딕" panose="02000300000000000000" pitchFamily="2" charset="-127"/>
+                <a:ea typeface="제주고딕" panose="02000300000000000000" pitchFamily="2" charset="-127"/>
+              </a:rPr>
+              <a:t>(BK Plus Computer Science IF=4)</a:t>
+            </a:r>
+            <a:r>
+              <a:rPr lang="en-US" altLang="ko-KR" sz="800" dirty="0">
+                <a:latin typeface="제주고딕" panose="02000300000000000000" pitchFamily="2" charset="-127"/>
+                <a:ea typeface="제주고딕" panose="02000300000000000000" pitchFamily="2" charset="-127"/>
+              </a:rPr>
+              <a:t>.</a:t>
+            </a:r>
+          </a:p>
+          <a:p>
+            <a:pPr marL="171450" indent="-171450">
+              <a:lnSpc>
+                <a:spcPct val="150000"/>
+              </a:lnSpc>
+              <a:buClr>
+                <a:schemeClr val="tx1"/>
+              </a:buClr>
+              <a:buFont typeface="Arial" panose="020B0604020202020204" pitchFamily="34" charset="0"/>
+              <a:buChar char="•"/>
+            </a:pPr>
+            <a:r>
+              <a:rPr lang="en-US" altLang="ko-KR" sz="800" b="1" dirty="0">
+                <a:solidFill>
+                  <a:srgbClr val="A52A2A"/>
+                </a:solidFill>
+                <a:latin typeface="제주고딕" panose="02000300000000000000" pitchFamily="2" charset="-127"/>
+                <a:ea typeface="제주고딕" panose="02000300000000000000" pitchFamily="2" charset="-127"/>
+              </a:rPr>
+              <a:t>DSTC10 Workshop of AAAI 2022</a:t>
+            </a:r>
+            <a:r>
+              <a:rPr lang="ko-KR" altLang="en-US" sz="800" dirty="0" err="1">
+                <a:latin typeface="제주고딕" panose="02000300000000000000" pitchFamily="2" charset="-127"/>
+                <a:ea typeface="제주고딕" panose="02000300000000000000" pitchFamily="2" charset="-127"/>
+              </a:rPr>
+              <a:t>에</a:t>
+            </a:r>
+            <a:r>
+              <a:rPr lang="ko-KR" altLang="en-US" sz="800" dirty="0">
+                <a:latin typeface="제주고딕" panose="02000300000000000000" pitchFamily="2" charset="-127"/>
+                <a:ea typeface="제주고딕" panose="02000300000000000000" pitchFamily="2" charset="-127"/>
+              </a:rPr>
+              <a:t> </a:t>
+            </a:r>
+            <a:r>
+              <a:rPr lang="en-US" altLang="ko-KR" sz="800" b="1" dirty="0">
+                <a:latin typeface="제주고딕" panose="02000300000000000000" pitchFamily="2" charset="-127"/>
+                <a:ea typeface="제주고딕" panose="02000300000000000000" pitchFamily="2" charset="-127"/>
+              </a:rPr>
+              <a:t>3</a:t>
+            </a:r>
+            <a:r>
+              <a:rPr lang="ko-KR" altLang="en-US" sz="800" b="1" dirty="0">
+                <a:latin typeface="제주고딕" panose="02000300000000000000" pitchFamily="2" charset="-127"/>
+                <a:ea typeface="제주고딕" panose="02000300000000000000" pitchFamily="2" charset="-127"/>
+              </a:rPr>
+              <a:t>편의 논문</a:t>
+            </a:r>
+            <a:r>
+              <a:rPr lang="ko-KR" altLang="en-US" sz="800" dirty="0">
+                <a:latin typeface="제주고딕" panose="02000300000000000000" pitchFamily="2" charset="-127"/>
+                <a:ea typeface="제주고딕" panose="02000300000000000000" pitchFamily="2" charset="-127"/>
+              </a:rPr>
+              <a:t>이 게재 승인되었습니다</a:t>
+            </a:r>
+            <a:r>
+              <a:rPr lang="en-US" altLang="ko-KR" sz="800" dirty="0">
+                <a:latin typeface="제주고딕" panose="02000300000000000000" pitchFamily="2" charset="-127"/>
+                <a:ea typeface="제주고딕" panose="02000300000000000000" pitchFamily="2" charset="-127"/>
+              </a:rPr>
+              <a:t>.</a:t>
+            </a:r>
+          </a:p>
+          <a:p>
+            <a:pPr marL="171450" indent="-171450">
+              <a:lnSpc>
+                <a:spcPct val="150000"/>
+              </a:lnSpc>
+              <a:buClr>
+                <a:schemeClr val="tx1"/>
+              </a:buClr>
+              <a:buFont typeface="Arial" panose="020B0604020202020204" pitchFamily="34" charset="0"/>
+              <a:buChar char="•"/>
+            </a:pPr>
+            <a:r>
+              <a:rPr lang="en-US" altLang="ko-KR" sz="800" b="1" dirty="0">
+                <a:solidFill>
+                  <a:srgbClr val="A52A2A"/>
+                </a:solidFill>
+                <a:latin typeface="제주고딕" panose="02000300000000000000" pitchFamily="2" charset="-127"/>
+                <a:ea typeface="제주고딕" panose="02000300000000000000" pitchFamily="2" charset="-127"/>
+              </a:rPr>
+              <a:t>SIGIR 2022</a:t>
+            </a:r>
+            <a:r>
+              <a:rPr lang="ko-KR" altLang="en-US" sz="800" dirty="0">
+                <a:latin typeface="제주고딕" panose="02000300000000000000" pitchFamily="2" charset="-127"/>
+                <a:ea typeface="제주고딕" panose="02000300000000000000" pitchFamily="2" charset="-127"/>
+              </a:rPr>
+              <a:t>에 </a:t>
+            </a:r>
+            <a:r>
+              <a:rPr lang="en-US" altLang="ko-KR" sz="800" b="1" dirty="0">
+                <a:latin typeface="제주고딕" panose="02000300000000000000" pitchFamily="2" charset="-127"/>
+                <a:ea typeface="제주고딕" panose="02000300000000000000" pitchFamily="2" charset="-127"/>
+              </a:rPr>
+              <a:t>2</a:t>
+            </a:r>
+            <a:r>
+              <a:rPr lang="ko-KR" altLang="en-US" sz="800" b="1" dirty="0">
+                <a:latin typeface="제주고딕" panose="02000300000000000000" pitchFamily="2" charset="-127"/>
+                <a:ea typeface="제주고딕" panose="02000300000000000000" pitchFamily="2" charset="-127"/>
+              </a:rPr>
+              <a:t>편의 논문</a:t>
+            </a:r>
+            <a:r>
+              <a:rPr lang="ko-KR" altLang="en-US" sz="800" dirty="0">
+                <a:latin typeface="제주고딕" panose="02000300000000000000" pitchFamily="2" charset="-127"/>
+                <a:ea typeface="제주고딕" panose="02000300000000000000" pitchFamily="2" charset="-127"/>
+              </a:rPr>
+              <a:t>이 게재 승인되었습니다 </a:t>
+            </a:r>
+            <a:r>
+              <a:rPr lang="en-US" altLang="ko-KR" sz="800" i="0" dirty="0">
+                <a:solidFill>
+                  <a:srgbClr val="A52A2A"/>
+                </a:solidFill>
+                <a:effectLst/>
+                <a:latin typeface="제주고딕" panose="02000300000000000000" pitchFamily="2" charset="-127"/>
+                <a:ea typeface="제주고딕" panose="02000300000000000000" pitchFamily="2" charset="-127"/>
+              </a:rPr>
+              <a:t>(BK Plus Computer Science IF=4)</a:t>
+            </a:r>
+            <a:r>
+              <a:rPr lang="en-US" altLang="ko-KR" sz="800" dirty="0">
+                <a:latin typeface="제주고딕" panose="02000300000000000000" pitchFamily="2" charset="-127"/>
+                <a:ea typeface="제주고딕" panose="02000300000000000000" pitchFamily="2" charset="-127"/>
+              </a:rPr>
+              <a:t>.</a:t>
+            </a:r>
+          </a:p>
+          <a:p>
+            <a:pPr marL="171450" indent="-171450">
+              <a:lnSpc>
+                <a:spcPct val="150000"/>
+              </a:lnSpc>
+              <a:buClr>
+                <a:schemeClr val="tx1"/>
+              </a:buClr>
+              <a:buFont typeface="Arial" panose="020B0604020202020204" pitchFamily="34" charset="0"/>
+              <a:buChar char="•"/>
+            </a:pPr>
+            <a:r>
+              <a:rPr lang="en-US" altLang="ko-KR" sz="800" b="1" dirty="0">
+                <a:solidFill>
+                  <a:srgbClr val="A52A2A"/>
+                </a:solidFill>
+                <a:latin typeface="제주고딕" panose="02000300000000000000" pitchFamily="2" charset="-127"/>
+                <a:ea typeface="제주고딕" panose="02000300000000000000" pitchFamily="2" charset="-127"/>
+              </a:rPr>
+              <a:t>WSDM 2023</a:t>
+            </a:r>
+            <a:r>
+              <a:rPr lang="ko-KR" altLang="en-US" sz="800" dirty="0">
+                <a:latin typeface="제주고딕" panose="02000300000000000000" pitchFamily="2" charset="-127"/>
+                <a:ea typeface="제주고딕" panose="02000300000000000000" pitchFamily="2" charset="-127"/>
+              </a:rPr>
+              <a:t>에 </a:t>
+            </a:r>
+            <a:r>
+              <a:rPr lang="en-US" altLang="ko-KR" sz="800" b="1" dirty="0">
+                <a:latin typeface="제주고딕" panose="02000300000000000000" pitchFamily="2" charset="-127"/>
+                <a:ea typeface="제주고딕" panose="02000300000000000000" pitchFamily="2" charset="-127"/>
+              </a:rPr>
+              <a:t>1</a:t>
+            </a:r>
+            <a:r>
+              <a:rPr lang="ko-KR" altLang="en-US" sz="800" b="1" dirty="0">
+                <a:latin typeface="제주고딕" panose="02000300000000000000" pitchFamily="2" charset="-127"/>
+                <a:ea typeface="제주고딕" panose="02000300000000000000" pitchFamily="2" charset="-127"/>
+              </a:rPr>
+              <a:t>편의 논문</a:t>
+            </a:r>
+            <a:r>
+              <a:rPr lang="ko-KR" altLang="en-US" sz="800" dirty="0">
+                <a:latin typeface="제주고딕" panose="02000300000000000000" pitchFamily="2" charset="-127"/>
+                <a:ea typeface="제주고딕" panose="02000300000000000000" pitchFamily="2" charset="-127"/>
+              </a:rPr>
+              <a:t>이 게재 승인되었습니다 </a:t>
+            </a:r>
+            <a:r>
+              <a:rPr lang="en-US" altLang="ko-KR" sz="800" i="0" dirty="0">
+                <a:solidFill>
+                  <a:srgbClr val="A52A2A"/>
+                </a:solidFill>
+                <a:effectLst/>
+                <a:latin typeface="제주고딕" panose="02000300000000000000" pitchFamily="2" charset="-127"/>
+                <a:ea typeface="제주고딕" panose="02000300000000000000" pitchFamily="2" charset="-127"/>
+              </a:rPr>
+              <a:t>(BK Plus Computer Science IF=3)</a:t>
+            </a:r>
+            <a:r>
+              <a:rPr lang="en-US" altLang="ko-KR" sz="800" dirty="0">
+                <a:latin typeface="제주고딕" panose="02000300000000000000" pitchFamily="2" charset="-127"/>
+                <a:ea typeface="제주고딕" panose="02000300000000000000" pitchFamily="2" charset="-127"/>
+              </a:rPr>
+              <a:t>.</a:t>
+            </a:r>
+          </a:p>
+          <a:p>
+            <a:pPr marL="171450" indent="-171450">
+              <a:lnSpc>
+                <a:spcPct val="150000"/>
+              </a:lnSpc>
+              <a:buClr>
+                <a:schemeClr val="tx1"/>
+              </a:buClr>
+              <a:buFont typeface="Arial" panose="020B0604020202020204" pitchFamily="34" charset="0"/>
+              <a:buChar char="•"/>
+            </a:pPr>
+            <a:r>
+              <a:rPr lang="en-US" altLang="ko-KR" sz="800" b="1" dirty="0">
+                <a:solidFill>
+                  <a:srgbClr val="A52A2A"/>
+                </a:solidFill>
+                <a:latin typeface="제주고딕" panose="02000300000000000000" pitchFamily="2" charset="-127"/>
+                <a:ea typeface="제주고딕" panose="02000300000000000000" pitchFamily="2" charset="-127"/>
+              </a:rPr>
+              <a:t>EMNLP 2023</a:t>
+            </a:r>
+            <a:r>
+              <a:rPr lang="ko-KR" altLang="en-US" sz="800" dirty="0" err="1">
+                <a:latin typeface="제주고딕" panose="02000300000000000000" pitchFamily="2" charset="-127"/>
+                <a:ea typeface="제주고딕" panose="02000300000000000000" pitchFamily="2" charset="-127"/>
+              </a:rPr>
+              <a:t>에</a:t>
+            </a:r>
+            <a:r>
+              <a:rPr lang="ko-KR" altLang="en-US" sz="800" dirty="0">
+                <a:latin typeface="제주고딕" panose="02000300000000000000" pitchFamily="2" charset="-127"/>
+                <a:ea typeface="제주고딕" panose="02000300000000000000" pitchFamily="2" charset="-127"/>
+              </a:rPr>
+              <a:t> </a:t>
+            </a:r>
+            <a:r>
+              <a:rPr lang="en-US" altLang="ko-KR" sz="800" b="1" dirty="0">
+                <a:latin typeface="제주고딕" panose="02000300000000000000" pitchFamily="2" charset="-127"/>
+                <a:ea typeface="제주고딕" panose="02000300000000000000" pitchFamily="2" charset="-127"/>
+              </a:rPr>
+              <a:t>1</a:t>
+            </a:r>
+            <a:r>
+              <a:rPr lang="ko-KR" altLang="en-US" sz="800" b="1" dirty="0">
+                <a:latin typeface="제주고딕" panose="02000300000000000000" pitchFamily="2" charset="-127"/>
+                <a:ea typeface="제주고딕" panose="02000300000000000000" pitchFamily="2" charset="-127"/>
+              </a:rPr>
+              <a:t>편의 논문</a:t>
+            </a:r>
+            <a:r>
+              <a:rPr lang="ko-KR" altLang="en-US" sz="800" dirty="0">
+                <a:latin typeface="제주고딕" panose="02000300000000000000" pitchFamily="2" charset="-127"/>
+                <a:ea typeface="제주고딕" panose="02000300000000000000" pitchFamily="2" charset="-127"/>
+              </a:rPr>
+              <a:t>이 게재 승인되었습니다 </a:t>
+            </a:r>
+            <a:r>
+              <a:rPr lang="en-US" altLang="ko-KR" sz="800" i="0" dirty="0">
+                <a:solidFill>
+                  <a:srgbClr val="A52A2A"/>
+                </a:solidFill>
+                <a:effectLst/>
+                <a:latin typeface="제주고딕" panose="02000300000000000000" pitchFamily="2" charset="-127"/>
+                <a:ea typeface="제주고딕" panose="02000300000000000000" pitchFamily="2" charset="-127"/>
+              </a:rPr>
+              <a:t>(BK Plus Computer Science IF=3)</a:t>
+            </a:r>
+            <a:r>
+              <a:rPr lang="en-US" altLang="ko-KR" sz="800" dirty="0">
+                <a:latin typeface="제주고딕" panose="02000300000000000000" pitchFamily="2" charset="-127"/>
+                <a:ea typeface="제주고딕" panose="02000300000000000000" pitchFamily="2" charset="-127"/>
+              </a:rPr>
+              <a:t>.</a:t>
+            </a:r>
+          </a:p>
+          <a:p>
+            <a:pPr marL="171450" indent="-171450">
+              <a:lnSpc>
+                <a:spcPct val="150000"/>
+              </a:lnSpc>
+              <a:buClr>
+                <a:schemeClr val="tx1"/>
+              </a:buClr>
+              <a:buFont typeface="Arial" panose="020B0604020202020204" pitchFamily="34" charset="0"/>
+              <a:buChar char="•"/>
+            </a:pPr>
+            <a:r>
+              <a:rPr lang="en-US" altLang="ko-KR" sz="800" b="1" dirty="0">
+                <a:solidFill>
+                  <a:srgbClr val="A52A2A"/>
+                </a:solidFill>
+                <a:latin typeface="제주고딕" panose="02000300000000000000" pitchFamily="2" charset="-127"/>
+                <a:ea typeface="제주고딕" panose="02000300000000000000" pitchFamily="2" charset="-127"/>
+              </a:rPr>
+              <a:t>EMNLP 2024</a:t>
+            </a:r>
+            <a:r>
+              <a:rPr lang="ko-KR" altLang="en-US" sz="800" dirty="0" err="1">
+                <a:latin typeface="제주고딕" panose="02000300000000000000" pitchFamily="2" charset="-127"/>
+                <a:ea typeface="제주고딕" panose="02000300000000000000" pitchFamily="2" charset="-127"/>
+              </a:rPr>
+              <a:t>에</a:t>
+            </a:r>
+            <a:r>
+              <a:rPr lang="ko-KR" altLang="en-US" sz="800" dirty="0">
+                <a:latin typeface="제주고딕" panose="02000300000000000000" pitchFamily="2" charset="-127"/>
+                <a:ea typeface="제주고딕" panose="02000300000000000000" pitchFamily="2" charset="-127"/>
+              </a:rPr>
+              <a:t> </a:t>
+            </a:r>
+            <a:r>
+              <a:rPr lang="en-US" altLang="ko-KR" sz="800" b="1" dirty="0">
+                <a:latin typeface="제주고딕" panose="02000300000000000000" pitchFamily="2" charset="-127"/>
+                <a:ea typeface="제주고딕" panose="02000300000000000000" pitchFamily="2" charset="-127"/>
+              </a:rPr>
+              <a:t>2</a:t>
+            </a:r>
+            <a:r>
+              <a:rPr lang="ko-KR" altLang="en-US" sz="800" b="1" dirty="0">
+                <a:latin typeface="제주고딕" panose="02000300000000000000" pitchFamily="2" charset="-127"/>
+                <a:ea typeface="제주고딕" panose="02000300000000000000" pitchFamily="2" charset="-127"/>
+              </a:rPr>
+              <a:t>편의 논문</a:t>
+            </a:r>
+            <a:r>
+              <a:rPr lang="ko-KR" altLang="en-US" sz="800" dirty="0">
+                <a:latin typeface="제주고딕" panose="02000300000000000000" pitchFamily="2" charset="-127"/>
+                <a:ea typeface="제주고딕" panose="02000300000000000000" pitchFamily="2" charset="-127"/>
+              </a:rPr>
+              <a:t>이 게재 승인되었습니다 </a:t>
+            </a:r>
+            <a:r>
+              <a:rPr lang="en-US" altLang="ko-KR" sz="800" i="0" dirty="0">
+                <a:solidFill>
+                  <a:srgbClr val="A52A2A"/>
+                </a:solidFill>
+                <a:effectLst/>
+                <a:latin typeface="제주고딕" panose="02000300000000000000" pitchFamily="2" charset="-127"/>
+                <a:ea typeface="제주고딕" panose="02000300000000000000" pitchFamily="2" charset="-127"/>
+              </a:rPr>
+              <a:t>(BK Plus Computer Science IF=3)</a:t>
+            </a:r>
+            <a:r>
+              <a:rPr lang="en-US" altLang="ko-KR" sz="800" dirty="0">
+                <a:latin typeface="제주고딕" panose="02000300000000000000" pitchFamily="2" charset="-127"/>
+                <a:ea typeface="제주고딕" panose="02000300000000000000" pitchFamily="2" charset="-127"/>
+              </a:rPr>
+              <a:t>.</a:t>
+            </a:r>
+          </a:p>
+        </p:txBody>
+      </p:sp>
     </p:spTree>
     <p:extLst>
       <p:ext uri="{BB962C8B-B14F-4D97-AF65-F5344CB8AC3E}">

--- a/assets/img/notice_panel-1.pptx
+++ b/assets/img/notice_panel-1.pptx
@@ -260,7 +260,7 @@
           <a:p>
             <a:fld id="{91C883BF-99AE-42FD-96B8-D02942FEBE9A}" type="datetimeFigureOut">
               <a:rPr lang="ko-KR" altLang="en-US" smtClean="0"/>
-              <a:t>2024. 10. 6.</a:t>
+              <a:t>2024. 12. 29.</a:t>
             </a:fld>
             <a:endParaRPr lang="ko-KR" altLang="en-US" dirty="0"/>
           </a:p>
@@ -458,7 +458,7 @@
           <a:p>
             <a:fld id="{91C883BF-99AE-42FD-96B8-D02942FEBE9A}" type="datetimeFigureOut">
               <a:rPr lang="ko-KR" altLang="en-US" smtClean="0"/>
-              <a:t>2024. 10. 6.</a:t>
+              <a:t>2024. 12. 29.</a:t>
             </a:fld>
             <a:endParaRPr lang="ko-KR" altLang="en-US" dirty="0"/>
           </a:p>
@@ -666,7 +666,7 @@
           <a:p>
             <a:fld id="{91C883BF-99AE-42FD-96B8-D02942FEBE9A}" type="datetimeFigureOut">
               <a:rPr lang="ko-KR" altLang="en-US" smtClean="0"/>
-              <a:t>2024. 10. 6.</a:t>
+              <a:t>2024. 12. 29.</a:t>
             </a:fld>
             <a:endParaRPr lang="ko-KR" altLang="en-US" dirty="0"/>
           </a:p>
@@ -864,7 +864,7 @@
           <a:p>
             <a:fld id="{91C883BF-99AE-42FD-96B8-D02942FEBE9A}" type="datetimeFigureOut">
               <a:rPr lang="ko-KR" altLang="en-US" smtClean="0"/>
-              <a:t>2024. 10. 6.</a:t>
+              <a:t>2024. 12. 29.</a:t>
             </a:fld>
             <a:endParaRPr lang="ko-KR" altLang="en-US" dirty="0"/>
           </a:p>
@@ -1139,7 +1139,7 @@
           <a:p>
             <a:fld id="{91C883BF-99AE-42FD-96B8-D02942FEBE9A}" type="datetimeFigureOut">
               <a:rPr lang="ko-KR" altLang="en-US" smtClean="0"/>
-              <a:t>2024. 10. 6.</a:t>
+              <a:t>2024. 12. 29.</a:t>
             </a:fld>
             <a:endParaRPr lang="ko-KR" altLang="en-US" dirty="0"/>
           </a:p>
@@ -1404,7 +1404,7 @@
           <a:p>
             <a:fld id="{91C883BF-99AE-42FD-96B8-D02942FEBE9A}" type="datetimeFigureOut">
               <a:rPr lang="ko-KR" altLang="en-US" smtClean="0"/>
-              <a:t>2024. 10. 6.</a:t>
+              <a:t>2024. 12. 29.</a:t>
             </a:fld>
             <a:endParaRPr lang="ko-KR" altLang="en-US" dirty="0"/>
           </a:p>
@@ -1816,7 +1816,7 @@
           <a:p>
             <a:fld id="{91C883BF-99AE-42FD-96B8-D02942FEBE9A}" type="datetimeFigureOut">
               <a:rPr lang="ko-KR" altLang="en-US" smtClean="0"/>
-              <a:t>2024. 10. 6.</a:t>
+              <a:t>2024. 12. 29.</a:t>
             </a:fld>
             <a:endParaRPr lang="ko-KR" altLang="en-US" dirty="0"/>
           </a:p>
@@ -1957,7 +1957,7 @@
           <a:p>
             <a:fld id="{91C883BF-99AE-42FD-96B8-D02942FEBE9A}" type="datetimeFigureOut">
               <a:rPr lang="ko-KR" altLang="en-US" smtClean="0"/>
-              <a:t>2024. 10. 6.</a:t>
+              <a:t>2024. 12. 29.</a:t>
             </a:fld>
             <a:endParaRPr lang="ko-KR" altLang="en-US" dirty="0"/>
           </a:p>
@@ -2070,7 +2070,7 @@
           <a:p>
             <a:fld id="{91C883BF-99AE-42FD-96B8-D02942FEBE9A}" type="datetimeFigureOut">
               <a:rPr lang="ko-KR" altLang="en-US" smtClean="0"/>
-              <a:t>2024. 10. 6.</a:t>
+              <a:t>2024. 12. 29.</a:t>
             </a:fld>
             <a:endParaRPr lang="ko-KR" altLang="en-US" dirty="0"/>
           </a:p>
@@ -2381,7 +2381,7 @@
           <a:p>
             <a:fld id="{91C883BF-99AE-42FD-96B8-D02942FEBE9A}" type="datetimeFigureOut">
               <a:rPr lang="ko-KR" altLang="en-US" smtClean="0"/>
-              <a:t>2024. 10. 6.</a:t>
+              <a:t>2024. 12. 29.</a:t>
             </a:fld>
             <a:endParaRPr lang="ko-KR" altLang="en-US" dirty="0"/>
           </a:p>
@@ -2669,7 +2669,7 @@
           <a:p>
             <a:fld id="{91C883BF-99AE-42FD-96B8-D02942FEBE9A}" type="datetimeFigureOut">
               <a:rPr lang="ko-KR" altLang="en-US" smtClean="0"/>
-              <a:t>2024. 10. 6.</a:t>
+              <a:t>2024. 12. 29.</a:t>
             </a:fld>
             <a:endParaRPr lang="ko-KR" altLang="en-US" dirty="0"/>
           </a:p>
@@ -2910,7 +2910,7 @@
           <a:p>
             <a:fld id="{91C883BF-99AE-42FD-96B8-D02942FEBE9A}" type="datetimeFigureOut">
               <a:rPr lang="ko-KR" altLang="en-US" smtClean="0"/>
-              <a:t>2024. 10. 6.</a:t>
+              <a:t>2024. 12. 29.</a:t>
             </a:fld>
             <a:endParaRPr lang="ko-KR" altLang="en-US" dirty="0"/>
           </a:p>

--- a/assets/img/notice_panel-1.pptx
+++ b/assets/img/notice_panel-1.pptx
@@ -260,7 +260,7 @@
           <a:p>
             <a:fld id="{91C883BF-99AE-42FD-96B8-D02942FEBE9A}" type="datetimeFigureOut">
               <a:rPr lang="ko-KR" altLang="en-US" smtClean="0"/>
-              <a:t>2024. 12. 29.</a:t>
+              <a:t>2025. 1. 4.</a:t>
             </a:fld>
             <a:endParaRPr lang="ko-KR" altLang="en-US" dirty="0"/>
           </a:p>
@@ -458,7 +458,7 @@
           <a:p>
             <a:fld id="{91C883BF-99AE-42FD-96B8-D02942FEBE9A}" type="datetimeFigureOut">
               <a:rPr lang="ko-KR" altLang="en-US" smtClean="0"/>
-              <a:t>2024. 12. 29.</a:t>
+              <a:t>2025. 1. 4.</a:t>
             </a:fld>
             <a:endParaRPr lang="ko-KR" altLang="en-US" dirty="0"/>
           </a:p>
@@ -666,7 +666,7 @@
           <a:p>
             <a:fld id="{91C883BF-99AE-42FD-96B8-D02942FEBE9A}" type="datetimeFigureOut">
               <a:rPr lang="ko-KR" altLang="en-US" smtClean="0"/>
-              <a:t>2024. 12. 29.</a:t>
+              <a:t>2025. 1. 4.</a:t>
             </a:fld>
             <a:endParaRPr lang="ko-KR" altLang="en-US" dirty="0"/>
           </a:p>
@@ -864,7 +864,7 @@
           <a:p>
             <a:fld id="{91C883BF-99AE-42FD-96B8-D02942FEBE9A}" type="datetimeFigureOut">
               <a:rPr lang="ko-KR" altLang="en-US" smtClean="0"/>
-              <a:t>2024. 12. 29.</a:t>
+              <a:t>2025. 1. 4.</a:t>
             </a:fld>
             <a:endParaRPr lang="ko-KR" altLang="en-US" dirty="0"/>
           </a:p>
@@ -1139,7 +1139,7 @@
           <a:p>
             <a:fld id="{91C883BF-99AE-42FD-96B8-D02942FEBE9A}" type="datetimeFigureOut">
               <a:rPr lang="ko-KR" altLang="en-US" smtClean="0"/>
-              <a:t>2024. 12. 29.</a:t>
+              <a:t>2025. 1. 4.</a:t>
             </a:fld>
             <a:endParaRPr lang="ko-KR" altLang="en-US" dirty="0"/>
           </a:p>
@@ -1404,7 +1404,7 @@
           <a:p>
             <a:fld id="{91C883BF-99AE-42FD-96B8-D02942FEBE9A}" type="datetimeFigureOut">
               <a:rPr lang="ko-KR" altLang="en-US" smtClean="0"/>
-              <a:t>2024. 12. 29.</a:t>
+              <a:t>2025. 1. 4.</a:t>
             </a:fld>
             <a:endParaRPr lang="ko-KR" altLang="en-US" dirty="0"/>
           </a:p>
@@ -1816,7 +1816,7 @@
           <a:p>
             <a:fld id="{91C883BF-99AE-42FD-96B8-D02942FEBE9A}" type="datetimeFigureOut">
               <a:rPr lang="ko-KR" altLang="en-US" smtClean="0"/>
-              <a:t>2024. 12. 29.</a:t>
+              <a:t>2025. 1. 4.</a:t>
             </a:fld>
             <a:endParaRPr lang="ko-KR" altLang="en-US" dirty="0"/>
           </a:p>
@@ -1957,7 +1957,7 @@
           <a:p>
             <a:fld id="{91C883BF-99AE-42FD-96B8-D02942FEBE9A}" type="datetimeFigureOut">
               <a:rPr lang="ko-KR" altLang="en-US" smtClean="0"/>
-              <a:t>2024. 12. 29.</a:t>
+              <a:t>2025. 1. 4.</a:t>
             </a:fld>
             <a:endParaRPr lang="ko-KR" altLang="en-US" dirty="0"/>
           </a:p>
@@ -2070,7 +2070,7 @@
           <a:p>
             <a:fld id="{91C883BF-99AE-42FD-96B8-D02942FEBE9A}" type="datetimeFigureOut">
               <a:rPr lang="ko-KR" altLang="en-US" smtClean="0"/>
-              <a:t>2024. 12. 29.</a:t>
+              <a:t>2025. 1. 4.</a:t>
             </a:fld>
             <a:endParaRPr lang="ko-KR" altLang="en-US" dirty="0"/>
           </a:p>
@@ -2381,7 +2381,7 @@
           <a:p>
             <a:fld id="{91C883BF-99AE-42FD-96B8-D02942FEBE9A}" type="datetimeFigureOut">
               <a:rPr lang="ko-KR" altLang="en-US" smtClean="0"/>
-              <a:t>2024. 12. 29.</a:t>
+              <a:t>2025. 1. 4.</a:t>
             </a:fld>
             <a:endParaRPr lang="ko-KR" altLang="en-US" dirty="0"/>
           </a:p>
@@ -2669,7 +2669,7 @@
           <a:p>
             <a:fld id="{91C883BF-99AE-42FD-96B8-D02942FEBE9A}" type="datetimeFigureOut">
               <a:rPr lang="ko-KR" altLang="en-US" smtClean="0"/>
-              <a:t>2024. 12. 29.</a:t>
+              <a:t>2025. 1. 4.</a:t>
             </a:fld>
             <a:endParaRPr lang="ko-KR" altLang="en-US" dirty="0"/>
           </a:p>
@@ -2910,7 +2910,7 @@
           <a:p>
             <a:fld id="{91C883BF-99AE-42FD-96B8-D02942FEBE9A}" type="datetimeFigureOut">
               <a:rPr lang="ko-KR" altLang="en-US" smtClean="0"/>
-              <a:t>2024. 12. 29.</a:t>
+              <a:t>2025. 1. 4.</a:t>
             </a:fld>
             <a:endParaRPr lang="ko-KR" altLang="en-US" dirty="0"/>
           </a:p>
@@ -8416,105 +8416,55 @@
           </p:spPr>
         </p:pic>
       </p:grpSp>
-      <p:grpSp>
-        <p:nvGrpSpPr>
-          <p:cNvPr id="96" name="그룹 95">
-            <a:extLst>
-              <a:ext uri="{FF2B5EF4-FFF2-40B4-BE49-F238E27FC236}">
-                <a16:creationId xmlns:a16="http://schemas.microsoft.com/office/drawing/2014/main" id="{84105939-428D-2D03-4728-017C1D3739EA}"/>
-              </a:ext>
-            </a:extLst>
-          </p:cNvPr>
-          <p:cNvGrpSpPr/>
+      <p:sp>
+        <p:nvSpPr>
+          <p:cNvPr id="78" name="TextBox 77">
+            <a:extLst>
+              <a:ext uri="{FF2B5EF4-FFF2-40B4-BE49-F238E27FC236}">
+                <a16:creationId xmlns:a16="http://schemas.microsoft.com/office/drawing/2014/main" id="{8223737C-A497-5990-AF53-82FB00954F3E}"/>
+              </a:ext>
+            </a:extLst>
+          </p:cNvPr>
+          <p:cNvSpPr txBox="1"/>
           <p:nvPr/>
-        </p:nvGrpSpPr>
-        <p:grpSpPr>
+        </p:nvSpPr>
+        <p:spPr>
           <a:xfrm>
-            <a:off x="3602252" y="2751122"/>
-            <a:ext cx="1206136" cy="169277"/>
-            <a:chOff x="3602252" y="2714691"/>
-            <a:chExt cx="1206136" cy="169277"/>
+            <a:off x="3993246" y="2751122"/>
+            <a:ext cx="815142" cy="169277"/>
           </a:xfrm>
-        </p:grpSpPr>
-        <p:sp>
-          <p:nvSpPr>
-            <p:cNvPr id="78" name="TextBox 77">
-              <a:extLst>
-                <a:ext uri="{FF2B5EF4-FFF2-40B4-BE49-F238E27FC236}">
-                  <a16:creationId xmlns:a16="http://schemas.microsoft.com/office/drawing/2014/main" id="{8223737C-A497-5990-AF53-82FB00954F3E}"/>
-                </a:ext>
-              </a:extLst>
-            </p:cNvPr>
-            <p:cNvSpPr txBox="1"/>
-            <p:nvPr/>
-          </p:nvSpPr>
-          <p:spPr>
-            <a:xfrm>
-              <a:off x="3993246" y="2714691"/>
-              <a:ext cx="815142" cy="169277"/>
-            </a:xfrm>
-            <a:prstGeom prst="rect">
-              <a:avLst/>
-            </a:prstGeom>
-            <a:noFill/>
-          </p:spPr>
-          <p:txBody>
-            <a:bodyPr wrap="square" rtlCol="0">
-              <a:spAutoFit/>
-            </a:bodyPr>
-            <a:lstStyle/>
-            <a:p>
-              <a:r>
-                <a:rPr lang="en-US" altLang="ko-KR" sz="500">
-                  <a:latin typeface="JejuGothic" panose="02000300000000000000" pitchFamily="2" charset="-127"/>
-                  <a:ea typeface="JejuGothic" panose="02000300000000000000" pitchFamily="2" charset="-127"/>
-                </a:rPr>
-                <a:t>Saltlux </a:t>
-              </a:r>
-              <a:r>
-                <a:rPr lang="ko-KR" altLang="en-US" sz="500">
-                  <a:latin typeface="JejuGothic" panose="02000300000000000000" pitchFamily="2" charset="-127"/>
-                  <a:ea typeface="JejuGothic" panose="02000300000000000000" pitchFamily="2" charset="-127"/>
-                </a:rPr>
-                <a:t>유재아</a:t>
-              </a:r>
-              <a:endParaRPr lang="ko-KR" altLang="en-US" sz="500" dirty="0">
+          <a:prstGeom prst="rect">
+            <a:avLst/>
+          </a:prstGeom>
+          <a:noFill/>
+        </p:spPr>
+        <p:txBody>
+          <a:bodyPr wrap="square" rtlCol="0">
+            <a:spAutoFit/>
+          </a:bodyPr>
+          <a:lstStyle/>
+          <a:p>
+            <a:r>
+              <a:rPr lang="en-US" altLang="ko-KR" sz="500" dirty="0">
                 <a:latin typeface="JejuGothic" panose="02000300000000000000" pitchFamily="2" charset="-127"/>
                 <a:ea typeface="JejuGothic" panose="02000300000000000000" pitchFamily="2" charset="-127"/>
-              </a:endParaRPr>
-            </a:p>
-          </p:txBody>
-        </p:sp>
-        <p:pic>
-          <p:nvPicPr>
-            <p:cNvPr id="93" name="그림 92">
-              <a:extLst>
-                <a:ext uri="{FF2B5EF4-FFF2-40B4-BE49-F238E27FC236}">
-                  <a16:creationId xmlns:a16="http://schemas.microsoft.com/office/drawing/2014/main" id="{FA27A2E4-3622-762F-D71D-A5EB4A99D09B}"/>
-                </a:ext>
-              </a:extLst>
-            </p:cNvPr>
-            <p:cNvPicPr>
-              <a:picLocks noChangeAspect="1"/>
-            </p:cNvPicPr>
-            <p:nvPr/>
-          </p:nvPicPr>
-          <p:blipFill rotWithShape="1">
-            <a:blip r:embed="rId18"/>
-            <a:srcRect b="35490"/>
-            <a:stretch/>
-          </p:blipFill>
-          <p:spPr>
-            <a:xfrm>
-              <a:off x="3602252" y="2739699"/>
-              <a:ext cx="377704" cy="96706"/>
-            </a:xfrm>
-            <a:prstGeom prst="rect">
-              <a:avLst/>
-            </a:prstGeom>
-          </p:spPr>
-        </p:pic>
-      </p:grpSp>
+              </a:rPr>
+              <a:t>HYUNDIA </a:t>
+            </a:r>
+            <a:r>
+              <a:rPr lang="ko-KR" altLang="en-US" sz="500" dirty="0" err="1">
+                <a:latin typeface="JejuGothic" panose="02000300000000000000" pitchFamily="2" charset="-127"/>
+                <a:ea typeface="JejuGothic" panose="02000300000000000000" pitchFamily="2" charset="-127"/>
+              </a:rPr>
+              <a:t>유재아</a:t>
+            </a:r>
+            <a:endParaRPr lang="ko-KR" altLang="en-US" sz="500" dirty="0">
+              <a:latin typeface="JejuGothic" panose="02000300000000000000" pitchFamily="2" charset="-127"/>
+              <a:ea typeface="JejuGothic" panose="02000300000000000000" pitchFamily="2" charset="-127"/>
+            </a:endParaRPr>
+          </a:p>
+        </p:txBody>
+      </p:sp>
       <p:grpSp>
         <p:nvGrpSpPr>
           <p:cNvPr id="94" name="그룹 93">
@@ -8606,7 +8556,7 @@
             <p:nvPr/>
           </p:nvPicPr>
           <p:blipFill>
-            <a:blip r:embed="rId19"/>
+            <a:blip r:embed="rId18"/>
             <a:stretch>
               <a:fillRect/>
             </a:stretch>
@@ -8949,6 +8899,36 @@
           </a:p>
         </p:txBody>
       </p:sp>
+      <p:pic>
+        <p:nvPicPr>
+          <p:cNvPr id="57" name="Picture 56">
+            <a:extLst>
+              <a:ext uri="{FF2B5EF4-FFF2-40B4-BE49-F238E27FC236}">
+                <a16:creationId xmlns:a16="http://schemas.microsoft.com/office/drawing/2014/main" id="{6740F0CD-AC1C-0872-3F1E-7A678F580A3C}"/>
+              </a:ext>
+            </a:extLst>
+          </p:cNvPr>
+          <p:cNvPicPr>
+            <a:picLocks noChangeAspect="1"/>
+          </p:cNvPicPr>
+          <p:nvPr/>
+        </p:nvPicPr>
+        <p:blipFill>
+          <a:blip r:embed="rId19"/>
+          <a:stretch>
+            <a:fillRect/>
+          </a:stretch>
+        </p:blipFill>
+        <p:spPr>
+          <a:xfrm>
+            <a:off x="3610370" y="2773007"/>
+            <a:ext cx="382876" cy="110819"/>
+          </a:xfrm>
+          <a:prstGeom prst="rect">
+            <a:avLst/>
+          </a:prstGeom>
+        </p:spPr>
+      </p:pic>
     </p:spTree>
     <p:extLst>
       <p:ext uri="{BB962C8B-B14F-4D97-AF65-F5344CB8AC3E}">
